--- a/slides/L11 State_transition.pptx
+++ b/slides/L11 State_transition.pptx
@@ -8,9 +8,10 @@
   <p:sldIdLst>
     <p:sldId id="256" r:id="rId3"/>
     <p:sldId id="267" r:id="rId4"/>
-    <p:sldId id="292" r:id="rId5"/>
-    <p:sldId id="293" r:id="rId6"/>
-    <p:sldId id="294" r:id="rId7"/>
+    <p:sldId id="295" r:id="rId5"/>
+    <p:sldId id="292" r:id="rId6"/>
+    <p:sldId id="293" r:id="rId7"/>
+    <p:sldId id="294" r:id="rId8"/>
   </p:sldIdLst>
   <p:sldSz cx="12192000" cy="6858000"/>
   <p:notesSz cx="6858000" cy="9144000"/>
@@ -109,6 +110,11 @@
       </a:defRPr>
     </a:lvl9pPr>
   </p:defaultTextStyle>
+  <p:extLst>
+    <p:ext uri="{EFAFB233-063F-42B5-8137-9DF3F51BA10A}">
+      <p15:sldGuideLst xmlns:p15="http://schemas.microsoft.com/office/powerpoint/2012/main"/>
+    </p:ext>
+  </p:extLst>
 </p:presentation>
 </file>
 
@@ -259,7 +265,7 @@
           <a:p>
             <a:fld id="{E965B5F8-2D56-4E8E-8AA3-31DB237BD4B3}" type="datetimeFigureOut">
               <a:rPr lang="en-US" smtClean="0"/>
-              <a:t>3/15/2024</a:t>
+              <a:t>3/23/2024</a:t>
             </a:fld>
             <a:endParaRPr lang="en-US"/>
           </a:p>
@@ -457,7 +463,7 @@
           <a:p>
             <a:fld id="{E965B5F8-2D56-4E8E-8AA3-31DB237BD4B3}" type="datetimeFigureOut">
               <a:rPr lang="en-US" smtClean="0"/>
-              <a:t>3/15/2024</a:t>
+              <a:t>3/23/2024</a:t>
             </a:fld>
             <a:endParaRPr lang="en-US"/>
           </a:p>
@@ -665,7 +671,7 @@
           <a:p>
             <a:fld id="{E965B5F8-2D56-4E8E-8AA3-31DB237BD4B3}" type="datetimeFigureOut">
               <a:rPr lang="en-US" smtClean="0"/>
-              <a:t>3/15/2024</a:t>
+              <a:t>3/23/2024</a:t>
             </a:fld>
             <a:endParaRPr lang="en-US"/>
           </a:p>
@@ -923,7 +929,7 @@
               <a:pPr>
                 <a:defRPr/>
               </a:pPr>
-              <a:t>3/15/2024</a:t>
+              <a:t>3/23/2024</a:t>
             </a:fld>
             <a:endParaRPr lang="en-US"/>
           </a:p>
@@ -1105,7 +1111,7 @@
               <a:pPr>
                 <a:defRPr/>
               </a:pPr>
-              <a:t>3/15/2024</a:t>
+              <a:t>3/23/2024</a:t>
             </a:fld>
             <a:endParaRPr lang="en-US"/>
           </a:p>
@@ -1364,7 +1370,7 @@
               <a:pPr>
                 <a:defRPr/>
               </a:pPr>
-              <a:t>3/15/2024</a:t>
+              <a:t>3/23/2024</a:t>
             </a:fld>
             <a:endParaRPr lang="en-US"/>
           </a:p>
@@ -1663,7 +1669,7 @@
               <a:pPr>
                 <a:defRPr/>
               </a:pPr>
-              <a:t>3/15/2024</a:t>
+              <a:t>3/23/2024</a:t>
             </a:fld>
             <a:endParaRPr lang="en-US"/>
           </a:p>
@@ -2096,7 +2102,7 @@
               <a:pPr>
                 <a:defRPr/>
               </a:pPr>
-              <a:t>3/15/2024</a:t>
+              <a:t>3/23/2024</a:t>
             </a:fld>
             <a:endParaRPr lang="en-US"/>
           </a:p>
@@ -2227,7 +2233,7 @@
               <a:pPr>
                 <a:defRPr/>
               </a:pPr>
-              <a:t>3/15/2024</a:t>
+              <a:t>3/23/2024</a:t>
             </a:fld>
             <a:endParaRPr lang="en-US"/>
           </a:p>
@@ -2336,7 +2342,7 @@
               <a:pPr>
                 <a:defRPr/>
               </a:pPr>
-              <a:t>3/15/2024</a:t>
+              <a:t>3/23/2024</a:t>
             </a:fld>
             <a:endParaRPr lang="en-US"/>
           </a:p>
@@ -2625,7 +2631,7 @@
               <a:pPr>
                 <a:defRPr/>
               </a:pPr>
-              <a:t>3/15/2024</a:t>
+              <a:t>3/23/2024</a:t>
             </a:fld>
             <a:endParaRPr lang="en-US"/>
           </a:p>
@@ -2819,7 +2825,7 @@
           <a:p>
             <a:fld id="{E965B5F8-2D56-4E8E-8AA3-31DB237BD4B3}" type="datetimeFigureOut">
               <a:rPr lang="en-US" smtClean="0"/>
-              <a:t>3/15/2024</a:t>
+              <a:t>3/23/2024</a:t>
             </a:fld>
             <a:endParaRPr lang="en-US"/>
           </a:p>
@@ -3120,7 +3126,7 @@
               <a:pPr>
                 <a:defRPr/>
               </a:pPr>
-              <a:t>3/15/2024</a:t>
+              <a:t>3/23/2024</a:t>
             </a:fld>
             <a:endParaRPr lang="en-US"/>
           </a:p>
@@ -3302,7 +3308,7 @@
               <a:pPr>
                 <a:defRPr/>
               </a:pPr>
-              <a:t>3/15/2024</a:t>
+              <a:t>3/23/2024</a:t>
             </a:fld>
             <a:endParaRPr lang="en-US"/>
           </a:p>
@@ -3494,7 +3500,7 @@
               <a:pPr>
                 <a:defRPr/>
               </a:pPr>
-              <a:t>3/15/2024</a:t>
+              <a:t>3/23/2024</a:t>
             </a:fld>
             <a:endParaRPr lang="en-US"/>
           </a:p>
@@ -3685,7 +3691,7 @@
               <a:pPr>
                 <a:defRPr/>
               </a:pPr>
-              <a:t>3/15/2024</a:t>
+              <a:t>3/23/2024</a:t>
             </a:fld>
             <a:endParaRPr lang="en-US" sz="900"/>
           </a:p>
@@ -3985,7 +3991,7 @@
           <a:p>
             <a:fld id="{E965B5F8-2D56-4E8E-8AA3-31DB237BD4B3}" type="datetimeFigureOut">
               <a:rPr lang="en-US" smtClean="0"/>
-              <a:t>3/15/2024</a:t>
+              <a:t>3/23/2024</a:t>
             </a:fld>
             <a:endParaRPr lang="en-US"/>
           </a:p>
@@ -4250,7 +4256,7 @@
           <a:p>
             <a:fld id="{E965B5F8-2D56-4E8E-8AA3-31DB237BD4B3}" type="datetimeFigureOut">
               <a:rPr lang="en-US" smtClean="0"/>
-              <a:t>3/15/2024</a:t>
+              <a:t>3/23/2024</a:t>
             </a:fld>
             <a:endParaRPr lang="en-US"/>
           </a:p>
@@ -4662,7 +4668,7 @@
           <a:p>
             <a:fld id="{E965B5F8-2D56-4E8E-8AA3-31DB237BD4B3}" type="datetimeFigureOut">
               <a:rPr lang="en-US" smtClean="0"/>
-              <a:t>3/15/2024</a:t>
+              <a:t>3/23/2024</a:t>
             </a:fld>
             <a:endParaRPr lang="en-US"/>
           </a:p>
@@ -4803,7 +4809,7 @@
           <a:p>
             <a:fld id="{E965B5F8-2D56-4E8E-8AA3-31DB237BD4B3}" type="datetimeFigureOut">
               <a:rPr lang="en-US" smtClean="0"/>
-              <a:t>3/15/2024</a:t>
+              <a:t>3/23/2024</a:t>
             </a:fld>
             <a:endParaRPr lang="en-US"/>
           </a:p>
@@ -4916,7 +4922,7 @@
           <a:p>
             <a:fld id="{E965B5F8-2D56-4E8E-8AA3-31DB237BD4B3}" type="datetimeFigureOut">
               <a:rPr lang="en-US" smtClean="0"/>
-              <a:t>3/15/2024</a:t>
+              <a:t>3/23/2024</a:t>
             </a:fld>
             <a:endParaRPr lang="en-US"/>
           </a:p>
@@ -5227,7 +5233,7 @@
           <a:p>
             <a:fld id="{E965B5F8-2D56-4E8E-8AA3-31DB237BD4B3}" type="datetimeFigureOut">
               <a:rPr lang="en-US" smtClean="0"/>
-              <a:t>3/15/2024</a:t>
+              <a:t>3/23/2024</a:t>
             </a:fld>
             <a:endParaRPr lang="en-US"/>
           </a:p>
@@ -5515,7 +5521,7 @@
           <a:p>
             <a:fld id="{E965B5F8-2D56-4E8E-8AA3-31DB237BD4B3}" type="datetimeFigureOut">
               <a:rPr lang="en-US" smtClean="0"/>
-              <a:t>3/15/2024</a:t>
+              <a:t>3/23/2024</a:t>
             </a:fld>
             <a:endParaRPr lang="en-US"/>
           </a:p>
@@ -5756,7 +5762,7 @@
           <a:p>
             <a:fld id="{E965B5F8-2D56-4E8E-8AA3-31DB237BD4B3}" type="datetimeFigureOut">
               <a:rPr lang="en-US" smtClean="0"/>
-              <a:t>3/15/2024</a:t>
+              <a:t>3/23/2024</a:t>
             </a:fld>
             <a:endParaRPr lang="en-US"/>
           </a:p>
@@ -6325,7 +6331,7 @@
               <a:pPr>
                 <a:defRPr/>
               </a:pPr>
-              <a:t>3/15/2024</a:t>
+              <a:t>3/23/2024</a:t>
             </a:fld>
             <a:endParaRPr lang="en-US"/>
           </a:p>
@@ -6868,14 +6874,14 @@
           <a:lstStyle/>
           <a:p>
             <a:r>
-              <a:rPr lang="en-US" dirty="0"/>
+              <a:rPr lang="en-US" b="1" dirty="0"/>
               <a:t>Black Box Testing</a:t>
             </a:r>
             <a:br>
               <a:rPr lang="en-US" dirty="0"/>
             </a:br>
             <a:r>
-              <a:rPr lang="en-US" dirty="0"/>
+              <a:rPr lang="en-US" b="1" dirty="0"/>
               <a:t>State Transition Testing</a:t>
             </a:r>
           </a:p>
@@ -6970,8 +6976,8 @@
         </p:nvSpPr>
         <p:spPr>
           <a:xfrm>
-            <a:off x="1981200" y="1600200"/>
-            <a:ext cx="8229600" cy="4114800"/>
+            <a:off x="1981199" y="1600200"/>
+            <a:ext cx="9051985" cy="5059392"/>
           </a:xfrm>
         </p:spPr>
         <p:txBody>
@@ -6979,12 +6985,55 @@
           <a:lstStyle/>
           <a:p>
             <a:pPr algn="just">
-              <a:buNone/>
+              <a:buFont typeface="Wingdings" panose="05000000000000000000" pitchFamily="2" charset="2"/>
+              <a:buChar char="ü"/>
             </a:pPr>
             <a:r>
               <a:rPr sz="2400" dirty="0"/>
-              <a:t>		State transition testing is used where some aspect of the system can be described in what is called a 'finite state machine'. This simply means that the system can be in a (finite) number of different states, and the transitions from one state to another are determined by the rules of the 'machine'. This is the model on which the system and the tests are based. Any system where you get a different output for the same input, depending on what has happened before, is a finite state system. A finite state system is often shown as a state diagram</a:t>
-            </a:r>
+              <a:t>State transition testing is used where some aspect of the system can be described in what is called a '</a:t>
+            </a:r>
+            <a:r>
+              <a:rPr sz="2400" i="1" dirty="0">
+                <a:solidFill>
+                  <a:schemeClr val="tx2">
+                    <a:lumMod val="60000"/>
+                    <a:lumOff val="40000"/>
+                  </a:schemeClr>
+                </a:solidFill>
+              </a:rPr>
+              <a:t>finite state machine</a:t>
+            </a:r>
+            <a:r>
+              <a:rPr sz="2400" dirty="0"/>
+              <a:t>'. </a:t>
+            </a:r>
+            <a:endParaRPr lang="en-US" sz="2400" dirty="0"/>
+          </a:p>
+          <a:p>
+            <a:pPr lvl="1" algn="just">
+              <a:buFont typeface="Wingdings" panose="05000000000000000000" pitchFamily="2" charset="2"/>
+              <a:buChar char="ü"/>
+            </a:pPr>
+            <a:r>
+              <a:rPr sz="2000" dirty="0"/>
+              <a:t>This simply means that the system can be in a (finite) number of different states, and the transitions from one state to another are determined by the rules of the </a:t>
+            </a:r>
+            <a:r>
+              <a:rPr sz="2000" dirty="0">
+                <a:solidFill>
+                  <a:schemeClr val="tx2">
+                    <a:lumMod val="60000"/>
+                    <a:lumOff val="40000"/>
+                  </a:schemeClr>
+                </a:solidFill>
+              </a:rPr>
+              <a:t>'machine</a:t>
+            </a:r>
+            <a:r>
+              <a:rPr sz="2000" dirty="0"/>
+              <a:t>'. </a:t>
+            </a:r>
+            <a:endParaRPr lang="en-US" sz="2000" dirty="0"/>
           </a:p>
         </p:txBody>
       </p:sp>
@@ -7015,7 +7064,13 @@
       </p:grpSpPr>
       <p:sp>
         <p:nvSpPr>
-          <p:cNvPr id="21506" name="Title 1"/>
+          <p:cNvPr id="2" name="Title 1">
+            <a:extLst>
+              <a:ext uri="{FF2B5EF4-FFF2-40B4-BE49-F238E27FC236}">
+                <a16:creationId xmlns:a16="http://schemas.microsoft.com/office/drawing/2014/main" id="{7C0713E1-D62C-6D40-CA5B-BCDB0E8E78E9}"/>
+              </a:ext>
+            </a:extLst>
+          </p:cNvPr>
           <p:cNvSpPr>
             <a:spLocks noGrp="1"/>
           </p:cNvSpPr>
@@ -7025,19 +7080,26 @@
         </p:nvSpPr>
         <p:spPr/>
         <p:txBody>
-          <a:bodyPr vert="horz" wrap="square" lIns="91440" tIns="45720" rIns="91440" bIns="45720" anchor="ctr" anchorCtr="0"/>
-          <a:lstStyle/>
-          <a:p>
-            <a:r>
-              <a:rPr b="1" dirty="0"/>
-              <a:t>State Transition Testing</a:t>
-            </a:r>
-          </a:p>
-        </p:txBody>
-      </p:sp>
-      <p:sp>
-        <p:nvSpPr>
-          <p:cNvPr id="21507" name="Content Placeholder 2"/>
+          <a:bodyPr/>
+          <a:lstStyle/>
+          <a:p>
+            <a:pPr algn="ctr"/>
+            <a:r>
+              <a:rPr lang="en-US" b="1" dirty="0"/>
+              <a:t>Finite State Machine (FSM)</a:t>
+            </a:r>
+          </a:p>
+        </p:txBody>
+      </p:sp>
+      <p:sp>
+        <p:nvSpPr>
+          <p:cNvPr id="3" name="Content Placeholder 2">
+            <a:extLst>
+              <a:ext uri="{FF2B5EF4-FFF2-40B4-BE49-F238E27FC236}">
+                <a16:creationId xmlns:a16="http://schemas.microsoft.com/office/drawing/2014/main" id="{336FF8AB-DB4D-87C7-19CB-BC0AD4150F03}"/>
+              </a:ext>
+            </a:extLst>
+          </p:cNvPr>
           <p:cNvSpPr>
             <a:spLocks noGrp="1"/>
           </p:cNvSpPr>
@@ -7047,71 +7109,65 @@
         </p:nvSpPr>
         <p:spPr>
           <a:xfrm>
-            <a:off x="1981200" y="1600200"/>
-            <a:ext cx="8229600" cy="4114800"/>
+            <a:off x="1990725" y="1825625"/>
+            <a:ext cx="9363075" cy="4351338"/>
           </a:xfrm>
         </p:spPr>
         <p:txBody>
-          <a:bodyPr vert="horz" wrap="square" lIns="91440" tIns="45720" rIns="91440" bIns="45720" anchor="t" anchorCtr="0"/>
-          <a:lstStyle/>
-          <a:p>
-            <a:pPr algn="just">
+          <a:bodyPr/>
+          <a:lstStyle/>
+          <a:p>
+            <a:r>
+              <a:rPr lang="en-US" sz="2400" dirty="0"/>
+              <a:t>An FSM is a behavioral model whose outcome depends upon both previous and current inputs. </a:t>
+            </a:r>
+          </a:p>
+          <a:p>
+            <a:r>
+              <a:rPr lang="en-US" sz="2400" dirty="0"/>
+              <a:t>FSM models can be prepared for software structure or software behavior. </a:t>
+            </a:r>
+          </a:p>
+          <a:p>
+            <a:r>
+              <a:rPr lang="en-US" sz="2400" dirty="0"/>
+              <a:t>It can be used as a tool for functional testing. </a:t>
+            </a:r>
+          </a:p>
+          <a:p>
+            <a:r>
+              <a:rPr lang="en-US" sz="2400" dirty="0"/>
+              <a:t>Many testers prefer to use FSM model as a guide to design functional tests.</a:t>
+            </a:r>
+          </a:p>
+          <a:p>
+            <a:r>
+              <a:rPr lang="en-US" sz="2400" dirty="0"/>
+              <a:t>A finite state system is often shown as a </a:t>
+            </a:r>
+            <a:r>
+              <a:rPr lang="en-US" sz="2400" dirty="0">
+                <a:solidFill>
+                  <a:srgbClr val="FF0000"/>
+                </a:solidFill>
+              </a:rPr>
+              <a:t>state diagram</a:t>
+            </a:r>
+          </a:p>
+          <a:p>
+            <a:pPr marL="0" indent="0">
               <a:buNone/>
             </a:pPr>
-            <a:r>
-              <a:rPr sz="2400" dirty="0"/>
-              <a:t>A state transition model has four basic parts:</a:t>
-            </a:r>
-          </a:p>
-          <a:p>
-            <a:pPr algn="just">
-              <a:buNone/>
-            </a:pPr>
-            <a:endParaRPr sz="2400" dirty="0"/>
-          </a:p>
-          <a:p>
-            <a:pPr algn="just">
-              <a:buFont typeface="Wingdings" panose="05000000000000000000" pitchFamily="2" charset="2"/>
-              <a:buChar char="Ø"/>
-            </a:pPr>
-            <a:r>
-              <a:rPr sz="2400" dirty="0"/>
-              <a:t>the states that the software may occupy (open/closed or funded/insufficient funds);</a:t>
-            </a:r>
-          </a:p>
-          <a:p>
-            <a:pPr algn="just">
-              <a:buFont typeface="Wingdings" panose="05000000000000000000" pitchFamily="2" charset="2"/>
-              <a:buChar char="Ø"/>
-            </a:pPr>
-            <a:r>
-              <a:rPr sz="2400" dirty="0"/>
-              <a:t>the transitions from one state to another (not all transitions are allowed);</a:t>
-            </a:r>
-          </a:p>
-          <a:p>
-            <a:pPr algn="just">
-              <a:buFont typeface="Wingdings" panose="05000000000000000000" pitchFamily="2" charset="2"/>
-              <a:buChar char="Ø"/>
-            </a:pPr>
-            <a:r>
-              <a:rPr sz="2400" dirty="0"/>
-              <a:t>the events that cause a transition (closing a file or withdrawing money);</a:t>
-            </a:r>
-          </a:p>
-          <a:p>
-            <a:pPr algn="just">
-              <a:buFont typeface="Wingdings" panose="05000000000000000000" pitchFamily="2" charset="2"/>
-              <a:buChar char="Ø"/>
-            </a:pPr>
-            <a:r>
-              <a:rPr sz="2400" dirty="0"/>
-              <a:t>the actions that result from a transition (an error message or being given your cash).</a:t>
-            </a:r>
+            <a:endParaRPr lang="en-US" sz="2400" dirty="0"/>
           </a:p>
         </p:txBody>
       </p:sp>
     </p:spTree>
+    <p:extLst>
+      <p:ext uri="{BB962C8B-B14F-4D97-AF65-F5344CB8AC3E}">
+        <p14:creationId xmlns:p14="http://schemas.microsoft.com/office/powerpoint/2010/main" val="1045878739"/>
+      </p:ext>
+    </p:extLst>
   </p:cSld>
   <p:clrMapOvr>
     <a:masterClrMapping/>
@@ -7138,7 +7194,7 @@
       </p:grpSpPr>
       <p:sp>
         <p:nvSpPr>
-          <p:cNvPr id="22530" name="Title 1"/>
+          <p:cNvPr id="21506" name="Title 1"/>
           <p:cNvSpPr>
             <a:spLocks noGrp="1"/>
           </p:cNvSpPr>
@@ -7158,71 +7214,138 @@
           </a:p>
         </p:txBody>
       </p:sp>
-      <p:pic>
-        <p:nvPicPr>
-          <p:cNvPr id="22531" name="Picture 2"/>
-          <p:cNvPicPr>
-            <a:picLocks noGrp="1" noChangeAspect="1"/>
-          </p:cNvPicPr>
+      <p:sp>
+        <p:nvSpPr>
+          <p:cNvPr id="21507" name="Content Placeholder 2"/>
+          <p:cNvSpPr>
+            <a:spLocks noGrp="1"/>
+          </p:cNvSpPr>
           <p:nvPr>
             <p:ph idx="1"/>
           </p:nvPr>
-        </p:nvPicPr>
-        <p:blipFill>
-          <a:blip r:embed="rId2"/>
-          <a:srcRect/>
-          <a:stretch>
-            <a:fillRect/>
-          </a:stretch>
-        </p:blipFill>
+        </p:nvSpPr>
         <p:spPr>
           <a:xfrm>
-            <a:off x="2286001" y="1981200"/>
-            <a:ext cx="7591425" cy="3562350"/>
+            <a:off x="1981200" y="1600200"/>
+            <a:ext cx="8229600" cy="4114800"/>
           </a:xfrm>
         </p:spPr>
-      </p:pic>
-      <p:sp>
-        <p:nvSpPr>
-          <p:cNvPr id="22532" name="TextBox 6"/>
-          <p:cNvSpPr txBox="1"/>
-          <p:nvPr/>
-        </p:nvSpPr>
-        <p:spPr>
-          <a:xfrm>
-            <a:off x="2743200" y="5715000"/>
-            <a:ext cx="6553200" cy="381000"/>
-          </a:xfrm>
-          <a:prstGeom prst="rect">
-            <a:avLst/>
-          </a:prstGeom>
-          <a:noFill/>
-          <a:ln w="9525">
-            <a:noFill/>
-          </a:ln>
-        </p:spPr>
-        <p:txBody>
-          <a:bodyPr>
-            <a:spAutoFit/>
-          </a:bodyPr>
-          <a:lstStyle/>
-          <a:p>
-            <a:pPr algn="ctr" fontAlgn="base">
-              <a:spcBef>
-                <a:spcPct val="0"/>
-              </a:spcBef>
-              <a:spcAft>
-                <a:spcPct val="0"/>
-              </a:spcAft>
+        <p:txBody>
+          <a:bodyPr vert="horz" wrap="square" lIns="91440" tIns="45720" rIns="91440" bIns="45720" anchor="t" anchorCtr="0"/>
+          <a:lstStyle/>
+          <a:p>
+            <a:pPr algn="just">
+              <a:buNone/>
             </a:pPr>
             <a:r>
-              <a:rPr b="1" dirty="0">
+              <a:rPr sz="2400" dirty="0"/>
+              <a:t>A state transition model has </a:t>
+            </a:r>
+            <a:r>
+              <a:rPr sz="2400" dirty="0">
                 <a:solidFill>
-                  <a:prstClr val="black"/>
+                  <a:srgbClr val="FF0000"/>
                 </a:solidFill>
-                <a:latin typeface="Arial" panose="020B0604020202020204" pitchFamily="34" charset="0"/>
               </a:rPr>
-              <a:t>State Diagram for PIN Entry</a:t>
+              <a:t>four</a:t>
+            </a:r>
+            <a:r>
+              <a:rPr sz="2400" dirty="0"/>
+              <a:t> basic parts:</a:t>
+            </a:r>
+          </a:p>
+          <a:p>
+            <a:pPr algn="just">
+              <a:buNone/>
+            </a:pPr>
+            <a:endParaRPr sz="2400" dirty="0"/>
+          </a:p>
+          <a:p>
+            <a:pPr algn="just">
+              <a:buFont typeface="Wingdings" panose="05000000000000000000" pitchFamily="2" charset="2"/>
+              <a:buChar char="Ø"/>
+            </a:pPr>
+            <a:r>
+              <a:rPr sz="2400" dirty="0"/>
+              <a:t>the </a:t>
+            </a:r>
+            <a:r>
+              <a:rPr sz="2400" dirty="0">
+                <a:solidFill>
+                  <a:srgbClr val="FF0000"/>
+                </a:solidFill>
+              </a:rPr>
+              <a:t>states</a:t>
+            </a:r>
+            <a:r>
+              <a:rPr sz="2400" dirty="0"/>
+              <a:t> that the software may occupy (open/closed or funded/insufficient funds);</a:t>
+            </a:r>
+          </a:p>
+          <a:p>
+            <a:pPr algn="just">
+              <a:buFont typeface="Wingdings" panose="05000000000000000000" pitchFamily="2" charset="2"/>
+              <a:buChar char="Ø"/>
+            </a:pPr>
+            <a:r>
+              <a:rPr sz="2400" dirty="0"/>
+              <a:t>the </a:t>
+            </a:r>
+            <a:r>
+              <a:rPr sz="2400" dirty="0">
+                <a:solidFill>
+                  <a:srgbClr val="FF0000"/>
+                </a:solidFill>
+              </a:rPr>
+              <a:t>transitions</a:t>
+            </a:r>
+            <a:r>
+              <a:rPr sz="2400" dirty="0"/>
+              <a:t> from one state to another (not all transitions are allowed);</a:t>
+            </a:r>
+          </a:p>
+          <a:p>
+            <a:pPr algn="just">
+              <a:buFont typeface="Wingdings" panose="05000000000000000000" pitchFamily="2" charset="2"/>
+              <a:buChar char="Ø"/>
+            </a:pPr>
+            <a:r>
+              <a:rPr sz="2400" dirty="0"/>
+              <a:t>the </a:t>
+            </a:r>
+            <a:r>
+              <a:rPr sz="2400" dirty="0">
+                <a:solidFill>
+                  <a:srgbClr val="FF0000"/>
+                </a:solidFill>
+              </a:rPr>
+              <a:t>events that cause </a:t>
+            </a:r>
+            <a:r>
+              <a:rPr sz="2400" dirty="0"/>
+              <a:t>a transition (closing a file or withdrawing money);</a:t>
+            </a:r>
+          </a:p>
+          <a:p>
+            <a:pPr algn="just">
+              <a:buFont typeface="Wingdings" panose="05000000000000000000" pitchFamily="2" charset="2"/>
+              <a:buChar char="Ø"/>
+            </a:pPr>
+            <a:r>
+              <a:rPr sz="2400" dirty="0"/>
+              <a:t>the </a:t>
+            </a:r>
+            <a:r>
+              <a:rPr sz="2400" dirty="0">
+                <a:solidFill>
+                  <a:srgbClr val="FF0000"/>
+                </a:solidFill>
+              </a:rPr>
+              <a:t>actions that result </a:t>
+            </a:r>
+            <a:r>
+              <a:rPr sz="2400" dirty="0"/>
+              <a:t>from a transition (an error message or being given your cash).</a:t>
             </a:r>
           </a:p>
         </p:txBody>
@@ -7254,7 +7377,7 @@
       </p:grpSpPr>
       <p:sp>
         <p:nvSpPr>
-          <p:cNvPr id="23554" name="Title 1"/>
+          <p:cNvPr id="22530" name="Title 1"/>
           <p:cNvSpPr>
             <a:spLocks noGrp="1"/>
           </p:cNvSpPr>
@@ -7274,15 +7397,39 @@
           </a:p>
         </p:txBody>
       </p:sp>
-      <p:sp>
-        <p:nvSpPr>
-          <p:cNvPr id="23556" name="TextBox 6"/>
+      <p:pic>
+        <p:nvPicPr>
+          <p:cNvPr id="22531" name="Picture 2"/>
+          <p:cNvPicPr>
+            <a:picLocks noGrp="1" noChangeAspect="1"/>
+          </p:cNvPicPr>
+          <p:nvPr>
+            <p:ph idx="1"/>
+          </p:nvPr>
+        </p:nvPicPr>
+        <p:blipFill>
+          <a:blip r:embed="rId2"/>
+          <a:srcRect/>
+          <a:stretch>
+            <a:fillRect/>
+          </a:stretch>
+        </p:blipFill>
+        <p:spPr>
+          <a:xfrm>
+            <a:off x="2300287" y="2686050"/>
+            <a:ext cx="7591425" cy="3562350"/>
+          </a:xfrm>
+        </p:spPr>
+      </p:pic>
+      <p:sp>
+        <p:nvSpPr>
+          <p:cNvPr id="22532" name="TextBox 6"/>
           <p:cNvSpPr txBox="1"/>
           <p:nvPr/>
         </p:nvSpPr>
         <p:spPr>
           <a:xfrm>
-            <a:off x="2743200" y="5715000"/>
+            <a:off x="2743200" y="5991225"/>
             <a:ext cx="6553200" cy="381000"/>
           </a:xfrm>
           <a:prstGeom prst="rect">
@@ -7314,6 +7461,160 @@
                 </a:solidFill>
                 <a:latin typeface="Arial" panose="020B0604020202020204" pitchFamily="34" charset="0"/>
               </a:rPr>
+              <a:t>State Diagram for PIN Entry</a:t>
+            </a:r>
+          </a:p>
+        </p:txBody>
+      </p:sp>
+      <p:sp>
+        <p:nvSpPr>
+          <p:cNvPr id="3" name="TextBox 2">
+            <a:extLst>
+              <a:ext uri="{FF2B5EF4-FFF2-40B4-BE49-F238E27FC236}">
+                <a16:creationId xmlns:a16="http://schemas.microsoft.com/office/drawing/2014/main" id="{DE0034B0-3CE2-6FA5-1301-E321896FD9F0}"/>
+              </a:ext>
+            </a:extLst>
+          </p:cNvPr>
+          <p:cNvSpPr txBox="1"/>
+          <p:nvPr/>
+        </p:nvSpPr>
+        <p:spPr>
+          <a:xfrm>
+            <a:off x="2390774" y="1295311"/>
+            <a:ext cx="8220075" cy="1200329"/>
+          </a:xfrm>
+          <a:prstGeom prst="rect">
+            <a:avLst/>
+          </a:prstGeom>
+          <a:noFill/>
+        </p:spPr>
+        <p:txBody>
+          <a:bodyPr wrap="square">
+            <a:spAutoFit/>
+          </a:bodyPr>
+          <a:lstStyle/>
+          <a:p>
+            <a:r>
+              <a:rPr lang="en-US" sz="2400" dirty="0">
+                <a:solidFill>
+                  <a:srgbClr val="000000"/>
+                </a:solidFill>
+                <a:effectLst/>
+                <a:latin typeface="BaskervilleBE"/>
+              </a:rPr>
+              <a:t>States are represented by </a:t>
+            </a:r>
+            <a:r>
+              <a:rPr lang="en-US" sz="2400" i="1" dirty="0">
+                <a:solidFill>
+                  <a:srgbClr val="000000"/>
+                </a:solidFill>
+                <a:effectLst/>
+                <a:latin typeface="BaskervilleBE-Italic"/>
+              </a:rPr>
+              <a:t>nodes</a:t>
+            </a:r>
+            <a:r>
+              <a:rPr lang="en-US" sz="2400" dirty="0">
+                <a:solidFill>
+                  <a:srgbClr val="000000"/>
+                </a:solidFill>
+                <a:effectLst/>
+                <a:latin typeface="BaskervilleBE"/>
+              </a:rPr>
+              <a:t>. Now with the help of nodes and transition links between the nodes, a state transition diagram or state graph is prepared. </a:t>
+            </a:r>
+            <a:endParaRPr lang="en-US" sz="2400" dirty="0"/>
+          </a:p>
+        </p:txBody>
+      </p:sp>
+    </p:spTree>
+  </p:cSld>
+  <p:clrMapOvr>
+    <a:masterClrMapping/>
+  </p:clrMapOvr>
+</p:sld>
+</file>
+
+<file path=ppt/slides/slide6.xml><?xml version="1.0" encoding="utf-8"?>
+<p:sld xmlns:a="http://schemas.openxmlformats.org/drawingml/2006/main" xmlns:r="http://schemas.openxmlformats.org/officeDocument/2006/relationships" xmlns:p="http://schemas.openxmlformats.org/presentationml/2006/main">
+  <p:cSld>
+    <p:spTree>
+      <p:nvGrpSpPr>
+        <p:cNvPr id="1" name=""/>
+        <p:cNvGrpSpPr/>
+        <p:nvPr/>
+      </p:nvGrpSpPr>
+      <p:grpSpPr>
+        <a:xfrm>
+          <a:off x="0" y="0"/>
+          <a:ext cx="0" cy="0"/>
+          <a:chOff x="0" y="0"/>
+          <a:chExt cx="0" cy="0"/>
+        </a:xfrm>
+      </p:grpSpPr>
+      <p:sp>
+        <p:nvSpPr>
+          <p:cNvPr id="23554" name="Title 1"/>
+          <p:cNvSpPr>
+            <a:spLocks noGrp="1"/>
+          </p:cNvSpPr>
+          <p:nvPr>
+            <p:ph type="title"/>
+          </p:nvPr>
+        </p:nvSpPr>
+        <p:spPr/>
+        <p:txBody>
+          <a:bodyPr vert="horz" wrap="square" lIns="91440" tIns="45720" rIns="91440" bIns="45720" anchor="ctr" anchorCtr="0"/>
+          <a:lstStyle/>
+          <a:p>
+            <a:r>
+              <a:rPr b="1" dirty="0"/>
+              <a:t>State Transition Testing</a:t>
+            </a:r>
+          </a:p>
+        </p:txBody>
+      </p:sp>
+      <p:sp>
+        <p:nvSpPr>
+          <p:cNvPr id="23556" name="TextBox 6"/>
+          <p:cNvSpPr txBox="1"/>
+          <p:nvPr/>
+        </p:nvSpPr>
+        <p:spPr>
+          <a:xfrm>
+            <a:off x="2819400" y="6392862"/>
+            <a:ext cx="6553200" cy="381000"/>
+          </a:xfrm>
+          <a:prstGeom prst="rect">
+            <a:avLst/>
+          </a:prstGeom>
+          <a:noFill/>
+          <a:ln w="9525">
+            <a:noFill/>
+          </a:ln>
+        </p:spPr>
+        <p:txBody>
+          <a:bodyPr>
+            <a:spAutoFit/>
+          </a:bodyPr>
+          <a:lstStyle/>
+          <a:p>
+            <a:pPr algn="ctr" fontAlgn="base">
+              <a:spcBef>
+                <a:spcPct val="0"/>
+              </a:spcBef>
+              <a:spcAft>
+                <a:spcPct val="0"/>
+              </a:spcAft>
+            </a:pPr>
+            <a:r>
+              <a:rPr b="1" dirty="0">
+                <a:solidFill>
+                  <a:prstClr val="black"/>
+                </a:solidFill>
+                <a:latin typeface="Arial" panose="020B0604020202020204" pitchFamily="34" charset="0"/>
+              </a:rPr>
               <a:t>State table for the PIN example</a:t>
             </a:r>
           </a:p>
@@ -7338,11 +7639,104 @@
         </p:blipFill>
         <p:spPr>
           <a:xfrm>
-            <a:off x="2190750" y="1600200"/>
-            <a:ext cx="7791450" cy="3886200"/>
+            <a:off x="2190750" y="2793990"/>
+            <a:ext cx="7791450" cy="3408372"/>
           </a:xfrm>
         </p:spPr>
       </p:pic>
+      <p:sp>
+        <p:nvSpPr>
+          <p:cNvPr id="3" name="TextBox 2">
+            <a:extLst>
+              <a:ext uri="{FF2B5EF4-FFF2-40B4-BE49-F238E27FC236}">
+                <a16:creationId xmlns:a16="http://schemas.microsoft.com/office/drawing/2014/main" id="{83B0858E-BF31-16CE-D495-50BF95C1BEF3}"/>
+              </a:ext>
+            </a:extLst>
+          </p:cNvPr>
+          <p:cNvSpPr txBox="1"/>
+          <p:nvPr/>
+        </p:nvSpPr>
+        <p:spPr>
+          <a:xfrm>
+            <a:off x="2305050" y="1162774"/>
+            <a:ext cx="8924926" cy="1631216"/>
+          </a:xfrm>
+          <a:prstGeom prst="rect">
+            <a:avLst/>
+          </a:prstGeom>
+          <a:noFill/>
+        </p:spPr>
+        <p:txBody>
+          <a:bodyPr wrap="square">
+            <a:spAutoFit/>
+          </a:bodyPr>
+          <a:lstStyle/>
+          <a:p>
+            <a:r>
+              <a:rPr lang="en-US" sz="2000" dirty="0">
+                <a:solidFill>
+                  <a:srgbClr val="000000"/>
+                </a:solidFill>
+                <a:effectLst/>
+                <a:latin typeface="BaskervilleBE"/>
+              </a:rPr>
+              <a:t>The following conventions are used for the state table : </a:t>
+            </a:r>
+            <a:endParaRPr lang="en-US" sz="2000" dirty="0"/>
+          </a:p>
+          <a:p>
+            <a:pPr marL="914400" lvl="1" indent="-457200">
+              <a:buFont typeface="+mj-lt"/>
+              <a:buAutoNum type="arabicPeriod"/>
+            </a:pPr>
+            <a:r>
+              <a:rPr lang="en-US" sz="2000" dirty="0">
+                <a:solidFill>
+                  <a:srgbClr val="000000"/>
+                </a:solidFill>
+                <a:effectLst/>
+                <a:latin typeface="BaskervilleBE"/>
+              </a:rPr>
+              <a:t>Each row of the table corresponds to a state. </a:t>
+            </a:r>
+            <a:endParaRPr lang="en-US" sz="2000" dirty="0"/>
+          </a:p>
+          <a:p>
+            <a:pPr marL="914400" lvl="1" indent="-457200">
+              <a:buFont typeface="+mj-lt"/>
+              <a:buAutoNum type="arabicPeriod"/>
+            </a:pPr>
+            <a:r>
+              <a:rPr lang="en-US" sz="2000" dirty="0">
+                <a:solidFill>
+                  <a:srgbClr val="000000"/>
+                </a:solidFill>
+                <a:effectLst/>
+                <a:latin typeface="BaskervilleBE"/>
+              </a:rPr>
+              <a:t>Each column corresponds to an input condition. </a:t>
+            </a:r>
+            <a:endParaRPr lang="en-US" sz="2000" dirty="0"/>
+          </a:p>
+          <a:p>
+            <a:pPr marL="914400" lvl="1" indent="-457200">
+              <a:buFont typeface="+mj-lt"/>
+              <a:buAutoNum type="arabicPeriod"/>
+            </a:pPr>
+            <a:r>
+              <a:rPr lang="en-US" sz="2000" dirty="0">
+                <a:solidFill>
+                  <a:srgbClr val="000000"/>
+                </a:solidFill>
+                <a:effectLst/>
+                <a:latin typeface="BaskervilleBE"/>
+              </a:rPr>
+              <a:t>The box at the intersection of a row and a column specifies the next state (transition) and the output, if any.</a:t>
+            </a:r>
+            <a:endParaRPr lang="en-US" sz="2000" dirty="0"/>
+          </a:p>
+        </p:txBody>
+      </p:sp>
     </p:spTree>
   </p:cSld>
   <p:clrMapOvr>

--- a/slides/L11 State_transition.pptx
+++ b/slides/L11 State_transition.pptx
@@ -12,6 +12,8 @@
     <p:sldId id="292" r:id="rId6"/>
     <p:sldId id="293" r:id="rId7"/>
     <p:sldId id="294" r:id="rId8"/>
+    <p:sldId id="296" r:id="rId9"/>
+    <p:sldId id="297" r:id="rId10"/>
   </p:sldIdLst>
   <p:sldSz cx="12192000" cy="6858000"/>
   <p:notesSz cx="6858000" cy="9144000"/>
@@ -265,7 +267,7 @@
           <a:p>
             <a:fld id="{E965B5F8-2D56-4E8E-8AA3-31DB237BD4B3}" type="datetimeFigureOut">
               <a:rPr lang="en-US" smtClean="0"/>
-              <a:t>3/23/2024</a:t>
+              <a:t>3/24/2024</a:t>
             </a:fld>
             <a:endParaRPr lang="en-US"/>
           </a:p>
@@ -463,7 +465,7 @@
           <a:p>
             <a:fld id="{E965B5F8-2D56-4E8E-8AA3-31DB237BD4B3}" type="datetimeFigureOut">
               <a:rPr lang="en-US" smtClean="0"/>
-              <a:t>3/23/2024</a:t>
+              <a:t>3/24/2024</a:t>
             </a:fld>
             <a:endParaRPr lang="en-US"/>
           </a:p>
@@ -671,7 +673,7 @@
           <a:p>
             <a:fld id="{E965B5F8-2D56-4E8E-8AA3-31DB237BD4B3}" type="datetimeFigureOut">
               <a:rPr lang="en-US" smtClean="0"/>
-              <a:t>3/23/2024</a:t>
+              <a:t>3/24/2024</a:t>
             </a:fld>
             <a:endParaRPr lang="en-US"/>
           </a:p>
@@ -929,7 +931,7 @@
               <a:pPr>
                 <a:defRPr/>
               </a:pPr>
-              <a:t>3/23/2024</a:t>
+              <a:t>3/24/2024</a:t>
             </a:fld>
             <a:endParaRPr lang="en-US"/>
           </a:p>
@@ -1111,7 +1113,7 @@
               <a:pPr>
                 <a:defRPr/>
               </a:pPr>
-              <a:t>3/23/2024</a:t>
+              <a:t>3/24/2024</a:t>
             </a:fld>
             <a:endParaRPr lang="en-US"/>
           </a:p>
@@ -1370,7 +1372,7 @@
               <a:pPr>
                 <a:defRPr/>
               </a:pPr>
-              <a:t>3/23/2024</a:t>
+              <a:t>3/24/2024</a:t>
             </a:fld>
             <a:endParaRPr lang="en-US"/>
           </a:p>
@@ -1669,7 +1671,7 @@
               <a:pPr>
                 <a:defRPr/>
               </a:pPr>
-              <a:t>3/23/2024</a:t>
+              <a:t>3/24/2024</a:t>
             </a:fld>
             <a:endParaRPr lang="en-US"/>
           </a:p>
@@ -2102,7 +2104,7 @@
               <a:pPr>
                 <a:defRPr/>
               </a:pPr>
-              <a:t>3/23/2024</a:t>
+              <a:t>3/24/2024</a:t>
             </a:fld>
             <a:endParaRPr lang="en-US"/>
           </a:p>
@@ -2233,7 +2235,7 @@
               <a:pPr>
                 <a:defRPr/>
               </a:pPr>
-              <a:t>3/23/2024</a:t>
+              <a:t>3/24/2024</a:t>
             </a:fld>
             <a:endParaRPr lang="en-US"/>
           </a:p>
@@ -2342,7 +2344,7 @@
               <a:pPr>
                 <a:defRPr/>
               </a:pPr>
-              <a:t>3/23/2024</a:t>
+              <a:t>3/24/2024</a:t>
             </a:fld>
             <a:endParaRPr lang="en-US"/>
           </a:p>
@@ -2631,7 +2633,7 @@
               <a:pPr>
                 <a:defRPr/>
               </a:pPr>
-              <a:t>3/23/2024</a:t>
+              <a:t>3/24/2024</a:t>
             </a:fld>
             <a:endParaRPr lang="en-US"/>
           </a:p>
@@ -2825,7 +2827,7 @@
           <a:p>
             <a:fld id="{E965B5F8-2D56-4E8E-8AA3-31DB237BD4B3}" type="datetimeFigureOut">
               <a:rPr lang="en-US" smtClean="0"/>
-              <a:t>3/23/2024</a:t>
+              <a:t>3/24/2024</a:t>
             </a:fld>
             <a:endParaRPr lang="en-US"/>
           </a:p>
@@ -3126,7 +3128,7 @@
               <a:pPr>
                 <a:defRPr/>
               </a:pPr>
-              <a:t>3/23/2024</a:t>
+              <a:t>3/24/2024</a:t>
             </a:fld>
             <a:endParaRPr lang="en-US"/>
           </a:p>
@@ -3308,7 +3310,7 @@
               <a:pPr>
                 <a:defRPr/>
               </a:pPr>
-              <a:t>3/23/2024</a:t>
+              <a:t>3/24/2024</a:t>
             </a:fld>
             <a:endParaRPr lang="en-US"/>
           </a:p>
@@ -3500,7 +3502,7 @@
               <a:pPr>
                 <a:defRPr/>
               </a:pPr>
-              <a:t>3/23/2024</a:t>
+              <a:t>3/24/2024</a:t>
             </a:fld>
             <a:endParaRPr lang="en-US"/>
           </a:p>
@@ -3691,7 +3693,7 @@
               <a:pPr>
                 <a:defRPr/>
               </a:pPr>
-              <a:t>3/23/2024</a:t>
+              <a:t>3/24/2024</a:t>
             </a:fld>
             <a:endParaRPr lang="en-US" sz="900"/>
           </a:p>
@@ -3991,7 +3993,7 @@
           <a:p>
             <a:fld id="{E965B5F8-2D56-4E8E-8AA3-31DB237BD4B3}" type="datetimeFigureOut">
               <a:rPr lang="en-US" smtClean="0"/>
-              <a:t>3/23/2024</a:t>
+              <a:t>3/24/2024</a:t>
             </a:fld>
             <a:endParaRPr lang="en-US"/>
           </a:p>
@@ -4256,7 +4258,7 @@
           <a:p>
             <a:fld id="{E965B5F8-2D56-4E8E-8AA3-31DB237BD4B3}" type="datetimeFigureOut">
               <a:rPr lang="en-US" smtClean="0"/>
-              <a:t>3/23/2024</a:t>
+              <a:t>3/24/2024</a:t>
             </a:fld>
             <a:endParaRPr lang="en-US"/>
           </a:p>
@@ -4668,7 +4670,7 @@
           <a:p>
             <a:fld id="{E965B5F8-2D56-4E8E-8AA3-31DB237BD4B3}" type="datetimeFigureOut">
               <a:rPr lang="en-US" smtClean="0"/>
-              <a:t>3/23/2024</a:t>
+              <a:t>3/24/2024</a:t>
             </a:fld>
             <a:endParaRPr lang="en-US"/>
           </a:p>
@@ -4809,7 +4811,7 @@
           <a:p>
             <a:fld id="{E965B5F8-2D56-4E8E-8AA3-31DB237BD4B3}" type="datetimeFigureOut">
               <a:rPr lang="en-US" smtClean="0"/>
-              <a:t>3/23/2024</a:t>
+              <a:t>3/24/2024</a:t>
             </a:fld>
             <a:endParaRPr lang="en-US"/>
           </a:p>
@@ -4922,7 +4924,7 @@
           <a:p>
             <a:fld id="{E965B5F8-2D56-4E8E-8AA3-31DB237BD4B3}" type="datetimeFigureOut">
               <a:rPr lang="en-US" smtClean="0"/>
-              <a:t>3/23/2024</a:t>
+              <a:t>3/24/2024</a:t>
             </a:fld>
             <a:endParaRPr lang="en-US"/>
           </a:p>
@@ -5233,7 +5235,7 @@
           <a:p>
             <a:fld id="{E965B5F8-2D56-4E8E-8AA3-31DB237BD4B3}" type="datetimeFigureOut">
               <a:rPr lang="en-US" smtClean="0"/>
-              <a:t>3/23/2024</a:t>
+              <a:t>3/24/2024</a:t>
             </a:fld>
             <a:endParaRPr lang="en-US"/>
           </a:p>
@@ -5521,7 +5523,7 @@
           <a:p>
             <a:fld id="{E965B5F8-2D56-4E8E-8AA3-31DB237BD4B3}" type="datetimeFigureOut">
               <a:rPr lang="en-US" smtClean="0"/>
-              <a:t>3/23/2024</a:t>
+              <a:t>3/24/2024</a:t>
             </a:fld>
             <a:endParaRPr lang="en-US"/>
           </a:p>
@@ -5762,7 +5764,7 @@
           <a:p>
             <a:fld id="{E965B5F8-2D56-4E8E-8AA3-31DB237BD4B3}" type="datetimeFigureOut">
               <a:rPr lang="en-US" smtClean="0"/>
-              <a:t>3/23/2024</a:t>
+              <a:t>3/24/2024</a:t>
             </a:fld>
             <a:endParaRPr lang="en-US"/>
           </a:p>
@@ -6331,7 +6333,7 @@
               <a:pPr>
                 <a:defRPr/>
               </a:pPr>
-              <a:t>3/23/2024</a:t>
+              <a:t>3/24/2024</a:t>
             </a:fld>
             <a:endParaRPr lang="en-US"/>
           </a:p>
@@ -7391,6 +7393,10 @@
           <a:lstStyle/>
           <a:p>
             <a:r>
+              <a:rPr lang="en-US" b="1" dirty="0"/>
+              <a:t>Example 1: </a:t>
+            </a:r>
+            <a:r>
               <a:rPr b="1" dirty="0"/>
               <a:t>State Transition Testing</a:t>
             </a:r>
@@ -7738,6 +7744,268 @@
         </p:txBody>
       </p:sp>
     </p:spTree>
+  </p:cSld>
+  <p:clrMapOvr>
+    <a:masterClrMapping/>
+  </p:clrMapOvr>
+</p:sld>
+</file>
+
+<file path=ppt/slides/slide7.xml><?xml version="1.0" encoding="utf-8"?>
+<p:sld xmlns:a="http://schemas.openxmlformats.org/drawingml/2006/main" xmlns:r="http://schemas.openxmlformats.org/officeDocument/2006/relationships" xmlns:p="http://schemas.openxmlformats.org/presentationml/2006/main">
+  <p:cSld>
+    <p:spTree>
+      <p:nvGrpSpPr>
+        <p:cNvPr id="1" name=""/>
+        <p:cNvGrpSpPr/>
+        <p:nvPr/>
+      </p:nvGrpSpPr>
+      <p:grpSpPr>
+        <a:xfrm>
+          <a:off x="0" y="0"/>
+          <a:ext cx="0" cy="0"/>
+          <a:chOff x="0" y="0"/>
+          <a:chExt cx="0" cy="0"/>
+        </a:xfrm>
+      </p:grpSpPr>
+      <p:sp>
+        <p:nvSpPr>
+          <p:cNvPr id="2" name="Title 1">
+            <a:extLst>
+              <a:ext uri="{FF2B5EF4-FFF2-40B4-BE49-F238E27FC236}">
+                <a16:creationId xmlns:a16="http://schemas.microsoft.com/office/drawing/2014/main" id="{5BD02A7E-CCC4-EEC1-8022-5BA6BB028547}"/>
+              </a:ext>
+            </a:extLst>
+          </p:cNvPr>
+          <p:cNvSpPr>
+            <a:spLocks noGrp="1"/>
+          </p:cNvSpPr>
+          <p:nvPr>
+            <p:ph type="title"/>
+          </p:nvPr>
+        </p:nvSpPr>
+        <p:spPr/>
+        <p:txBody>
+          <a:bodyPr/>
+          <a:lstStyle/>
+          <a:p>
+            <a:r>
+              <a:rPr lang="en-US" dirty="0"/>
+              <a:t>Example 2: Class Activity </a:t>
+            </a:r>
+          </a:p>
+        </p:txBody>
+      </p:sp>
+      <p:sp>
+        <p:nvSpPr>
+          <p:cNvPr id="3" name="Content Placeholder 2">
+            <a:extLst>
+              <a:ext uri="{FF2B5EF4-FFF2-40B4-BE49-F238E27FC236}">
+                <a16:creationId xmlns:a16="http://schemas.microsoft.com/office/drawing/2014/main" id="{8579194D-E71C-4204-F0E7-4D76AACC2282}"/>
+              </a:ext>
+            </a:extLst>
+          </p:cNvPr>
+          <p:cNvSpPr>
+            <a:spLocks noGrp="1"/>
+          </p:cNvSpPr>
+          <p:nvPr>
+            <p:ph idx="1"/>
+          </p:nvPr>
+        </p:nvSpPr>
+        <p:spPr/>
+        <p:txBody>
+          <a:bodyPr/>
+          <a:lstStyle/>
+          <a:p>
+            <a:endParaRPr lang="en-US"/>
+          </a:p>
+        </p:txBody>
+      </p:sp>
+    </p:spTree>
+    <p:extLst>
+      <p:ext uri="{BB962C8B-B14F-4D97-AF65-F5344CB8AC3E}">
+        <p14:creationId xmlns:p14="http://schemas.microsoft.com/office/powerpoint/2010/main" val="688636151"/>
+      </p:ext>
+    </p:extLst>
+  </p:cSld>
+  <p:clrMapOvr>
+    <a:masterClrMapping/>
+  </p:clrMapOvr>
+</p:sld>
+</file>
+
+<file path=ppt/slides/slide8.xml><?xml version="1.0" encoding="utf-8"?>
+<p:sld xmlns:a="http://schemas.openxmlformats.org/drawingml/2006/main" xmlns:r="http://schemas.openxmlformats.org/officeDocument/2006/relationships" xmlns:p="http://schemas.openxmlformats.org/presentationml/2006/main">
+  <p:cSld>
+    <p:spTree>
+      <p:nvGrpSpPr>
+        <p:cNvPr id="1" name=""/>
+        <p:cNvGrpSpPr/>
+        <p:nvPr/>
+      </p:nvGrpSpPr>
+      <p:grpSpPr>
+        <a:xfrm>
+          <a:off x="0" y="0"/>
+          <a:ext cx="0" cy="0"/>
+          <a:chOff x="0" y="0"/>
+          <a:chExt cx="0" cy="0"/>
+        </a:xfrm>
+      </p:grpSpPr>
+      <p:sp>
+        <p:nvSpPr>
+          <p:cNvPr id="2" name="Title 1">
+            <a:extLst>
+              <a:ext uri="{FF2B5EF4-FFF2-40B4-BE49-F238E27FC236}">
+                <a16:creationId xmlns:a16="http://schemas.microsoft.com/office/drawing/2014/main" id="{973BBE60-D8AD-1FFD-4C34-957001A5FF6B}"/>
+              </a:ext>
+            </a:extLst>
+          </p:cNvPr>
+          <p:cNvSpPr>
+            <a:spLocks noGrp="1"/>
+          </p:cNvSpPr>
+          <p:nvPr>
+            <p:ph type="title"/>
+          </p:nvPr>
+        </p:nvSpPr>
+        <p:spPr/>
+        <p:txBody>
+          <a:bodyPr/>
+          <a:lstStyle/>
+          <a:p>
+            <a:r>
+              <a:rPr lang="en-US" b="1" dirty="0"/>
+              <a:t>Example 3: Homework</a:t>
+            </a:r>
+          </a:p>
+        </p:txBody>
+      </p:sp>
+      <p:sp>
+        <p:nvSpPr>
+          <p:cNvPr id="3" name="Content Placeholder 2">
+            <a:extLst>
+              <a:ext uri="{FF2B5EF4-FFF2-40B4-BE49-F238E27FC236}">
+                <a16:creationId xmlns:a16="http://schemas.microsoft.com/office/drawing/2014/main" id="{B904DB7A-7591-020D-86DF-F283E26B5FAA}"/>
+              </a:ext>
+            </a:extLst>
+          </p:cNvPr>
+          <p:cNvSpPr>
+            <a:spLocks noGrp="1"/>
+          </p:cNvSpPr>
+          <p:nvPr>
+            <p:ph idx="1"/>
+          </p:nvPr>
+        </p:nvSpPr>
+        <p:spPr>
+          <a:xfrm>
+            <a:off x="609600" y="1600201"/>
+            <a:ext cx="10972800" cy="5067299"/>
+          </a:xfrm>
+        </p:spPr>
+        <p:txBody>
+          <a:bodyPr/>
+          <a:lstStyle/>
+          <a:p>
+            <a:r>
+              <a:rPr lang="en-US" sz="2000" dirty="0"/>
+              <a:t>Consider a system having an FSM for a stack having the following states and transitions:</a:t>
+            </a:r>
+          </a:p>
+          <a:p>
+            <a:pPr marL="0" indent="0">
+              <a:buNone/>
+            </a:pPr>
+            <a:r>
+              <a:rPr lang="en-US" sz="2000" dirty="0"/>
+              <a:t>States </a:t>
+            </a:r>
+          </a:p>
+          <a:p>
+            <a:pPr lvl="1"/>
+            <a:r>
+              <a:rPr lang="en-US" sz="2000" dirty="0"/>
+              <a:t>Initial: Before creation </a:t>
+            </a:r>
+          </a:p>
+          <a:p>
+            <a:pPr lvl="1"/>
+            <a:r>
+              <a:rPr lang="en-US" sz="2000" dirty="0"/>
+              <a:t>Empty: Number of elements = 0 </a:t>
+            </a:r>
+          </a:p>
+          <a:p>
+            <a:pPr lvl="1"/>
+            <a:r>
+              <a:rPr lang="en-US" sz="2000" dirty="0"/>
+              <a:t>Holding: Number of elements &gt; 0, but less than the maximum capacity </a:t>
+            </a:r>
+          </a:p>
+          <a:p>
+            <a:pPr lvl="1"/>
+            <a:r>
+              <a:rPr lang="en-US" sz="2000" dirty="0"/>
+              <a:t>Full: Number elements = maximum </a:t>
+            </a:r>
+          </a:p>
+          <a:p>
+            <a:pPr lvl="1"/>
+            <a:r>
+              <a:rPr lang="en-US" sz="2000" dirty="0"/>
+              <a:t>Final: After destruction</a:t>
+            </a:r>
+          </a:p>
+          <a:p>
+            <a:pPr marL="0" indent="0">
+              <a:buNone/>
+            </a:pPr>
+            <a:r>
+              <a:rPr lang="en-US" sz="2000" dirty="0"/>
+              <a:t>Transitions </a:t>
+            </a:r>
+          </a:p>
+          <a:p>
+            <a:pPr lvl="1"/>
+            <a:r>
+              <a:rPr lang="en-US" sz="2000" dirty="0"/>
+              <a:t>Initial to Empty: Create </a:t>
+            </a:r>
+          </a:p>
+          <a:p>
+            <a:pPr lvl="1"/>
+            <a:r>
+              <a:rPr lang="en-US" sz="2000" dirty="0"/>
+              <a:t>Empty to Holding, Empty to Full, Holding to Holding, Holding to Full: Add </a:t>
+            </a:r>
+          </a:p>
+          <a:p>
+            <a:pPr lvl="1"/>
+            <a:r>
+              <a:rPr lang="en-US" sz="2000" dirty="0"/>
+              <a:t>Empty to Final, Full to Final, Holding to Final: Destroy </a:t>
+            </a:r>
+          </a:p>
+          <a:p>
+            <a:pPr lvl="1"/>
+            <a:r>
+              <a:rPr lang="en-US" sz="2000" dirty="0"/>
+              <a:t>Holding to Empty, Full to Holding, Full to Empty: Delete </a:t>
+            </a:r>
+          </a:p>
+          <a:p>
+            <a:pPr lvl="1"/>
+            <a:r>
+              <a:rPr lang="en-US" sz="2000" dirty="0"/>
+              <a:t>Design test cases for this FSM using state table-based testing.</a:t>
+            </a:r>
+          </a:p>
+        </p:txBody>
+      </p:sp>
+    </p:spTree>
+    <p:extLst>
+      <p:ext uri="{BB962C8B-B14F-4D97-AF65-F5344CB8AC3E}">
+        <p14:creationId xmlns:p14="http://schemas.microsoft.com/office/powerpoint/2010/main" val="2876498304"/>
+      </p:ext>
+    </p:extLst>
   </p:cSld>
   <p:clrMapOvr>
     <a:masterClrMapping/>

--- a/slides/L11 State_transition.pptx
+++ b/slides/L11 State_transition.pptx
@@ -1,19 +1,25 @@
 
 <file path=ppt/presentation.xml><?xml version="1.0" encoding="utf-8"?>
-<p:presentation xmlns:a="http://schemas.openxmlformats.org/drawingml/2006/main" xmlns:r="http://schemas.openxmlformats.org/officeDocument/2006/relationships" xmlns:p="http://schemas.openxmlformats.org/presentationml/2006/main" saveSubsetFonts="1">
+<p:presentation xmlns:a="http://schemas.openxmlformats.org/drawingml/2006/main" xmlns:r="http://schemas.openxmlformats.org/officeDocument/2006/relationships" xmlns:p="http://schemas.openxmlformats.org/presentationml/2006/main">
   <p:sldMasterIdLst>
     <p:sldMasterId id="2147483648" r:id="rId1"/>
-    <p:sldMasterId id="2147483660" r:id="rId2"/>
+    <p:sldMasterId id="2147483660" r:id="rId3"/>
   </p:sldMasterIdLst>
+  <p:notesMasterIdLst>
+    <p:notesMasterId r:id="rId11"/>
+  </p:notesMasterIdLst>
   <p:sldIdLst>
-    <p:sldId id="256" r:id="rId3"/>
-    <p:sldId id="267" r:id="rId4"/>
+    <p:sldId id="256" r:id="rId4"/>
     <p:sldId id="295" r:id="rId5"/>
-    <p:sldId id="292" r:id="rId6"/>
-    <p:sldId id="293" r:id="rId7"/>
-    <p:sldId id="294" r:id="rId8"/>
-    <p:sldId id="296" r:id="rId9"/>
-    <p:sldId id="297" r:id="rId10"/>
+    <p:sldId id="267" r:id="rId6"/>
+    <p:sldId id="292" r:id="rId7"/>
+    <p:sldId id="293" r:id="rId8"/>
+    <p:sldId id="294" r:id="rId9"/>
+    <p:sldId id="296" r:id="rId10"/>
+    <p:sldId id="301" r:id="rId12"/>
+    <p:sldId id="302" r:id="rId13"/>
+    <p:sldId id="303" r:id="rId14"/>
+    <p:sldId id="297" r:id="rId15"/>
   </p:sldIdLst>
   <p:sldSz cx="12192000" cy="6858000"/>
   <p:notesSz cx="6858000" cy="9144000"/>
@@ -112,12 +118,398 @@
       </a:defRPr>
     </a:lvl9pPr>
   </p:defaultTextStyle>
-  <p:extLst>
-    <p:ext uri="{EFAFB233-063F-42B5-8137-9DF3F51BA10A}">
-      <p15:sldGuideLst xmlns:p15="http://schemas.microsoft.com/office/powerpoint/2012/main"/>
-    </p:ext>
-  </p:extLst>
 </p:presentation>
+</file>
+
+<file path=ppt/notesMasters/notesMaster1.xml><?xml version="1.0" encoding="utf-8"?>
+<p:notesMaster xmlns:a="http://schemas.openxmlformats.org/drawingml/2006/main" xmlns:r="http://schemas.openxmlformats.org/officeDocument/2006/relationships" xmlns:p="http://schemas.openxmlformats.org/presentationml/2006/main">
+  <p:cSld>
+    <p:bg>
+      <p:bgRef idx="1001">
+        <a:schemeClr val="bg1"/>
+      </p:bgRef>
+    </p:bg>
+    <p:spTree>
+      <p:nvGrpSpPr>
+        <p:cNvPr id="1" name=""/>
+        <p:cNvGrpSpPr/>
+        <p:nvPr/>
+      </p:nvGrpSpPr>
+      <p:grpSpPr>
+        <a:xfrm>
+          <a:off x="0" y="0"/>
+          <a:ext cx="0" cy="0"/>
+          <a:chOff x="0" y="0"/>
+          <a:chExt cx="0" cy="0"/>
+        </a:xfrm>
+      </p:grpSpPr>
+      <p:sp>
+        <p:nvSpPr>
+          <p:cNvPr id="2" name="Header Placeholder 1"/>
+          <p:cNvSpPr>
+            <a:spLocks noGrp="1"/>
+          </p:cNvSpPr>
+          <p:nvPr>
+            <p:ph type="hdr" sz="quarter"/>
+          </p:nvPr>
+        </p:nvSpPr>
+        <p:spPr>
+          <a:xfrm>
+            <a:off x="0" y="0"/>
+            <a:ext cx="2971800" cy="458788"/>
+          </a:xfrm>
+          <a:prstGeom prst="rect">
+            <a:avLst/>
+          </a:prstGeom>
+        </p:spPr>
+        <p:txBody>
+          <a:bodyPr vert="horz" lIns="91440" tIns="45720" rIns="91440" bIns="45720" rtlCol="0"/>
+          <a:lstStyle>
+            <a:lvl1pPr algn="l">
+              <a:defRPr sz="1200"/>
+            </a:lvl1pPr>
+          </a:lstStyle>
+          <a:p>
+            <a:endParaRPr lang="en-US"/>
+          </a:p>
+        </p:txBody>
+      </p:sp>
+      <p:sp>
+        <p:nvSpPr>
+          <p:cNvPr id="3" name="Date Placeholder 2"/>
+          <p:cNvSpPr>
+            <a:spLocks noGrp="1"/>
+          </p:cNvSpPr>
+          <p:nvPr>
+            <p:ph type="dt" idx="1"/>
+          </p:nvPr>
+        </p:nvSpPr>
+        <p:spPr>
+          <a:xfrm>
+            <a:off x="3884613" y="0"/>
+            <a:ext cx="2971800" cy="458788"/>
+          </a:xfrm>
+          <a:prstGeom prst="rect">
+            <a:avLst/>
+          </a:prstGeom>
+        </p:spPr>
+        <p:txBody>
+          <a:bodyPr vert="horz" lIns="91440" tIns="45720" rIns="91440" bIns="45720" rtlCol="0"/>
+          <a:lstStyle>
+            <a:lvl1pPr algn="r">
+              <a:defRPr sz="1200"/>
+            </a:lvl1pPr>
+          </a:lstStyle>
+          <a:p>
+            <a:fld id="{3EFD42F7-718C-4B98-AAEC-167E6DDD60A7}" type="datetimeFigureOut">
+              <a:rPr lang="en-US" smtClean="0"/>
+            </a:fld>
+            <a:endParaRPr lang="en-US"/>
+          </a:p>
+        </p:txBody>
+      </p:sp>
+      <p:sp>
+        <p:nvSpPr>
+          <p:cNvPr id="4" name="Slide Image Placeholder 3"/>
+          <p:cNvSpPr>
+            <a:spLocks noGrp="1" noRot="1" noChangeAspect="1"/>
+          </p:cNvSpPr>
+          <p:nvPr>
+            <p:ph type="sldImg" idx="2"/>
+          </p:nvPr>
+        </p:nvSpPr>
+        <p:spPr>
+          <a:xfrm>
+            <a:off x="685800" y="1143000"/>
+            <a:ext cx="5486400" cy="3086100"/>
+          </a:xfrm>
+          <a:prstGeom prst="rect">
+            <a:avLst/>
+          </a:prstGeom>
+          <a:noFill/>
+          <a:ln w="12700">
+            <a:solidFill>
+              <a:prstClr val="black"/>
+            </a:solidFill>
+          </a:ln>
+        </p:spPr>
+        <p:txBody>
+          <a:bodyPr vert="horz" lIns="91440" tIns="45720" rIns="91440" bIns="45720" rtlCol="0" anchor="ctr"/>
+          <a:lstStyle/>
+          <a:p>
+            <a:endParaRPr lang="en-US"/>
+          </a:p>
+        </p:txBody>
+      </p:sp>
+      <p:sp>
+        <p:nvSpPr>
+          <p:cNvPr id="5" name="Notes Placeholder 4"/>
+          <p:cNvSpPr>
+            <a:spLocks noGrp="1"/>
+          </p:cNvSpPr>
+          <p:nvPr>
+            <p:ph type="body" sz="quarter" idx="3"/>
+          </p:nvPr>
+        </p:nvSpPr>
+        <p:spPr>
+          <a:xfrm>
+            <a:off x="685800" y="4400550"/>
+            <a:ext cx="5486400" cy="3600450"/>
+          </a:xfrm>
+          <a:prstGeom prst="rect">
+            <a:avLst/>
+          </a:prstGeom>
+        </p:spPr>
+        <p:txBody>
+          <a:bodyPr vert="horz" lIns="91440" tIns="45720" rIns="91440" bIns="45720" rtlCol="0"/>
+          <a:lstStyle/>
+          <a:p>
+            <a:pPr lvl="0"/>
+            <a:r>
+              <a:rPr lang="en-US" smtClean="0"/>
+              <a:t>Click to edit Master text styles</a:t>
+            </a:r>
+            <a:endParaRPr lang="en-US" smtClean="0"/>
+          </a:p>
+          <a:p>
+            <a:pPr lvl="1"/>
+            <a:r>
+              <a:rPr lang="en-US" smtClean="0"/>
+              <a:t>Second level</a:t>
+            </a:r>
+            <a:endParaRPr lang="en-US" smtClean="0"/>
+          </a:p>
+          <a:p>
+            <a:pPr lvl="2"/>
+            <a:r>
+              <a:rPr lang="en-US" smtClean="0"/>
+              <a:t>Third level</a:t>
+            </a:r>
+            <a:endParaRPr lang="en-US" smtClean="0"/>
+          </a:p>
+          <a:p>
+            <a:pPr lvl="3"/>
+            <a:r>
+              <a:rPr lang="en-US" smtClean="0"/>
+              <a:t>Fourth level</a:t>
+            </a:r>
+            <a:endParaRPr lang="en-US" smtClean="0"/>
+          </a:p>
+          <a:p>
+            <a:pPr lvl="4"/>
+            <a:r>
+              <a:rPr lang="en-US" smtClean="0"/>
+              <a:t>Fifth level</a:t>
+            </a:r>
+            <a:endParaRPr lang="en-US"/>
+          </a:p>
+        </p:txBody>
+      </p:sp>
+      <p:sp>
+        <p:nvSpPr>
+          <p:cNvPr id="6" name="Footer Placeholder 5"/>
+          <p:cNvSpPr>
+            <a:spLocks noGrp="1"/>
+          </p:cNvSpPr>
+          <p:nvPr>
+            <p:ph type="ftr" sz="quarter" idx="4"/>
+          </p:nvPr>
+        </p:nvSpPr>
+        <p:spPr>
+          <a:xfrm>
+            <a:off x="0" y="8685213"/>
+            <a:ext cx="2971800" cy="458787"/>
+          </a:xfrm>
+          <a:prstGeom prst="rect">
+            <a:avLst/>
+          </a:prstGeom>
+        </p:spPr>
+        <p:txBody>
+          <a:bodyPr vert="horz" lIns="91440" tIns="45720" rIns="91440" bIns="45720" rtlCol="0" anchor="b"/>
+          <a:lstStyle>
+            <a:lvl1pPr algn="l">
+              <a:defRPr sz="1200"/>
+            </a:lvl1pPr>
+          </a:lstStyle>
+          <a:p>
+            <a:endParaRPr lang="en-US"/>
+          </a:p>
+        </p:txBody>
+      </p:sp>
+      <p:sp>
+        <p:nvSpPr>
+          <p:cNvPr id="7" name="Slide Number Placeholder 6"/>
+          <p:cNvSpPr>
+            <a:spLocks noGrp="1"/>
+          </p:cNvSpPr>
+          <p:nvPr>
+            <p:ph type="sldNum" sz="quarter" idx="5"/>
+          </p:nvPr>
+        </p:nvSpPr>
+        <p:spPr>
+          <a:xfrm>
+            <a:off x="3884613" y="8685213"/>
+            <a:ext cx="2971800" cy="458787"/>
+          </a:xfrm>
+          <a:prstGeom prst="rect">
+            <a:avLst/>
+          </a:prstGeom>
+        </p:spPr>
+        <p:txBody>
+          <a:bodyPr vert="horz" lIns="91440" tIns="45720" rIns="91440" bIns="45720" rtlCol="0" anchor="b"/>
+          <a:lstStyle>
+            <a:lvl1pPr algn="r">
+              <a:defRPr sz="1200"/>
+            </a:lvl1pPr>
+          </a:lstStyle>
+          <a:p>
+            <a:fld id="{21B2AA4F-B828-4D7C-AFD3-893933DAFCB4}" type="slidenum">
+              <a:rPr lang="en-US" smtClean="0"/>
+            </a:fld>
+            <a:endParaRPr lang="en-US"/>
+          </a:p>
+        </p:txBody>
+      </p:sp>
+    </p:spTree>
+  </p:cSld>
+  <p:clrMap bg1="lt1" tx1="dk1" bg2="lt2" tx2="dk2" accent1="accent1" accent2="accent2" accent3="accent3" accent4="accent4" accent5="accent5" accent6="accent6" hlink="hlink" folHlink="folHlink"/>
+  <p:notesStyle>
+    <a:lvl1pPr marL="0" algn="l" defTabSz="914400" rtl="0" eaLnBrk="1" latinLnBrk="0" hangingPunct="1">
+      <a:defRPr sz="1200" kern="1200">
+        <a:solidFill>
+          <a:schemeClr val="tx1"/>
+        </a:solidFill>
+        <a:latin typeface="+mn-lt"/>
+        <a:ea typeface="+mn-ea"/>
+        <a:cs typeface="+mn-cs"/>
+      </a:defRPr>
+    </a:lvl1pPr>
+    <a:lvl2pPr marL="457200" algn="l" defTabSz="914400" rtl="0" eaLnBrk="1" latinLnBrk="0" hangingPunct="1">
+      <a:defRPr sz="1200" kern="1200">
+        <a:solidFill>
+          <a:schemeClr val="tx1"/>
+        </a:solidFill>
+        <a:latin typeface="+mn-lt"/>
+        <a:ea typeface="+mn-ea"/>
+        <a:cs typeface="+mn-cs"/>
+      </a:defRPr>
+    </a:lvl2pPr>
+    <a:lvl3pPr marL="914400" algn="l" defTabSz="914400" rtl="0" eaLnBrk="1" latinLnBrk="0" hangingPunct="1">
+      <a:defRPr sz="1200" kern="1200">
+        <a:solidFill>
+          <a:schemeClr val="tx1"/>
+        </a:solidFill>
+        <a:latin typeface="+mn-lt"/>
+        <a:ea typeface="+mn-ea"/>
+        <a:cs typeface="+mn-cs"/>
+      </a:defRPr>
+    </a:lvl3pPr>
+    <a:lvl4pPr marL="1371600" algn="l" defTabSz="914400" rtl="0" eaLnBrk="1" latinLnBrk="0" hangingPunct="1">
+      <a:defRPr sz="1200" kern="1200">
+        <a:solidFill>
+          <a:schemeClr val="tx1"/>
+        </a:solidFill>
+        <a:latin typeface="+mn-lt"/>
+        <a:ea typeface="+mn-ea"/>
+        <a:cs typeface="+mn-cs"/>
+      </a:defRPr>
+    </a:lvl4pPr>
+    <a:lvl5pPr marL="1828800" algn="l" defTabSz="914400" rtl="0" eaLnBrk="1" latinLnBrk="0" hangingPunct="1">
+      <a:defRPr sz="1200" kern="1200">
+        <a:solidFill>
+          <a:schemeClr val="tx1"/>
+        </a:solidFill>
+        <a:latin typeface="+mn-lt"/>
+        <a:ea typeface="+mn-ea"/>
+        <a:cs typeface="+mn-cs"/>
+      </a:defRPr>
+    </a:lvl5pPr>
+    <a:lvl6pPr marL="2286000" algn="l" defTabSz="914400" rtl="0" eaLnBrk="1" latinLnBrk="0" hangingPunct="1">
+      <a:defRPr sz="1200" kern="1200">
+        <a:solidFill>
+          <a:schemeClr val="tx1"/>
+        </a:solidFill>
+        <a:latin typeface="+mn-lt"/>
+        <a:ea typeface="+mn-ea"/>
+        <a:cs typeface="+mn-cs"/>
+      </a:defRPr>
+    </a:lvl6pPr>
+    <a:lvl7pPr marL="2743200" algn="l" defTabSz="914400" rtl="0" eaLnBrk="1" latinLnBrk="0" hangingPunct="1">
+      <a:defRPr sz="1200" kern="1200">
+        <a:solidFill>
+          <a:schemeClr val="tx1"/>
+        </a:solidFill>
+        <a:latin typeface="+mn-lt"/>
+        <a:ea typeface="+mn-ea"/>
+        <a:cs typeface="+mn-cs"/>
+      </a:defRPr>
+    </a:lvl7pPr>
+    <a:lvl8pPr marL="3200400" algn="l" defTabSz="914400" rtl="0" eaLnBrk="1" latinLnBrk="0" hangingPunct="1">
+      <a:defRPr sz="1200" kern="1200">
+        <a:solidFill>
+          <a:schemeClr val="tx1"/>
+        </a:solidFill>
+        <a:latin typeface="+mn-lt"/>
+        <a:ea typeface="+mn-ea"/>
+        <a:cs typeface="+mn-cs"/>
+      </a:defRPr>
+    </a:lvl8pPr>
+    <a:lvl9pPr marL="3657600" algn="l" defTabSz="914400" rtl="0" eaLnBrk="1" latinLnBrk="0" hangingPunct="1">
+      <a:defRPr sz="1200" kern="1200">
+        <a:solidFill>
+          <a:schemeClr val="tx1"/>
+        </a:solidFill>
+        <a:latin typeface="+mn-lt"/>
+        <a:ea typeface="+mn-ea"/>
+        <a:cs typeface="+mn-cs"/>
+      </a:defRPr>
+    </a:lvl9pPr>
+  </p:notesStyle>
+</p:notesMaster>
+</file>
+
+<file path=ppt/notesSlides/notesSlide1.xml><?xml version="1.0" encoding="utf-8"?>
+<p:notes xmlns:a="http://schemas.openxmlformats.org/drawingml/2006/main" xmlns:r="http://schemas.openxmlformats.org/officeDocument/2006/relationships" xmlns:p="http://schemas.openxmlformats.org/presentationml/2006/main">
+  <p:cSld>
+    <p:spTree>
+      <p:nvGrpSpPr>
+        <p:cNvPr id="1" name=""/>
+        <p:cNvGrpSpPr/>
+        <p:nvPr/>
+      </p:nvGrpSpPr>
+      <p:grpSpPr/>
+      <p:sp>
+        <p:nvSpPr>
+          <p:cNvPr id="2" name="Slide Image Placeholder 1"/>
+          <p:cNvSpPr/>
+          <p:nvPr>
+            <p:ph type="sldImg" idx="2"/>
+          </p:nvPr>
+        </p:nvSpPr>
+        <p:spPr/>
+      </p:sp>
+      <p:sp>
+        <p:nvSpPr>
+          <p:cNvPr id="3" name="Text Placeholder 2"/>
+          <p:cNvSpPr/>
+          <p:nvPr>
+            <p:ph type="body" idx="3"/>
+          </p:nvPr>
+        </p:nvSpPr>
+        <p:spPr/>
+        <p:txBody>
+          <a:bodyPr/>
+          <a:p>
+            <a:endParaRPr lang="en-US"/>
+          </a:p>
+        </p:txBody>
+      </p:sp>
+    </p:spTree>
+  </p:cSld>
+  <p:clrMapOvr>
+    <a:masterClrMapping/>
+  </p:clrMapOvr>
+</p:notes>
 </file>
 
 <file path=ppt/slideLayouts/slideLayout1.xml><?xml version="1.0" encoding="utf-8"?>
@@ -139,13 +531,7 @@
       </p:grpSpPr>
       <p:sp>
         <p:nvSpPr>
-          <p:cNvPr id="2" name="Title 1">
-            <a:extLst>
-              <a:ext uri="{FF2B5EF4-FFF2-40B4-BE49-F238E27FC236}">
-                <a16:creationId xmlns:a16="http://schemas.microsoft.com/office/drawing/2014/main" id="{FECBDFBB-FBE0-840C-E8B3-6AAA14EDB1B6}"/>
-              </a:ext>
-            </a:extLst>
-          </p:cNvPr>
+          <p:cNvPr id="2" name="Title 1"/>
           <p:cNvSpPr>
             <a:spLocks noGrp="1"/>
           </p:cNvSpPr>
@@ -171,18 +557,13 @@
               <a:rPr lang="en-US"/>
               <a:t>Click to edit Master title style</a:t>
             </a:r>
-          </a:p>
-        </p:txBody>
-      </p:sp>
-      <p:sp>
-        <p:nvSpPr>
-          <p:cNvPr id="3" name="Subtitle 2">
-            <a:extLst>
-              <a:ext uri="{FF2B5EF4-FFF2-40B4-BE49-F238E27FC236}">
-                <a16:creationId xmlns:a16="http://schemas.microsoft.com/office/drawing/2014/main" id="{A445EA6A-F6E5-9F07-3119-8E2F77E3ACA3}"/>
-              </a:ext>
-            </a:extLst>
-          </p:cNvPr>
+            <a:endParaRPr lang="en-US"/>
+          </a:p>
+        </p:txBody>
+      </p:sp>
+      <p:sp>
+        <p:nvSpPr>
+          <p:cNvPr id="3" name="Subtitle 2"/>
           <p:cNvSpPr>
             <a:spLocks noGrp="1"/>
           </p:cNvSpPr>
@@ -241,18 +622,13 @@
               <a:rPr lang="en-US"/>
               <a:t>Click to edit Master subtitle style</a:t>
             </a:r>
-          </a:p>
-        </p:txBody>
-      </p:sp>
-      <p:sp>
-        <p:nvSpPr>
-          <p:cNvPr id="4" name="Date Placeholder 3">
-            <a:extLst>
-              <a:ext uri="{FF2B5EF4-FFF2-40B4-BE49-F238E27FC236}">
-                <a16:creationId xmlns:a16="http://schemas.microsoft.com/office/drawing/2014/main" id="{8B34CC40-0629-00BD-629C-83CDC8C5806C}"/>
-              </a:ext>
-            </a:extLst>
-          </p:cNvPr>
+            <a:endParaRPr lang="en-US"/>
+          </a:p>
+        </p:txBody>
+      </p:sp>
+      <p:sp>
+        <p:nvSpPr>
+          <p:cNvPr id="4" name="Date Placeholder 3"/>
           <p:cNvSpPr>
             <a:spLocks noGrp="1"/>
           </p:cNvSpPr>
@@ -267,7 +643,6 @@
           <a:p>
             <a:fld id="{E965B5F8-2D56-4E8E-8AA3-31DB237BD4B3}" type="datetimeFigureOut">
               <a:rPr lang="en-US" smtClean="0"/>
-              <a:t>3/24/2024</a:t>
             </a:fld>
             <a:endParaRPr lang="en-US"/>
           </a:p>
@@ -275,13 +650,7 @@
       </p:sp>
       <p:sp>
         <p:nvSpPr>
-          <p:cNvPr id="5" name="Footer Placeholder 4">
-            <a:extLst>
-              <a:ext uri="{FF2B5EF4-FFF2-40B4-BE49-F238E27FC236}">
-                <a16:creationId xmlns:a16="http://schemas.microsoft.com/office/drawing/2014/main" id="{23DDDBC0-2B4B-6E83-4FD7-33629CCADB4E}"/>
-              </a:ext>
-            </a:extLst>
-          </p:cNvPr>
+          <p:cNvPr id="5" name="Footer Placeholder 4"/>
           <p:cNvSpPr>
             <a:spLocks noGrp="1"/>
           </p:cNvSpPr>
@@ -300,13 +669,7 @@
       </p:sp>
       <p:sp>
         <p:nvSpPr>
-          <p:cNvPr id="6" name="Slide Number Placeholder 5">
-            <a:extLst>
-              <a:ext uri="{FF2B5EF4-FFF2-40B4-BE49-F238E27FC236}">
-                <a16:creationId xmlns:a16="http://schemas.microsoft.com/office/drawing/2014/main" id="{507060BE-1743-BAFE-F4E9-ED961D15942C}"/>
-              </a:ext>
-            </a:extLst>
-          </p:cNvPr>
+          <p:cNvPr id="6" name="Slide Number Placeholder 5"/>
           <p:cNvSpPr>
             <a:spLocks noGrp="1"/>
           </p:cNvSpPr>
@@ -321,18 +684,12 @@
           <a:p>
             <a:fld id="{7BDE8A2B-3E39-4986-99F3-7A821D1A3D7B}" type="slidenum">
               <a:rPr lang="en-US" smtClean="0"/>
-              <a:t>‹#›</a:t>
             </a:fld>
             <a:endParaRPr lang="en-US"/>
           </a:p>
         </p:txBody>
       </p:sp>
     </p:spTree>
-    <p:extLst>
-      <p:ext uri="{BB962C8B-B14F-4D97-AF65-F5344CB8AC3E}">
-        <p14:creationId xmlns:p14="http://schemas.microsoft.com/office/powerpoint/2010/main" val="404283311"/>
-      </p:ext>
-    </p:extLst>
   </p:cSld>
   <p:clrMapOvr>
     <a:masterClrMapping/>
@@ -359,13 +716,7 @@
       </p:grpSpPr>
       <p:sp>
         <p:nvSpPr>
-          <p:cNvPr id="2" name="Title 1">
-            <a:extLst>
-              <a:ext uri="{FF2B5EF4-FFF2-40B4-BE49-F238E27FC236}">
-                <a16:creationId xmlns:a16="http://schemas.microsoft.com/office/drawing/2014/main" id="{9B1CEBB8-20EE-CEF2-7B81-FBF9D21E1234}"/>
-              </a:ext>
-            </a:extLst>
-          </p:cNvPr>
+          <p:cNvPr id="2" name="Title 1"/>
           <p:cNvSpPr>
             <a:spLocks noGrp="1"/>
           </p:cNvSpPr>
@@ -382,18 +733,13 @@
               <a:rPr lang="en-US"/>
               <a:t>Click to edit Master title style</a:t>
             </a:r>
-          </a:p>
-        </p:txBody>
-      </p:sp>
-      <p:sp>
-        <p:nvSpPr>
-          <p:cNvPr id="3" name="Vertical Text Placeholder 2">
-            <a:extLst>
-              <a:ext uri="{FF2B5EF4-FFF2-40B4-BE49-F238E27FC236}">
-                <a16:creationId xmlns:a16="http://schemas.microsoft.com/office/drawing/2014/main" id="{41D64C72-3223-093C-5751-57654996FB6F}"/>
-              </a:ext>
-            </a:extLst>
-          </p:cNvPr>
+            <a:endParaRPr lang="en-US"/>
+          </a:p>
+        </p:txBody>
+      </p:sp>
+      <p:sp>
+        <p:nvSpPr>
+          <p:cNvPr id="3" name="Vertical Text Placeholder 2"/>
           <p:cNvSpPr>
             <a:spLocks noGrp="1"/>
           </p:cNvSpPr>
@@ -411,6 +757,7 @@
               <a:rPr lang="en-US"/>
               <a:t>Click to edit Master text styles</a:t>
             </a:r>
+            <a:endParaRPr lang="en-US"/>
           </a:p>
           <a:p>
             <a:pPr lvl="1"/>
@@ -418,6 +765,7 @@
               <a:rPr lang="en-US"/>
               <a:t>Second level</a:t>
             </a:r>
+            <a:endParaRPr lang="en-US"/>
           </a:p>
           <a:p>
             <a:pPr lvl="2"/>
@@ -425,6 +773,7 @@
               <a:rPr lang="en-US"/>
               <a:t>Third level</a:t>
             </a:r>
+            <a:endParaRPr lang="en-US"/>
           </a:p>
           <a:p>
             <a:pPr lvl="3"/>
@@ -432,6 +781,7 @@
               <a:rPr lang="en-US"/>
               <a:t>Fourth level</a:t>
             </a:r>
+            <a:endParaRPr lang="en-US"/>
           </a:p>
           <a:p>
             <a:pPr lvl="4"/>
@@ -439,18 +789,13 @@
               <a:rPr lang="en-US"/>
               <a:t>Fifth level</a:t>
             </a:r>
-          </a:p>
-        </p:txBody>
-      </p:sp>
-      <p:sp>
-        <p:nvSpPr>
-          <p:cNvPr id="4" name="Date Placeholder 3">
-            <a:extLst>
-              <a:ext uri="{FF2B5EF4-FFF2-40B4-BE49-F238E27FC236}">
-                <a16:creationId xmlns:a16="http://schemas.microsoft.com/office/drawing/2014/main" id="{173FE45D-D8B5-2307-0B47-6C5D8A9E8BF6}"/>
-              </a:ext>
-            </a:extLst>
-          </p:cNvPr>
+            <a:endParaRPr lang="en-US"/>
+          </a:p>
+        </p:txBody>
+      </p:sp>
+      <p:sp>
+        <p:nvSpPr>
+          <p:cNvPr id="4" name="Date Placeholder 3"/>
           <p:cNvSpPr>
             <a:spLocks noGrp="1"/>
           </p:cNvSpPr>
@@ -465,7 +810,6 @@
           <a:p>
             <a:fld id="{E965B5F8-2D56-4E8E-8AA3-31DB237BD4B3}" type="datetimeFigureOut">
               <a:rPr lang="en-US" smtClean="0"/>
-              <a:t>3/24/2024</a:t>
             </a:fld>
             <a:endParaRPr lang="en-US"/>
           </a:p>
@@ -473,13 +817,7 @@
       </p:sp>
       <p:sp>
         <p:nvSpPr>
-          <p:cNvPr id="5" name="Footer Placeholder 4">
-            <a:extLst>
-              <a:ext uri="{FF2B5EF4-FFF2-40B4-BE49-F238E27FC236}">
-                <a16:creationId xmlns:a16="http://schemas.microsoft.com/office/drawing/2014/main" id="{8358E567-EE7A-3326-F81C-77496F5A90D9}"/>
-              </a:ext>
-            </a:extLst>
-          </p:cNvPr>
+          <p:cNvPr id="5" name="Footer Placeholder 4"/>
           <p:cNvSpPr>
             <a:spLocks noGrp="1"/>
           </p:cNvSpPr>
@@ -498,13 +836,7 @@
       </p:sp>
       <p:sp>
         <p:nvSpPr>
-          <p:cNvPr id="6" name="Slide Number Placeholder 5">
-            <a:extLst>
-              <a:ext uri="{FF2B5EF4-FFF2-40B4-BE49-F238E27FC236}">
-                <a16:creationId xmlns:a16="http://schemas.microsoft.com/office/drawing/2014/main" id="{2128DF0E-4D12-E10C-682E-66341F58B87E}"/>
-              </a:ext>
-            </a:extLst>
-          </p:cNvPr>
+          <p:cNvPr id="6" name="Slide Number Placeholder 5"/>
           <p:cNvSpPr>
             <a:spLocks noGrp="1"/>
           </p:cNvSpPr>
@@ -519,18 +851,12 @@
           <a:p>
             <a:fld id="{7BDE8A2B-3E39-4986-99F3-7A821D1A3D7B}" type="slidenum">
               <a:rPr lang="en-US" smtClean="0"/>
-              <a:t>‹#›</a:t>
             </a:fld>
             <a:endParaRPr lang="en-US"/>
           </a:p>
         </p:txBody>
       </p:sp>
     </p:spTree>
-    <p:extLst>
-      <p:ext uri="{BB962C8B-B14F-4D97-AF65-F5344CB8AC3E}">
-        <p14:creationId xmlns:p14="http://schemas.microsoft.com/office/powerpoint/2010/main" val="3397615435"/>
-      </p:ext>
-    </p:extLst>
   </p:cSld>
   <p:clrMapOvr>
     <a:masterClrMapping/>
@@ -557,13 +883,7 @@
       </p:grpSpPr>
       <p:sp>
         <p:nvSpPr>
-          <p:cNvPr id="2" name="Vertical Title 1">
-            <a:extLst>
-              <a:ext uri="{FF2B5EF4-FFF2-40B4-BE49-F238E27FC236}">
-                <a16:creationId xmlns:a16="http://schemas.microsoft.com/office/drawing/2014/main" id="{89BAD418-89DE-249C-1EC2-FF361334DC56}"/>
-              </a:ext>
-            </a:extLst>
-          </p:cNvPr>
+          <p:cNvPr id="2" name="Vertical Title 1"/>
           <p:cNvSpPr>
             <a:spLocks noGrp="1"/>
           </p:cNvSpPr>
@@ -585,18 +905,13 @@
               <a:rPr lang="en-US"/>
               <a:t>Click to edit Master title style</a:t>
             </a:r>
-          </a:p>
-        </p:txBody>
-      </p:sp>
-      <p:sp>
-        <p:nvSpPr>
-          <p:cNvPr id="3" name="Vertical Text Placeholder 2">
-            <a:extLst>
-              <a:ext uri="{FF2B5EF4-FFF2-40B4-BE49-F238E27FC236}">
-                <a16:creationId xmlns:a16="http://schemas.microsoft.com/office/drawing/2014/main" id="{C32D1078-97DD-14DE-81AA-63068BC94F42}"/>
-              </a:ext>
-            </a:extLst>
-          </p:cNvPr>
+            <a:endParaRPr lang="en-US"/>
+          </a:p>
+        </p:txBody>
+      </p:sp>
+      <p:sp>
+        <p:nvSpPr>
+          <p:cNvPr id="3" name="Vertical Text Placeholder 2"/>
           <p:cNvSpPr>
             <a:spLocks noGrp="1"/>
           </p:cNvSpPr>
@@ -619,6 +934,7 @@
               <a:rPr lang="en-US"/>
               <a:t>Click to edit Master text styles</a:t>
             </a:r>
+            <a:endParaRPr lang="en-US"/>
           </a:p>
           <a:p>
             <a:pPr lvl="1"/>
@@ -626,6 +942,7 @@
               <a:rPr lang="en-US"/>
               <a:t>Second level</a:t>
             </a:r>
+            <a:endParaRPr lang="en-US"/>
           </a:p>
           <a:p>
             <a:pPr lvl="2"/>
@@ -633,6 +950,7 @@
               <a:rPr lang="en-US"/>
               <a:t>Third level</a:t>
             </a:r>
+            <a:endParaRPr lang="en-US"/>
           </a:p>
           <a:p>
             <a:pPr lvl="3"/>
@@ -640,6 +958,7 @@
               <a:rPr lang="en-US"/>
               <a:t>Fourth level</a:t>
             </a:r>
+            <a:endParaRPr lang="en-US"/>
           </a:p>
           <a:p>
             <a:pPr lvl="4"/>
@@ -647,18 +966,13 @@
               <a:rPr lang="en-US"/>
               <a:t>Fifth level</a:t>
             </a:r>
-          </a:p>
-        </p:txBody>
-      </p:sp>
-      <p:sp>
-        <p:nvSpPr>
-          <p:cNvPr id="4" name="Date Placeholder 3">
-            <a:extLst>
-              <a:ext uri="{FF2B5EF4-FFF2-40B4-BE49-F238E27FC236}">
-                <a16:creationId xmlns:a16="http://schemas.microsoft.com/office/drawing/2014/main" id="{6E53E1FE-D11B-3A0D-B11B-27365ECE96B7}"/>
-              </a:ext>
-            </a:extLst>
-          </p:cNvPr>
+            <a:endParaRPr lang="en-US"/>
+          </a:p>
+        </p:txBody>
+      </p:sp>
+      <p:sp>
+        <p:nvSpPr>
+          <p:cNvPr id="4" name="Date Placeholder 3"/>
           <p:cNvSpPr>
             <a:spLocks noGrp="1"/>
           </p:cNvSpPr>
@@ -673,7 +987,6 @@
           <a:p>
             <a:fld id="{E965B5F8-2D56-4E8E-8AA3-31DB237BD4B3}" type="datetimeFigureOut">
               <a:rPr lang="en-US" smtClean="0"/>
-              <a:t>3/24/2024</a:t>
             </a:fld>
             <a:endParaRPr lang="en-US"/>
           </a:p>
@@ -681,13 +994,7 @@
       </p:sp>
       <p:sp>
         <p:nvSpPr>
-          <p:cNvPr id="5" name="Footer Placeholder 4">
-            <a:extLst>
-              <a:ext uri="{FF2B5EF4-FFF2-40B4-BE49-F238E27FC236}">
-                <a16:creationId xmlns:a16="http://schemas.microsoft.com/office/drawing/2014/main" id="{23A6E786-91B3-B016-5B3C-9875C929925B}"/>
-              </a:ext>
-            </a:extLst>
-          </p:cNvPr>
+          <p:cNvPr id="5" name="Footer Placeholder 4"/>
           <p:cNvSpPr>
             <a:spLocks noGrp="1"/>
           </p:cNvSpPr>
@@ -706,13 +1013,7 @@
       </p:sp>
       <p:sp>
         <p:nvSpPr>
-          <p:cNvPr id="6" name="Slide Number Placeholder 5">
-            <a:extLst>
-              <a:ext uri="{FF2B5EF4-FFF2-40B4-BE49-F238E27FC236}">
-                <a16:creationId xmlns:a16="http://schemas.microsoft.com/office/drawing/2014/main" id="{4418CB56-8E5A-F662-796D-9A3D837AC386}"/>
-              </a:ext>
-            </a:extLst>
-          </p:cNvPr>
+          <p:cNvPr id="6" name="Slide Number Placeholder 5"/>
           <p:cNvSpPr>
             <a:spLocks noGrp="1"/>
           </p:cNvSpPr>
@@ -727,18 +1028,12 @@
           <a:p>
             <a:fld id="{7BDE8A2B-3E39-4986-99F3-7A821D1A3D7B}" type="slidenum">
               <a:rPr lang="en-US" smtClean="0"/>
-              <a:t>‹#›</a:t>
             </a:fld>
             <a:endParaRPr lang="en-US"/>
           </a:p>
         </p:txBody>
       </p:sp>
     </p:spTree>
-    <p:extLst>
-      <p:ext uri="{BB962C8B-B14F-4D97-AF65-F5344CB8AC3E}">
-        <p14:creationId xmlns:p14="http://schemas.microsoft.com/office/powerpoint/2010/main" val="3978030806"/>
-      </p:ext>
-    </p:extLst>
   </p:cSld>
   <p:clrMapOvr>
     <a:masterClrMapping/>
@@ -787,6 +1082,7 @@
               <a:rPr lang="en-US"/>
               <a:t>Click to edit Master title style</a:t>
             </a:r>
+            <a:endParaRPr lang="en-US"/>
           </a:p>
         </p:txBody>
       </p:sp>
@@ -905,6 +1201,7 @@
               <a:rPr lang="en-US"/>
               <a:t>Click to edit Master subtitle style</a:t>
             </a:r>
+            <a:endParaRPr lang="en-US"/>
           </a:p>
         </p:txBody>
       </p:sp>
@@ -928,10 +1225,6 @@
             </a:pPr>
             <a:fld id="{B42C9122-BF34-435C-A61B-D2201D289E11}" type="datetimeFigureOut">
               <a:rPr lang="en-US" smtClean="0"/>
-              <a:pPr>
-                <a:defRPr/>
-              </a:pPr>
-              <a:t>3/24/2024</a:t>
             </a:fld>
             <a:endParaRPr lang="en-US"/>
           </a:p>
@@ -979,7 +1272,6 @@
             </a:pPr>
             <a:fld id="{9A0DB2DC-4C9A-4742-B13C-FB6460FD3503}" type="slidenum">
               <a:rPr lang="en-US" dirty="0"/>
-              <a:t>‹#›</a:t>
             </a:fld>
             <a:endParaRPr lang="en-US" dirty="0">
               <a:latin typeface="Arial" panose="020B0604020202020204" pitchFamily="34" charset="0"/>
@@ -988,11 +1280,6 @@
         </p:txBody>
       </p:sp>
     </p:spTree>
-    <p:extLst>
-      <p:ext uri="{BB962C8B-B14F-4D97-AF65-F5344CB8AC3E}">
-        <p14:creationId xmlns:p14="http://schemas.microsoft.com/office/powerpoint/2010/main" val="812739380"/>
-      </p:ext>
-    </p:extLst>
   </p:cSld>
   <p:clrMapOvr>
     <a:masterClrMapping/>
@@ -1036,6 +1323,7 @@
               <a:rPr lang="en-US"/>
               <a:t>Click to edit Master title style</a:t>
             </a:r>
+            <a:endParaRPr lang="en-US"/>
           </a:p>
         </p:txBody>
       </p:sp>
@@ -1059,6 +1347,7 @@
               <a:rPr lang="en-US"/>
               <a:t>Click to edit Master text styles</a:t>
             </a:r>
+            <a:endParaRPr lang="en-US"/>
           </a:p>
           <a:p>
             <a:pPr lvl="1"/>
@@ -1066,6 +1355,7 @@
               <a:rPr lang="en-US"/>
               <a:t>Second level</a:t>
             </a:r>
+            <a:endParaRPr lang="en-US"/>
           </a:p>
           <a:p>
             <a:pPr lvl="2"/>
@@ -1073,6 +1363,7 @@
               <a:rPr lang="en-US"/>
               <a:t>Third level</a:t>
             </a:r>
+            <a:endParaRPr lang="en-US"/>
           </a:p>
           <a:p>
             <a:pPr lvl="3"/>
@@ -1080,6 +1371,7 @@
               <a:rPr lang="en-US"/>
               <a:t>Fourth level</a:t>
             </a:r>
+            <a:endParaRPr lang="en-US"/>
           </a:p>
           <a:p>
             <a:pPr lvl="4"/>
@@ -1087,6 +1379,7 @@
               <a:rPr lang="en-US"/>
               <a:t>Fifth level</a:t>
             </a:r>
+            <a:endParaRPr lang="en-US"/>
           </a:p>
         </p:txBody>
       </p:sp>
@@ -1110,10 +1403,6 @@
             </a:pPr>
             <a:fld id="{B42C9122-BF34-435C-A61B-D2201D289E11}" type="datetimeFigureOut">
               <a:rPr lang="en-US" smtClean="0"/>
-              <a:pPr>
-                <a:defRPr/>
-              </a:pPr>
-              <a:t>3/24/2024</a:t>
             </a:fld>
             <a:endParaRPr lang="en-US"/>
           </a:p>
@@ -1161,7 +1450,6 @@
             </a:pPr>
             <a:fld id="{9A0DB2DC-4C9A-4742-B13C-FB6460FD3503}" type="slidenum">
               <a:rPr lang="en-US" dirty="0"/>
-              <a:t>‹#›</a:t>
             </a:fld>
             <a:endParaRPr lang="en-US" dirty="0">
               <a:latin typeface="Arial" panose="020B0604020202020204" pitchFamily="34" charset="0"/>
@@ -1170,11 +1458,6 @@
         </p:txBody>
       </p:sp>
     </p:spTree>
-    <p:extLst>
-      <p:ext uri="{BB962C8B-B14F-4D97-AF65-F5344CB8AC3E}">
-        <p14:creationId xmlns:p14="http://schemas.microsoft.com/office/powerpoint/2010/main" val="1462632243"/>
-      </p:ext>
-    </p:extLst>
   </p:cSld>
   <p:clrMapOvr>
     <a:masterClrMapping/>
@@ -1227,6 +1510,7 @@
               <a:rPr lang="en-US"/>
               <a:t>Click to edit Master title style</a:t>
             </a:r>
+            <a:endParaRPr lang="en-US"/>
           </a:p>
         </p:txBody>
       </p:sp>
@@ -1346,6 +1630,7 @@
               <a:rPr lang="en-US"/>
               <a:t>Click to edit Master text styles</a:t>
             </a:r>
+            <a:endParaRPr lang="en-US"/>
           </a:p>
         </p:txBody>
       </p:sp>
@@ -1369,10 +1654,6 @@
             </a:pPr>
             <a:fld id="{B42C9122-BF34-435C-A61B-D2201D289E11}" type="datetimeFigureOut">
               <a:rPr lang="en-US" smtClean="0"/>
-              <a:pPr>
-                <a:defRPr/>
-              </a:pPr>
-              <a:t>3/24/2024</a:t>
             </a:fld>
             <a:endParaRPr lang="en-US"/>
           </a:p>
@@ -1420,7 +1701,6 @@
             </a:pPr>
             <a:fld id="{9A0DB2DC-4C9A-4742-B13C-FB6460FD3503}" type="slidenum">
               <a:rPr lang="en-US" dirty="0"/>
-              <a:t>‹#›</a:t>
             </a:fld>
             <a:endParaRPr lang="en-US" dirty="0">
               <a:latin typeface="Arial" panose="020B0604020202020204" pitchFamily="34" charset="0"/>
@@ -1429,11 +1709,6 @@
         </p:txBody>
       </p:sp>
     </p:spTree>
-    <p:extLst>
-      <p:ext uri="{BB962C8B-B14F-4D97-AF65-F5344CB8AC3E}">
-        <p14:creationId xmlns:p14="http://schemas.microsoft.com/office/powerpoint/2010/main" val="1612586095"/>
-      </p:ext>
-    </p:extLst>
   </p:cSld>
   <p:clrMapOvr>
     <a:masterClrMapping/>
@@ -1477,6 +1752,7 @@
               <a:rPr lang="en-US"/>
               <a:t>Click to edit Master title style</a:t>
             </a:r>
+            <a:endParaRPr lang="en-US"/>
           </a:p>
         </p:txBody>
       </p:sp>
@@ -1533,6 +1809,7 @@
               <a:rPr lang="en-US"/>
               <a:t>Click to edit Master text styles</a:t>
             </a:r>
+            <a:endParaRPr lang="en-US"/>
           </a:p>
           <a:p>
             <a:pPr lvl="1"/>
@@ -1540,6 +1817,7 @@
               <a:rPr lang="en-US"/>
               <a:t>Second level</a:t>
             </a:r>
+            <a:endParaRPr lang="en-US"/>
           </a:p>
           <a:p>
             <a:pPr lvl="2"/>
@@ -1547,6 +1825,7 @@
               <a:rPr lang="en-US"/>
               <a:t>Third level</a:t>
             </a:r>
+            <a:endParaRPr lang="en-US"/>
           </a:p>
           <a:p>
             <a:pPr lvl="3"/>
@@ -1554,6 +1833,7 @@
               <a:rPr lang="en-US"/>
               <a:t>Fourth level</a:t>
             </a:r>
+            <a:endParaRPr lang="en-US"/>
           </a:p>
           <a:p>
             <a:pPr lvl="4"/>
@@ -1561,6 +1841,7 @@
               <a:rPr lang="en-US"/>
               <a:t>Fifth level</a:t>
             </a:r>
+            <a:endParaRPr lang="en-US"/>
           </a:p>
         </p:txBody>
       </p:sp>
@@ -1617,6 +1898,7 @@
               <a:rPr lang="en-US"/>
               <a:t>Click to edit Master text styles</a:t>
             </a:r>
+            <a:endParaRPr lang="en-US"/>
           </a:p>
           <a:p>
             <a:pPr lvl="1"/>
@@ -1624,6 +1906,7 @@
               <a:rPr lang="en-US"/>
               <a:t>Second level</a:t>
             </a:r>
+            <a:endParaRPr lang="en-US"/>
           </a:p>
           <a:p>
             <a:pPr lvl="2"/>
@@ -1631,6 +1914,7 @@
               <a:rPr lang="en-US"/>
               <a:t>Third level</a:t>
             </a:r>
+            <a:endParaRPr lang="en-US"/>
           </a:p>
           <a:p>
             <a:pPr lvl="3"/>
@@ -1638,6 +1922,7 @@
               <a:rPr lang="en-US"/>
               <a:t>Fourth level</a:t>
             </a:r>
+            <a:endParaRPr lang="en-US"/>
           </a:p>
           <a:p>
             <a:pPr lvl="4"/>
@@ -1645,6 +1930,7 @@
               <a:rPr lang="en-US"/>
               <a:t>Fifth level</a:t>
             </a:r>
+            <a:endParaRPr lang="en-US"/>
           </a:p>
         </p:txBody>
       </p:sp>
@@ -1668,10 +1954,6 @@
             </a:pPr>
             <a:fld id="{B42C9122-BF34-435C-A61B-D2201D289E11}" type="datetimeFigureOut">
               <a:rPr lang="en-US" smtClean="0"/>
-              <a:pPr>
-                <a:defRPr/>
-              </a:pPr>
-              <a:t>3/24/2024</a:t>
             </a:fld>
             <a:endParaRPr lang="en-US"/>
           </a:p>
@@ -1719,7 +2001,6 @@
             </a:pPr>
             <a:fld id="{9A0DB2DC-4C9A-4742-B13C-FB6460FD3503}" type="slidenum">
               <a:rPr lang="en-US" dirty="0"/>
-              <a:t>‹#›</a:t>
             </a:fld>
             <a:endParaRPr lang="en-US" dirty="0">
               <a:latin typeface="Arial" panose="020B0604020202020204" pitchFamily="34" charset="0"/>
@@ -1728,11 +2009,6 @@
         </p:txBody>
       </p:sp>
     </p:spTree>
-    <p:extLst>
-      <p:ext uri="{BB962C8B-B14F-4D97-AF65-F5344CB8AC3E}">
-        <p14:creationId xmlns:p14="http://schemas.microsoft.com/office/powerpoint/2010/main" val="1891143240"/>
-      </p:ext>
-    </p:extLst>
   </p:cSld>
   <p:clrMapOvr>
     <a:masterClrMapping/>
@@ -1780,6 +2056,7 @@
               <a:rPr lang="en-US"/>
               <a:t>Click to edit Master title style</a:t>
             </a:r>
+            <a:endParaRPr lang="en-US"/>
           </a:p>
         </p:txBody>
       </p:sp>
@@ -1845,6 +2122,7 @@
               <a:rPr lang="en-US"/>
               <a:t>Click to edit Master text styles</a:t>
             </a:r>
+            <a:endParaRPr lang="en-US"/>
           </a:p>
         </p:txBody>
       </p:sp>
@@ -1901,6 +2179,7 @@
               <a:rPr lang="en-US"/>
               <a:t>Click to edit Master text styles</a:t>
             </a:r>
+            <a:endParaRPr lang="en-US"/>
           </a:p>
           <a:p>
             <a:pPr lvl="1"/>
@@ -1908,6 +2187,7 @@
               <a:rPr lang="en-US"/>
               <a:t>Second level</a:t>
             </a:r>
+            <a:endParaRPr lang="en-US"/>
           </a:p>
           <a:p>
             <a:pPr lvl="2"/>
@@ -1915,6 +2195,7 @@
               <a:rPr lang="en-US"/>
               <a:t>Third level</a:t>
             </a:r>
+            <a:endParaRPr lang="en-US"/>
           </a:p>
           <a:p>
             <a:pPr lvl="3"/>
@@ -1922,6 +2203,7 @@
               <a:rPr lang="en-US"/>
               <a:t>Fourth level</a:t>
             </a:r>
+            <a:endParaRPr lang="en-US"/>
           </a:p>
           <a:p>
             <a:pPr lvl="4"/>
@@ -1929,6 +2211,7 @@
               <a:rPr lang="en-US"/>
               <a:t>Fifth level</a:t>
             </a:r>
+            <a:endParaRPr lang="en-US"/>
           </a:p>
         </p:txBody>
       </p:sp>
@@ -1994,6 +2277,7 @@
               <a:rPr lang="en-US"/>
               <a:t>Click to edit Master text styles</a:t>
             </a:r>
+            <a:endParaRPr lang="en-US"/>
           </a:p>
         </p:txBody>
       </p:sp>
@@ -2050,6 +2334,7 @@
               <a:rPr lang="en-US"/>
               <a:t>Click to edit Master text styles</a:t>
             </a:r>
+            <a:endParaRPr lang="en-US"/>
           </a:p>
           <a:p>
             <a:pPr lvl="1"/>
@@ -2057,6 +2342,7 @@
               <a:rPr lang="en-US"/>
               <a:t>Second level</a:t>
             </a:r>
+            <a:endParaRPr lang="en-US"/>
           </a:p>
           <a:p>
             <a:pPr lvl="2"/>
@@ -2064,6 +2350,7 @@
               <a:rPr lang="en-US"/>
               <a:t>Third level</a:t>
             </a:r>
+            <a:endParaRPr lang="en-US"/>
           </a:p>
           <a:p>
             <a:pPr lvl="3"/>
@@ -2071,6 +2358,7 @@
               <a:rPr lang="en-US"/>
               <a:t>Fourth level</a:t>
             </a:r>
+            <a:endParaRPr lang="en-US"/>
           </a:p>
           <a:p>
             <a:pPr lvl="4"/>
@@ -2078,6 +2366,7 @@
               <a:rPr lang="en-US"/>
               <a:t>Fifth level</a:t>
             </a:r>
+            <a:endParaRPr lang="en-US"/>
           </a:p>
         </p:txBody>
       </p:sp>
@@ -2101,10 +2390,6 @@
             </a:pPr>
             <a:fld id="{B42C9122-BF34-435C-A61B-D2201D289E11}" type="datetimeFigureOut">
               <a:rPr lang="en-US" smtClean="0"/>
-              <a:pPr>
-                <a:defRPr/>
-              </a:pPr>
-              <a:t>3/24/2024</a:t>
             </a:fld>
             <a:endParaRPr lang="en-US"/>
           </a:p>
@@ -2152,7 +2437,6 @@
             </a:pPr>
             <a:fld id="{9A0DB2DC-4C9A-4742-B13C-FB6460FD3503}" type="slidenum">
               <a:rPr lang="en-US" dirty="0"/>
-              <a:t>‹#›</a:t>
             </a:fld>
             <a:endParaRPr lang="en-US" dirty="0">
               <a:latin typeface="Arial" panose="020B0604020202020204" pitchFamily="34" charset="0"/>
@@ -2161,11 +2445,6 @@
         </p:txBody>
       </p:sp>
     </p:spTree>
-    <p:extLst>
-      <p:ext uri="{BB962C8B-B14F-4D97-AF65-F5344CB8AC3E}">
-        <p14:creationId xmlns:p14="http://schemas.microsoft.com/office/powerpoint/2010/main" val="1611154728"/>
-      </p:ext>
-    </p:extLst>
   </p:cSld>
   <p:clrMapOvr>
     <a:masterClrMapping/>
@@ -2209,6 +2488,7 @@
               <a:rPr lang="en-US"/>
               <a:t>Click to edit Master title style</a:t>
             </a:r>
+            <a:endParaRPr lang="en-US"/>
           </a:p>
         </p:txBody>
       </p:sp>
@@ -2232,10 +2512,6 @@
             </a:pPr>
             <a:fld id="{B42C9122-BF34-435C-A61B-D2201D289E11}" type="datetimeFigureOut">
               <a:rPr lang="en-US" smtClean="0"/>
-              <a:pPr>
-                <a:defRPr/>
-              </a:pPr>
-              <a:t>3/24/2024</a:t>
             </a:fld>
             <a:endParaRPr lang="en-US"/>
           </a:p>
@@ -2283,7 +2559,6 @@
             </a:pPr>
             <a:fld id="{9A0DB2DC-4C9A-4742-B13C-FB6460FD3503}" type="slidenum">
               <a:rPr lang="en-US" dirty="0"/>
-              <a:t>‹#›</a:t>
             </a:fld>
             <a:endParaRPr lang="en-US" dirty="0">
               <a:latin typeface="Arial" panose="020B0604020202020204" pitchFamily="34" charset="0"/>
@@ -2292,11 +2567,6 @@
         </p:txBody>
       </p:sp>
     </p:spTree>
-    <p:extLst>
-      <p:ext uri="{BB962C8B-B14F-4D97-AF65-F5344CB8AC3E}">
-        <p14:creationId xmlns:p14="http://schemas.microsoft.com/office/powerpoint/2010/main" val="1579023645"/>
-      </p:ext>
-    </p:extLst>
   </p:cSld>
   <p:clrMapOvr>
     <a:masterClrMapping/>
@@ -2341,10 +2611,6 @@
             </a:pPr>
             <a:fld id="{B42C9122-BF34-435C-A61B-D2201D289E11}" type="datetimeFigureOut">
               <a:rPr lang="en-US" smtClean="0"/>
-              <a:pPr>
-                <a:defRPr/>
-              </a:pPr>
-              <a:t>3/24/2024</a:t>
             </a:fld>
             <a:endParaRPr lang="en-US"/>
           </a:p>
@@ -2392,7 +2658,6 @@
             </a:pPr>
             <a:fld id="{9A0DB2DC-4C9A-4742-B13C-FB6460FD3503}" type="slidenum">
               <a:rPr lang="en-US" dirty="0"/>
-              <a:t>‹#›</a:t>
             </a:fld>
             <a:endParaRPr lang="en-US" dirty="0">
               <a:latin typeface="Arial" panose="020B0604020202020204" pitchFamily="34" charset="0"/>
@@ -2401,11 +2666,6 @@
         </p:txBody>
       </p:sp>
     </p:spTree>
-    <p:extLst>
-      <p:ext uri="{BB962C8B-B14F-4D97-AF65-F5344CB8AC3E}">
-        <p14:creationId xmlns:p14="http://schemas.microsoft.com/office/powerpoint/2010/main" val="4172699612"/>
-      </p:ext>
-    </p:extLst>
   </p:cSld>
   <p:clrMapOvr>
     <a:masterClrMapping/>
@@ -2458,6 +2718,7 @@
               <a:rPr lang="en-US"/>
               <a:t>Click to edit Master title style</a:t>
             </a:r>
+            <a:endParaRPr lang="en-US"/>
           </a:p>
         </p:txBody>
       </p:sp>
@@ -2514,6 +2775,7 @@
               <a:rPr lang="en-US"/>
               <a:t>Click to edit Master text styles</a:t>
             </a:r>
+            <a:endParaRPr lang="en-US"/>
           </a:p>
           <a:p>
             <a:pPr lvl="1"/>
@@ -2521,6 +2783,7 @@
               <a:rPr lang="en-US"/>
               <a:t>Second level</a:t>
             </a:r>
+            <a:endParaRPr lang="en-US"/>
           </a:p>
           <a:p>
             <a:pPr lvl="2"/>
@@ -2528,6 +2791,7 @@
               <a:rPr lang="en-US"/>
               <a:t>Third level</a:t>
             </a:r>
+            <a:endParaRPr lang="en-US"/>
           </a:p>
           <a:p>
             <a:pPr lvl="3"/>
@@ -2535,6 +2799,7 @@
               <a:rPr lang="en-US"/>
               <a:t>Fourth level</a:t>
             </a:r>
+            <a:endParaRPr lang="en-US"/>
           </a:p>
           <a:p>
             <a:pPr lvl="4"/>
@@ -2542,6 +2807,7 @@
               <a:rPr lang="en-US"/>
               <a:t>Fifth level</a:t>
             </a:r>
+            <a:endParaRPr lang="en-US"/>
           </a:p>
         </p:txBody>
       </p:sp>
@@ -2607,6 +2873,7 @@
               <a:rPr lang="en-US"/>
               <a:t>Click to edit Master text styles</a:t>
             </a:r>
+            <a:endParaRPr lang="en-US"/>
           </a:p>
         </p:txBody>
       </p:sp>
@@ -2630,10 +2897,6 @@
             </a:pPr>
             <a:fld id="{B42C9122-BF34-435C-A61B-D2201D289E11}" type="datetimeFigureOut">
               <a:rPr lang="en-US" smtClean="0"/>
-              <a:pPr>
-                <a:defRPr/>
-              </a:pPr>
-              <a:t>3/24/2024</a:t>
             </a:fld>
             <a:endParaRPr lang="en-US"/>
           </a:p>
@@ -2681,7 +2944,6 @@
             </a:pPr>
             <a:fld id="{9A0DB2DC-4C9A-4742-B13C-FB6460FD3503}" type="slidenum">
               <a:rPr lang="en-US" dirty="0"/>
-              <a:t>‹#›</a:t>
             </a:fld>
             <a:endParaRPr lang="en-US" dirty="0">
               <a:latin typeface="Arial" panose="020B0604020202020204" pitchFamily="34" charset="0"/>
@@ -2690,11 +2952,6 @@
         </p:txBody>
       </p:sp>
     </p:spTree>
-    <p:extLst>
-      <p:ext uri="{BB962C8B-B14F-4D97-AF65-F5344CB8AC3E}">
-        <p14:creationId xmlns:p14="http://schemas.microsoft.com/office/powerpoint/2010/main" val="1267498931"/>
-      </p:ext>
-    </p:extLst>
   </p:cSld>
   <p:clrMapOvr>
     <a:masterClrMapping/>
@@ -2721,13 +2978,7 @@
       </p:grpSpPr>
       <p:sp>
         <p:nvSpPr>
-          <p:cNvPr id="2" name="Title 1">
-            <a:extLst>
-              <a:ext uri="{FF2B5EF4-FFF2-40B4-BE49-F238E27FC236}">
-                <a16:creationId xmlns:a16="http://schemas.microsoft.com/office/drawing/2014/main" id="{9C713351-6C10-CB93-85B2-6802D6B78325}"/>
-              </a:ext>
-            </a:extLst>
-          </p:cNvPr>
+          <p:cNvPr id="2" name="Title 1"/>
           <p:cNvSpPr>
             <a:spLocks noGrp="1"/>
           </p:cNvSpPr>
@@ -2744,18 +2995,13 @@
               <a:rPr lang="en-US"/>
               <a:t>Click to edit Master title style</a:t>
             </a:r>
-          </a:p>
-        </p:txBody>
-      </p:sp>
-      <p:sp>
-        <p:nvSpPr>
-          <p:cNvPr id="3" name="Content Placeholder 2">
-            <a:extLst>
-              <a:ext uri="{FF2B5EF4-FFF2-40B4-BE49-F238E27FC236}">
-                <a16:creationId xmlns:a16="http://schemas.microsoft.com/office/drawing/2014/main" id="{C04906EE-8E3B-97D3-9E15-345B3D4353D8}"/>
-              </a:ext>
-            </a:extLst>
-          </p:cNvPr>
+            <a:endParaRPr lang="en-US"/>
+          </a:p>
+        </p:txBody>
+      </p:sp>
+      <p:sp>
+        <p:nvSpPr>
+          <p:cNvPr id="3" name="Content Placeholder 2"/>
           <p:cNvSpPr>
             <a:spLocks noGrp="1"/>
           </p:cNvSpPr>
@@ -2773,6 +3019,7 @@
               <a:rPr lang="en-US"/>
               <a:t>Click to edit Master text styles</a:t>
             </a:r>
+            <a:endParaRPr lang="en-US"/>
           </a:p>
           <a:p>
             <a:pPr lvl="1"/>
@@ -2780,6 +3027,7 @@
               <a:rPr lang="en-US"/>
               <a:t>Second level</a:t>
             </a:r>
+            <a:endParaRPr lang="en-US"/>
           </a:p>
           <a:p>
             <a:pPr lvl="2"/>
@@ -2787,6 +3035,7 @@
               <a:rPr lang="en-US"/>
               <a:t>Third level</a:t>
             </a:r>
+            <a:endParaRPr lang="en-US"/>
           </a:p>
           <a:p>
             <a:pPr lvl="3"/>
@@ -2794,6 +3043,7 @@
               <a:rPr lang="en-US"/>
               <a:t>Fourth level</a:t>
             </a:r>
+            <a:endParaRPr lang="en-US"/>
           </a:p>
           <a:p>
             <a:pPr lvl="4"/>
@@ -2801,18 +3051,13 @@
               <a:rPr lang="en-US"/>
               <a:t>Fifth level</a:t>
             </a:r>
-          </a:p>
-        </p:txBody>
-      </p:sp>
-      <p:sp>
-        <p:nvSpPr>
-          <p:cNvPr id="4" name="Date Placeholder 3">
-            <a:extLst>
-              <a:ext uri="{FF2B5EF4-FFF2-40B4-BE49-F238E27FC236}">
-                <a16:creationId xmlns:a16="http://schemas.microsoft.com/office/drawing/2014/main" id="{60B1DBA8-97D9-796E-43EF-08320752E7AC}"/>
-              </a:ext>
-            </a:extLst>
-          </p:cNvPr>
+            <a:endParaRPr lang="en-US"/>
+          </a:p>
+        </p:txBody>
+      </p:sp>
+      <p:sp>
+        <p:nvSpPr>
+          <p:cNvPr id="4" name="Date Placeholder 3"/>
           <p:cNvSpPr>
             <a:spLocks noGrp="1"/>
           </p:cNvSpPr>
@@ -2827,7 +3072,6 @@
           <a:p>
             <a:fld id="{E965B5F8-2D56-4E8E-8AA3-31DB237BD4B3}" type="datetimeFigureOut">
               <a:rPr lang="en-US" smtClean="0"/>
-              <a:t>3/24/2024</a:t>
             </a:fld>
             <a:endParaRPr lang="en-US"/>
           </a:p>
@@ -2835,13 +3079,7 @@
       </p:sp>
       <p:sp>
         <p:nvSpPr>
-          <p:cNvPr id="5" name="Footer Placeholder 4">
-            <a:extLst>
-              <a:ext uri="{FF2B5EF4-FFF2-40B4-BE49-F238E27FC236}">
-                <a16:creationId xmlns:a16="http://schemas.microsoft.com/office/drawing/2014/main" id="{CD94A207-986F-47E0-DC3E-1CD4C99D7BA8}"/>
-              </a:ext>
-            </a:extLst>
-          </p:cNvPr>
+          <p:cNvPr id="5" name="Footer Placeholder 4"/>
           <p:cNvSpPr>
             <a:spLocks noGrp="1"/>
           </p:cNvSpPr>
@@ -2860,13 +3098,7 @@
       </p:sp>
       <p:sp>
         <p:nvSpPr>
-          <p:cNvPr id="6" name="Slide Number Placeholder 5">
-            <a:extLst>
-              <a:ext uri="{FF2B5EF4-FFF2-40B4-BE49-F238E27FC236}">
-                <a16:creationId xmlns:a16="http://schemas.microsoft.com/office/drawing/2014/main" id="{968630F2-E1D4-992B-C79C-215F4734422F}"/>
-              </a:ext>
-            </a:extLst>
-          </p:cNvPr>
+          <p:cNvPr id="6" name="Slide Number Placeholder 5"/>
           <p:cNvSpPr>
             <a:spLocks noGrp="1"/>
           </p:cNvSpPr>
@@ -2881,18 +3113,12 @@
           <a:p>
             <a:fld id="{7BDE8A2B-3E39-4986-99F3-7A821D1A3D7B}" type="slidenum">
               <a:rPr lang="en-US" smtClean="0"/>
-              <a:t>‹#›</a:t>
             </a:fld>
             <a:endParaRPr lang="en-US"/>
           </a:p>
         </p:txBody>
       </p:sp>
     </p:spTree>
-    <p:extLst>
-      <p:ext uri="{BB962C8B-B14F-4D97-AF65-F5344CB8AC3E}">
-        <p14:creationId xmlns:p14="http://schemas.microsoft.com/office/powerpoint/2010/main" val="2214980702"/>
-      </p:ext>
-    </p:extLst>
   </p:cSld>
   <p:clrMapOvr>
     <a:masterClrMapping/>
@@ -2945,6 +3171,7 @@
               <a:rPr lang="en-US"/>
               <a:t>Click to edit Master title style</a:t>
             </a:r>
+            <a:endParaRPr lang="en-US"/>
           </a:p>
         </p:txBody>
       </p:sp>
@@ -3102,6 +3329,7 @@
               <a:rPr lang="en-US"/>
               <a:t>Click to edit Master text styles</a:t>
             </a:r>
+            <a:endParaRPr lang="en-US"/>
           </a:p>
         </p:txBody>
       </p:sp>
@@ -3125,10 +3353,6 @@
             </a:pPr>
             <a:fld id="{B42C9122-BF34-435C-A61B-D2201D289E11}" type="datetimeFigureOut">
               <a:rPr lang="en-US" smtClean="0"/>
-              <a:pPr>
-                <a:defRPr/>
-              </a:pPr>
-              <a:t>3/24/2024</a:t>
             </a:fld>
             <a:endParaRPr lang="en-US"/>
           </a:p>
@@ -3176,7 +3400,6 @@
             </a:pPr>
             <a:fld id="{9A0DB2DC-4C9A-4742-B13C-FB6460FD3503}" type="slidenum">
               <a:rPr lang="en-US" dirty="0"/>
-              <a:t>‹#›</a:t>
             </a:fld>
             <a:endParaRPr lang="en-US" dirty="0">
               <a:latin typeface="Arial" panose="020B0604020202020204" pitchFamily="34" charset="0"/>
@@ -3185,11 +3408,6 @@
         </p:txBody>
       </p:sp>
     </p:spTree>
-    <p:extLst>
-      <p:ext uri="{BB962C8B-B14F-4D97-AF65-F5344CB8AC3E}">
-        <p14:creationId xmlns:p14="http://schemas.microsoft.com/office/powerpoint/2010/main" val="727624005"/>
-      </p:ext>
-    </p:extLst>
   </p:cSld>
   <p:clrMapOvr>
     <a:masterClrMapping/>
@@ -3233,6 +3451,7 @@
               <a:rPr lang="en-US"/>
               <a:t>Click to edit Master title style</a:t>
             </a:r>
+            <a:endParaRPr lang="en-US"/>
           </a:p>
         </p:txBody>
       </p:sp>
@@ -3256,6 +3475,7 @@
               <a:rPr lang="en-US"/>
               <a:t>Click to edit Master text styles</a:t>
             </a:r>
+            <a:endParaRPr lang="en-US"/>
           </a:p>
           <a:p>
             <a:pPr lvl="1"/>
@@ -3263,6 +3483,7 @@
               <a:rPr lang="en-US"/>
               <a:t>Second level</a:t>
             </a:r>
+            <a:endParaRPr lang="en-US"/>
           </a:p>
           <a:p>
             <a:pPr lvl="2"/>
@@ -3270,6 +3491,7 @@
               <a:rPr lang="en-US"/>
               <a:t>Third level</a:t>
             </a:r>
+            <a:endParaRPr lang="en-US"/>
           </a:p>
           <a:p>
             <a:pPr lvl="3"/>
@@ -3277,6 +3499,7 @@
               <a:rPr lang="en-US"/>
               <a:t>Fourth level</a:t>
             </a:r>
+            <a:endParaRPr lang="en-US"/>
           </a:p>
           <a:p>
             <a:pPr lvl="4"/>
@@ -3284,6 +3507,7 @@
               <a:rPr lang="en-US"/>
               <a:t>Fifth level</a:t>
             </a:r>
+            <a:endParaRPr lang="en-US"/>
           </a:p>
         </p:txBody>
       </p:sp>
@@ -3307,10 +3531,6 @@
             </a:pPr>
             <a:fld id="{B42C9122-BF34-435C-A61B-D2201D289E11}" type="datetimeFigureOut">
               <a:rPr lang="en-US" smtClean="0"/>
-              <a:pPr>
-                <a:defRPr/>
-              </a:pPr>
-              <a:t>3/24/2024</a:t>
             </a:fld>
             <a:endParaRPr lang="en-US"/>
           </a:p>
@@ -3358,7 +3578,6 @@
             </a:pPr>
             <a:fld id="{9A0DB2DC-4C9A-4742-B13C-FB6460FD3503}" type="slidenum">
               <a:rPr lang="en-US" dirty="0"/>
-              <a:t>‹#›</a:t>
             </a:fld>
             <a:endParaRPr lang="en-US" dirty="0">
               <a:latin typeface="Arial" panose="020B0604020202020204" pitchFamily="34" charset="0"/>
@@ -3367,11 +3586,6 @@
         </p:txBody>
       </p:sp>
     </p:spTree>
-    <p:extLst>
-      <p:ext uri="{BB962C8B-B14F-4D97-AF65-F5344CB8AC3E}">
-        <p14:creationId xmlns:p14="http://schemas.microsoft.com/office/powerpoint/2010/main" val="3461548765"/>
-      </p:ext>
-    </p:extLst>
   </p:cSld>
   <p:clrMapOvr>
     <a:masterClrMapping/>
@@ -3420,6 +3634,7 @@
               <a:rPr lang="en-US"/>
               <a:t>Click to edit Master title style</a:t>
             </a:r>
+            <a:endParaRPr lang="en-US"/>
           </a:p>
         </p:txBody>
       </p:sp>
@@ -3448,6 +3663,7 @@
               <a:rPr lang="en-US"/>
               <a:t>Click to edit Master text styles</a:t>
             </a:r>
+            <a:endParaRPr lang="en-US"/>
           </a:p>
           <a:p>
             <a:pPr lvl="1"/>
@@ -3455,6 +3671,7 @@
               <a:rPr lang="en-US"/>
               <a:t>Second level</a:t>
             </a:r>
+            <a:endParaRPr lang="en-US"/>
           </a:p>
           <a:p>
             <a:pPr lvl="2"/>
@@ -3462,6 +3679,7 @@
               <a:rPr lang="en-US"/>
               <a:t>Third level</a:t>
             </a:r>
+            <a:endParaRPr lang="en-US"/>
           </a:p>
           <a:p>
             <a:pPr lvl="3"/>
@@ -3469,6 +3687,7 @@
               <a:rPr lang="en-US"/>
               <a:t>Fourth level</a:t>
             </a:r>
+            <a:endParaRPr lang="en-US"/>
           </a:p>
           <a:p>
             <a:pPr lvl="4"/>
@@ -3476,6 +3695,7 @@
               <a:rPr lang="en-US"/>
               <a:t>Fifth level</a:t>
             </a:r>
+            <a:endParaRPr lang="en-US"/>
           </a:p>
         </p:txBody>
       </p:sp>
@@ -3499,10 +3719,6 @@
             </a:pPr>
             <a:fld id="{B42C9122-BF34-435C-A61B-D2201D289E11}" type="datetimeFigureOut">
               <a:rPr lang="en-US" smtClean="0"/>
-              <a:pPr>
-                <a:defRPr/>
-              </a:pPr>
-              <a:t>3/24/2024</a:t>
             </a:fld>
             <a:endParaRPr lang="en-US"/>
           </a:p>
@@ -3550,7 +3766,6 @@
             </a:pPr>
             <a:fld id="{9A0DB2DC-4C9A-4742-B13C-FB6460FD3503}" type="slidenum">
               <a:rPr lang="en-US" dirty="0"/>
-              <a:t>‹#›</a:t>
             </a:fld>
             <a:endParaRPr lang="en-US" dirty="0">
               <a:latin typeface="Arial" panose="020B0604020202020204" pitchFamily="34" charset="0"/>
@@ -3559,11 +3774,6 @@
         </p:txBody>
       </p:sp>
     </p:spTree>
-    <p:extLst>
-      <p:ext uri="{BB962C8B-B14F-4D97-AF65-F5344CB8AC3E}">
-        <p14:creationId xmlns:p14="http://schemas.microsoft.com/office/powerpoint/2010/main" val="3447253088"/>
-      </p:ext>
-    </p:extLst>
   </p:cSld>
   <p:clrMapOvr>
     <a:masterClrMapping/>
@@ -3612,6 +3822,7 @@
               <a:rPr lang="en-US"/>
               <a:t>Click to edit Master title style</a:t>
             </a:r>
+            <a:endParaRPr lang="en-US"/>
           </a:p>
         </p:txBody>
       </p:sp>
@@ -3690,10 +3901,6 @@
             </a:pPr>
             <a:fld id="{7C4DD920-A025-458A-B9E0-08028F96DEC1}" type="datetime1">
               <a:rPr lang="en-US" sz="900" smtClean="0"/>
-              <a:pPr>
-                <a:defRPr/>
-              </a:pPr>
-              <a:t>3/24/2024</a:t>
             </a:fld>
             <a:endParaRPr lang="en-US" sz="900"/>
           </a:p>
@@ -3721,6 +3928,7 @@
               <a:rPr lang="en-US" sz="900"/>
               <a:t>Black Box Testing</a:t>
             </a:r>
+            <a:endParaRPr lang="en-US" sz="900"/>
           </a:p>
         </p:txBody>
       </p:sp>
@@ -3762,10 +3970,6 @@
                 </a:solidFill>
                 <a:latin typeface="+mn-lt"/>
               </a:rPr>
-              <a:pPr>
-                <a:defRPr/>
-              </a:pPr>
-              <a:t>‹#›</a:t>
             </a:fld>
             <a:endParaRPr lang="en-US" altLang="en-US" sz="900">
               <a:solidFill>
@@ -3779,11 +3983,6 @@
         </p:txBody>
       </p:sp>
     </p:spTree>
-    <p:extLst>
-      <p:ext uri="{BB962C8B-B14F-4D97-AF65-F5344CB8AC3E}">
-        <p14:creationId xmlns:p14="http://schemas.microsoft.com/office/powerpoint/2010/main" val="1267439299"/>
-      </p:ext>
-    </p:extLst>
   </p:cSld>
   <p:clrMapOvr>
     <a:masterClrMapping/>
@@ -3810,13 +4009,7 @@
       </p:grpSpPr>
       <p:sp>
         <p:nvSpPr>
-          <p:cNvPr id="2" name="Title 1">
-            <a:extLst>
-              <a:ext uri="{FF2B5EF4-FFF2-40B4-BE49-F238E27FC236}">
-                <a16:creationId xmlns:a16="http://schemas.microsoft.com/office/drawing/2014/main" id="{476F2403-0E8F-A657-031F-1A5022DDBB94}"/>
-              </a:ext>
-            </a:extLst>
-          </p:cNvPr>
+          <p:cNvPr id="2" name="Title 1"/>
           <p:cNvSpPr>
             <a:spLocks noGrp="1"/>
           </p:cNvSpPr>
@@ -3842,18 +4035,13 @@
               <a:rPr lang="en-US"/>
               <a:t>Click to edit Master title style</a:t>
             </a:r>
-          </a:p>
-        </p:txBody>
-      </p:sp>
-      <p:sp>
-        <p:nvSpPr>
-          <p:cNvPr id="3" name="Text Placeholder 2">
-            <a:extLst>
-              <a:ext uri="{FF2B5EF4-FFF2-40B4-BE49-F238E27FC236}">
-                <a16:creationId xmlns:a16="http://schemas.microsoft.com/office/drawing/2014/main" id="{46672535-DE74-F254-031E-D5007985017C}"/>
-              </a:ext>
-            </a:extLst>
-          </p:cNvPr>
+            <a:endParaRPr lang="en-US"/>
+          </a:p>
+        </p:txBody>
+      </p:sp>
+      <p:sp>
+        <p:nvSpPr>
+          <p:cNvPr id="3" name="Text Placeholder 2"/>
           <p:cNvSpPr>
             <a:spLocks noGrp="1"/>
           </p:cNvSpPr>
@@ -3967,18 +4155,13 @@
               <a:rPr lang="en-US"/>
               <a:t>Click to edit Master text styles</a:t>
             </a:r>
-          </a:p>
-        </p:txBody>
-      </p:sp>
-      <p:sp>
-        <p:nvSpPr>
-          <p:cNvPr id="4" name="Date Placeholder 3">
-            <a:extLst>
-              <a:ext uri="{FF2B5EF4-FFF2-40B4-BE49-F238E27FC236}">
-                <a16:creationId xmlns:a16="http://schemas.microsoft.com/office/drawing/2014/main" id="{034366CB-672C-32AF-F57C-762454C2A237}"/>
-              </a:ext>
-            </a:extLst>
-          </p:cNvPr>
+            <a:endParaRPr lang="en-US"/>
+          </a:p>
+        </p:txBody>
+      </p:sp>
+      <p:sp>
+        <p:nvSpPr>
+          <p:cNvPr id="4" name="Date Placeholder 3"/>
           <p:cNvSpPr>
             <a:spLocks noGrp="1"/>
           </p:cNvSpPr>
@@ -3993,7 +4176,6 @@
           <a:p>
             <a:fld id="{E965B5F8-2D56-4E8E-8AA3-31DB237BD4B3}" type="datetimeFigureOut">
               <a:rPr lang="en-US" smtClean="0"/>
-              <a:t>3/24/2024</a:t>
             </a:fld>
             <a:endParaRPr lang="en-US"/>
           </a:p>
@@ -4001,13 +4183,7 @@
       </p:sp>
       <p:sp>
         <p:nvSpPr>
-          <p:cNvPr id="5" name="Footer Placeholder 4">
-            <a:extLst>
-              <a:ext uri="{FF2B5EF4-FFF2-40B4-BE49-F238E27FC236}">
-                <a16:creationId xmlns:a16="http://schemas.microsoft.com/office/drawing/2014/main" id="{DC53FE65-09A9-2EE0-1D07-C3548A34055E}"/>
-              </a:ext>
-            </a:extLst>
-          </p:cNvPr>
+          <p:cNvPr id="5" name="Footer Placeholder 4"/>
           <p:cNvSpPr>
             <a:spLocks noGrp="1"/>
           </p:cNvSpPr>
@@ -4026,13 +4202,7 @@
       </p:sp>
       <p:sp>
         <p:nvSpPr>
-          <p:cNvPr id="6" name="Slide Number Placeholder 5">
-            <a:extLst>
-              <a:ext uri="{FF2B5EF4-FFF2-40B4-BE49-F238E27FC236}">
-                <a16:creationId xmlns:a16="http://schemas.microsoft.com/office/drawing/2014/main" id="{7BDC9EA2-9D12-211F-27BC-09D6D27EFEE7}"/>
-              </a:ext>
-            </a:extLst>
-          </p:cNvPr>
+          <p:cNvPr id="6" name="Slide Number Placeholder 5"/>
           <p:cNvSpPr>
             <a:spLocks noGrp="1"/>
           </p:cNvSpPr>
@@ -4047,18 +4217,12 @@
           <a:p>
             <a:fld id="{7BDE8A2B-3E39-4986-99F3-7A821D1A3D7B}" type="slidenum">
               <a:rPr lang="en-US" smtClean="0"/>
-              <a:t>‹#›</a:t>
             </a:fld>
             <a:endParaRPr lang="en-US"/>
           </a:p>
         </p:txBody>
       </p:sp>
     </p:spTree>
-    <p:extLst>
-      <p:ext uri="{BB962C8B-B14F-4D97-AF65-F5344CB8AC3E}">
-        <p14:creationId xmlns:p14="http://schemas.microsoft.com/office/powerpoint/2010/main" val="471380038"/>
-      </p:ext>
-    </p:extLst>
   </p:cSld>
   <p:clrMapOvr>
     <a:masterClrMapping/>
@@ -4085,13 +4249,7 @@
       </p:grpSpPr>
       <p:sp>
         <p:nvSpPr>
-          <p:cNvPr id="2" name="Title 1">
-            <a:extLst>
-              <a:ext uri="{FF2B5EF4-FFF2-40B4-BE49-F238E27FC236}">
-                <a16:creationId xmlns:a16="http://schemas.microsoft.com/office/drawing/2014/main" id="{14762114-DDF2-A3EA-FA8E-AB19EAF909DA}"/>
-              </a:ext>
-            </a:extLst>
-          </p:cNvPr>
+          <p:cNvPr id="2" name="Title 1"/>
           <p:cNvSpPr>
             <a:spLocks noGrp="1"/>
           </p:cNvSpPr>
@@ -4108,18 +4266,13 @@
               <a:rPr lang="en-US"/>
               <a:t>Click to edit Master title style</a:t>
             </a:r>
-          </a:p>
-        </p:txBody>
-      </p:sp>
-      <p:sp>
-        <p:nvSpPr>
-          <p:cNvPr id="3" name="Content Placeholder 2">
-            <a:extLst>
-              <a:ext uri="{FF2B5EF4-FFF2-40B4-BE49-F238E27FC236}">
-                <a16:creationId xmlns:a16="http://schemas.microsoft.com/office/drawing/2014/main" id="{3EBC3667-6EE5-B5BF-9B1D-431EC3825A7D}"/>
-              </a:ext>
-            </a:extLst>
-          </p:cNvPr>
+            <a:endParaRPr lang="en-US"/>
+          </a:p>
+        </p:txBody>
+      </p:sp>
+      <p:sp>
+        <p:nvSpPr>
+          <p:cNvPr id="3" name="Content Placeholder 2"/>
           <p:cNvSpPr>
             <a:spLocks noGrp="1"/>
           </p:cNvSpPr>
@@ -4142,6 +4295,7 @@
               <a:rPr lang="en-US"/>
               <a:t>Click to edit Master text styles</a:t>
             </a:r>
+            <a:endParaRPr lang="en-US"/>
           </a:p>
           <a:p>
             <a:pPr lvl="1"/>
@@ -4149,6 +4303,7 @@
               <a:rPr lang="en-US"/>
               <a:t>Second level</a:t>
             </a:r>
+            <a:endParaRPr lang="en-US"/>
           </a:p>
           <a:p>
             <a:pPr lvl="2"/>
@@ -4156,6 +4311,7 @@
               <a:rPr lang="en-US"/>
               <a:t>Third level</a:t>
             </a:r>
+            <a:endParaRPr lang="en-US"/>
           </a:p>
           <a:p>
             <a:pPr lvl="3"/>
@@ -4163,6 +4319,7 @@
               <a:rPr lang="en-US"/>
               <a:t>Fourth level</a:t>
             </a:r>
+            <a:endParaRPr lang="en-US"/>
           </a:p>
           <a:p>
             <a:pPr lvl="4"/>
@@ -4170,18 +4327,13 @@
               <a:rPr lang="en-US"/>
               <a:t>Fifth level</a:t>
             </a:r>
-          </a:p>
-        </p:txBody>
-      </p:sp>
-      <p:sp>
-        <p:nvSpPr>
-          <p:cNvPr id="4" name="Content Placeholder 3">
-            <a:extLst>
-              <a:ext uri="{FF2B5EF4-FFF2-40B4-BE49-F238E27FC236}">
-                <a16:creationId xmlns:a16="http://schemas.microsoft.com/office/drawing/2014/main" id="{826A7FE9-ECDE-607C-62EC-D8639E862945}"/>
-              </a:ext>
-            </a:extLst>
-          </p:cNvPr>
+            <a:endParaRPr lang="en-US"/>
+          </a:p>
+        </p:txBody>
+      </p:sp>
+      <p:sp>
+        <p:nvSpPr>
+          <p:cNvPr id="4" name="Content Placeholder 3"/>
           <p:cNvSpPr>
             <a:spLocks noGrp="1"/>
           </p:cNvSpPr>
@@ -4204,6 +4356,7 @@
               <a:rPr lang="en-US"/>
               <a:t>Click to edit Master text styles</a:t>
             </a:r>
+            <a:endParaRPr lang="en-US"/>
           </a:p>
           <a:p>
             <a:pPr lvl="1"/>
@@ -4211,6 +4364,7 @@
               <a:rPr lang="en-US"/>
               <a:t>Second level</a:t>
             </a:r>
+            <a:endParaRPr lang="en-US"/>
           </a:p>
           <a:p>
             <a:pPr lvl="2"/>
@@ -4218,6 +4372,7 @@
               <a:rPr lang="en-US"/>
               <a:t>Third level</a:t>
             </a:r>
+            <a:endParaRPr lang="en-US"/>
           </a:p>
           <a:p>
             <a:pPr lvl="3"/>
@@ -4225,6 +4380,7 @@
               <a:rPr lang="en-US"/>
               <a:t>Fourth level</a:t>
             </a:r>
+            <a:endParaRPr lang="en-US"/>
           </a:p>
           <a:p>
             <a:pPr lvl="4"/>
@@ -4232,18 +4388,13 @@
               <a:rPr lang="en-US"/>
               <a:t>Fifth level</a:t>
             </a:r>
-          </a:p>
-        </p:txBody>
-      </p:sp>
-      <p:sp>
-        <p:nvSpPr>
-          <p:cNvPr id="5" name="Date Placeholder 4">
-            <a:extLst>
-              <a:ext uri="{FF2B5EF4-FFF2-40B4-BE49-F238E27FC236}">
-                <a16:creationId xmlns:a16="http://schemas.microsoft.com/office/drawing/2014/main" id="{5FE33F76-C661-E171-FFB9-D3C200172947}"/>
-              </a:ext>
-            </a:extLst>
-          </p:cNvPr>
+            <a:endParaRPr lang="en-US"/>
+          </a:p>
+        </p:txBody>
+      </p:sp>
+      <p:sp>
+        <p:nvSpPr>
+          <p:cNvPr id="5" name="Date Placeholder 4"/>
           <p:cNvSpPr>
             <a:spLocks noGrp="1"/>
           </p:cNvSpPr>
@@ -4258,7 +4409,6 @@
           <a:p>
             <a:fld id="{E965B5F8-2D56-4E8E-8AA3-31DB237BD4B3}" type="datetimeFigureOut">
               <a:rPr lang="en-US" smtClean="0"/>
-              <a:t>3/24/2024</a:t>
             </a:fld>
             <a:endParaRPr lang="en-US"/>
           </a:p>
@@ -4266,13 +4416,7 @@
       </p:sp>
       <p:sp>
         <p:nvSpPr>
-          <p:cNvPr id="6" name="Footer Placeholder 5">
-            <a:extLst>
-              <a:ext uri="{FF2B5EF4-FFF2-40B4-BE49-F238E27FC236}">
-                <a16:creationId xmlns:a16="http://schemas.microsoft.com/office/drawing/2014/main" id="{9ADA83AA-3396-7D56-9E86-D92884F87C85}"/>
-              </a:ext>
-            </a:extLst>
-          </p:cNvPr>
+          <p:cNvPr id="6" name="Footer Placeholder 5"/>
           <p:cNvSpPr>
             <a:spLocks noGrp="1"/>
           </p:cNvSpPr>
@@ -4291,13 +4435,7 @@
       </p:sp>
       <p:sp>
         <p:nvSpPr>
-          <p:cNvPr id="7" name="Slide Number Placeholder 6">
-            <a:extLst>
-              <a:ext uri="{FF2B5EF4-FFF2-40B4-BE49-F238E27FC236}">
-                <a16:creationId xmlns:a16="http://schemas.microsoft.com/office/drawing/2014/main" id="{3E9117B8-F09C-ED1F-FF2C-FF4500AAEB89}"/>
-              </a:ext>
-            </a:extLst>
-          </p:cNvPr>
+          <p:cNvPr id="7" name="Slide Number Placeholder 6"/>
           <p:cNvSpPr>
             <a:spLocks noGrp="1"/>
           </p:cNvSpPr>
@@ -4312,18 +4450,12 @@
           <a:p>
             <a:fld id="{7BDE8A2B-3E39-4986-99F3-7A821D1A3D7B}" type="slidenum">
               <a:rPr lang="en-US" smtClean="0"/>
-              <a:t>‹#›</a:t>
             </a:fld>
             <a:endParaRPr lang="en-US"/>
           </a:p>
         </p:txBody>
       </p:sp>
     </p:spTree>
-    <p:extLst>
-      <p:ext uri="{BB962C8B-B14F-4D97-AF65-F5344CB8AC3E}">
-        <p14:creationId xmlns:p14="http://schemas.microsoft.com/office/powerpoint/2010/main" val="645003570"/>
-      </p:ext>
-    </p:extLst>
   </p:cSld>
   <p:clrMapOvr>
     <a:masterClrMapping/>
@@ -4350,13 +4482,7 @@
       </p:grpSpPr>
       <p:sp>
         <p:nvSpPr>
-          <p:cNvPr id="2" name="Title 1">
-            <a:extLst>
-              <a:ext uri="{FF2B5EF4-FFF2-40B4-BE49-F238E27FC236}">
-                <a16:creationId xmlns:a16="http://schemas.microsoft.com/office/drawing/2014/main" id="{12959A9E-4906-027D-A307-5CBF2DE6989A}"/>
-              </a:ext>
-            </a:extLst>
-          </p:cNvPr>
+          <p:cNvPr id="2" name="Title 1"/>
           <p:cNvSpPr>
             <a:spLocks noGrp="1"/>
           </p:cNvSpPr>
@@ -4378,18 +4504,13 @@
               <a:rPr lang="en-US"/>
               <a:t>Click to edit Master title style</a:t>
             </a:r>
-          </a:p>
-        </p:txBody>
-      </p:sp>
-      <p:sp>
-        <p:nvSpPr>
-          <p:cNvPr id="3" name="Text Placeholder 2">
-            <a:extLst>
-              <a:ext uri="{FF2B5EF4-FFF2-40B4-BE49-F238E27FC236}">
-                <a16:creationId xmlns:a16="http://schemas.microsoft.com/office/drawing/2014/main" id="{26DEB056-A66F-98A7-D076-DC91BF0421A6}"/>
-              </a:ext>
-            </a:extLst>
-          </p:cNvPr>
+            <a:endParaRPr lang="en-US"/>
+          </a:p>
+        </p:txBody>
+      </p:sp>
+      <p:sp>
+        <p:nvSpPr>
+          <p:cNvPr id="3" name="Text Placeholder 2"/>
           <p:cNvSpPr>
             <a:spLocks noGrp="1"/>
           </p:cNvSpPr>
@@ -4449,18 +4570,13 @@
               <a:rPr lang="en-US"/>
               <a:t>Click to edit Master text styles</a:t>
             </a:r>
-          </a:p>
-        </p:txBody>
-      </p:sp>
-      <p:sp>
-        <p:nvSpPr>
-          <p:cNvPr id="4" name="Content Placeholder 3">
-            <a:extLst>
-              <a:ext uri="{FF2B5EF4-FFF2-40B4-BE49-F238E27FC236}">
-                <a16:creationId xmlns:a16="http://schemas.microsoft.com/office/drawing/2014/main" id="{768ED0DC-BC28-AFE9-113A-CE9DABECC133}"/>
-              </a:ext>
-            </a:extLst>
-          </p:cNvPr>
+            <a:endParaRPr lang="en-US"/>
+          </a:p>
+        </p:txBody>
+      </p:sp>
+      <p:sp>
+        <p:nvSpPr>
+          <p:cNvPr id="4" name="Content Placeholder 3"/>
           <p:cNvSpPr>
             <a:spLocks noGrp="1"/>
           </p:cNvSpPr>
@@ -4483,6 +4599,7 @@
               <a:rPr lang="en-US"/>
               <a:t>Click to edit Master text styles</a:t>
             </a:r>
+            <a:endParaRPr lang="en-US"/>
           </a:p>
           <a:p>
             <a:pPr lvl="1"/>
@@ -4490,6 +4607,7 @@
               <a:rPr lang="en-US"/>
               <a:t>Second level</a:t>
             </a:r>
+            <a:endParaRPr lang="en-US"/>
           </a:p>
           <a:p>
             <a:pPr lvl="2"/>
@@ -4497,6 +4615,7 @@
               <a:rPr lang="en-US"/>
               <a:t>Third level</a:t>
             </a:r>
+            <a:endParaRPr lang="en-US"/>
           </a:p>
           <a:p>
             <a:pPr lvl="3"/>
@@ -4504,6 +4623,7 @@
               <a:rPr lang="en-US"/>
               <a:t>Fourth level</a:t>
             </a:r>
+            <a:endParaRPr lang="en-US"/>
           </a:p>
           <a:p>
             <a:pPr lvl="4"/>
@@ -4511,18 +4631,13 @@
               <a:rPr lang="en-US"/>
               <a:t>Fifth level</a:t>
             </a:r>
-          </a:p>
-        </p:txBody>
-      </p:sp>
-      <p:sp>
-        <p:nvSpPr>
-          <p:cNvPr id="5" name="Text Placeholder 4">
-            <a:extLst>
-              <a:ext uri="{FF2B5EF4-FFF2-40B4-BE49-F238E27FC236}">
-                <a16:creationId xmlns:a16="http://schemas.microsoft.com/office/drawing/2014/main" id="{2F67B389-014A-4F96-0D85-500E7768917C}"/>
-              </a:ext>
-            </a:extLst>
-          </p:cNvPr>
+            <a:endParaRPr lang="en-US"/>
+          </a:p>
+        </p:txBody>
+      </p:sp>
+      <p:sp>
+        <p:nvSpPr>
+          <p:cNvPr id="5" name="Text Placeholder 4"/>
           <p:cNvSpPr>
             <a:spLocks noGrp="1"/>
           </p:cNvSpPr>
@@ -4582,18 +4697,13 @@
               <a:rPr lang="en-US"/>
               <a:t>Click to edit Master text styles</a:t>
             </a:r>
-          </a:p>
-        </p:txBody>
-      </p:sp>
-      <p:sp>
-        <p:nvSpPr>
-          <p:cNvPr id="6" name="Content Placeholder 5">
-            <a:extLst>
-              <a:ext uri="{FF2B5EF4-FFF2-40B4-BE49-F238E27FC236}">
-                <a16:creationId xmlns:a16="http://schemas.microsoft.com/office/drawing/2014/main" id="{5065BCF4-AFFC-27AC-5185-30CFE0888903}"/>
-              </a:ext>
-            </a:extLst>
-          </p:cNvPr>
+            <a:endParaRPr lang="en-US"/>
+          </a:p>
+        </p:txBody>
+      </p:sp>
+      <p:sp>
+        <p:nvSpPr>
+          <p:cNvPr id="6" name="Content Placeholder 5"/>
           <p:cNvSpPr>
             <a:spLocks noGrp="1"/>
           </p:cNvSpPr>
@@ -4616,6 +4726,7 @@
               <a:rPr lang="en-US"/>
               <a:t>Click to edit Master text styles</a:t>
             </a:r>
+            <a:endParaRPr lang="en-US"/>
           </a:p>
           <a:p>
             <a:pPr lvl="1"/>
@@ -4623,6 +4734,7 @@
               <a:rPr lang="en-US"/>
               <a:t>Second level</a:t>
             </a:r>
+            <a:endParaRPr lang="en-US"/>
           </a:p>
           <a:p>
             <a:pPr lvl="2"/>
@@ -4630,6 +4742,7 @@
               <a:rPr lang="en-US"/>
               <a:t>Third level</a:t>
             </a:r>
+            <a:endParaRPr lang="en-US"/>
           </a:p>
           <a:p>
             <a:pPr lvl="3"/>
@@ -4637,6 +4750,7 @@
               <a:rPr lang="en-US"/>
               <a:t>Fourth level</a:t>
             </a:r>
+            <a:endParaRPr lang="en-US"/>
           </a:p>
           <a:p>
             <a:pPr lvl="4"/>
@@ -4644,18 +4758,13 @@
               <a:rPr lang="en-US"/>
               <a:t>Fifth level</a:t>
             </a:r>
-          </a:p>
-        </p:txBody>
-      </p:sp>
-      <p:sp>
-        <p:nvSpPr>
-          <p:cNvPr id="7" name="Date Placeholder 6">
-            <a:extLst>
-              <a:ext uri="{FF2B5EF4-FFF2-40B4-BE49-F238E27FC236}">
-                <a16:creationId xmlns:a16="http://schemas.microsoft.com/office/drawing/2014/main" id="{05AF40BA-FB83-1C76-9155-24DAA728A19D}"/>
-              </a:ext>
-            </a:extLst>
-          </p:cNvPr>
+            <a:endParaRPr lang="en-US"/>
+          </a:p>
+        </p:txBody>
+      </p:sp>
+      <p:sp>
+        <p:nvSpPr>
+          <p:cNvPr id="7" name="Date Placeholder 6"/>
           <p:cNvSpPr>
             <a:spLocks noGrp="1"/>
           </p:cNvSpPr>
@@ -4670,7 +4779,6 @@
           <a:p>
             <a:fld id="{E965B5F8-2D56-4E8E-8AA3-31DB237BD4B3}" type="datetimeFigureOut">
               <a:rPr lang="en-US" smtClean="0"/>
-              <a:t>3/24/2024</a:t>
             </a:fld>
             <a:endParaRPr lang="en-US"/>
           </a:p>
@@ -4678,13 +4786,7 @@
       </p:sp>
       <p:sp>
         <p:nvSpPr>
-          <p:cNvPr id="8" name="Footer Placeholder 7">
-            <a:extLst>
-              <a:ext uri="{FF2B5EF4-FFF2-40B4-BE49-F238E27FC236}">
-                <a16:creationId xmlns:a16="http://schemas.microsoft.com/office/drawing/2014/main" id="{2B67DB43-433F-8F03-2420-67F8444EC98F}"/>
-              </a:ext>
-            </a:extLst>
-          </p:cNvPr>
+          <p:cNvPr id="8" name="Footer Placeholder 7"/>
           <p:cNvSpPr>
             <a:spLocks noGrp="1"/>
           </p:cNvSpPr>
@@ -4703,13 +4805,7 @@
       </p:sp>
       <p:sp>
         <p:nvSpPr>
-          <p:cNvPr id="9" name="Slide Number Placeholder 8">
-            <a:extLst>
-              <a:ext uri="{FF2B5EF4-FFF2-40B4-BE49-F238E27FC236}">
-                <a16:creationId xmlns:a16="http://schemas.microsoft.com/office/drawing/2014/main" id="{92A86472-2211-9266-8DEA-C8839A97EBFE}"/>
-              </a:ext>
-            </a:extLst>
-          </p:cNvPr>
+          <p:cNvPr id="9" name="Slide Number Placeholder 8"/>
           <p:cNvSpPr>
             <a:spLocks noGrp="1"/>
           </p:cNvSpPr>
@@ -4724,18 +4820,12 @@
           <a:p>
             <a:fld id="{7BDE8A2B-3E39-4986-99F3-7A821D1A3D7B}" type="slidenum">
               <a:rPr lang="en-US" smtClean="0"/>
-              <a:t>‹#›</a:t>
             </a:fld>
             <a:endParaRPr lang="en-US"/>
           </a:p>
         </p:txBody>
       </p:sp>
     </p:spTree>
-    <p:extLst>
-      <p:ext uri="{BB962C8B-B14F-4D97-AF65-F5344CB8AC3E}">
-        <p14:creationId xmlns:p14="http://schemas.microsoft.com/office/powerpoint/2010/main" val="985954861"/>
-      </p:ext>
-    </p:extLst>
   </p:cSld>
   <p:clrMapOvr>
     <a:masterClrMapping/>
@@ -4762,13 +4852,7 @@
       </p:grpSpPr>
       <p:sp>
         <p:nvSpPr>
-          <p:cNvPr id="2" name="Title 1">
-            <a:extLst>
-              <a:ext uri="{FF2B5EF4-FFF2-40B4-BE49-F238E27FC236}">
-                <a16:creationId xmlns:a16="http://schemas.microsoft.com/office/drawing/2014/main" id="{04EBCAB9-7CC6-C165-F8D3-A51D91D824B8}"/>
-              </a:ext>
-            </a:extLst>
-          </p:cNvPr>
+          <p:cNvPr id="2" name="Title 1"/>
           <p:cNvSpPr>
             <a:spLocks noGrp="1"/>
           </p:cNvSpPr>
@@ -4785,18 +4869,13 @@
               <a:rPr lang="en-US"/>
               <a:t>Click to edit Master title style</a:t>
             </a:r>
-          </a:p>
-        </p:txBody>
-      </p:sp>
-      <p:sp>
-        <p:nvSpPr>
-          <p:cNvPr id="3" name="Date Placeholder 2">
-            <a:extLst>
-              <a:ext uri="{FF2B5EF4-FFF2-40B4-BE49-F238E27FC236}">
-                <a16:creationId xmlns:a16="http://schemas.microsoft.com/office/drawing/2014/main" id="{342FD50E-B787-3915-3A78-77D32AB93508}"/>
-              </a:ext>
-            </a:extLst>
-          </p:cNvPr>
+            <a:endParaRPr lang="en-US"/>
+          </a:p>
+        </p:txBody>
+      </p:sp>
+      <p:sp>
+        <p:nvSpPr>
+          <p:cNvPr id="3" name="Date Placeholder 2"/>
           <p:cNvSpPr>
             <a:spLocks noGrp="1"/>
           </p:cNvSpPr>
@@ -4811,7 +4890,6 @@
           <a:p>
             <a:fld id="{E965B5F8-2D56-4E8E-8AA3-31DB237BD4B3}" type="datetimeFigureOut">
               <a:rPr lang="en-US" smtClean="0"/>
-              <a:t>3/24/2024</a:t>
             </a:fld>
             <a:endParaRPr lang="en-US"/>
           </a:p>
@@ -4819,13 +4897,7 @@
       </p:sp>
       <p:sp>
         <p:nvSpPr>
-          <p:cNvPr id="4" name="Footer Placeholder 3">
-            <a:extLst>
-              <a:ext uri="{FF2B5EF4-FFF2-40B4-BE49-F238E27FC236}">
-                <a16:creationId xmlns:a16="http://schemas.microsoft.com/office/drawing/2014/main" id="{34D30600-06B8-639B-1C6B-E125F6562C64}"/>
-              </a:ext>
-            </a:extLst>
-          </p:cNvPr>
+          <p:cNvPr id="4" name="Footer Placeholder 3"/>
           <p:cNvSpPr>
             <a:spLocks noGrp="1"/>
           </p:cNvSpPr>
@@ -4844,13 +4916,7 @@
       </p:sp>
       <p:sp>
         <p:nvSpPr>
-          <p:cNvPr id="5" name="Slide Number Placeholder 4">
-            <a:extLst>
-              <a:ext uri="{FF2B5EF4-FFF2-40B4-BE49-F238E27FC236}">
-                <a16:creationId xmlns:a16="http://schemas.microsoft.com/office/drawing/2014/main" id="{A09860E0-4C93-0EF6-0337-EFD4A33258A0}"/>
-              </a:ext>
-            </a:extLst>
-          </p:cNvPr>
+          <p:cNvPr id="5" name="Slide Number Placeholder 4"/>
           <p:cNvSpPr>
             <a:spLocks noGrp="1"/>
           </p:cNvSpPr>
@@ -4865,18 +4931,12 @@
           <a:p>
             <a:fld id="{7BDE8A2B-3E39-4986-99F3-7A821D1A3D7B}" type="slidenum">
               <a:rPr lang="en-US" smtClean="0"/>
-              <a:t>‹#›</a:t>
             </a:fld>
             <a:endParaRPr lang="en-US"/>
           </a:p>
         </p:txBody>
       </p:sp>
     </p:spTree>
-    <p:extLst>
-      <p:ext uri="{BB962C8B-B14F-4D97-AF65-F5344CB8AC3E}">
-        <p14:creationId xmlns:p14="http://schemas.microsoft.com/office/powerpoint/2010/main" val="2005339114"/>
-      </p:ext>
-    </p:extLst>
   </p:cSld>
   <p:clrMapOvr>
     <a:masterClrMapping/>
@@ -4903,13 +4963,7 @@
       </p:grpSpPr>
       <p:sp>
         <p:nvSpPr>
-          <p:cNvPr id="2" name="Date Placeholder 1">
-            <a:extLst>
-              <a:ext uri="{FF2B5EF4-FFF2-40B4-BE49-F238E27FC236}">
-                <a16:creationId xmlns:a16="http://schemas.microsoft.com/office/drawing/2014/main" id="{4CB6067B-CEB4-1605-70A0-68A61A4F2468}"/>
-              </a:ext>
-            </a:extLst>
-          </p:cNvPr>
+          <p:cNvPr id="2" name="Date Placeholder 1"/>
           <p:cNvSpPr>
             <a:spLocks noGrp="1"/>
           </p:cNvSpPr>
@@ -4924,7 +4978,6 @@
           <a:p>
             <a:fld id="{E965B5F8-2D56-4E8E-8AA3-31DB237BD4B3}" type="datetimeFigureOut">
               <a:rPr lang="en-US" smtClean="0"/>
-              <a:t>3/24/2024</a:t>
             </a:fld>
             <a:endParaRPr lang="en-US"/>
           </a:p>
@@ -4932,13 +4985,7 @@
       </p:sp>
       <p:sp>
         <p:nvSpPr>
-          <p:cNvPr id="3" name="Footer Placeholder 2">
-            <a:extLst>
-              <a:ext uri="{FF2B5EF4-FFF2-40B4-BE49-F238E27FC236}">
-                <a16:creationId xmlns:a16="http://schemas.microsoft.com/office/drawing/2014/main" id="{E1532FCC-F31D-A712-C093-EDE71988F1FB}"/>
-              </a:ext>
-            </a:extLst>
-          </p:cNvPr>
+          <p:cNvPr id="3" name="Footer Placeholder 2"/>
           <p:cNvSpPr>
             <a:spLocks noGrp="1"/>
           </p:cNvSpPr>
@@ -4957,13 +5004,7 @@
       </p:sp>
       <p:sp>
         <p:nvSpPr>
-          <p:cNvPr id="4" name="Slide Number Placeholder 3">
-            <a:extLst>
-              <a:ext uri="{FF2B5EF4-FFF2-40B4-BE49-F238E27FC236}">
-                <a16:creationId xmlns:a16="http://schemas.microsoft.com/office/drawing/2014/main" id="{829A4D86-8345-5910-A12E-170FACBE26B3}"/>
-              </a:ext>
-            </a:extLst>
-          </p:cNvPr>
+          <p:cNvPr id="4" name="Slide Number Placeholder 3"/>
           <p:cNvSpPr>
             <a:spLocks noGrp="1"/>
           </p:cNvSpPr>
@@ -4978,18 +5019,12 @@
           <a:p>
             <a:fld id="{7BDE8A2B-3E39-4986-99F3-7A821D1A3D7B}" type="slidenum">
               <a:rPr lang="en-US" smtClean="0"/>
-              <a:t>‹#›</a:t>
             </a:fld>
             <a:endParaRPr lang="en-US"/>
           </a:p>
         </p:txBody>
       </p:sp>
     </p:spTree>
-    <p:extLst>
-      <p:ext uri="{BB962C8B-B14F-4D97-AF65-F5344CB8AC3E}">
-        <p14:creationId xmlns:p14="http://schemas.microsoft.com/office/powerpoint/2010/main" val="2602087231"/>
-      </p:ext>
-    </p:extLst>
   </p:cSld>
   <p:clrMapOvr>
     <a:masterClrMapping/>
@@ -5016,13 +5051,7 @@
       </p:grpSpPr>
       <p:sp>
         <p:nvSpPr>
-          <p:cNvPr id="2" name="Title 1">
-            <a:extLst>
-              <a:ext uri="{FF2B5EF4-FFF2-40B4-BE49-F238E27FC236}">
-                <a16:creationId xmlns:a16="http://schemas.microsoft.com/office/drawing/2014/main" id="{8861689B-8578-C633-FF87-1FE2304FC261}"/>
-              </a:ext>
-            </a:extLst>
-          </p:cNvPr>
+          <p:cNvPr id="2" name="Title 1"/>
           <p:cNvSpPr>
             <a:spLocks noGrp="1"/>
           </p:cNvSpPr>
@@ -5048,18 +5077,13 @@
               <a:rPr lang="en-US"/>
               <a:t>Click to edit Master title style</a:t>
             </a:r>
-          </a:p>
-        </p:txBody>
-      </p:sp>
-      <p:sp>
-        <p:nvSpPr>
-          <p:cNvPr id="3" name="Content Placeholder 2">
-            <a:extLst>
-              <a:ext uri="{FF2B5EF4-FFF2-40B4-BE49-F238E27FC236}">
-                <a16:creationId xmlns:a16="http://schemas.microsoft.com/office/drawing/2014/main" id="{9DD4A3BF-8565-0491-EDF8-1118124D3389}"/>
-              </a:ext>
-            </a:extLst>
-          </p:cNvPr>
+            <a:endParaRPr lang="en-US"/>
+          </a:p>
+        </p:txBody>
+      </p:sp>
+      <p:sp>
+        <p:nvSpPr>
+          <p:cNvPr id="3" name="Content Placeholder 2"/>
           <p:cNvSpPr>
             <a:spLocks noGrp="1"/>
           </p:cNvSpPr>
@@ -5110,6 +5134,7 @@
               <a:rPr lang="en-US"/>
               <a:t>Click to edit Master text styles</a:t>
             </a:r>
+            <a:endParaRPr lang="en-US"/>
           </a:p>
           <a:p>
             <a:pPr lvl="1"/>
@@ -5117,6 +5142,7 @@
               <a:rPr lang="en-US"/>
               <a:t>Second level</a:t>
             </a:r>
+            <a:endParaRPr lang="en-US"/>
           </a:p>
           <a:p>
             <a:pPr lvl="2"/>
@@ -5124,6 +5150,7 @@
               <a:rPr lang="en-US"/>
               <a:t>Third level</a:t>
             </a:r>
+            <a:endParaRPr lang="en-US"/>
           </a:p>
           <a:p>
             <a:pPr lvl="3"/>
@@ -5131,6 +5158,7 @@
               <a:rPr lang="en-US"/>
               <a:t>Fourth level</a:t>
             </a:r>
+            <a:endParaRPr lang="en-US"/>
           </a:p>
           <a:p>
             <a:pPr lvl="4"/>
@@ -5138,18 +5166,13 @@
               <a:rPr lang="en-US"/>
               <a:t>Fifth level</a:t>
             </a:r>
-          </a:p>
-        </p:txBody>
-      </p:sp>
-      <p:sp>
-        <p:nvSpPr>
-          <p:cNvPr id="4" name="Text Placeholder 3">
-            <a:extLst>
-              <a:ext uri="{FF2B5EF4-FFF2-40B4-BE49-F238E27FC236}">
-                <a16:creationId xmlns:a16="http://schemas.microsoft.com/office/drawing/2014/main" id="{63FEBB0C-BC86-DC2C-E846-F382FC34531C}"/>
-              </a:ext>
-            </a:extLst>
-          </p:cNvPr>
+            <a:endParaRPr lang="en-US"/>
+          </a:p>
+        </p:txBody>
+      </p:sp>
+      <p:sp>
+        <p:nvSpPr>
+          <p:cNvPr id="4" name="Text Placeholder 3"/>
           <p:cNvSpPr>
             <a:spLocks noGrp="1"/>
           </p:cNvSpPr>
@@ -5209,18 +5232,13 @@
               <a:rPr lang="en-US"/>
               <a:t>Click to edit Master text styles</a:t>
             </a:r>
-          </a:p>
-        </p:txBody>
-      </p:sp>
-      <p:sp>
-        <p:nvSpPr>
-          <p:cNvPr id="5" name="Date Placeholder 4">
-            <a:extLst>
-              <a:ext uri="{FF2B5EF4-FFF2-40B4-BE49-F238E27FC236}">
-                <a16:creationId xmlns:a16="http://schemas.microsoft.com/office/drawing/2014/main" id="{0B72EE4A-E6BE-8E00-80F0-121669F55D2E}"/>
-              </a:ext>
-            </a:extLst>
-          </p:cNvPr>
+            <a:endParaRPr lang="en-US"/>
+          </a:p>
+        </p:txBody>
+      </p:sp>
+      <p:sp>
+        <p:nvSpPr>
+          <p:cNvPr id="5" name="Date Placeholder 4"/>
           <p:cNvSpPr>
             <a:spLocks noGrp="1"/>
           </p:cNvSpPr>
@@ -5235,7 +5253,6 @@
           <a:p>
             <a:fld id="{E965B5F8-2D56-4E8E-8AA3-31DB237BD4B3}" type="datetimeFigureOut">
               <a:rPr lang="en-US" smtClean="0"/>
-              <a:t>3/24/2024</a:t>
             </a:fld>
             <a:endParaRPr lang="en-US"/>
           </a:p>
@@ -5243,13 +5260,7 @@
       </p:sp>
       <p:sp>
         <p:nvSpPr>
-          <p:cNvPr id="6" name="Footer Placeholder 5">
-            <a:extLst>
-              <a:ext uri="{FF2B5EF4-FFF2-40B4-BE49-F238E27FC236}">
-                <a16:creationId xmlns:a16="http://schemas.microsoft.com/office/drawing/2014/main" id="{753DD4BB-E5C8-08CC-CEAD-6B13CBB2708D}"/>
-              </a:ext>
-            </a:extLst>
-          </p:cNvPr>
+          <p:cNvPr id="6" name="Footer Placeholder 5"/>
           <p:cNvSpPr>
             <a:spLocks noGrp="1"/>
           </p:cNvSpPr>
@@ -5268,13 +5279,7 @@
       </p:sp>
       <p:sp>
         <p:nvSpPr>
-          <p:cNvPr id="7" name="Slide Number Placeholder 6">
-            <a:extLst>
-              <a:ext uri="{FF2B5EF4-FFF2-40B4-BE49-F238E27FC236}">
-                <a16:creationId xmlns:a16="http://schemas.microsoft.com/office/drawing/2014/main" id="{3B12D968-3630-1602-1DB9-8908632BDB2C}"/>
-              </a:ext>
-            </a:extLst>
-          </p:cNvPr>
+          <p:cNvPr id="7" name="Slide Number Placeholder 6"/>
           <p:cNvSpPr>
             <a:spLocks noGrp="1"/>
           </p:cNvSpPr>
@@ -5289,18 +5294,12 @@
           <a:p>
             <a:fld id="{7BDE8A2B-3E39-4986-99F3-7A821D1A3D7B}" type="slidenum">
               <a:rPr lang="en-US" smtClean="0"/>
-              <a:t>‹#›</a:t>
             </a:fld>
             <a:endParaRPr lang="en-US"/>
           </a:p>
         </p:txBody>
       </p:sp>
     </p:spTree>
-    <p:extLst>
-      <p:ext uri="{BB962C8B-B14F-4D97-AF65-F5344CB8AC3E}">
-        <p14:creationId xmlns:p14="http://schemas.microsoft.com/office/powerpoint/2010/main" val="2596412840"/>
-      </p:ext>
-    </p:extLst>
   </p:cSld>
   <p:clrMapOvr>
     <a:masterClrMapping/>
@@ -5327,13 +5326,7 @@
       </p:grpSpPr>
       <p:sp>
         <p:nvSpPr>
-          <p:cNvPr id="2" name="Title 1">
-            <a:extLst>
-              <a:ext uri="{FF2B5EF4-FFF2-40B4-BE49-F238E27FC236}">
-                <a16:creationId xmlns:a16="http://schemas.microsoft.com/office/drawing/2014/main" id="{DEA2C437-515B-064E-C5CA-FC66BC87F223}"/>
-              </a:ext>
-            </a:extLst>
-          </p:cNvPr>
+          <p:cNvPr id="2" name="Title 1"/>
           <p:cNvSpPr>
             <a:spLocks noGrp="1"/>
           </p:cNvSpPr>
@@ -5359,18 +5352,13 @@
               <a:rPr lang="en-US"/>
               <a:t>Click to edit Master title style</a:t>
             </a:r>
-          </a:p>
-        </p:txBody>
-      </p:sp>
-      <p:sp>
-        <p:nvSpPr>
-          <p:cNvPr id="3" name="Picture Placeholder 2">
-            <a:extLst>
-              <a:ext uri="{FF2B5EF4-FFF2-40B4-BE49-F238E27FC236}">
-                <a16:creationId xmlns:a16="http://schemas.microsoft.com/office/drawing/2014/main" id="{618D1C32-6B0B-42C4-C31C-BD1C3E69E140}"/>
-              </a:ext>
-            </a:extLst>
-          </p:cNvPr>
+            <a:endParaRPr lang="en-US"/>
+          </a:p>
+        </p:txBody>
+      </p:sp>
+      <p:sp>
+        <p:nvSpPr>
+          <p:cNvPr id="3" name="Picture Placeholder 2"/>
           <p:cNvSpPr>
             <a:spLocks noGrp="1"/>
           </p:cNvSpPr>
@@ -5431,13 +5419,7 @@
       </p:sp>
       <p:sp>
         <p:nvSpPr>
-          <p:cNvPr id="4" name="Text Placeholder 3">
-            <a:extLst>
-              <a:ext uri="{FF2B5EF4-FFF2-40B4-BE49-F238E27FC236}">
-                <a16:creationId xmlns:a16="http://schemas.microsoft.com/office/drawing/2014/main" id="{C3D7DB69-A423-E42C-0346-99D75EEFFE4C}"/>
-              </a:ext>
-            </a:extLst>
-          </p:cNvPr>
+          <p:cNvPr id="4" name="Text Placeholder 3"/>
           <p:cNvSpPr>
             <a:spLocks noGrp="1"/>
           </p:cNvSpPr>
@@ -5497,18 +5479,13 @@
               <a:rPr lang="en-US"/>
               <a:t>Click to edit Master text styles</a:t>
             </a:r>
-          </a:p>
-        </p:txBody>
-      </p:sp>
-      <p:sp>
-        <p:nvSpPr>
-          <p:cNvPr id="5" name="Date Placeholder 4">
-            <a:extLst>
-              <a:ext uri="{FF2B5EF4-FFF2-40B4-BE49-F238E27FC236}">
-                <a16:creationId xmlns:a16="http://schemas.microsoft.com/office/drawing/2014/main" id="{E9297964-DDE0-E6D7-3BA0-ABC3487F3039}"/>
-              </a:ext>
-            </a:extLst>
-          </p:cNvPr>
+            <a:endParaRPr lang="en-US"/>
+          </a:p>
+        </p:txBody>
+      </p:sp>
+      <p:sp>
+        <p:nvSpPr>
+          <p:cNvPr id="5" name="Date Placeholder 4"/>
           <p:cNvSpPr>
             <a:spLocks noGrp="1"/>
           </p:cNvSpPr>
@@ -5523,7 +5500,6 @@
           <a:p>
             <a:fld id="{E965B5F8-2D56-4E8E-8AA3-31DB237BD4B3}" type="datetimeFigureOut">
               <a:rPr lang="en-US" smtClean="0"/>
-              <a:t>3/24/2024</a:t>
             </a:fld>
             <a:endParaRPr lang="en-US"/>
           </a:p>
@@ -5531,13 +5507,7 @@
       </p:sp>
       <p:sp>
         <p:nvSpPr>
-          <p:cNvPr id="6" name="Footer Placeholder 5">
-            <a:extLst>
-              <a:ext uri="{FF2B5EF4-FFF2-40B4-BE49-F238E27FC236}">
-                <a16:creationId xmlns:a16="http://schemas.microsoft.com/office/drawing/2014/main" id="{7AA83A7A-AE33-E97A-2893-2E03850AD03C}"/>
-              </a:ext>
-            </a:extLst>
-          </p:cNvPr>
+          <p:cNvPr id="6" name="Footer Placeholder 5"/>
           <p:cNvSpPr>
             <a:spLocks noGrp="1"/>
           </p:cNvSpPr>
@@ -5556,13 +5526,7 @@
       </p:sp>
       <p:sp>
         <p:nvSpPr>
-          <p:cNvPr id="7" name="Slide Number Placeholder 6">
-            <a:extLst>
-              <a:ext uri="{FF2B5EF4-FFF2-40B4-BE49-F238E27FC236}">
-                <a16:creationId xmlns:a16="http://schemas.microsoft.com/office/drawing/2014/main" id="{3686432B-4747-DEED-0024-A77992304A56}"/>
-              </a:ext>
-            </a:extLst>
-          </p:cNvPr>
+          <p:cNvPr id="7" name="Slide Number Placeholder 6"/>
           <p:cNvSpPr>
             <a:spLocks noGrp="1"/>
           </p:cNvSpPr>
@@ -5577,18 +5541,12 @@
           <a:p>
             <a:fld id="{7BDE8A2B-3E39-4986-99F3-7A821D1A3D7B}" type="slidenum">
               <a:rPr lang="en-US" smtClean="0"/>
-              <a:t>‹#›</a:t>
             </a:fld>
             <a:endParaRPr lang="en-US"/>
           </a:p>
         </p:txBody>
       </p:sp>
     </p:spTree>
-    <p:extLst>
-      <p:ext uri="{BB962C8B-B14F-4D97-AF65-F5344CB8AC3E}">
-        <p14:creationId xmlns:p14="http://schemas.microsoft.com/office/powerpoint/2010/main" val="3323084350"/>
-      </p:ext>
-    </p:extLst>
   </p:cSld>
   <p:clrMapOvr>
     <a:masterClrMapping/>
@@ -5620,13 +5578,7 @@
       </p:grpSpPr>
       <p:sp>
         <p:nvSpPr>
-          <p:cNvPr id="2" name="Title Placeholder 1">
-            <a:extLst>
-              <a:ext uri="{FF2B5EF4-FFF2-40B4-BE49-F238E27FC236}">
-                <a16:creationId xmlns:a16="http://schemas.microsoft.com/office/drawing/2014/main" id="{27D74A39-A0C4-B7AE-07CA-9F1E33D6415E}"/>
-              </a:ext>
-            </a:extLst>
-          </p:cNvPr>
+          <p:cNvPr id="2" name="Title Placeholder 1"/>
           <p:cNvSpPr>
             <a:spLocks noGrp="1"/>
           </p:cNvSpPr>
@@ -5653,18 +5605,13 @@
               <a:rPr lang="en-US"/>
               <a:t>Click to edit Master title style</a:t>
             </a:r>
-          </a:p>
-        </p:txBody>
-      </p:sp>
-      <p:sp>
-        <p:nvSpPr>
-          <p:cNvPr id="3" name="Text Placeholder 2">
-            <a:extLst>
-              <a:ext uri="{FF2B5EF4-FFF2-40B4-BE49-F238E27FC236}">
-                <a16:creationId xmlns:a16="http://schemas.microsoft.com/office/drawing/2014/main" id="{BC060B9D-2F95-C6D9-F9A0-15FC232D532B}"/>
-              </a:ext>
-            </a:extLst>
-          </p:cNvPr>
+            <a:endParaRPr lang="en-US"/>
+          </a:p>
+        </p:txBody>
+      </p:sp>
+      <p:sp>
+        <p:nvSpPr>
+          <p:cNvPr id="3" name="Text Placeholder 2"/>
           <p:cNvSpPr>
             <a:spLocks noGrp="1"/>
           </p:cNvSpPr>
@@ -5692,6 +5639,7 @@
               <a:rPr lang="en-US"/>
               <a:t>Click to edit Master text styles</a:t>
             </a:r>
+            <a:endParaRPr lang="en-US"/>
           </a:p>
           <a:p>
             <a:pPr lvl="1"/>
@@ -5699,6 +5647,7 @@
               <a:rPr lang="en-US"/>
               <a:t>Second level</a:t>
             </a:r>
+            <a:endParaRPr lang="en-US"/>
           </a:p>
           <a:p>
             <a:pPr lvl="2"/>
@@ -5706,6 +5655,7 @@
               <a:rPr lang="en-US"/>
               <a:t>Third level</a:t>
             </a:r>
+            <a:endParaRPr lang="en-US"/>
           </a:p>
           <a:p>
             <a:pPr lvl="3"/>
@@ -5713,6 +5663,7 @@
               <a:rPr lang="en-US"/>
               <a:t>Fourth level</a:t>
             </a:r>
+            <a:endParaRPr lang="en-US"/>
           </a:p>
           <a:p>
             <a:pPr lvl="4"/>
@@ -5720,18 +5671,13 @@
               <a:rPr lang="en-US"/>
               <a:t>Fifth level</a:t>
             </a:r>
-          </a:p>
-        </p:txBody>
-      </p:sp>
-      <p:sp>
-        <p:nvSpPr>
-          <p:cNvPr id="4" name="Date Placeholder 3">
-            <a:extLst>
-              <a:ext uri="{FF2B5EF4-FFF2-40B4-BE49-F238E27FC236}">
-                <a16:creationId xmlns:a16="http://schemas.microsoft.com/office/drawing/2014/main" id="{2F4310D6-C2FB-8762-4D0C-59BAB54CC9EA}"/>
-              </a:ext>
-            </a:extLst>
-          </p:cNvPr>
+            <a:endParaRPr lang="en-US"/>
+          </a:p>
+        </p:txBody>
+      </p:sp>
+      <p:sp>
+        <p:nvSpPr>
+          <p:cNvPr id="4" name="Date Placeholder 3"/>
           <p:cNvSpPr>
             <a:spLocks noGrp="1"/>
           </p:cNvSpPr>
@@ -5764,7 +5710,6 @@
           <a:p>
             <a:fld id="{E965B5F8-2D56-4E8E-8AA3-31DB237BD4B3}" type="datetimeFigureOut">
               <a:rPr lang="en-US" smtClean="0"/>
-              <a:t>3/24/2024</a:t>
             </a:fld>
             <a:endParaRPr lang="en-US"/>
           </a:p>
@@ -5772,13 +5717,7 @@
       </p:sp>
       <p:sp>
         <p:nvSpPr>
-          <p:cNvPr id="5" name="Footer Placeholder 4">
-            <a:extLst>
-              <a:ext uri="{FF2B5EF4-FFF2-40B4-BE49-F238E27FC236}">
-                <a16:creationId xmlns:a16="http://schemas.microsoft.com/office/drawing/2014/main" id="{428FA41A-C9E7-D44B-5690-C764CB826363}"/>
-              </a:ext>
-            </a:extLst>
-          </p:cNvPr>
+          <p:cNvPr id="5" name="Footer Placeholder 4"/>
           <p:cNvSpPr>
             <a:spLocks noGrp="1"/>
           </p:cNvSpPr>
@@ -5815,13 +5754,7 @@
       </p:sp>
       <p:sp>
         <p:nvSpPr>
-          <p:cNvPr id="6" name="Slide Number Placeholder 5">
-            <a:extLst>
-              <a:ext uri="{FF2B5EF4-FFF2-40B4-BE49-F238E27FC236}">
-                <a16:creationId xmlns:a16="http://schemas.microsoft.com/office/drawing/2014/main" id="{242EF909-DA50-13A5-5F18-F8599A14E188}"/>
-              </a:ext>
-            </a:extLst>
-          </p:cNvPr>
+          <p:cNvPr id="6" name="Slide Number Placeholder 5"/>
           <p:cNvSpPr>
             <a:spLocks noGrp="1"/>
           </p:cNvSpPr>
@@ -5854,18 +5787,12 @@
           <a:p>
             <a:fld id="{7BDE8A2B-3E39-4986-99F3-7A821D1A3D7B}" type="slidenum">
               <a:rPr lang="en-US" smtClean="0"/>
-              <a:t>‹#›</a:t>
             </a:fld>
             <a:endParaRPr lang="en-US"/>
           </a:p>
         </p:txBody>
       </p:sp>
     </p:spTree>
-    <p:extLst>
-      <p:ext uri="{BB962C8B-B14F-4D97-AF65-F5344CB8AC3E}">
-        <p14:creationId xmlns:p14="http://schemas.microsoft.com/office/powerpoint/2010/main" val="3982134986"/>
-      </p:ext>
-    </p:extLst>
   </p:cSld>
   <p:clrMap bg1="lt1" tx1="dk1" bg2="lt2" tx2="dk2" accent1="accent1" accent2="accent2" accent3="accent3" accent4="accent4" accent5="accent5" accent6="accent6" hlink="hlink" folHlink="folHlink"/>
   <p:sldLayoutIdLst>
@@ -6218,6 +6145,7 @@
               <a:rPr dirty="0"/>
               <a:t>Click to edit Master title style</a:t>
             </a:r>
+            <a:endParaRPr dirty="0"/>
           </a:p>
         </p:txBody>
       </p:sp>
@@ -6253,6 +6181,7 @@
               <a:rPr dirty="0"/>
               <a:t>Click to edit Master text styles</a:t>
             </a:r>
+            <a:endParaRPr dirty="0"/>
           </a:p>
           <a:p>
             <a:pPr lvl="1"/>
@@ -6260,6 +6189,7 @@
               <a:rPr dirty="0"/>
               <a:t>Second level</a:t>
             </a:r>
+            <a:endParaRPr dirty="0"/>
           </a:p>
           <a:p>
             <a:pPr lvl="2"/>
@@ -6267,6 +6197,7 @@
               <a:rPr dirty="0"/>
               <a:t>Third level</a:t>
             </a:r>
+            <a:endParaRPr dirty="0"/>
           </a:p>
           <a:p>
             <a:pPr lvl="3"/>
@@ -6274,6 +6205,7 @@
               <a:rPr dirty="0"/>
               <a:t>Fourth level</a:t>
             </a:r>
+            <a:endParaRPr dirty="0"/>
           </a:p>
           <a:p>
             <a:pPr lvl="4"/>
@@ -6281,6 +6213,7 @@
               <a:rPr dirty="0"/>
               <a:t>Fifth level</a:t>
             </a:r>
+            <a:endParaRPr dirty="0"/>
           </a:p>
         </p:txBody>
       </p:sp>
@@ -6330,10 +6263,6 @@
             </a:pPr>
             <a:fld id="{B42C9122-BF34-435C-A61B-D2201D289E11}" type="datetimeFigureOut">
               <a:rPr lang="en-US" smtClean="0"/>
-              <a:pPr>
-                <a:defRPr/>
-              </a:pPr>
-              <a:t>3/24/2024</a:t>
             </a:fld>
             <a:endParaRPr lang="en-US"/>
           </a:p>
@@ -6424,7 +6353,6 @@
             </a:pPr>
             <a:fld id="{9A0DB2DC-4C9A-4742-B13C-FB6460FD3503}" type="slidenum">
               <a:rPr lang="en-US" dirty="0"/>
-              <a:t>‹#›</a:t>
             </a:fld>
             <a:endParaRPr lang="en-US" dirty="0">
               <a:latin typeface="Arial" panose="020B0604020202020204" pitchFamily="34" charset="0"/>
@@ -6433,11 +6361,6 @@
         </p:txBody>
       </p:sp>
     </p:spTree>
-    <p:extLst>
-      <p:ext uri="{BB962C8B-B14F-4D97-AF65-F5344CB8AC3E}">
-        <p14:creationId xmlns:p14="http://schemas.microsoft.com/office/powerpoint/2010/main" val="2023310160"/>
-      </p:ext>
-    </p:extLst>
   </p:cSld>
   <p:clrMap bg1="lt1" tx1="dk1" bg2="lt2" tx2="dk2" accent1="accent1" accent2="accent2" accent3="accent3" accent4="accent4" accent5="accent5" accent6="accent6" hlink="hlink" folHlink="folHlink"/>
   <p:sldLayoutIdLst>
@@ -6856,13 +6779,7 @@
       </p:grpSpPr>
       <p:sp>
         <p:nvSpPr>
-          <p:cNvPr id="2" name="Title 1">
-            <a:extLst>
-              <a:ext uri="{FF2B5EF4-FFF2-40B4-BE49-F238E27FC236}">
-                <a16:creationId xmlns:a16="http://schemas.microsoft.com/office/drawing/2014/main" id="{050DFD4B-C43C-424C-2158-E27F9B9646F8}"/>
-              </a:ext>
-            </a:extLst>
-          </p:cNvPr>
+          <p:cNvPr id="2" name="Title 1"/>
           <p:cNvSpPr>
             <a:spLocks noGrp="1"/>
           </p:cNvSpPr>
@@ -6886,18 +6803,13 @@
               <a:rPr lang="en-US" b="1" dirty="0"/>
               <a:t>State Transition Testing</a:t>
             </a:r>
-          </a:p>
-        </p:txBody>
-      </p:sp>
-      <p:sp>
-        <p:nvSpPr>
-          <p:cNvPr id="3" name="Subtitle 2">
-            <a:extLst>
-              <a:ext uri="{FF2B5EF4-FFF2-40B4-BE49-F238E27FC236}">
-                <a16:creationId xmlns:a16="http://schemas.microsoft.com/office/drawing/2014/main" id="{97CC0785-3815-7419-C959-ECCDA4AF95A2}"/>
-              </a:ext>
-            </a:extLst>
-          </p:cNvPr>
+            <a:endParaRPr lang="en-US" b="1" dirty="0"/>
+          </a:p>
+        </p:txBody>
+      </p:sp>
+      <p:sp>
+        <p:nvSpPr>
+          <p:cNvPr id="3" name="Subtitle 2"/>
           <p:cNvSpPr>
             <a:spLocks noGrp="1"/>
           </p:cNvSpPr>
@@ -6915,11 +6827,276 @@
         </p:txBody>
       </p:sp>
     </p:spTree>
-    <p:extLst>
-      <p:ext uri="{BB962C8B-B14F-4D97-AF65-F5344CB8AC3E}">
-        <p14:creationId xmlns:p14="http://schemas.microsoft.com/office/powerpoint/2010/main" val="3827140306"/>
-      </p:ext>
-    </p:extLst>
+  </p:cSld>
+  <p:clrMapOvr>
+    <a:masterClrMapping/>
+  </p:clrMapOvr>
+</p:sld>
+</file>
+
+<file path=ppt/slides/slide10.xml><?xml version="1.0" encoding="utf-8"?>
+<p:sld xmlns:a="http://schemas.openxmlformats.org/drawingml/2006/main" xmlns:r="http://schemas.openxmlformats.org/officeDocument/2006/relationships" xmlns:p="http://schemas.openxmlformats.org/presentationml/2006/main">
+  <p:cSld>
+    <p:spTree>
+      <p:nvGrpSpPr>
+        <p:cNvPr id="1" name=""/>
+        <p:cNvGrpSpPr/>
+        <p:nvPr/>
+      </p:nvGrpSpPr>
+      <p:grpSpPr/>
+      <p:sp>
+        <p:nvSpPr>
+          <p:cNvPr id="2" name="Title 1"/>
+          <p:cNvSpPr>
+            <a:spLocks noGrp="1"/>
+          </p:cNvSpPr>
+          <p:nvPr>
+            <p:ph type="title"/>
+          </p:nvPr>
+        </p:nvSpPr>
+        <p:spPr/>
+        <p:txBody>
+          <a:bodyPr/>
+          <a:p>
+            <a:r>
+              <a:rPr lang="en-US" b="1"/>
+              <a:t>State Transition Table</a:t>
+            </a:r>
+            <a:endParaRPr lang="en-US" b="1"/>
+          </a:p>
+        </p:txBody>
+      </p:sp>
+      <p:pic>
+        <p:nvPicPr>
+          <p:cNvPr id="4" name="Content Placeholder 3" descr="Screenshot 2024-03-25 at 3.08.07 in the afternoon"/>
+          <p:cNvPicPr>
+            <a:picLocks noChangeAspect="1"/>
+          </p:cNvPicPr>
+          <p:nvPr>
+            <p:ph idx="1"/>
+          </p:nvPr>
+        </p:nvPicPr>
+        <p:blipFill>
+          <a:blip r:embed="rId1"/>
+          <a:stretch>
+            <a:fillRect/>
+          </a:stretch>
+        </p:blipFill>
+        <p:spPr>
+          <a:xfrm>
+            <a:off x="1514475" y="1600200"/>
+            <a:ext cx="9503410" cy="4965065"/>
+          </a:xfrm>
+          <a:prstGeom prst="rect">
+            <a:avLst/>
+          </a:prstGeom>
+        </p:spPr>
+      </p:pic>
+    </p:spTree>
+  </p:cSld>
+  <p:clrMapOvr>
+    <a:masterClrMapping/>
+  </p:clrMapOvr>
+</p:sld>
+</file>
+
+<file path=ppt/slides/slide11.xml><?xml version="1.0" encoding="utf-8"?>
+<p:sld xmlns:a="http://schemas.openxmlformats.org/drawingml/2006/main" xmlns:r="http://schemas.openxmlformats.org/officeDocument/2006/relationships" xmlns:p="http://schemas.openxmlformats.org/presentationml/2006/main">
+  <p:cSld>
+    <p:spTree>
+      <p:nvGrpSpPr>
+        <p:cNvPr id="1" name=""/>
+        <p:cNvGrpSpPr/>
+        <p:nvPr/>
+      </p:nvGrpSpPr>
+      <p:grpSpPr>
+        <a:xfrm>
+          <a:off x="0" y="0"/>
+          <a:ext cx="0" cy="0"/>
+          <a:chOff x="0" y="0"/>
+          <a:chExt cx="0" cy="0"/>
+        </a:xfrm>
+      </p:grpSpPr>
+      <p:sp>
+        <p:nvSpPr>
+          <p:cNvPr id="2" name="Title 1"/>
+          <p:cNvSpPr>
+            <a:spLocks noGrp="1"/>
+          </p:cNvSpPr>
+          <p:nvPr>
+            <p:ph type="title"/>
+          </p:nvPr>
+        </p:nvSpPr>
+        <p:spPr/>
+        <p:txBody>
+          <a:bodyPr/>
+          <a:lstStyle/>
+          <a:p>
+            <a:r>
+              <a:rPr lang="en-US" b="1" dirty="0"/>
+              <a:t>Example 3: Homework</a:t>
+            </a:r>
+            <a:endParaRPr lang="en-US" b="1" dirty="0"/>
+          </a:p>
+        </p:txBody>
+      </p:sp>
+      <p:sp>
+        <p:nvSpPr>
+          <p:cNvPr id="3" name="Content Placeholder 2"/>
+          <p:cNvSpPr>
+            <a:spLocks noGrp="1"/>
+          </p:cNvSpPr>
+          <p:nvPr>
+            <p:ph idx="1"/>
+          </p:nvPr>
+        </p:nvSpPr>
+        <p:spPr>
+          <a:xfrm>
+            <a:off x="609600" y="1600201"/>
+            <a:ext cx="10972800" cy="5067299"/>
+          </a:xfrm>
+        </p:spPr>
+        <p:txBody>
+          <a:bodyPr/>
+          <a:lstStyle/>
+          <a:p>
+            <a:r>
+              <a:rPr lang="en-US" sz="2000" dirty="0"/>
+              <a:t>Consider a system having an </a:t>
+            </a:r>
+            <a:r>
+              <a:rPr lang="en-US" sz="2000" b="1" i="1" dirty="0"/>
+              <a:t>FSM</a:t>
+            </a:r>
+            <a:r>
+              <a:rPr lang="en-US" sz="2000" dirty="0"/>
+              <a:t> for a stack having the following states and transitions:</a:t>
+            </a:r>
+            <a:endParaRPr lang="en-US" sz="2000" dirty="0"/>
+          </a:p>
+          <a:p>
+            <a:pPr marL="0" indent="0">
+              <a:buNone/>
+            </a:pPr>
+            <a:r>
+              <a:rPr lang="en-US" sz="2000" b="1" i="1" dirty="0"/>
+              <a:t>States </a:t>
+            </a:r>
+            <a:endParaRPr lang="en-US" sz="2000" b="1" i="1" dirty="0"/>
+          </a:p>
+          <a:p>
+            <a:pPr lvl="1"/>
+            <a:r>
+              <a:rPr lang="en-US" sz="2000" b="1" dirty="0"/>
+              <a:t>Initial: </a:t>
+            </a:r>
+            <a:r>
+              <a:rPr lang="en-US" sz="2000" dirty="0"/>
+              <a:t>Before creation </a:t>
+            </a:r>
+            <a:endParaRPr lang="en-US" sz="2000" dirty="0"/>
+          </a:p>
+          <a:p>
+            <a:pPr lvl="1"/>
+            <a:r>
+              <a:rPr lang="en-US" sz="2000" b="1" dirty="0"/>
+              <a:t>Empty:</a:t>
+            </a:r>
+            <a:r>
+              <a:rPr lang="en-US" sz="2000" dirty="0"/>
+              <a:t> Number of elements = 0 </a:t>
+            </a:r>
+            <a:endParaRPr lang="en-US" sz="2000" dirty="0"/>
+          </a:p>
+          <a:p>
+            <a:pPr lvl="1"/>
+            <a:r>
+              <a:rPr lang="en-US" sz="2000" b="1" dirty="0"/>
+              <a:t>Holding: </a:t>
+            </a:r>
+            <a:r>
+              <a:rPr lang="en-US" sz="2000" dirty="0"/>
+              <a:t>Number of elements &gt; 0, but less than the maximum capacity </a:t>
+            </a:r>
+            <a:endParaRPr lang="en-US" sz="2000" dirty="0"/>
+          </a:p>
+          <a:p>
+            <a:pPr lvl="1"/>
+            <a:r>
+              <a:rPr lang="en-US" sz="2000" b="1" dirty="0"/>
+              <a:t>Full:</a:t>
+            </a:r>
+            <a:r>
+              <a:rPr lang="en-US" sz="2000" dirty="0"/>
+              <a:t> Number elements = maximum </a:t>
+            </a:r>
+            <a:endParaRPr lang="en-US" sz="2000" dirty="0"/>
+          </a:p>
+          <a:p>
+            <a:pPr lvl="1"/>
+            <a:r>
+              <a:rPr lang="en-US" sz="2000" b="1" dirty="0"/>
+              <a:t>Final:</a:t>
+            </a:r>
+            <a:r>
+              <a:rPr lang="en-US" sz="2000" dirty="0"/>
+              <a:t> After destruction</a:t>
+            </a:r>
+            <a:endParaRPr lang="en-US" sz="2000" dirty="0"/>
+          </a:p>
+          <a:p>
+            <a:pPr marL="0" indent="0">
+              <a:buNone/>
+            </a:pPr>
+            <a:r>
+              <a:rPr lang="en-US" sz="2000" b="1" i="1" dirty="0"/>
+              <a:t>Transitions </a:t>
+            </a:r>
+            <a:endParaRPr lang="en-US" sz="2000" b="1" i="1" dirty="0"/>
+          </a:p>
+          <a:p>
+            <a:pPr lvl="1"/>
+            <a:r>
+              <a:rPr lang="en-US" sz="2000" dirty="0"/>
+              <a:t>Initial to Empty: Create </a:t>
+            </a:r>
+            <a:endParaRPr lang="en-US" sz="2000" dirty="0"/>
+          </a:p>
+          <a:p>
+            <a:pPr lvl="1"/>
+            <a:r>
+              <a:rPr lang="en-US" sz="2000" dirty="0"/>
+              <a:t>Empty to Holding, Empty to Full, Holding to Holding, Holding to Full: Add </a:t>
+            </a:r>
+            <a:endParaRPr lang="en-US" sz="2000" dirty="0"/>
+          </a:p>
+          <a:p>
+            <a:pPr lvl="1"/>
+            <a:r>
+              <a:rPr lang="en-US" sz="2000" dirty="0"/>
+              <a:t>Empty to Final, Full to Final, Holding to Final: Destroy </a:t>
+            </a:r>
+            <a:endParaRPr lang="en-US" sz="2000" dirty="0"/>
+          </a:p>
+          <a:p>
+            <a:pPr lvl="1"/>
+            <a:r>
+              <a:rPr lang="en-US" sz="2000" dirty="0"/>
+              <a:t>Holding to Empty, Full to Holding, Full to Empty: Delete </a:t>
+            </a:r>
+            <a:endParaRPr lang="en-US" sz="2000" dirty="0"/>
+          </a:p>
+          <a:p>
+            <a:pPr lvl="1"/>
+            <a:r>
+              <a:rPr lang="en-US" sz="2000" dirty="0"/>
+              <a:t>Design test cases for this FSM using state table-based testing.</a:t>
+            </a:r>
+            <a:endParaRPr lang="en-US" sz="2000" dirty="0"/>
+          </a:p>
+        </p:txBody>
+      </p:sp>
+    </p:spTree>
   </p:cSld>
   <p:clrMapOvr>
     <a:masterClrMapping/>
@@ -6946,7 +7123,7 @@
       </p:grpSpPr>
       <p:sp>
         <p:nvSpPr>
-          <p:cNvPr id="20482" name="Title 1"/>
+          <p:cNvPr id="2" name="Title 1"/>
           <p:cNvSpPr>
             <a:spLocks noGrp="1"/>
           </p:cNvSpPr>
@@ -6956,19 +7133,21 @@
         </p:nvSpPr>
         <p:spPr/>
         <p:txBody>
-          <a:bodyPr vert="horz" wrap="square" lIns="91440" tIns="45720" rIns="91440" bIns="45720" anchor="ctr" anchorCtr="0"/>
-          <a:lstStyle/>
-          <a:p>
-            <a:r>
-              <a:rPr b="1" dirty="0"/>
-              <a:t>State Transition Testing</a:t>
-            </a:r>
-          </a:p>
-        </p:txBody>
-      </p:sp>
-      <p:sp>
-        <p:nvSpPr>
-          <p:cNvPr id="20483" name="Content Placeholder 2"/>
+          <a:bodyPr/>
+          <a:lstStyle/>
+          <a:p>
+            <a:pPr algn="ctr"/>
+            <a:r>
+              <a:rPr lang="en-US" b="1" dirty="0"/>
+              <a:t>Finite State Machine (FSM)</a:t>
+            </a:r>
+            <a:endParaRPr lang="en-US" b="1" dirty="0"/>
+          </a:p>
+        </p:txBody>
+      </p:sp>
+      <p:sp>
+        <p:nvSpPr>
+          <p:cNvPr id="3" name="Content Placeholder 2"/>
           <p:cNvSpPr>
             <a:spLocks noGrp="1"/>
           </p:cNvSpPr>
@@ -6978,64 +7157,102 @@
         </p:nvSpPr>
         <p:spPr>
           <a:xfrm>
-            <a:off x="1981199" y="1600200"/>
-            <a:ext cx="9051985" cy="5059392"/>
+            <a:off x="1990725" y="1825625"/>
+            <a:ext cx="9363075" cy="5032375"/>
           </a:xfrm>
         </p:spPr>
         <p:txBody>
-          <a:bodyPr vert="horz" wrap="square" lIns="91440" tIns="45720" rIns="91440" bIns="45720" anchor="t" anchorCtr="0"/>
-          <a:lstStyle/>
-          <a:p>
-            <a:pPr algn="just">
-              <a:buFont typeface="Wingdings" panose="05000000000000000000" pitchFamily="2" charset="2"/>
-              <a:buChar char="ü"/>
-            </a:pPr>
-            <a:r>
-              <a:rPr sz="2400" dirty="0"/>
-              <a:t>State transition testing is used where some aspect of the system can be described in what is called a '</a:t>
-            </a:r>
-            <a:r>
-              <a:rPr sz="2400" i="1" dirty="0">
+          <a:bodyPr>
+            <a:normAutofit lnSpcReduction="10000"/>
+          </a:bodyPr>
+          <a:lstStyle/>
+          <a:p>
+            <a:r>
+              <a:rPr lang="en-US" sz="2400" dirty="0"/>
+              <a:t>An FSM is a behavioral model whose outcome depends upon both previous and current inputs. </a:t>
+            </a:r>
+            <a:endParaRPr lang="en-US" sz="2400" dirty="0"/>
+          </a:p>
+          <a:p>
+            <a:pPr lvl="1"/>
+            <a:r>
+              <a:rPr lang="en-US" sz="2055" dirty="0"/>
+              <a:t>有限状态机（FSM）是一种行为模型，其结果取决于先前和当前的输入。 </a:t>
+            </a:r>
+            <a:endParaRPr lang="en-US" sz="2055" dirty="0"/>
+          </a:p>
+          <a:p>
+            <a:r>
+              <a:rPr lang="en-US" sz="2400" dirty="0"/>
+              <a:t>FSM models can be prepared for software structure or software behavior.  </a:t>
+            </a:r>
+            <a:endParaRPr lang="en-US" sz="2400" dirty="0"/>
+          </a:p>
+          <a:p>
+            <a:pPr lvl="1"/>
+            <a:r>
+              <a:rPr lang="en-US" sz="2055" dirty="0"/>
+              <a:t>FSM模型可以用于软件结构或软件行为的准备。</a:t>
+            </a:r>
+            <a:endParaRPr lang="en-US" sz="2055" dirty="0"/>
+          </a:p>
+          <a:p>
+            <a:r>
+              <a:rPr lang="en-US" sz="2400" dirty="0"/>
+              <a:t>It can be used as a tool for functional testing. </a:t>
+            </a:r>
+            <a:endParaRPr lang="en-US" sz="2400" dirty="0"/>
+          </a:p>
+          <a:p>
+            <a:pPr lvl="1"/>
+            <a:r>
+              <a:rPr lang="en-US" sz="2055" dirty="0"/>
+              <a:t>它可以作为功能测试的工具。</a:t>
+            </a:r>
+            <a:endParaRPr lang="en-US" sz="2055" dirty="0"/>
+          </a:p>
+          <a:p>
+            <a:r>
+              <a:rPr lang="en-US" sz="2400" dirty="0"/>
+              <a:t>Many testers prefer to use FSM model as a guide to design functional tests.</a:t>
+            </a:r>
+            <a:endParaRPr lang="en-US" sz="2400" dirty="0"/>
+          </a:p>
+          <a:p>
+            <a:pPr lvl="1"/>
+            <a:r>
+              <a:rPr lang="en-US" sz="2055" dirty="0"/>
+              <a:t>许多测试人员更喜欢使用FSM模型作为设计功能测试的指南。</a:t>
+            </a:r>
+            <a:endParaRPr lang="en-US" sz="2055" dirty="0"/>
+          </a:p>
+          <a:p>
+            <a:pPr lvl="0"/>
+            <a:r>
+              <a:rPr lang="en-US" sz="2800" dirty="0"/>
+              <a:t>A finite state system is often shown as a </a:t>
+            </a:r>
+            <a:r>
+              <a:rPr lang="en-US" sz="2800" dirty="0">
                 <a:solidFill>
-                  <a:schemeClr val="tx2">
-                    <a:lumMod val="60000"/>
-                    <a:lumOff val="40000"/>
-                  </a:schemeClr>
+                  <a:srgbClr val="FF0000"/>
                 </a:solidFill>
               </a:rPr>
-              <a:t>finite state machine</a:t>
-            </a:r>
-            <a:r>
-              <a:rPr sz="2400" dirty="0"/>
-              <a:t>'. </a:t>
-            </a:r>
-            <a:endParaRPr lang="en-US" sz="2400" dirty="0"/>
-          </a:p>
-          <a:p>
-            <a:pPr lvl="1" algn="just">
-              <a:buFont typeface="Wingdings" panose="05000000000000000000" pitchFamily="2" charset="2"/>
-              <a:buChar char="ü"/>
-            </a:pPr>
-            <a:r>
-              <a:rPr sz="2000" dirty="0"/>
-              <a:t>This simply means that the system can be in a (finite) number of different states, and the transitions from one state to another are determined by the rules of the </a:t>
-            </a:r>
-            <a:r>
-              <a:rPr sz="2000" dirty="0">
-                <a:solidFill>
-                  <a:schemeClr val="tx2">
-                    <a:lumMod val="60000"/>
-                    <a:lumOff val="40000"/>
-                  </a:schemeClr>
-                </a:solidFill>
-              </a:rPr>
-              <a:t>'machine</a:t>
-            </a:r>
-            <a:r>
-              <a:rPr sz="2000" dirty="0"/>
-              <a:t>'. </a:t>
-            </a:r>
-            <a:endParaRPr lang="en-US" sz="2000" dirty="0"/>
+              <a:t>state diagram</a:t>
+            </a:r>
+            <a:endParaRPr lang="en-US" sz="2800" dirty="0">
+              <a:solidFill>
+                <a:srgbClr val="FF0000"/>
+              </a:solidFill>
+            </a:endParaRPr>
+          </a:p>
+          <a:p>
+            <a:pPr lvl="1"/>
+            <a:r>
+              <a:rPr lang="en-US" sz="2055" dirty="0"/>
+              <a:t>有限状态系统通常以状态图显示。</a:t>
+            </a:r>
+            <a:endParaRPr lang="en-US" sz="2055" dirty="0"/>
           </a:p>
         </p:txBody>
       </p:sp>
@@ -7066,13 +7283,7 @@
       </p:grpSpPr>
       <p:sp>
         <p:nvSpPr>
-          <p:cNvPr id="2" name="Title 1">
-            <a:extLst>
-              <a:ext uri="{FF2B5EF4-FFF2-40B4-BE49-F238E27FC236}">
-                <a16:creationId xmlns:a16="http://schemas.microsoft.com/office/drawing/2014/main" id="{7C0713E1-D62C-6D40-CA5B-BCDB0E8E78E9}"/>
-              </a:ext>
-            </a:extLst>
-          </p:cNvPr>
+          <p:cNvPr id="20482" name="Title 1"/>
           <p:cNvSpPr>
             <a:spLocks noGrp="1"/>
           </p:cNvSpPr>
@@ -7082,26 +7293,20 @@
         </p:nvSpPr>
         <p:spPr/>
         <p:txBody>
-          <a:bodyPr/>
-          <a:lstStyle/>
-          <a:p>
-            <a:pPr algn="ctr"/>
-            <a:r>
-              <a:rPr lang="en-US" b="1" dirty="0"/>
-              <a:t>Finite State Machine (FSM)</a:t>
-            </a:r>
-          </a:p>
-        </p:txBody>
-      </p:sp>
-      <p:sp>
-        <p:nvSpPr>
-          <p:cNvPr id="3" name="Content Placeholder 2">
-            <a:extLst>
-              <a:ext uri="{FF2B5EF4-FFF2-40B4-BE49-F238E27FC236}">
-                <a16:creationId xmlns:a16="http://schemas.microsoft.com/office/drawing/2014/main" id="{336FF8AB-DB4D-87C7-19CB-BC0AD4150F03}"/>
-              </a:ext>
-            </a:extLst>
-          </p:cNvPr>
+          <a:bodyPr vert="horz" wrap="square" lIns="91440" tIns="45720" rIns="91440" bIns="45720" anchor="ctr" anchorCtr="0"/>
+          <a:lstStyle/>
+          <a:p>
+            <a:r>
+              <a:rPr b="1" dirty="0"/>
+              <a:t>State Transition Testing</a:t>
+            </a:r>
+            <a:endParaRPr b="1" dirty="0"/>
+          </a:p>
+        </p:txBody>
+      </p:sp>
+      <p:sp>
+        <p:nvSpPr>
+          <p:cNvPr id="20483" name="Content Placeholder 2"/>
           <p:cNvSpPr>
             <a:spLocks noGrp="1"/>
           </p:cNvSpPr>
@@ -7111,65 +7316,90 @@
         </p:nvSpPr>
         <p:spPr>
           <a:xfrm>
-            <a:off x="1990725" y="1825625"/>
-            <a:ext cx="9363075" cy="4351338"/>
+            <a:off x="1981199" y="1600200"/>
+            <a:ext cx="9051985" cy="5059392"/>
           </a:xfrm>
         </p:spPr>
         <p:txBody>
-          <a:bodyPr/>
-          <a:lstStyle/>
-          <a:p>
-            <a:r>
-              <a:rPr lang="en-US" sz="2400" dirty="0"/>
-              <a:t>An FSM is a behavioral model whose outcome depends upon both previous and current inputs. </a:t>
-            </a:r>
-          </a:p>
-          <a:p>
-            <a:r>
-              <a:rPr lang="en-US" sz="2400" dirty="0"/>
-              <a:t>FSM models can be prepared for software structure or software behavior. </a:t>
-            </a:r>
-          </a:p>
-          <a:p>
-            <a:r>
-              <a:rPr lang="en-US" sz="2400" dirty="0"/>
-              <a:t>It can be used as a tool for functional testing. </a:t>
-            </a:r>
-          </a:p>
-          <a:p>
-            <a:r>
-              <a:rPr lang="en-US" sz="2400" dirty="0"/>
-              <a:t>Many testers prefer to use FSM model as a guide to design functional tests.</a:t>
-            </a:r>
-          </a:p>
-          <a:p>
-            <a:r>
-              <a:rPr lang="en-US" sz="2400" dirty="0"/>
-              <a:t>A finite state system is often shown as a </a:t>
-            </a:r>
-            <a:r>
-              <a:rPr lang="en-US" sz="2400" dirty="0">
+          <a:bodyPr vert="horz" wrap="square" lIns="91440" tIns="45720" rIns="91440" bIns="45720" anchor="t" anchorCtr="0"/>
+          <a:lstStyle/>
+          <a:p>
+            <a:pPr algn="just">
+              <a:buFont typeface="Wingdings" panose="05000000000000000000" pitchFamily="2" charset="2"/>
+              <a:buChar char="ü"/>
+            </a:pPr>
+            <a:r>
+              <a:rPr sz="2400" dirty="0"/>
+              <a:t>State transition testing is used where some aspect of the system can be described in what is called a '</a:t>
+            </a:r>
+            <a:r>
+              <a:rPr sz="2400" i="1" dirty="0">
                 <a:solidFill>
-                  <a:srgbClr val="FF0000"/>
+                  <a:schemeClr val="tx2">
+                    <a:lumMod val="60000"/>
+                    <a:lumOff val="40000"/>
+                  </a:schemeClr>
                 </a:solidFill>
               </a:rPr>
-              <a:t>state diagram</a:t>
-            </a:r>
-          </a:p>
-          <a:p>
-            <a:pPr marL="0" indent="0">
-              <a:buNone/>
+              <a:t>finite state machine</a:t>
+            </a:r>
+            <a:r>
+              <a:rPr sz="2400" dirty="0"/>
+              <a:t>'. </a:t>
+            </a:r>
+            <a:endParaRPr sz="2400" dirty="0"/>
+          </a:p>
+          <a:p>
+            <a:pPr algn="just">
+              <a:buFont typeface="Wingdings" panose="05000000000000000000" pitchFamily="2" charset="2"/>
+              <a:buChar char="ü"/>
             </a:pPr>
+            <a:r>
+              <a:rPr lang="en-US" sz="2400" dirty="0"/>
+              <a:t>状态转换测试用于系统的某些方面可以用所谓的“有限状态机”来描述的情况</a:t>
+            </a:r>
             <a:endParaRPr lang="en-US" sz="2400" dirty="0"/>
           </a:p>
+          <a:p>
+            <a:pPr lvl="1" algn="just">
+              <a:buFont typeface="Wingdings" panose="05000000000000000000" pitchFamily="2" charset="2"/>
+              <a:buChar char="ü"/>
+            </a:pPr>
+            <a:r>
+              <a:rPr sz="2000" dirty="0"/>
+              <a:t>This simply means that the system can be in a (finite) number of different states, and the transitions from one state to another are determined by the rules of the </a:t>
+            </a:r>
+            <a:r>
+              <a:rPr sz="2000" dirty="0">
+                <a:solidFill>
+                  <a:schemeClr val="tx2">
+                    <a:lumMod val="60000"/>
+                    <a:lumOff val="40000"/>
+                  </a:schemeClr>
+                </a:solidFill>
+              </a:rPr>
+              <a:t>'machine</a:t>
+            </a:r>
+            <a:r>
+              <a:rPr sz="2000" dirty="0"/>
+              <a:t>'. </a:t>
+            </a:r>
+            <a:endParaRPr sz="2000" dirty="0"/>
+          </a:p>
+          <a:p>
+            <a:pPr lvl="2" algn="just">
+              <a:buFont typeface="Wingdings" panose="05000000000000000000" pitchFamily="2" charset="2"/>
+              <a:buChar char="ü"/>
+            </a:pPr>
+            <a:r>
+              <a:rPr lang="en-US" sz="1710" dirty="0"/>
+              <a:t>这简单意味着系统可以处于有限数量的不同状态，并且从一个状态到另一个状态的转换由“机器”的规则决定。</a:t>
+            </a:r>
+            <a:endParaRPr lang="en-US" sz="1710" dirty="0"/>
+          </a:p>
         </p:txBody>
       </p:sp>
     </p:spTree>
-    <p:extLst>
-      <p:ext uri="{BB962C8B-B14F-4D97-AF65-F5344CB8AC3E}">
-        <p14:creationId xmlns:p14="http://schemas.microsoft.com/office/powerpoint/2010/main" val="1045878739"/>
-      </p:ext>
-    </p:extLst>
   </p:cSld>
   <p:clrMapOvr>
     <a:masterClrMapping/>
@@ -7213,6 +7443,7 @@
               <a:rPr b="1" dirty="0"/>
               <a:t>State Transition Testing</a:t>
             </a:r>
+            <a:endParaRPr b="1" dirty="0"/>
           </a:p>
         </p:txBody>
       </p:sp>
@@ -7255,6 +7486,7 @@
               <a:rPr sz="2400" dirty="0"/>
               <a:t> basic parts:</a:t>
             </a:r>
+            <a:endParaRPr sz="2400" dirty="0"/>
           </a:p>
           <a:p>
             <a:pPr algn="just">
@@ -7283,6 +7515,7 @@
               <a:rPr sz="2400" dirty="0"/>
               <a:t> that the software may occupy (open/closed or funded/insufficient funds);</a:t>
             </a:r>
+            <a:endParaRPr sz="2400" dirty="0"/>
           </a:p>
           <a:p>
             <a:pPr algn="just">
@@ -7305,6 +7538,7 @@
               <a:rPr sz="2400" dirty="0"/>
               <a:t> from one state to another (not all transitions are allowed);</a:t>
             </a:r>
+            <a:endParaRPr sz="2400" dirty="0"/>
           </a:p>
           <a:p>
             <a:pPr algn="just">
@@ -7327,6 +7561,7 @@
               <a:rPr sz="2400" dirty="0"/>
               <a:t>a transition (closing a file or withdrawing money);</a:t>
             </a:r>
+            <a:endParaRPr sz="2400" dirty="0"/>
           </a:p>
           <a:p>
             <a:pPr algn="just">
@@ -7349,9 +7584,34 @@
               <a:rPr sz="2400" dirty="0"/>
               <a:t>from a transition (an error message or being given your cash).</a:t>
             </a:r>
-          </a:p>
-        </p:txBody>
-      </p:sp>
+            <a:endParaRPr sz="2400" dirty="0"/>
+          </a:p>
+        </p:txBody>
+      </p:sp>
+      <p:pic>
+        <p:nvPicPr>
+          <p:cNvPr id="2" name="Picture 1" descr="Screenshot 2024-03-25 at 2.57.41 in the afternoon"/>
+          <p:cNvPicPr>
+            <a:picLocks noChangeAspect="1"/>
+          </p:cNvPicPr>
+          <p:nvPr/>
+        </p:nvPicPr>
+        <p:blipFill>
+          <a:blip r:embed="rId1"/>
+          <a:stretch>
+            <a:fillRect/>
+          </a:stretch>
+        </p:blipFill>
+        <p:spPr>
+          <a:xfrm>
+            <a:off x="1731645" y="2142490"/>
+            <a:ext cx="8752205" cy="4340860"/>
+          </a:xfrm>
+          <a:prstGeom prst="rect">
+            <a:avLst/>
+          </a:prstGeom>
+        </p:spPr>
+      </p:pic>
     </p:spTree>
   </p:cSld>
   <p:clrMapOvr>
@@ -7400,6 +7660,7 @@
               <a:rPr b="1" dirty="0"/>
               <a:t>State Transition Testing</a:t>
             </a:r>
+            <a:endParaRPr b="1" dirty="0"/>
           </a:p>
         </p:txBody>
       </p:sp>
@@ -7414,7 +7675,7 @@
           </p:nvPr>
         </p:nvPicPr>
         <p:blipFill>
-          <a:blip r:embed="rId2"/>
+          <a:blip r:embed="rId1"/>
           <a:srcRect/>
           <a:stretch>
             <a:fillRect/>
@@ -7469,25 +7730,25 @@
               </a:rPr>
               <a:t>State Diagram for PIN Entry</a:t>
             </a:r>
-          </a:p>
-        </p:txBody>
-      </p:sp>
-      <p:sp>
-        <p:nvSpPr>
-          <p:cNvPr id="3" name="TextBox 2">
-            <a:extLst>
-              <a:ext uri="{FF2B5EF4-FFF2-40B4-BE49-F238E27FC236}">
-                <a16:creationId xmlns:a16="http://schemas.microsoft.com/office/drawing/2014/main" id="{DE0034B0-3CE2-6FA5-1301-E321896FD9F0}"/>
-              </a:ext>
-            </a:extLst>
-          </p:cNvPr>
+            <a:endParaRPr b="1" dirty="0">
+              <a:solidFill>
+                <a:prstClr val="black"/>
+              </a:solidFill>
+              <a:latin typeface="Arial" panose="020B0604020202020204" pitchFamily="34" charset="0"/>
+            </a:endParaRPr>
+          </a:p>
+        </p:txBody>
+      </p:sp>
+      <p:sp>
+        <p:nvSpPr>
+          <p:cNvPr id="3" name="TextBox 2"/>
           <p:cNvSpPr txBox="1"/>
           <p:nvPr/>
         </p:nvSpPr>
         <p:spPr>
           <a:xfrm>
-            <a:off x="2390774" y="1295311"/>
-            <a:ext cx="8220075" cy="1200329"/>
+            <a:off x="1365885" y="1295400"/>
+            <a:ext cx="10355580" cy="1198880"/>
           </a:xfrm>
           <a:prstGeom prst="rect">
             <a:avLst/>
@@ -7578,6 +7839,7 @@
               <a:rPr b="1" dirty="0"/>
               <a:t>State Transition Testing</a:t>
             </a:r>
+            <a:endParaRPr b="1" dirty="0"/>
           </a:p>
         </p:txBody>
       </p:sp>
@@ -7623,6 +7885,12 @@
               </a:rPr>
               <a:t>State table for the PIN example</a:t>
             </a:r>
+            <a:endParaRPr b="1" dirty="0">
+              <a:solidFill>
+                <a:prstClr val="black"/>
+              </a:solidFill>
+              <a:latin typeface="Arial" panose="020B0604020202020204" pitchFamily="34" charset="0"/>
+            </a:endParaRPr>
           </a:p>
         </p:txBody>
       </p:sp>
@@ -7637,7 +7905,7 @@
           </p:nvPr>
         </p:nvPicPr>
         <p:blipFill>
-          <a:blip r:embed="rId2"/>
+          <a:blip r:embed="rId1"/>
           <a:srcRect/>
           <a:stretch>
             <a:fillRect/>
@@ -7652,20 +7920,14 @@
       </p:pic>
       <p:sp>
         <p:nvSpPr>
-          <p:cNvPr id="3" name="TextBox 2">
-            <a:extLst>
-              <a:ext uri="{FF2B5EF4-FFF2-40B4-BE49-F238E27FC236}">
-                <a16:creationId xmlns:a16="http://schemas.microsoft.com/office/drawing/2014/main" id="{83B0858E-BF31-16CE-D495-50BF95C1BEF3}"/>
-              </a:ext>
-            </a:extLst>
-          </p:cNvPr>
+          <p:cNvPr id="3" name="TextBox 2"/>
           <p:cNvSpPr txBox="1"/>
           <p:nvPr/>
         </p:nvSpPr>
         <p:spPr>
           <a:xfrm>
-            <a:off x="2305050" y="1162774"/>
-            <a:ext cx="8924926" cy="1631216"/>
+            <a:off x="1048385" y="1200785"/>
+            <a:ext cx="10095865" cy="1476375"/>
           </a:xfrm>
           <a:prstGeom prst="rect">
             <a:avLst/>
@@ -7679,7 +7941,7 @@
           <a:lstStyle/>
           <a:p>
             <a:r>
-              <a:rPr lang="en-US" sz="2000" dirty="0">
+              <a:rPr lang="en-US" dirty="0">
                 <a:solidFill>
                   <a:srgbClr val="000000"/>
                 </a:solidFill>
@@ -7688,7 +7950,7 @@
               </a:rPr>
               <a:t>The following conventions are used for the state table : </a:t>
             </a:r>
-            <a:endParaRPr lang="en-US" sz="2000" dirty="0"/>
+            <a:endParaRPr lang="en-US" dirty="0"/>
           </a:p>
           <a:p>
             <a:pPr marL="914400" lvl="1" indent="-457200">
@@ -7696,33 +7958,36 @@
               <a:buAutoNum type="arabicPeriod"/>
             </a:pPr>
             <a:r>
-              <a:rPr lang="en-US" sz="2000" dirty="0">
+              <a:rPr lang="en-US" dirty="0">
                 <a:solidFill>
                   <a:srgbClr val="000000"/>
                 </a:solidFill>
                 <a:effectLst/>
                 <a:latin typeface="BaskervilleBE"/>
               </a:rPr>
-              <a:t>Each row of the table corresponds to a state. </a:t>
-            </a:r>
-            <a:endParaRPr lang="en-US" sz="2000" dirty="0"/>
-          </a:p>
-          <a:p>
-            <a:pPr marL="914400" lvl="1" indent="-457200">
-              <a:buFont typeface="+mj-lt"/>
-              <a:buAutoNum type="arabicPeriod"/>
-            </a:pPr>
-            <a:r>
-              <a:rPr lang="en-US" sz="2000" dirty="0">
+              <a:t>Each row of the table corresponds to a </a:t>
+            </a:r>
+            <a:r>
+              <a:rPr lang="en-US" b="1" dirty="0">
                 <a:solidFill>
                   <a:srgbClr val="000000"/>
                 </a:solidFill>
                 <a:effectLst/>
                 <a:latin typeface="BaskervilleBE"/>
               </a:rPr>
-              <a:t>Each column corresponds to an input condition. </a:t>
-            </a:r>
-            <a:endParaRPr lang="en-US" sz="2000" dirty="0"/>
+              <a:t>state</a:t>
+            </a:r>
+            <a:r>
+              <a:rPr lang="en-US" dirty="0">
+                <a:solidFill>
+                  <a:srgbClr val="000000"/>
+                </a:solidFill>
+                <a:effectLst/>
+                <a:latin typeface="BaskervilleBE"/>
+              </a:rPr>
+              <a:t>. </a:t>
+            </a:r>
+            <a:endParaRPr lang="en-US" dirty="0"/>
           </a:p>
           <a:p>
             <a:pPr marL="914400" lvl="1" indent="-457200">
@@ -7730,7 +7995,44 @@
               <a:buAutoNum type="arabicPeriod"/>
             </a:pPr>
             <a:r>
-              <a:rPr lang="en-US" sz="2000" dirty="0">
+              <a:rPr lang="en-US" dirty="0">
+                <a:solidFill>
+                  <a:srgbClr val="000000"/>
+                </a:solidFill>
+                <a:effectLst/>
+                <a:latin typeface="BaskervilleBE"/>
+              </a:rPr>
+              <a:t>Each column corresponds to an </a:t>
+            </a:r>
+            <a:r>
+              <a:rPr lang="en-US" b="1" dirty="0">
+                <a:solidFill>
+                  <a:srgbClr val="000000"/>
+                </a:solidFill>
+                <a:effectLst/>
+                <a:latin typeface="BaskervilleBE"/>
+              </a:rPr>
+              <a:t>input condition</a:t>
+            </a:r>
+            <a:r>
+              <a:rPr lang="en-US" dirty="0">
+                <a:solidFill>
+                  <a:srgbClr val="000000"/>
+                </a:solidFill>
+                <a:effectLst/>
+                <a:latin typeface="BaskervilleBE"/>
+              </a:rPr>
+              <a:t>. </a:t>
+            </a:r>
+            <a:endParaRPr lang="en-US" dirty="0"/>
+          </a:p>
+          <a:p>
+            <a:pPr marL="914400" lvl="1" indent="-457200">
+              <a:buFont typeface="+mj-lt"/>
+              <a:buAutoNum type="arabicPeriod"/>
+            </a:pPr>
+            <a:r>
+              <a:rPr lang="en-US" dirty="0">
                 <a:solidFill>
                   <a:srgbClr val="000000"/>
                 </a:solidFill>
@@ -7739,7 +8041,13 @@
               </a:rPr>
               <a:t>The box at the intersection of a row and a column specifies the next state (transition) and the output, if any.</a:t>
             </a:r>
-            <a:endParaRPr lang="en-US" sz="2000" dirty="0"/>
+            <a:endParaRPr lang="en-US" dirty="0">
+              <a:solidFill>
+                <a:srgbClr val="000000"/>
+              </a:solidFill>
+              <a:effectLst/>
+              <a:latin typeface="BaskervilleBE"/>
+            </a:endParaRPr>
           </a:p>
         </p:txBody>
       </p:sp>
@@ -7770,13 +8078,7 @@
       </p:grpSpPr>
       <p:sp>
         <p:nvSpPr>
-          <p:cNvPr id="2" name="Title 1">
-            <a:extLst>
-              <a:ext uri="{FF2B5EF4-FFF2-40B4-BE49-F238E27FC236}">
-                <a16:creationId xmlns:a16="http://schemas.microsoft.com/office/drawing/2014/main" id="{5BD02A7E-CCC4-EEC1-8022-5BA6BB028547}"/>
-              </a:ext>
-            </a:extLst>
-          </p:cNvPr>
+          <p:cNvPr id="2" name="Title 1"/>
           <p:cNvSpPr>
             <a:spLocks noGrp="1"/>
           </p:cNvSpPr>
@@ -7790,21 +8092,20 @@
           <a:lstStyle/>
           <a:p>
             <a:r>
+              <a:rPr lang="en-US" b="1" dirty="0"/>
+              <a:t>Example 2: Class Activity</a:t>
+            </a:r>
+            <a:r>
               <a:rPr lang="en-US" dirty="0"/>
-              <a:t>Example 2: Class Activity </a:t>
-            </a:r>
-          </a:p>
-        </p:txBody>
-      </p:sp>
-      <p:sp>
-        <p:nvSpPr>
-          <p:cNvPr id="3" name="Content Placeholder 2">
-            <a:extLst>
-              <a:ext uri="{FF2B5EF4-FFF2-40B4-BE49-F238E27FC236}">
-                <a16:creationId xmlns:a16="http://schemas.microsoft.com/office/drawing/2014/main" id="{8579194D-E71C-4204-F0E7-4D76AACC2282}"/>
-              </a:ext>
-            </a:extLst>
-          </p:cNvPr>
+              <a:t> </a:t>
+            </a:r>
+            <a:endParaRPr lang="en-US" dirty="0"/>
+          </a:p>
+        </p:txBody>
+      </p:sp>
+      <p:sp>
+        <p:nvSpPr>
+          <p:cNvPr id="3" name="Content Placeholder 2"/>
           <p:cNvSpPr>
             <a:spLocks noGrp="1"/>
           </p:cNvSpPr>
@@ -7817,16 +8118,15 @@
           <a:bodyPr/>
           <a:lstStyle/>
           <a:p>
-            <a:endParaRPr lang="en-US"/>
+            <a:r>
+              <a:rPr lang="en-US" sz="2800"/>
+              <a:t>Take the scenario where you want to log in to your online banking site. First, you have to load the online banking page, then go to the login page. Then you will enter the credentials and attempt to log in. If the credentials are correct you will be granted access. If they are incorrect you will be given another attempt. After 3 unsuccessful attempts, the Account will be blocked for safety reasons.</a:t>
+            </a:r>
+            <a:endParaRPr lang="en-US" sz="2800"/>
           </a:p>
         </p:txBody>
       </p:sp>
     </p:spTree>
-    <p:extLst>
-      <p:ext uri="{BB962C8B-B14F-4D97-AF65-F5344CB8AC3E}">
-        <p14:creationId xmlns:p14="http://schemas.microsoft.com/office/powerpoint/2010/main" val="688636151"/>
-      </p:ext>
-    </p:extLst>
   </p:cSld>
   <p:clrMapOvr>
     <a:masterClrMapping/>
@@ -7843,23 +8143,10 @@
         <p:cNvGrpSpPr/>
         <p:nvPr/>
       </p:nvGrpSpPr>
-      <p:grpSpPr>
-        <a:xfrm>
-          <a:off x="0" y="0"/>
-          <a:ext cx="0" cy="0"/>
-          <a:chOff x="0" y="0"/>
-          <a:chExt cx="0" cy="0"/>
-        </a:xfrm>
-      </p:grpSpPr>
-      <p:sp>
-        <p:nvSpPr>
-          <p:cNvPr id="2" name="Title 1">
-            <a:extLst>
-              <a:ext uri="{FF2B5EF4-FFF2-40B4-BE49-F238E27FC236}">
-                <a16:creationId xmlns:a16="http://schemas.microsoft.com/office/drawing/2014/main" id="{973BBE60-D8AD-1FFD-4C34-957001A5FF6B}"/>
-              </a:ext>
-            </a:extLst>
-          </p:cNvPr>
+      <p:grpSpPr/>
+      <p:sp>
+        <p:nvSpPr>
+          <p:cNvPr id="2" name="Title 1"/>
           <p:cNvSpPr>
             <a:spLocks noGrp="1"/>
           </p:cNvSpPr>
@@ -7870,24 +8157,18 @@
         <p:spPr/>
         <p:txBody>
           <a:bodyPr/>
-          <a:lstStyle/>
-          <a:p>
-            <a:r>
-              <a:rPr lang="en-US" b="1" dirty="0"/>
-              <a:t>Example 3: Homework</a:t>
-            </a:r>
-          </a:p>
-        </p:txBody>
-      </p:sp>
-      <p:sp>
-        <p:nvSpPr>
-          <p:cNvPr id="3" name="Content Placeholder 2">
-            <a:extLst>
-              <a:ext uri="{FF2B5EF4-FFF2-40B4-BE49-F238E27FC236}">
-                <a16:creationId xmlns:a16="http://schemas.microsoft.com/office/drawing/2014/main" id="{B904DB7A-7591-020D-86DF-F283E26B5FAA}"/>
-              </a:ext>
-            </a:extLst>
-          </p:cNvPr>
+          <a:p>
+            <a:r>
+              <a:rPr lang="en-US" b="1"/>
+              <a:t>Solution</a:t>
+            </a:r>
+            <a:endParaRPr lang="en-US" b="1"/>
+          </a:p>
+        </p:txBody>
+      </p:sp>
+      <p:sp>
+        <p:nvSpPr>
+          <p:cNvPr id="3" name="Content Placeholder 2"/>
           <p:cNvSpPr>
             <a:spLocks noGrp="1"/>
           </p:cNvSpPr>
@@ -7897,115 +8178,439 @@
         </p:nvSpPr>
         <p:spPr>
           <a:xfrm>
-            <a:off x="609600" y="1600201"/>
-            <a:ext cx="10972800" cy="5067299"/>
+            <a:off x="194310" y="1593850"/>
+            <a:ext cx="3736340" cy="4526280"/>
           </a:xfrm>
         </p:spPr>
         <p:txBody>
           <a:bodyPr/>
-          <a:lstStyle/>
-          <a:p>
-            <a:r>
-              <a:rPr lang="en-US" sz="2000" dirty="0"/>
-              <a:t>Consider a system having an FSM for a stack having the following states and transitions:</a:t>
-            </a:r>
-          </a:p>
           <a:p>
             <a:pPr marL="0" indent="0">
               <a:buNone/>
             </a:pPr>
             <a:r>
-              <a:rPr lang="en-US" sz="2000" dirty="0"/>
-              <a:t>States </a:t>
-            </a:r>
-          </a:p>
-          <a:p>
-            <a:pPr lvl="1"/>
-            <a:r>
-              <a:rPr lang="en-US" sz="2000" dirty="0"/>
-              <a:t>Initial: Before creation </a:t>
-            </a:r>
-          </a:p>
-          <a:p>
-            <a:pPr lvl="1"/>
-            <a:r>
-              <a:rPr lang="en-US" sz="2000" dirty="0"/>
-              <a:t>Empty: Number of elements = 0 </a:t>
-            </a:r>
-          </a:p>
-          <a:p>
-            <a:pPr lvl="1"/>
-            <a:r>
-              <a:rPr lang="en-US" sz="2000" dirty="0"/>
-              <a:t>Holding: Number of elements &gt; 0, but less than the maximum capacity </a:t>
-            </a:r>
-          </a:p>
-          <a:p>
-            <a:pPr lvl="1"/>
-            <a:r>
-              <a:rPr lang="en-US" sz="2000" dirty="0"/>
-              <a:t>Full: Number elements = maximum </a:t>
-            </a:r>
-          </a:p>
-          <a:p>
-            <a:pPr lvl="1"/>
-            <a:r>
-              <a:rPr lang="en-US" sz="2000" dirty="0"/>
-              <a:t>Final: After destruction</a:t>
-            </a:r>
+              <a:rPr lang="en-US" sz="1600" b="1"/>
+              <a:t>States</a:t>
+            </a:r>
+            <a:endParaRPr lang="en-US" sz="1600" b="1"/>
           </a:p>
           <a:p>
             <a:pPr marL="0" indent="0">
               <a:buNone/>
             </a:pPr>
             <a:r>
-              <a:rPr lang="en-US" sz="2000" dirty="0"/>
-              <a:t>Transitions </a:t>
-            </a:r>
-          </a:p>
-          <a:p>
-            <a:pPr lvl="1"/>
-            <a:r>
-              <a:rPr lang="en-US" sz="2000" dirty="0"/>
-              <a:t>Initial to Empty: Create </a:t>
-            </a:r>
-          </a:p>
-          <a:p>
-            <a:pPr lvl="1"/>
-            <a:r>
-              <a:rPr lang="en-US" sz="2000" dirty="0"/>
-              <a:t>Empty to Holding, Empty to Full, Holding to Holding, Holding to Full: Add </a:t>
-            </a:r>
-          </a:p>
-          <a:p>
-            <a:pPr lvl="1"/>
-            <a:r>
-              <a:rPr lang="en-US" sz="2000" dirty="0"/>
-              <a:t>Empty to Final, Full to Final, Holding to Final: Destroy </a:t>
-            </a:r>
-          </a:p>
-          <a:p>
-            <a:pPr lvl="1"/>
-            <a:r>
-              <a:rPr lang="en-US" sz="2000" dirty="0"/>
-              <a:t>Holding to Empty, Full to Holding, Full to Empty: Delete </a:t>
-            </a:r>
-          </a:p>
-          <a:p>
-            <a:pPr lvl="1"/>
-            <a:r>
-              <a:rPr lang="en-US" sz="2000" dirty="0"/>
-              <a:t>Design test cases for this FSM using state table-based testing.</a:t>
-            </a:r>
+              <a:rPr lang="en-US" sz="1400"/>
+              <a:t>Start – Load the Online Banking page</a:t>
+            </a:r>
+            <a:endParaRPr lang="en-US" sz="1400"/>
+          </a:p>
+          <a:p>
+            <a:pPr marL="0" indent="0">
+              <a:buNone/>
+            </a:pPr>
+            <a:r>
+              <a:rPr lang="en-US" sz="1400"/>
+              <a:t>Load Login page</a:t>
+            </a:r>
+            <a:endParaRPr lang="en-US" sz="1400"/>
+          </a:p>
+          <a:p>
+            <a:pPr marL="0" indent="0">
+              <a:buNone/>
+            </a:pPr>
+            <a:r>
+              <a:rPr lang="en-US" sz="1400"/>
+              <a:t>1st Attempt</a:t>
+            </a:r>
+            <a:endParaRPr lang="en-US" sz="1400"/>
+          </a:p>
+          <a:p>
+            <a:pPr marL="0" indent="0">
+              <a:buNone/>
+            </a:pPr>
+            <a:r>
+              <a:rPr lang="en-US" sz="1400"/>
+              <a:t>2nd Attempt</a:t>
+            </a:r>
+            <a:endParaRPr lang="en-US" sz="1400"/>
+          </a:p>
+          <a:p>
+            <a:pPr marL="0" indent="0">
+              <a:buNone/>
+            </a:pPr>
+            <a:r>
+              <a:rPr lang="en-US" sz="1400"/>
+              <a:t>3rd Attempt</a:t>
+            </a:r>
+            <a:endParaRPr lang="en-US" sz="1400"/>
+          </a:p>
+          <a:p>
+            <a:pPr marL="0" indent="0">
+              <a:buNone/>
+            </a:pPr>
+            <a:endParaRPr lang="en-US" sz="1400"/>
+          </a:p>
+        </p:txBody>
+      </p:sp>
+      <p:sp>
+        <p:nvSpPr>
+          <p:cNvPr id="4" name="Text Box 3"/>
+          <p:cNvSpPr txBox="1"/>
+          <p:nvPr/>
+        </p:nvSpPr>
+        <p:spPr>
+          <a:xfrm>
+            <a:off x="6195060" y="1593850"/>
+            <a:ext cx="5996940" cy="2614930"/>
+          </a:xfrm>
+          <a:prstGeom prst="rect">
+            <a:avLst/>
+          </a:prstGeom>
+          <a:noFill/>
+        </p:spPr>
+        <p:txBody>
+          <a:bodyPr wrap="square" rtlCol="0" anchor="t">
+            <a:spAutoFit/>
+          </a:bodyPr>
+          <a:p>
+            <a:pPr marL="0" indent="0">
+              <a:buNone/>
+            </a:pPr>
+            <a:r>
+              <a:rPr lang="en-US" sz="2000" b="1">
+                <a:sym typeface="+mn-ea"/>
+              </a:rPr>
+              <a:t>Transitions</a:t>
+            </a:r>
+            <a:endParaRPr lang="en-US" sz="2000" b="1"/>
+          </a:p>
+          <a:p>
+            <a:pPr marL="0" indent="0">
+              <a:buNone/>
+            </a:pPr>
+            <a:r>
+              <a:rPr lang="en-US">
+                <a:sym typeface="+mn-ea"/>
+              </a:rPr>
+              <a:t>From the Home page to the Login page</a:t>
+            </a:r>
+            <a:endParaRPr lang="en-US"/>
+          </a:p>
+          <a:p>
+            <a:pPr marL="0" indent="0">
+              <a:buNone/>
+            </a:pPr>
+            <a:r>
+              <a:rPr lang="en-US">
+                <a:sym typeface="+mn-ea"/>
+              </a:rPr>
+              <a:t>1st login Attempt</a:t>
+            </a:r>
+            <a:endParaRPr lang="en-US"/>
+          </a:p>
+          <a:p>
+            <a:pPr marL="0" indent="0">
+              <a:buNone/>
+            </a:pPr>
+            <a:r>
+              <a:rPr lang="en-US">
+                <a:sym typeface="+mn-ea"/>
+              </a:rPr>
+              <a:t>1st login Attempt -&gt; success</a:t>
+            </a:r>
+            <a:endParaRPr lang="en-US"/>
+          </a:p>
+          <a:p>
+            <a:pPr marL="0" indent="0">
+              <a:buNone/>
+            </a:pPr>
+            <a:r>
+              <a:rPr lang="en-US">
+                <a:sym typeface="+mn-ea"/>
+              </a:rPr>
+              <a:t>1st login Attempt -&gt; unsuccessful -&gt; 2nd login attempt</a:t>
+            </a:r>
+            <a:endParaRPr lang="en-US"/>
+          </a:p>
+          <a:p>
+            <a:pPr marL="0" indent="0">
+              <a:buNone/>
+            </a:pPr>
+            <a:r>
+              <a:rPr lang="en-US">
+                <a:sym typeface="+mn-ea"/>
+              </a:rPr>
+              <a:t>2nd login Attempt -&gt; success</a:t>
+            </a:r>
+            <a:endParaRPr lang="en-US"/>
+          </a:p>
+          <a:p>
+            <a:pPr marL="0" indent="0">
+              <a:buNone/>
+            </a:pPr>
+            <a:r>
+              <a:rPr lang="en-US">
+                <a:sym typeface="+mn-ea"/>
+              </a:rPr>
+              <a:t>2nd login Attempt -&gt; unsuccessful -&gt; 3rd login attempt</a:t>
+            </a:r>
+            <a:endParaRPr lang="en-US"/>
+          </a:p>
+          <a:p>
+            <a:pPr marL="0" indent="0">
+              <a:buNone/>
+            </a:pPr>
+            <a:r>
+              <a:rPr lang="en-US">
+                <a:sym typeface="+mn-ea"/>
+              </a:rPr>
+              <a:t>3rd login Attempt -&gt; success</a:t>
+            </a:r>
+            <a:endParaRPr lang="en-US"/>
+          </a:p>
+          <a:p>
+            <a:pPr marL="0" indent="0">
+              <a:buNone/>
+            </a:pPr>
+            <a:r>
+              <a:rPr lang="en-US">
+                <a:sym typeface="+mn-ea"/>
+              </a:rPr>
+              <a:t>3rd login Attempt -&gt; unsuccessful</a:t>
+            </a:r>
+            <a:endParaRPr lang="en-US"/>
+          </a:p>
+        </p:txBody>
+      </p:sp>
+      <p:sp>
+        <p:nvSpPr>
+          <p:cNvPr id="5" name="Text Box 4"/>
+          <p:cNvSpPr txBox="1"/>
+          <p:nvPr/>
+        </p:nvSpPr>
+        <p:spPr>
+          <a:xfrm>
+            <a:off x="3423285" y="1593850"/>
+            <a:ext cx="2771775" cy="2584450"/>
+          </a:xfrm>
+          <a:prstGeom prst="rect">
+            <a:avLst/>
+          </a:prstGeom>
+          <a:noFill/>
+        </p:spPr>
+        <p:txBody>
+          <a:bodyPr wrap="square" rtlCol="0" anchor="t">
+            <a:spAutoFit/>
+          </a:bodyPr>
+          <a:p>
+            <a:pPr marL="0" indent="0">
+              <a:buNone/>
+            </a:pPr>
+            <a:r>
+              <a:rPr lang="en-US" b="1">
+                <a:sym typeface="+mn-ea"/>
+              </a:rPr>
+              <a:t>Events</a:t>
+            </a:r>
+            <a:endParaRPr lang="en-US" b="1"/>
+          </a:p>
+          <a:p>
+            <a:pPr marL="0" indent="0">
+              <a:buNone/>
+            </a:pPr>
+            <a:r>
+              <a:rPr lang="en-US">
+                <a:sym typeface="+mn-ea"/>
+              </a:rPr>
+              <a:t>Click Login</a:t>
+            </a:r>
+            <a:endParaRPr lang="en-US"/>
+          </a:p>
+          <a:p>
+            <a:pPr marL="0" indent="0">
+              <a:buNone/>
+            </a:pPr>
+            <a:r>
+              <a:rPr lang="en-US">
+                <a:sym typeface="+mn-ea"/>
+              </a:rPr>
+              <a:t>Enter Credentials</a:t>
+            </a:r>
+            <a:endParaRPr lang="en-US"/>
+          </a:p>
+          <a:p>
+            <a:pPr marL="0" indent="0">
+              <a:buNone/>
+            </a:pPr>
+            <a:r>
+              <a:rPr lang="en-US">
+                <a:sym typeface="+mn-ea"/>
+              </a:rPr>
+              <a:t>Correct Credentials</a:t>
+            </a:r>
+            <a:endParaRPr lang="en-US"/>
+          </a:p>
+          <a:p>
+            <a:pPr marL="0" indent="0">
+              <a:buNone/>
+            </a:pPr>
+            <a:r>
+              <a:rPr lang="en-US">
+                <a:sym typeface="+mn-ea"/>
+              </a:rPr>
+              <a:t>Incorrect Credentials</a:t>
+            </a:r>
+            <a:endParaRPr lang="en-US"/>
+          </a:p>
+          <a:p>
+            <a:pPr marL="0" indent="0">
+              <a:buNone/>
+            </a:pPr>
+            <a:endParaRPr lang="en-US">
+              <a:sym typeface="+mn-ea"/>
+            </a:endParaRPr>
+          </a:p>
+          <a:p>
+            <a:pPr marL="0" indent="0">
+              <a:buNone/>
+            </a:pPr>
+            <a:r>
+              <a:rPr lang="en-US" b="1">
+                <a:sym typeface="+mn-ea"/>
+              </a:rPr>
+              <a:t>Actions</a:t>
+            </a:r>
+            <a:endParaRPr lang="en-US" b="1"/>
+          </a:p>
+          <a:p>
+            <a:pPr marL="0" indent="0">
+              <a:buNone/>
+            </a:pPr>
+            <a:r>
+              <a:rPr lang="en-US">
+                <a:sym typeface="+mn-ea"/>
+              </a:rPr>
+              <a:t>Access Granted</a:t>
+            </a:r>
+            <a:endParaRPr lang="en-US"/>
+          </a:p>
+          <a:p>
+            <a:pPr marL="0" indent="0">
+              <a:buNone/>
+            </a:pPr>
+            <a:r>
+              <a:rPr lang="en-US">
+                <a:sym typeface="+mn-ea"/>
+              </a:rPr>
+              <a:t>Account Blocked</a:t>
+            </a:r>
+            <a:endParaRPr lang="en-US"/>
+          </a:p>
+        </p:txBody>
+      </p:sp>
+      <p:sp>
+        <p:nvSpPr>
+          <p:cNvPr id="6" name="Text Box 5"/>
+          <p:cNvSpPr txBox="1"/>
+          <p:nvPr/>
+        </p:nvSpPr>
+        <p:spPr>
+          <a:xfrm>
+            <a:off x="994410" y="1195070"/>
+            <a:ext cx="5351780" cy="398780"/>
+          </a:xfrm>
+          <a:prstGeom prst="rect">
+            <a:avLst/>
+          </a:prstGeom>
+          <a:noFill/>
+        </p:spPr>
+        <p:txBody>
+          <a:bodyPr wrap="none" rtlCol="0" anchor="t">
+            <a:spAutoFit/>
+          </a:bodyPr>
+          <a:p>
+            <a:pPr marL="0" indent="0">
+              <a:buNone/>
+            </a:pPr>
+            <a:r>
+              <a:rPr lang="en-US" sz="2000">
+                <a:sym typeface="+mn-ea"/>
+              </a:rPr>
+              <a:t>Let’s first identify all the states of this system.</a:t>
+            </a:r>
+            <a:endParaRPr lang="en-US" sz="2000">
+              <a:sym typeface="+mn-ea"/>
+            </a:endParaRPr>
           </a:p>
         </p:txBody>
       </p:sp>
     </p:spTree>
-    <p:extLst>
-      <p:ext uri="{BB962C8B-B14F-4D97-AF65-F5344CB8AC3E}">
-        <p14:creationId xmlns:p14="http://schemas.microsoft.com/office/powerpoint/2010/main" val="2876498304"/>
-      </p:ext>
-    </p:extLst>
+  </p:cSld>
+  <p:clrMapOvr>
+    <a:masterClrMapping/>
+  </p:clrMapOvr>
+</p:sld>
+</file>
+
+<file path=ppt/slides/slide9.xml><?xml version="1.0" encoding="utf-8"?>
+<p:sld xmlns:a="http://schemas.openxmlformats.org/drawingml/2006/main" xmlns:r="http://schemas.openxmlformats.org/officeDocument/2006/relationships" xmlns:p="http://schemas.openxmlformats.org/presentationml/2006/main">
+  <p:cSld>
+    <p:spTree>
+      <p:nvGrpSpPr>
+        <p:cNvPr id="1" name=""/>
+        <p:cNvGrpSpPr/>
+        <p:nvPr/>
+      </p:nvGrpSpPr>
+      <p:grpSpPr/>
+      <p:sp>
+        <p:nvSpPr>
+          <p:cNvPr id="2" name="Title 1"/>
+          <p:cNvSpPr>
+            <a:spLocks noGrp="1"/>
+          </p:cNvSpPr>
+          <p:nvPr>
+            <p:ph type="title"/>
+          </p:nvPr>
+        </p:nvSpPr>
+        <p:spPr/>
+        <p:txBody>
+          <a:bodyPr/>
+          <a:p>
+            <a:r>
+              <a:rPr lang="en-US" b="1"/>
+              <a:t>State Transition Diagram</a:t>
+            </a:r>
+            <a:endParaRPr lang="en-US" b="1"/>
+          </a:p>
+        </p:txBody>
+      </p:sp>
+      <p:pic>
+        <p:nvPicPr>
+          <p:cNvPr id="4" name="Content Placeholder 3"/>
+          <p:cNvPicPr>
+            <a:picLocks noChangeAspect="1"/>
+          </p:cNvPicPr>
+          <p:nvPr>
+            <p:ph idx="1"/>
+          </p:nvPr>
+        </p:nvPicPr>
+        <p:blipFill>
+          <a:blip r:embed="rId1"/>
+          <a:stretch>
+            <a:fillRect/>
+          </a:stretch>
+        </p:blipFill>
+        <p:spPr>
+          <a:xfrm>
+            <a:off x="1277620" y="1600200"/>
+            <a:ext cx="9635490" cy="4526280"/>
+          </a:xfrm>
+          <a:prstGeom prst="rect">
+            <a:avLst/>
+          </a:prstGeom>
+        </p:spPr>
+      </p:pic>
+    </p:spTree>
   </p:cSld>
   <p:clrMapOvr>
     <a:masterClrMapping/>
@@ -8056,7 +8661,7 @@
     </a:clrScheme>
     <a:fontScheme name="Office">
       <a:majorFont>
-        <a:latin typeface="Calibri Light" panose="020F0302020204030204"/>
+        <a:latin typeface="Calibri Light"/>
         <a:ea typeface=""/>
         <a:cs typeface=""/>
         <a:font script="Jpan" typeface="游ゴシック Light"/>
@@ -8089,26 +8694,9 @@
         <a:font script="Viet" typeface="Times New Roman"/>
         <a:font script="Uigh" typeface="Microsoft Uighur"/>
         <a:font script="Geor" typeface="Sylfaen"/>
-        <a:font script="Armn" typeface="Arial"/>
-        <a:font script="Bugi" typeface="Leelawadee UI"/>
-        <a:font script="Bopo" typeface="Microsoft JhengHei"/>
-        <a:font script="Java" typeface="Javanese Text"/>
-        <a:font script="Lisu" typeface="Segoe UI"/>
-        <a:font script="Mymr" typeface="Myanmar Text"/>
-        <a:font script="Nkoo" typeface="Ebrima"/>
-        <a:font script="Olck" typeface="Nirmala UI"/>
-        <a:font script="Osma" typeface="Ebrima"/>
-        <a:font script="Phag" typeface="Phagspa"/>
-        <a:font script="Syrn" typeface="Estrangelo Edessa"/>
-        <a:font script="Syrj" typeface="Estrangelo Edessa"/>
-        <a:font script="Syre" typeface="Estrangelo Edessa"/>
-        <a:font script="Sora" typeface="Nirmala UI"/>
-        <a:font script="Tale" typeface="Microsoft Tai Le"/>
-        <a:font script="Talu" typeface="Microsoft New Tai Lue"/>
-        <a:font script="Tfng" typeface="Ebrima"/>
       </a:majorFont>
       <a:minorFont>
-        <a:latin typeface="Calibri" panose="020F0502020204030204"/>
+        <a:latin typeface="Calibri"/>
         <a:ea typeface=""/>
         <a:cs typeface=""/>
         <a:font script="Jpan" typeface="游ゴシック"/>
@@ -8141,23 +8729,6 @@
         <a:font script="Viet" typeface="Arial"/>
         <a:font script="Uigh" typeface="Microsoft Uighur"/>
         <a:font script="Geor" typeface="Sylfaen"/>
-        <a:font script="Armn" typeface="Arial"/>
-        <a:font script="Bugi" typeface="Leelawadee UI"/>
-        <a:font script="Bopo" typeface="Microsoft JhengHei"/>
-        <a:font script="Java" typeface="Javanese Text"/>
-        <a:font script="Lisu" typeface="Segoe UI"/>
-        <a:font script="Mymr" typeface="Myanmar Text"/>
-        <a:font script="Nkoo" typeface="Ebrima"/>
-        <a:font script="Olck" typeface="Nirmala UI"/>
-        <a:font script="Osma" typeface="Ebrima"/>
-        <a:font script="Phag" typeface="Phagspa"/>
-        <a:font script="Syrn" typeface="Estrangelo Edessa"/>
-        <a:font script="Syrj" typeface="Estrangelo Edessa"/>
-        <a:font script="Syre" typeface="Estrangelo Edessa"/>
-        <a:font script="Sora" typeface="Nirmala UI"/>
-        <a:font script="Tale" typeface="Microsoft Tai Le"/>
-        <a:font script="Talu" typeface="Microsoft New Tai Lue"/>
-        <a:font script="Tfng" typeface="Ebrima"/>
       </a:minorFont>
     </a:fontScheme>
     <a:fmtScheme name="Office">
@@ -8298,8 +8869,6 @@
       </a:bgFillStyleLst>
     </a:fmtScheme>
   </a:themeElements>
-  <a:objectDefaults/>
-  <a:extraClrSchemeLst/>
   <a:extLst>
     <a:ext uri="{05A4C25C-085E-4340-85A3-A5531E510DB2}">
       <thm15:themeFamily xmlns:thm15="http://schemas.microsoft.com/office/thememl/2012/main" name="Office Theme" id="{62F939B6-93AF-4DB8-9C6B-D6C7DFDC589F}" vid="{4A3C46E8-61CC-4603-A589-7422A47A8E4A}"/>
@@ -8586,8 +9155,265 @@
       </a:bgFillStyleLst>
     </a:fmtScheme>
   </a:themeElements>
-  <a:objectDefaults/>
-  <a:extraClrSchemeLst/>
+  <a:extLst>
+    <a:ext uri="{05A4C25C-085E-4340-85A3-A5531E510DB2}">
+      <thm15:themeFamily xmlns:thm15="http://schemas.microsoft.com/office/thememl/2012/main" name="Office Theme" id="{62F939B6-93AF-4DB8-9C6B-D6C7DFDC589F}" vid="{4A3C46E8-61CC-4603-A589-7422A47A8E4A}"/>
+    </a:ext>
+  </a:extLst>
+</a:theme>
+</file>
+
+<file path=ppt/theme/theme3.xml><?xml version="1.0" encoding="utf-8"?>
+<a:theme xmlns:a="http://schemas.openxmlformats.org/drawingml/2006/main" name="Office Theme">
+  <a:themeElements>
+    <a:clrScheme name="Office">
+      <a:dk1>
+        <a:sysClr val="windowText" lastClr="000000"/>
+      </a:dk1>
+      <a:lt1>
+        <a:sysClr val="window" lastClr="FFFFFF"/>
+      </a:lt1>
+      <a:dk2>
+        <a:srgbClr val="44546A"/>
+      </a:dk2>
+      <a:lt2>
+        <a:srgbClr val="E7E6E6"/>
+      </a:lt2>
+      <a:accent1>
+        <a:srgbClr val="5B9BD5"/>
+      </a:accent1>
+      <a:accent2>
+        <a:srgbClr val="ED7D31"/>
+      </a:accent2>
+      <a:accent3>
+        <a:srgbClr val="A5A5A5"/>
+      </a:accent3>
+      <a:accent4>
+        <a:srgbClr val="FFC000"/>
+      </a:accent4>
+      <a:accent5>
+        <a:srgbClr val="4472C4"/>
+      </a:accent5>
+      <a:accent6>
+        <a:srgbClr val="70AD47"/>
+      </a:accent6>
+      <a:hlink>
+        <a:srgbClr val="0563C1"/>
+      </a:hlink>
+      <a:folHlink>
+        <a:srgbClr val="954F72"/>
+      </a:folHlink>
+    </a:clrScheme>
+    <a:fontScheme name="Office">
+      <a:majorFont>
+        <a:latin typeface="Calibri Light"/>
+        <a:ea typeface=""/>
+        <a:cs typeface=""/>
+        <a:font script="Jpan" typeface="ＭＳ Ｐゴシック"/>
+        <a:font script="Hang" typeface="맑은 고딕"/>
+        <a:font script="Hans" typeface="宋体"/>
+        <a:font script="Hant" typeface="新細明體"/>
+        <a:font script="Arab" typeface="Times New Roman"/>
+        <a:font script="Hebr" typeface="Times New Roman"/>
+        <a:font script="Thai" typeface="Angsana New"/>
+        <a:font script="Ethi" typeface="Nyala"/>
+        <a:font script="Beng" typeface="Vrinda"/>
+        <a:font script="Gujr" typeface="Shruti"/>
+        <a:font script="Khmr" typeface="MoolBoran"/>
+        <a:font script="Knda" typeface="Tunga"/>
+        <a:font script="Guru" typeface="Raavi"/>
+        <a:font script="Cans" typeface="Euphemia"/>
+        <a:font script="Cher" typeface="Plantagenet Cherokee"/>
+        <a:font script="Yiii" typeface="Microsoft Yi Baiti"/>
+        <a:font script="Tibt" typeface="Microsoft Himalaya"/>
+        <a:font script="Thaa" typeface="MV Boli"/>
+        <a:font script="Deva" typeface="Mangal"/>
+        <a:font script="Telu" typeface="Gautami"/>
+        <a:font script="Taml" typeface="Latha"/>
+        <a:font script="Syrc" typeface="Estrangelo Edessa"/>
+        <a:font script="Orya" typeface="Kalinga"/>
+        <a:font script="Mlym" typeface="Kartika"/>
+        <a:font script="Laoo" typeface="DokChampa"/>
+        <a:font script="Sinh" typeface="Iskoola Pota"/>
+        <a:font script="Mong" typeface="Mongolian Baiti"/>
+        <a:font script="Viet" typeface="Times New Roman"/>
+        <a:font script="Uigh" typeface="Microsoft Uighur"/>
+        <a:font script="Geor" typeface="Sylfaen"/>
+      </a:majorFont>
+      <a:minorFont>
+        <a:latin typeface="Calibri"/>
+        <a:ea typeface=""/>
+        <a:cs typeface=""/>
+        <a:font script="Jpan" typeface="ＭＳ Ｐゴシック"/>
+        <a:font script="Hang" typeface="맑은 고딕"/>
+        <a:font script="Hans" typeface="宋体"/>
+        <a:font script="Hant" typeface="新細明體"/>
+        <a:font script="Arab" typeface="Arial"/>
+        <a:font script="Hebr" typeface="Arial"/>
+        <a:font script="Thai" typeface="Cordia New"/>
+        <a:font script="Ethi" typeface="Nyala"/>
+        <a:font script="Beng" typeface="Vrinda"/>
+        <a:font script="Gujr" typeface="Shruti"/>
+        <a:font script="Khmr" typeface="DaunPenh"/>
+        <a:font script="Knda" typeface="Tunga"/>
+        <a:font script="Guru" typeface="Raavi"/>
+        <a:font script="Cans" typeface="Euphemia"/>
+        <a:font script="Cher" typeface="Plantagenet Cherokee"/>
+        <a:font script="Yiii" typeface="Microsoft Yi Baiti"/>
+        <a:font script="Tibt" typeface="Microsoft Himalaya"/>
+        <a:font script="Thaa" typeface="MV Boli"/>
+        <a:font script="Deva" typeface="Mangal"/>
+        <a:font script="Telu" typeface="Gautami"/>
+        <a:font script="Taml" typeface="Latha"/>
+        <a:font script="Syrc" typeface="Estrangelo Edessa"/>
+        <a:font script="Orya" typeface="Kalinga"/>
+        <a:font script="Mlym" typeface="Kartika"/>
+        <a:font script="Laoo" typeface="DokChampa"/>
+        <a:font script="Sinh" typeface="Iskoola Pota"/>
+        <a:font script="Mong" typeface="Mongolian Baiti"/>
+        <a:font script="Viet" typeface="Arial"/>
+        <a:font script="Uigh" typeface="Microsoft Uighur"/>
+        <a:font script="Geor" typeface="Sylfaen"/>
+      </a:minorFont>
+    </a:fontScheme>
+    <a:fmtScheme name="Office">
+      <a:fillStyleLst>
+        <a:solidFill>
+          <a:schemeClr val="phClr"/>
+        </a:solidFill>
+        <a:gradFill rotWithShape="1">
+          <a:gsLst>
+            <a:gs pos="0">
+              <a:schemeClr val="phClr">
+                <a:lumMod val="110000"/>
+                <a:satMod val="105000"/>
+                <a:tint val="67000"/>
+              </a:schemeClr>
+            </a:gs>
+            <a:gs pos="50000">
+              <a:schemeClr val="phClr">
+                <a:lumMod val="105000"/>
+                <a:satMod val="103000"/>
+                <a:tint val="73000"/>
+              </a:schemeClr>
+            </a:gs>
+            <a:gs pos="100000">
+              <a:schemeClr val="phClr">
+                <a:lumMod val="105000"/>
+                <a:satMod val="109000"/>
+                <a:tint val="81000"/>
+              </a:schemeClr>
+            </a:gs>
+          </a:gsLst>
+          <a:lin ang="5400000" scaled="0"/>
+        </a:gradFill>
+        <a:gradFill rotWithShape="1">
+          <a:gsLst>
+            <a:gs pos="0">
+              <a:schemeClr val="phClr">
+                <a:satMod val="103000"/>
+                <a:lumMod val="102000"/>
+                <a:tint val="94000"/>
+              </a:schemeClr>
+            </a:gs>
+            <a:gs pos="50000">
+              <a:schemeClr val="phClr">
+                <a:satMod val="110000"/>
+                <a:lumMod val="100000"/>
+                <a:shade val="100000"/>
+              </a:schemeClr>
+            </a:gs>
+            <a:gs pos="100000">
+              <a:schemeClr val="phClr">
+                <a:lumMod val="99000"/>
+                <a:satMod val="120000"/>
+                <a:shade val="78000"/>
+              </a:schemeClr>
+            </a:gs>
+          </a:gsLst>
+          <a:lin ang="5400000" scaled="0"/>
+        </a:gradFill>
+      </a:fillStyleLst>
+      <a:lnStyleLst>
+        <a:ln w="6350" cap="flat" cmpd="sng" algn="ctr">
+          <a:solidFill>
+            <a:schemeClr val="phClr"/>
+          </a:solidFill>
+          <a:prstDash val="solid"/>
+          <a:miter lim="800000"/>
+        </a:ln>
+        <a:ln w="12700" cap="flat" cmpd="sng" algn="ctr">
+          <a:solidFill>
+            <a:schemeClr val="phClr"/>
+          </a:solidFill>
+          <a:prstDash val="solid"/>
+          <a:miter lim="800000"/>
+        </a:ln>
+        <a:ln w="19050" cap="flat" cmpd="sng" algn="ctr">
+          <a:solidFill>
+            <a:schemeClr val="phClr"/>
+          </a:solidFill>
+          <a:prstDash val="solid"/>
+          <a:miter lim="800000"/>
+        </a:ln>
+      </a:lnStyleLst>
+      <a:effectStyleLst>
+        <a:effectStyle>
+          <a:effectLst/>
+        </a:effectStyle>
+        <a:effectStyle>
+          <a:effectLst/>
+        </a:effectStyle>
+        <a:effectStyle>
+          <a:effectLst>
+            <a:outerShdw blurRad="57150" dist="19050" dir="5400000" algn="ctr" rotWithShape="0">
+              <a:srgbClr val="000000">
+                <a:alpha val="63000"/>
+              </a:srgbClr>
+            </a:outerShdw>
+          </a:effectLst>
+        </a:effectStyle>
+      </a:effectStyleLst>
+      <a:bgFillStyleLst>
+        <a:solidFill>
+          <a:schemeClr val="phClr"/>
+        </a:solidFill>
+        <a:solidFill>
+          <a:schemeClr val="phClr">
+            <a:tint val="95000"/>
+            <a:satMod val="170000"/>
+          </a:schemeClr>
+        </a:solidFill>
+        <a:gradFill rotWithShape="1">
+          <a:gsLst>
+            <a:gs pos="0">
+              <a:schemeClr val="phClr">
+                <a:tint val="93000"/>
+                <a:satMod val="150000"/>
+                <a:shade val="98000"/>
+                <a:lumMod val="102000"/>
+              </a:schemeClr>
+            </a:gs>
+            <a:gs pos="50000">
+              <a:schemeClr val="phClr">
+                <a:tint val="98000"/>
+                <a:satMod val="130000"/>
+                <a:shade val="90000"/>
+                <a:lumMod val="103000"/>
+              </a:schemeClr>
+            </a:gs>
+            <a:gs pos="100000">
+              <a:schemeClr val="phClr">
+                <a:shade val="63000"/>
+                <a:satMod val="120000"/>
+              </a:schemeClr>
+            </a:gs>
+          </a:gsLst>
+          <a:lin ang="5400000" scaled="0"/>
+        </a:gradFill>
+      </a:bgFillStyleLst>
+    </a:fmtScheme>
+  </a:themeElements>
   <a:extLst>
     <a:ext uri="{05A4C25C-085E-4340-85A3-A5531E510DB2}">
       <thm15:themeFamily xmlns:thm15="http://schemas.microsoft.com/office/thememl/2012/main" name="Office Theme" id="{62F939B6-93AF-4DB8-9C6B-D6C7DFDC589F}" vid="{4A3C46E8-61CC-4603-A589-7422A47A8E4A}"/>

--- a/slides/L11 State_transition.pptx
+++ b/slides/L11 State_transition.pptx
@@ -469,6 +469,50 @@
 </file>
 
 <file path=ppt/notesSlides/notesSlide1.xml><?xml version="1.0" encoding="utf-8"?>
+<p:notes xmlns:a="http://schemas.openxmlformats.org/drawingml/2006/main" xmlns:r="http://schemas.openxmlformats.org/officeDocument/2006/relationships" xmlns:p="http://schemas.openxmlformats.org/presentationml/2006/main">
+  <p:cSld>
+    <p:spTree>
+      <p:nvGrpSpPr>
+        <p:cNvPr id="1" name=""/>
+        <p:cNvGrpSpPr/>
+        <p:nvPr/>
+      </p:nvGrpSpPr>
+      <p:grpSpPr/>
+      <p:sp>
+        <p:nvSpPr>
+          <p:cNvPr id="2" name="Slide Image Placeholder 1"/>
+          <p:cNvSpPr/>
+          <p:nvPr>
+            <p:ph type="sldImg" idx="2"/>
+          </p:nvPr>
+        </p:nvSpPr>
+        <p:spPr/>
+      </p:sp>
+      <p:sp>
+        <p:nvSpPr>
+          <p:cNvPr id="3" name="Text Placeholder 2"/>
+          <p:cNvSpPr/>
+          <p:nvPr>
+            <p:ph type="body" idx="3"/>
+          </p:nvPr>
+        </p:nvSpPr>
+        <p:spPr/>
+        <p:txBody>
+          <a:bodyPr/>
+          <a:p>
+            <a:endParaRPr lang="en-US"/>
+          </a:p>
+        </p:txBody>
+      </p:sp>
+    </p:spTree>
+  </p:cSld>
+  <p:clrMapOvr>
+    <a:masterClrMapping/>
+  </p:clrMapOvr>
+</p:notes>
+</file>
+
+<file path=ppt/notesSlides/notesSlide2.xml><?xml version="1.0" encoding="utf-8"?>
 <p:notes xmlns:a="http://schemas.openxmlformats.org/drawingml/2006/main" xmlns:r="http://schemas.openxmlformats.org/officeDocument/2006/relationships" xmlns:p="http://schemas.openxmlformats.org/presentationml/2006/main">
   <p:cSld>
     <p:spTree>
@@ -8120,7 +8164,7 @@
           <a:p>
             <a:r>
               <a:rPr lang="en-US" sz="2800"/>
-              <a:t>Take the scenario where you want to log in to your online banking site. First, you have to load the online banking page, then go to the login page. Then you will enter the credentials and attempt to log in. If the credentials are correct you will be granted access. If they are incorrect you will be given another attempt. After 3 unsuccessful attempts, the Account will be blocked for safety reasons.</a:t>
+              <a:t>Take the scenario where you want to login to your online banking site. First, you have to load the online banking page, then go to the login page. Then you will enter the credentials and attempt to log in. If the credentials are correct you will be granted access. If they are incorrect you will be given another attempt. After 3 unsuccessful attempts, the Account will be blocked for safety reasons.</a:t>
             </a:r>
             <a:endParaRPr lang="en-US" sz="2800"/>
           </a:p>

--- a/slides/L11 State_transition.pptx
+++ b/slides/L11 State_transition.pptx
@@ -1,19 +1,19 @@
 
 <file path=ppt/presentation.xml><?xml version="1.0" encoding="utf-8"?>
-<p:presentation xmlns:a="http://schemas.openxmlformats.org/drawingml/2006/main" xmlns:r="http://schemas.openxmlformats.org/officeDocument/2006/relationships" xmlns:p="http://schemas.openxmlformats.org/presentationml/2006/main" saveSubsetFonts="1">
+<p:presentation xmlns:a="http://schemas.openxmlformats.org/drawingml/2006/main" xmlns:r="http://schemas.openxmlformats.org/officeDocument/2006/relationships" xmlns:p="http://schemas.openxmlformats.org/presentationml/2006/main">
   <p:sldMasterIdLst>
     <p:sldMasterId id="2147483648" r:id="rId1"/>
-    <p:sldMasterId id="2147483660" r:id="rId2"/>
+    <p:sldMasterId id="2147483660" r:id="rId3"/>
   </p:sldMasterIdLst>
   <p:sldIdLst>
-    <p:sldId id="256" r:id="rId3"/>
-    <p:sldId id="267" r:id="rId4"/>
+    <p:sldId id="256" r:id="rId4"/>
     <p:sldId id="295" r:id="rId5"/>
-    <p:sldId id="292" r:id="rId6"/>
-    <p:sldId id="293" r:id="rId7"/>
-    <p:sldId id="294" r:id="rId8"/>
-    <p:sldId id="296" r:id="rId9"/>
-    <p:sldId id="297" r:id="rId10"/>
+    <p:sldId id="267" r:id="rId6"/>
+    <p:sldId id="292" r:id="rId7"/>
+    <p:sldId id="293" r:id="rId8"/>
+    <p:sldId id="294" r:id="rId9"/>
+    <p:sldId id="296" r:id="rId10"/>
+    <p:sldId id="297" r:id="rId11"/>
   </p:sldIdLst>
   <p:sldSz cx="12192000" cy="6858000"/>
   <p:notesSz cx="6858000" cy="9144000"/>
@@ -112,11 +112,6 @@
       </a:defRPr>
     </a:lvl9pPr>
   </p:defaultTextStyle>
-  <p:extLst>
-    <p:ext uri="{EFAFB233-063F-42B5-8137-9DF3F51BA10A}">
-      <p15:sldGuideLst xmlns:p15="http://schemas.microsoft.com/office/powerpoint/2012/main"/>
-    </p:ext>
-  </p:extLst>
 </p:presentation>
 </file>
 
@@ -139,13 +134,7 @@
       </p:grpSpPr>
       <p:sp>
         <p:nvSpPr>
-          <p:cNvPr id="2" name="Title 1">
-            <a:extLst>
-              <a:ext uri="{FF2B5EF4-FFF2-40B4-BE49-F238E27FC236}">
-                <a16:creationId xmlns:a16="http://schemas.microsoft.com/office/drawing/2014/main" id="{FECBDFBB-FBE0-840C-E8B3-6AAA14EDB1B6}"/>
-              </a:ext>
-            </a:extLst>
-          </p:cNvPr>
+          <p:cNvPr id="2" name="Title 1"/>
           <p:cNvSpPr>
             <a:spLocks noGrp="1"/>
           </p:cNvSpPr>
@@ -171,18 +160,13 @@
               <a:rPr lang="en-US"/>
               <a:t>Click to edit Master title style</a:t>
             </a:r>
-          </a:p>
-        </p:txBody>
-      </p:sp>
-      <p:sp>
-        <p:nvSpPr>
-          <p:cNvPr id="3" name="Subtitle 2">
-            <a:extLst>
-              <a:ext uri="{FF2B5EF4-FFF2-40B4-BE49-F238E27FC236}">
-                <a16:creationId xmlns:a16="http://schemas.microsoft.com/office/drawing/2014/main" id="{A445EA6A-F6E5-9F07-3119-8E2F77E3ACA3}"/>
-              </a:ext>
-            </a:extLst>
-          </p:cNvPr>
+            <a:endParaRPr lang="en-US"/>
+          </a:p>
+        </p:txBody>
+      </p:sp>
+      <p:sp>
+        <p:nvSpPr>
+          <p:cNvPr id="3" name="Subtitle 2"/>
           <p:cNvSpPr>
             <a:spLocks noGrp="1"/>
           </p:cNvSpPr>
@@ -241,18 +225,13 @@
               <a:rPr lang="en-US"/>
               <a:t>Click to edit Master subtitle style</a:t>
             </a:r>
-          </a:p>
-        </p:txBody>
-      </p:sp>
-      <p:sp>
-        <p:nvSpPr>
-          <p:cNvPr id="4" name="Date Placeholder 3">
-            <a:extLst>
-              <a:ext uri="{FF2B5EF4-FFF2-40B4-BE49-F238E27FC236}">
-                <a16:creationId xmlns:a16="http://schemas.microsoft.com/office/drawing/2014/main" id="{8B34CC40-0629-00BD-629C-83CDC8C5806C}"/>
-              </a:ext>
-            </a:extLst>
-          </p:cNvPr>
+            <a:endParaRPr lang="en-US"/>
+          </a:p>
+        </p:txBody>
+      </p:sp>
+      <p:sp>
+        <p:nvSpPr>
+          <p:cNvPr id="4" name="Date Placeholder 3"/>
           <p:cNvSpPr>
             <a:spLocks noGrp="1"/>
           </p:cNvSpPr>
@@ -267,7 +246,6 @@
           <a:p>
             <a:fld id="{E965B5F8-2D56-4E8E-8AA3-31DB237BD4B3}" type="datetimeFigureOut">
               <a:rPr lang="en-US" smtClean="0"/>
-              <a:t>3/24/2024</a:t>
             </a:fld>
             <a:endParaRPr lang="en-US"/>
           </a:p>
@@ -275,13 +253,7 @@
       </p:sp>
       <p:sp>
         <p:nvSpPr>
-          <p:cNvPr id="5" name="Footer Placeholder 4">
-            <a:extLst>
-              <a:ext uri="{FF2B5EF4-FFF2-40B4-BE49-F238E27FC236}">
-                <a16:creationId xmlns:a16="http://schemas.microsoft.com/office/drawing/2014/main" id="{23DDDBC0-2B4B-6E83-4FD7-33629CCADB4E}"/>
-              </a:ext>
-            </a:extLst>
-          </p:cNvPr>
+          <p:cNvPr id="5" name="Footer Placeholder 4"/>
           <p:cNvSpPr>
             <a:spLocks noGrp="1"/>
           </p:cNvSpPr>
@@ -300,13 +272,7 @@
       </p:sp>
       <p:sp>
         <p:nvSpPr>
-          <p:cNvPr id="6" name="Slide Number Placeholder 5">
-            <a:extLst>
-              <a:ext uri="{FF2B5EF4-FFF2-40B4-BE49-F238E27FC236}">
-                <a16:creationId xmlns:a16="http://schemas.microsoft.com/office/drawing/2014/main" id="{507060BE-1743-BAFE-F4E9-ED961D15942C}"/>
-              </a:ext>
-            </a:extLst>
-          </p:cNvPr>
+          <p:cNvPr id="6" name="Slide Number Placeholder 5"/>
           <p:cNvSpPr>
             <a:spLocks noGrp="1"/>
           </p:cNvSpPr>
@@ -321,18 +287,12 @@
           <a:p>
             <a:fld id="{7BDE8A2B-3E39-4986-99F3-7A821D1A3D7B}" type="slidenum">
               <a:rPr lang="en-US" smtClean="0"/>
-              <a:t>‹#›</a:t>
             </a:fld>
             <a:endParaRPr lang="en-US"/>
           </a:p>
         </p:txBody>
       </p:sp>
     </p:spTree>
-    <p:extLst>
-      <p:ext uri="{BB962C8B-B14F-4D97-AF65-F5344CB8AC3E}">
-        <p14:creationId xmlns:p14="http://schemas.microsoft.com/office/powerpoint/2010/main" val="404283311"/>
-      </p:ext>
-    </p:extLst>
   </p:cSld>
   <p:clrMapOvr>
     <a:masterClrMapping/>
@@ -359,13 +319,7 @@
       </p:grpSpPr>
       <p:sp>
         <p:nvSpPr>
-          <p:cNvPr id="2" name="Title 1">
-            <a:extLst>
-              <a:ext uri="{FF2B5EF4-FFF2-40B4-BE49-F238E27FC236}">
-                <a16:creationId xmlns:a16="http://schemas.microsoft.com/office/drawing/2014/main" id="{9B1CEBB8-20EE-CEF2-7B81-FBF9D21E1234}"/>
-              </a:ext>
-            </a:extLst>
-          </p:cNvPr>
+          <p:cNvPr id="2" name="Title 1"/>
           <p:cNvSpPr>
             <a:spLocks noGrp="1"/>
           </p:cNvSpPr>
@@ -382,18 +336,13 @@
               <a:rPr lang="en-US"/>
               <a:t>Click to edit Master title style</a:t>
             </a:r>
-          </a:p>
-        </p:txBody>
-      </p:sp>
-      <p:sp>
-        <p:nvSpPr>
-          <p:cNvPr id="3" name="Vertical Text Placeholder 2">
-            <a:extLst>
-              <a:ext uri="{FF2B5EF4-FFF2-40B4-BE49-F238E27FC236}">
-                <a16:creationId xmlns:a16="http://schemas.microsoft.com/office/drawing/2014/main" id="{41D64C72-3223-093C-5751-57654996FB6F}"/>
-              </a:ext>
-            </a:extLst>
-          </p:cNvPr>
+            <a:endParaRPr lang="en-US"/>
+          </a:p>
+        </p:txBody>
+      </p:sp>
+      <p:sp>
+        <p:nvSpPr>
+          <p:cNvPr id="3" name="Vertical Text Placeholder 2"/>
           <p:cNvSpPr>
             <a:spLocks noGrp="1"/>
           </p:cNvSpPr>
@@ -411,6 +360,7 @@
               <a:rPr lang="en-US"/>
               <a:t>Click to edit Master text styles</a:t>
             </a:r>
+            <a:endParaRPr lang="en-US"/>
           </a:p>
           <a:p>
             <a:pPr lvl="1"/>
@@ -418,6 +368,7 @@
               <a:rPr lang="en-US"/>
               <a:t>Second level</a:t>
             </a:r>
+            <a:endParaRPr lang="en-US"/>
           </a:p>
           <a:p>
             <a:pPr lvl="2"/>
@@ -425,6 +376,7 @@
               <a:rPr lang="en-US"/>
               <a:t>Third level</a:t>
             </a:r>
+            <a:endParaRPr lang="en-US"/>
           </a:p>
           <a:p>
             <a:pPr lvl="3"/>
@@ -432,6 +384,7 @@
               <a:rPr lang="en-US"/>
               <a:t>Fourth level</a:t>
             </a:r>
+            <a:endParaRPr lang="en-US"/>
           </a:p>
           <a:p>
             <a:pPr lvl="4"/>
@@ -439,18 +392,13 @@
               <a:rPr lang="en-US"/>
               <a:t>Fifth level</a:t>
             </a:r>
-          </a:p>
-        </p:txBody>
-      </p:sp>
-      <p:sp>
-        <p:nvSpPr>
-          <p:cNvPr id="4" name="Date Placeholder 3">
-            <a:extLst>
-              <a:ext uri="{FF2B5EF4-FFF2-40B4-BE49-F238E27FC236}">
-                <a16:creationId xmlns:a16="http://schemas.microsoft.com/office/drawing/2014/main" id="{173FE45D-D8B5-2307-0B47-6C5D8A9E8BF6}"/>
-              </a:ext>
-            </a:extLst>
-          </p:cNvPr>
+            <a:endParaRPr lang="en-US"/>
+          </a:p>
+        </p:txBody>
+      </p:sp>
+      <p:sp>
+        <p:nvSpPr>
+          <p:cNvPr id="4" name="Date Placeholder 3"/>
           <p:cNvSpPr>
             <a:spLocks noGrp="1"/>
           </p:cNvSpPr>
@@ -465,7 +413,6 @@
           <a:p>
             <a:fld id="{E965B5F8-2D56-4E8E-8AA3-31DB237BD4B3}" type="datetimeFigureOut">
               <a:rPr lang="en-US" smtClean="0"/>
-              <a:t>3/24/2024</a:t>
             </a:fld>
             <a:endParaRPr lang="en-US"/>
           </a:p>
@@ -473,13 +420,7 @@
       </p:sp>
       <p:sp>
         <p:nvSpPr>
-          <p:cNvPr id="5" name="Footer Placeholder 4">
-            <a:extLst>
-              <a:ext uri="{FF2B5EF4-FFF2-40B4-BE49-F238E27FC236}">
-                <a16:creationId xmlns:a16="http://schemas.microsoft.com/office/drawing/2014/main" id="{8358E567-EE7A-3326-F81C-77496F5A90D9}"/>
-              </a:ext>
-            </a:extLst>
-          </p:cNvPr>
+          <p:cNvPr id="5" name="Footer Placeholder 4"/>
           <p:cNvSpPr>
             <a:spLocks noGrp="1"/>
           </p:cNvSpPr>
@@ -498,13 +439,7 @@
       </p:sp>
       <p:sp>
         <p:nvSpPr>
-          <p:cNvPr id="6" name="Slide Number Placeholder 5">
-            <a:extLst>
-              <a:ext uri="{FF2B5EF4-FFF2-40B4-BE49-F238E27FC236}">
-                <a16:creationId xmlns:a16="http://schemas.microsoft.com/office/drawing/2014/main" id="{2128DF0E-4D12-E10C-682E-66341F58B87E}"/>
-              </a:ext>
-            </a:extLst>
-          </p:cNvPr>
+          <p:cNvPr id="6" name="Slide Number Placeholder 5"/>
           <p:cNvSpPr>
             <a:spLocks noGrp="1"/>
           </p:cNvSpPr>
@@ -519,18 +454,12 @@
           <a:p>
             <a:fld id="{7BDE8A2B-3E39-4986-99F3-7A821D1A3D7B}" type="slidenum">
               <a:rPr lang="en-US" smtClean="0"/>
-              <a:t>‹#›</a:t>
             </a:fld>
             <a:endParaRPr lang="en-US"/>
           </a:p>
         </p:txBody>
       </p:sp>
     </p:spTree>
-    <p:extLst>
-      <p:ext uri="{BB962C8B-B14F-4D97-AF65-F5344CB8AC3E}">
-        <p14:creationId xmlns:p14="http://schemas.microsoft.com/office/powerpoint/2010/main" val="3397615435"/>
-      </p:ext>
-    </p:extLst>
   </p:cSld>
   <p:clrMapOvr>
     <a:masterClrMapping/>
@@ -557,13 +486,7 @@
       </p:grpSpPr>
       <p:sp>
         <p:nvSpPr>
-          <p:cNvPr id="2" name="Vertical Title 1">
-            <a:extLst>
-              <a:ext uri="{FF2B5EF4-FFF2-40B4-BE49-F238E27FC236}">
-                <a16:creationId xmlns:a16="http://schemas.microsoft.com/office/drawing/2014/main" id="{89BAD418-89DE-249C-1EC2-FF361334DC56}"/>
-              </a:ext>
-            </a:extLst>
-          </p:cNvPr>
+          <p:cNvPr id="2" name="Vertical Title 1"/>
           <p:cNvSpPr>
             <a:spLocks noGrp="1"/>
           </p:cNvSpPr>
@@ -585,18 +508,13 @@
               <a:rPr lang="en-US"/>
               <a:t>Click to edit Master title style</a:t>
             </a:r>
-          </a:p>
-        </p:txBody>
-      </p:sp>
-      <p:sp>
-        <p:nvSpPr>
-          <p:cNvPr id="3" name="Vertical Text Placeholder 2">
-            <a:extLst>
-              <a:ext uri="{FF2B5EF4-FFF2-40B4-BE49-F238E27FC236}">
-                <a16:creationId xmlns:a16="http://schemas.microsoft.com/office/drawing/2014/main" id="{C32D1078-97DD-14DE-81AA-63068BC94F42}"/>
-              </a:ext>
-            </a:extLst>
-          </p:cNvPr>
+            <a:endParaRPr lang="en-US"/>
+          </a:p>
+        </p:txBody>
+      </p:sp>
+      <p:sp>
+        <p:nvSpPr>
+          <p:cNvPr id="3" name="Vertical Text Placeholder 2"/>
           <p:cNvSpPr>
             <a:spLocks noGrp="1"/>
           </p:cNvSpPr>
@@ -619,6 +537,7 @@
               <a:rPr lang="en-US"/>
               <a:t>Click to edit Master text styles</a:t>
             </a:r>
+            <a:endParaRPr lang="en-US"/>
           </a:p>
           <a:p>
             <a:pPr lvl="1"/>
@@ -626,6 +545,7 @@
               <a:rPr lang="en-US"/>
               <a:t>Second level</a:t>
             </a:r>
+            <a:endParaRPr lang="en-US"/>
           </a:p>
           <a:p>
             <a:pPr lvl="2"/>
@@ -633,6 +553,7 @@
               <a:rPr lang="en-US"/>
               <a:t>Third level</a:t>
             </a:r>
+            <a:endParaRPr lang="en-US"/>
           </a:p>
           <a:p>
             <a:pPr lvl="3"/>
@@ -640,6 +561,7 @@
               <a:rPr lang="en-US"/>
               <a:t>Fourth level</a:t>
             </a:r>
+            <a:endParaRPr lang="en-US"/>
           </a:p>
           <a:p>
             <a:pPr lvl="4"/>
@@ -647,18 +569,13 @@
               <a:rPr lang="en-US"/>
               <a:t>Fifth level</a:t>
             </a:r>
-          </a:p>
-        </p:txBody>
-      </p:sp>
-      <p:sp>
-        <p:nvSpPr>
-          <p:cNvPr id="4" name="Date Placeholder 3">
-            <a:extLst>
-              <a:ext uri="{FF2B5EF4-FFF2-40B4-BE49-F238E27FC236}">
-                <a16:creationId xmlns:a16="http://schemas.microsoft.com/office/drawing/2014/main" id="{6E53E1FE-D11B-3A0D-B11B-27365ECE96B7}"/>
-              </a:ext>
-            </a:extLst>
-          </p:cNvPr>
+            <a:endParaRPr lang="en-US"/>
+          </a:p>
+        </p:txBody>
+      </p:sp>
+      <p:sp>
+        <p:nvSpPr>
+          <p:cNvPr id="4" name="Date Placeholder 3"/>
           <p:cNvSpPr>
             <a:spLocks noGrp="1"/>
           </p:cNvSpPr>
@@ -673,7 +590,6 @@
           <a:p>
             <a:fld id="{E965B5F8-2D56-4E8E-8AA3-31DB237BD4B3}" type="datetimeFigureOut">
               <a:rPr lang="en-US" smtClean="0"/>
-              <a:t>3/24/2024</a:t>
             </a:fld>
             <a:endParaRPr lang="en-US"/>
           </a:p>
@@ -681,13 +597,7 @@
       </p:sp>
       <p:sp>
         <p:nvSpPr>
-          <p:cNvPr id="5" name="Footer Placeholder 4">
-            <a:extLst>
-              <a:ext uri="{FF2B5EF4-FFF2-40B4-BE49-F238E27FC236}">
-                <a16:creationId xmlns:a16="http://schemas.microsoft.com/office/drawing/2014/main" id="{23A6E786-91B3-B016-5B3C-9875C929925B}"/>
-              </a:ext>
-            </a:extLst>
-          </p:cNvPr>
+          <p:cNvPr id="5" name="Footer Placeholder 4"/>
           <p:cNvSpPr>
             <a:spLocks noGrp="1"/>
           </p:cNvSpPr>
@@ -706,13 +616,7 @@
       </p:sp>
       <p:sp>
         <p:nvSpPr>
-          <p:cNvPr id="6" name="Slide Number Placeholder 5">
-            <a:extLst>
-              <a:ext uri="{FF2B5EF4-FFF2-40B4-BE49-F238E27FC236}">
-                <a16:creationId xmlns:a16="http://schemas.microsoft.com/office/drawing/2014/main" id="{4418CB56-8E5A-F662-796D-9A3D837AC386}"/>
-              </a:ext>
-            </a:extLst>
-          </p:cNvPr>
+          <p:cNvPr id="6" name="Slide Number Placeholder 5"/>
           <p:cNvSpPr>
             <a:spLocks noGrp="1"/>
           </p:cNvSpPr>
@@ -727,18 +631,12 @@
           <a:p>
             <a:fld id="{7BDE8A2B-3E39-4986-99F3-7A821D1A3D7B}" type="slidenum">
               <a:rPr lang="en-US" smtClean="0"/>
-              <a:t>‹#›</a:t>
             </a:fld>
             <a:endParaRPr lang="en-US"/>
           </a:p>
         </p:txBody>
       </p:sp>
     </p:spTree>
-    <p:extLst>
-      <p:ext uri="{BB962C8B-B14F-4D97-AF65-F5344CB8AC3E}">
-        <p14:creationId xmlns:p14="http://schemas.microsoft.com/office/powerpoint/2010/main" val="3978030806"/>
-      </p:ext>
-    </p:extLst>
   </p:cSld>
   <p:clrMapOvr>
     <a:masterClrMapping/>
@@ -787,6 +685,7 @@
               <a:rPr lang="en-US"/>
               <a:t>Click to edit Master title style</a:t>
             </a:r>
+            <a:endParaRPr lang="en-US"/>
           </a:p>
         </p:txBody>
       </p:sp>
@@ -905,6 +804,7 @@
               <a:rPr lang="en-US"/>
               <a:t>Click to edit Master subtitle style</a:t>
             </a:r>
+            <a:endParaRPr lang="en-US"/>
           </a:p>
         </p:txBody>
       </p:sp>
@@ -928,10 +828,6 @@
             </a:pPr>
             <a:fld id="{B42C9122-BF34-435C-A61B-D2201D289E11}" type="datetimeFigureOut">
               <a:rPr lang="en-US" smtClean="0"/>
-              <a:pPr>
-                <a:defRPr/>
-              </a:pPr>
-              <a:t>3/24/2024</a:t>
             </a:fld>
             <a:endParaRPr lang="en-US"/>
           </a:p>
@@ -979,7 +875,6 @@
             </a:pPr>
             <a:fld id="{9A0DB2DC-4C9A-4742-B13C-FB6460FD3503}" type="slidenum">
               <a:rPr lang="en-US" dirty="0"/>
-              <a:t>‹#›</a:t>
             </a:fld>
             <a:endParaRPr lang="en-US" dirty="0">
               <a:latin typeface="Arial" panose="020B0604020202020204" pitchFamily="34" charset="0"/>
@@ -988,11 +883,6 @@
         </p:txBody>
       </p:sp>
     </p:spTree>
-    <p:extLst>
-      <p:ext uri="{BB962C8B-B14F-4D97-AF65-F5344CB8AC3E}">
-        <p14:creationId xmlns:p14="http://schemas.microsoft.com/office/powerpoint/2010/main" val="812739380"/>
-      </p:ext>
-    </p:extLst>
   </p:cSld>
   <p:clrMapOvr>
     <a:masterClrMapping/>
@@ -1036,6 +926,7 @@
               <a:rPr lang="en-US"/>
               <a:t>Click to edit Master title style</a:t>
             </a:r>
+            <a:endParaRPr lang="en-US"/>
           </a:p>
         </p:txBody>
       </p:sp>
@@ -1059,6 +950,7 @@
               <a:rPr lang="en-US"/>
               <a:t>Click to edit Master text styles</a:t>
             </a:r>
+            <a:endParaRPr lang="en-US"/>
           </a:p>
           <a:p>
             <a:pPr lvl="1"/>
@@ -1066,6 +958,7 @@
               <a:rPr lang="en-US"/>
               <a:t>Second level</a:t>
             </a:r>
+            <a:endParaRPr lang="en-US"/>
           </a:p>
           <a:p>
             <a:pPr lvl="2"/>
@@ -1073,6 +966,7 @@
               <a:rPr lang="en-US"/>
               <a:t>Third level</a:t>
             </a:r>
+            <a:endParaRPr lang="en-US"/>
           </a:p>
           <a:p>
             <a:pPr lvl="3"/>
@@ -1080,6 +974,7 @@
               <a:rPr lang="en-US"/>
               <a:t>Fourth level</a:t>
             </a:r>
+            <a:endParaRPr lang="en-US"/>
           </a:p>
           <a:p>
             <a:pPr lvl="4"/>
@@ -1087,6 +982,7 @@
               <a:rPr lang="en-US"/>
               <a:t>Fifth level</a:t>
             </a:r>
+            <a:endParaRPr lang="en-US"/>
           </a:p>
         </p:txBody>
       </p:sp>
@@ -1110,10 +1006,6 @@
             </a:pPr>
             <a:fld id="{B42C9122-BF34-435C-A61B-D2201D289E11}" type="datetimeFigureOut">
               <a:rPr lang="en-US" smtClean="0"/>
-              <a:pPr>
-                <a:defRPr/>
-              </a:pPr>
-              <a:t>3/24/2024</a:t>
             </a:fld>
             <a:endParaRPr lang="en-US"/>
           </a:p>
@@ -1161,7 +1053,6 @@
             </a:pPr>
             <a:fld id="{9A0DB2DC-4C9A-4742-B13C-FB6460FD3503}" type="slidenum">
               <a:rPr lang="en-US" dirty="0"/>
-              <a:t>‹#›</a:t>
             </a:fld>
             <a:endParaRPr lang="en-US" dirty="0">
               <a:latin typeface="Arial" panose="020B0604020202020204" pitchFamily="34" charset="0"/>
@@ -1170,11 +1061,6 @@
         </p:txBody>
       </p:sp>
     </p:spTree>
-    <p:extLst>
-      <p:ext uri="{BB962C8B-B14F-4D97-AF65-F5344CB8AC3E}">
-        <p14:creationId xmlns:p14="http://schemas.microsoft.com/office/powerpoint/2010/main" val="1462632243"/>
-      </p:ext>
-    </p:extLst>
   </p:cSld>
   <p:clrMapOvr>
     <a:masterClrMapping/>
@@ -1227,6 +1113,7 @@
               <a:rPr lang="en-US"/>
               <a:t>Click to edit Master title style</a:t>
             </a:r>
+            <a:endParaRPr lang="en-US"/>
           </a:p>
         </p:txBody>
       </p:sp>
@@ -1346,6 +1233,7 @@
               <a:rPr lang="en-US"/>
               <a:t>Click to edit Master text styles</a:t>
             </a:r>
+            <a:endParaRPr lang="en-US"/>
           </a:p>
         </p:txBody>
       </p:sp>
@@ -1369,10 +1257,6 @@
             </a:pPr>
             <a:fld id="{B42C9122-BF34-435C-A61B-D2201D289E11}" type="datetimeFigureOut">
               <a:rPr lang="en-US" smtClean="0"/>
-              <a:pPr>
-                <a:defRPr/>
-              </a:pPr>
-              <a:t>3/24/2024</a:t>
             </a:fld>
             <a:endParaRPr lang="en-US"/>
           </a:p>
@@ -1420,7 +1304,6 @@
             </a:pPr>
             <a:fld id="{9A0DB2DC-4C9A-4742-B13C-FB6460FD3503}" type="slidenum">
               <a:rPr lang="en-US" dirty="0"/>
-              <a:t>‹#›</a:t>
             </a:fld>
             <a:endParaRPr lang="en-US" dirty="0">
               <a:latin typeface="Arial" panose="020B0604020202020204" pitchFamily="34" charset="0"/>
@@ -1429,11 +1312,6 @@
         </p:txBody>
       </p:sp>
     </p:spTree>
-    <p:extLst>
-      <p:ext uri="{BB962C8B-B14F-4D97-AF65-F5344CB8AC3E}">
-        <p14:creationId xmlns:p14="http://schemas.microsoft.com/office/powerpoint/2010/main" val="1612586095"/>
-      </p:ext>
-    </p:extLst>
   </p:cSld>
   <p:clrMapOvr>
     <a:masterClrMapping/>
@@ -1477,6 +1355,7 @@
               <a:rPr lang="en-US"/>
               <a:t>Click to edit Master title style</a:t>
             </a:r>
+            <a:endParaRPr lang="en-US"/>
           </a:p>
         </p:txBody>
       </p:sp>
@@ -1533,6 +1412,7 @@
               <a:rPr lang="en-US"/>
               <a:t>Click to edit Master text styles</a:t>
             </a:r>
+            <a:endParaRPr lang="en-US"/>
           </a:p>
           <a:p>
             <a:pPr lvl="1"/>
@@ -1540,6 +1420,7 @@
               <a:rPr lang="en-US"/>
               <a:t>Second level</a:t>
             </a:r>
+            <a:endParaRPr lang="en-US"/>
           </a:p>
           <a:p>
             <a:pPr lvl="2"/>
@@ -1547,6 +1428,7 @@
               <a:rPr lang="en-US"/>
               <a:t>Third level</a:t>
             </a:r>
+            <a:endParaRPr lang="en-US"/>
           </a:p>
           <a:p>
             <a:pPr lvl="3"/>
@@ -1554,6 +1436,7 @@
               <a:rPr lang="en-US"/>
               <a:t>Fourth level</a:t>
             </a:r>
+            <a:endParaRPr lang="en-US"/>
           </a:p>
           <a:p>
             <a:pPr lvl="4"/>
@@ -1561,6 +1444,7 @@
               <a:rPr lang="en-US"/>
               <a:t>Fifth level</a:t>
             </a:r>
+            <a:endParaRPr lang="en-US"/>
           </a:p>
         </p:txBody>
       </p:sp>
@@ -1617,6 +1501,7 @@
               <a:rPr lang="en-US"/>
               <a:t>Click to edit Master text styles</a:t>
             </a:r>
+            <a:endParaRPr lang="en-US"/>
           </a:p>
           <a:p>
             <a:pPr lvl="1"/>
@@ -1624,6 +1509,7 @@
               <a:rPr lang="en-US"/>
               <a:t>Second level</a:t>
             </a:r>
+            <a:endParaRPr lang="en-US"/>
           </a:p>
           <a:p>
             <a:pPr lvl="2"/>
@@ -1631,6 +1517,7 @@
               <a:rPr lang="en-US"/>
               <a:t>Third level</a:t>
             </a:r>
+            <a:endParaRPr lang="en-US"/>
           </a:p>
           <a:p>
             <a:pPr lvl="3"/>
@@ -1638,6 +1525,7 @@
               <a:rPr lang="en-US"/>
               <a:t>Fourth level</a:t>
             </a:r>
+            <a:endParaRPr lang="en-US"/>
           </a:p>
           <a:p>
             <a:pPr lvl="4"/>
@@ -1645,6 +1533,7 @@
               <a:rPr lang="en-US"/>
               <a:t>Fifth level</a:t>
             </a:r>
+            <a:endParaRPr lang="en-US"/>
           </a:p>
         </p:txBody>
       </p:sp>
@@ -1668,10 +1557,6 @@
             </a:pPr>
             <a:fld id="{B42C9122-BF34-435C-A61B-D2201D289E11}" type="datetimeFigureOut">
               <a:rPr lang="en-US" smtClean="0"/>
-              <a:pPr>
-                <a:defRPr/>
-              </a:pPr>
-              <a:t>3/24/2024</a:t>
             </a:fld>
             <a:endParaRPr lang="en-US"/>
           </a:p>
@@ -1719,7 +1604,6 @@
             </a:pPr>
             <a:fld id="{9A0DB2DC-4C9A-4742-B13C-FB6460FD3503}" type="slidenum">
               <a:rPr lang="en-US" dirty="0"/>
-              <a:t>‹#›</a:t>
             </a:fld>
             <a:endParaRPr lang="en-US" dirty="0">
               <a:latin typeface="Arial" panose="020B0604020202020204" pitchFamily="34" charset="0"/>
@@ -1728,11 +1612,6 @@
         </p:txBody>
       </p:sp>
     </p:spTree>
-    <p:extLst>
-      <p:ext uri="{BB962C8B-B14F-4D97-AF65-F5344CB8AC3E}">
-        <p14:creationId xmlns:p14="http://schemas.microsoft.com/office/powerpoint/2010/main" val="1891143240"/>
-      </p:ext>
-    </p:extLst>
   </p:cSld>
   <p:clrMapOvr>
     <a:masterClrMapping/>
@@ -1780,6 +1659,7 @@
               <a:rPr lang="en-US"/>
               <a:t>Click to edit Master title style</a:t>
             </a:r>
+            <a:endParaRPr lang="en-US"/>
           </a:p>
         </p:txBody>
       </p:sp>
@@ -1845,6 +1725,7 @@
               <a:rPr lang="en-US"/>
               <a:t>Click to edit Master text styles</a:t>
             </a:r>
+            <a:endParaRPr lang="en-US"/>
           </a:p>
         </p:txBody>
       </p:sp>
@@ -1901,6 +1782,7 @@
               <a:rPr lang="en-US"/>
               <a:t>Click to edit Master text styles</a:t>
             </a:r>
+            <a:endParaRPr lang="en-US"/>
           </a:p>
           <a:p>
             <a:pPr lvl="1"/>
@@ -1908,6 +1790,7 @@
               <a:rPr lang="en-US"/>
               <a:t>Second level</a:t>
             </a:r>
+            <a:endParaRPr lang="en-US"/>
           </a:p>
           <a:p>
             <a:pPr lvl="2"/>
@@ -1915,6 +1798,7 @@
               <a:rPr lang="en-US"/>
               <a:t>Third level</a:t>
             </a:r>
+            <a:endParaRPr lang="en-US"/>
           </a:p>
           <a:p>
             <a:pPr lvl="3"/>
@@ -1922,6 +1806,7 @@
               <a:rPr lang="en-US"/>
               <a:t>Fourth level</a:t>
             </a:r>
+            <a:endParaRPr lang="en-US"/>
           </a:p>
           <a:p>
             <a:pPr lvl="4"/>
@@ -1929,6 +1814,7 @@
               <a:rPr lang="en-US"/>
               <a:t>Fifth level</a:t>
             </a:r>
+            <a:endParaRPr lang="en-US"/>
           </a:p>
         </p:txBody>
       </p:sp>
@@ -1994,6 +1880,7 @@
               <a:rPr lang="en-US"/>
               <a:t>Click to edit Master text styles</a:t>
             </a:r>
+            <a:endParaRPr lang="en-US"/>
           </a:p>
         </p:txBody>
       </p:sp>
@@ -2050,6 +1937,7 @@
               <a:rPr lang="en-US"/>
               <a:t>Click to edit Master text styles</a:t>
             </a:r>
+            <a:endParaRPr lang="en-US"/>
           </a:p>
           <a:p>
             <a:pPr lvl="1"/>
@@ -2057,6 +1945,7 @@
               <a:rPr lang="en-US"/>
               <a:t>Second level</a:t>
             </a:r>
+            <a:endParaRPr lang="en-US"/>
           </a:p>
           <a:p>
             <a:pPr lvl="2"/>
@@ -2064,6 +1953,7 @@
               <a:rPr lang="en-US"/>
               <a:t>Third level</a:t>
             </a:r>
+            <a:endParaRPr lang="en-US"/>
           </a:p>
           <a:p>
             <a:pPr lvl="3"/>
@@ -2071,6 +1961,7 @@
               <a:rPr lang="en-US"/>
               <a:t>Fourth level</a:t>
             </a:r>
+            <a:endParaRPr lang="en-US"/>
           </a:p>
           <a:p>
             <a:pPr lvl="4"/>
@@ -2078,6 +1969,7 @@
               <a:rPr lang="en-US"/>
               <a:t>Fifth level</a:t>
             </a:r>
+            <a:endParaRPr lang="en-US"/>
           </a:p>
         </p:txBody>
       </p:sp>
@@ -2101,10 +1993,6 @@
             </a:pPr>
             <a:fld id="{B42C9122-BF34-435C-A61B-D2201D289E11}" type="datetimeFigureOut">
               <a:rPr lang="en-US" smtClean="0"/>
-              <a:pPr>
-                <a:defRPr/>
-              </a:pPr>
-              <a:t>3/24/2024</a:t>
             </a:fld>
             <a:endParaRPr lang="en-US"/>
           </a:p>
@@ -2152,7 +2040,6 @@
             </a:pPr>
             <a:fld id="{9A0DB2DC-4C9A-4742-B13C-FB6460FD3503}" type="slidenum">
               <a:rPr lang="en-US" dirty="0"/>
-              <a:t>‹#›</a:t>
             </a:fld>
             <a:endParaRPr lang="en-US" dirty="0">
               <a:latin typeface="Arial" panose="020B0604020202020204" pitchFamily="34" charset="0"/>
@@ -2161,11 +2048,6 @@
         </p:txBody>
       </p:sp>
     </p:spTree>
-    <p:extLst>
-      <p:ext uri="{BB962C8B-B14F-4D97-AF65-F5344CB8AC3E}">
-        <p14:creationId xmlns:p14="http://schemas.microsoft.com/office/powerpoint/2010/main" val="1611154728"/>
-      </p:ext>
-    </p:extLst>
   </p:cSld>
   <p:clrMapOvr>
     <a:masterClrMapping/>
@@ -2209,6 +2091,7 @@
               <a:rPr lang="en-US"/>
               <a:t>Click to edit Master title style</a:t>
             </a:r>
+            <a:endParaRPr lang="en-US"/>
           </a:p>
         </p:txBody>
       </p:sp>
@@ -2232,10 +2115,6 @@
             </a:pPr>
             <a:fld id="{B42C9122-BF34-435C-A61B-D2201D289E11}" type="datetimeFigureOut">
               <a:rPr lang="en-US" smtClean="0"/>
-              <a:pPr>
-                <a:defRPr/>
-              </a:pPr>
-              <a:t>3/24/2024</a:t>
             </a:fld>
             <a:endParaRPr lang="en-US"/>
           </a:p>
@@ -2283,7 +2162,6 @@
             </a:pPr>
             <a:fld id="{9A0DB2DC-4C9A-4742-B13C-FB6460FD3503}" type="slidenum">
               <a:rPr lang="en-US" dirty="0"/>
-              <a:t>‹#›</a:t>
             </a:fld>
             <a:endParaRPr lang="en-US" dirty="0">
               <a:latin typeface="Arial" panose="020B0604020202020204" pitchFamily="34" charset="0"/>
@@ -2292,11 +2170,6 @@
         </p:txBody>
       </p:sp>
     </p:spTree>
-    <p:extLst>
-      <p:ext uri="{BB962C8B-B14F-4D97-AF65-F5344CB8AC3E}">
-        <p14:creationId xmlns:p14="http://schemas.microsoft.com/office/powerpoint/2010/main" val="1579023645"/>
-      </p:ext>
-    </p:extLst>
   </p:cSld>
   <p:clrMapOvr>
     <a:masterClrMapping/>
@@ -2341,10 +2214,6 @@
             </a:pPr>
             <a:fld id="{B42C9122-BF34-435C-A61B-D2201D289E11}" type="datetimeFigureOut">
               <a:rPr lang="en-US" smtClean="0"/>
-              <a:pPr>
-                <a:defRPr/>
-              </a:pPr>
-              <a:t>3/24/2024</a:t>
             </a:fld>
             <a:endParaRPr lang="en-US"/>
           </a:p>
@@ -2392,7 +2261,6 @@
             </a:pPr>
             <a:fld id="{9A0DB2DC-4C9A-4742-B13C-FB6460FD3503}" type="slidenum">
               <a:rPr lang="en-US" dirty="0"/>
-              <a:t>‹#›</a:t>
             </a:fld>
             <a:endParaRPr lang="en-US" dirty="0">
               <a:latin typeface="Arial" panose="020B0604020202020204" pitchFamily="34" charset="0"/>
@@ -2401,11 +2269,6 @@
         </p:txBody>
       </p:sp>
     </p:spTree>
-    <p:extLst>
-      <p:ext uri="{BB962C8B-B14F-4D97-AF65-F5344CB8AC3E}">
-        <p14:creationId xmlns:p14="http://schemas.microsoft.com/office/powerpoint/2010/main" val="4172699612"/>
-      </p:ext>
-    </p:extLst>
   </p:cSld>
   <p:clrMapOvr>
     <a:masterClrMapping/>
@@ -2458,6 +2321,7 @@
               <a:rPr lang="en-US"/>
               <a:t>Click to edit Master title style</a:t>
             </a:r>
+            <a:endParaRPr lang="en-US"/>
           </a:p>
         </p:txBody>
       </p:sp>
@@ -2514,6 +2378,7 @@
               <a:rPr lang="en-US"/>
               <a:t>Click to edit Master text styles</a:t>
             </a:r>
+            <a:endParaRPr lang="en-US"/>
           </a:p>
           <a:p>
             <a:pPr lvl="1"/>
@@ -2521,6 +2386,7 @@
               <a:rPr lang="en-US"/>
               <a:t>Second level</a:t>
             </a:r>
+            <a:endParaRPr lang="en-US"/>
           </a:p>
           <a:p>
             <a:pPr lvl="2"/>
@@ -2528,6 +2394,7 @@
               <a:rPr lang="en-US"/>
               <a:t>Third level</a:t>
             </a:r>
+            <a:endParaRPr lang="en-US"/>
           </a:p>
           <a:p>
             <a:pPr lvl="3"/>
@@ -2535,6 +2402,7 @@
               <a:rPr lang="en-US"/>
               <a:t>Fourth level</a:t>
             </a:r>
+            <a:endParaRPr lang="en-US"/>
           </a:p>
           <a:p>
             <a:pPr lvl="4"/>
@@ -2542,6 +2410,7 @@
               <a:rPr lang="en-US"/>
               <a:t>Fifth level</a:t>
             </a:r>
+            <a:endParaRPr lang="en-US"/>
           </a:p>
         </p:txBody>
       </p:sp>
@@ -2607,6 +2476,7 @@
               <a:rPr lang="en-US"/>
               <a:t>Click to edit Master text styles</a:t>
             </a:r>
+            <a:endParaRPr lang="en-US"/>
           </a:p>
         </p:txBody>
       </p:sp>
@@ -2630,10 +2500,6 @@
             </a:pPr>
             <a:fld id="{B42C9122-BF34-435C-A61B-D2201D289E11}" type="datetimeFigureOut">
               <a:rPr lang="en-US" smtClean="0"/>
-              <a:pPr>
-                <a:defRPr/>
-              </a:pPr>
-              <a:t>3/24/2024</a:t>
             </a:fld>
             <a:endParaRPr lang="en-US"/>
           </a:p>
@@ -2681,7 +2547,6 @@
             </a:pPr>
             <a:fld id="{9A0DB2DC-4C9A-4742-B13C-FB6460FD3503}" type="slidenum">
               <a:rPr lang="en-US" dirty="0"/>
-              <a:t>‹#›</a:t>
             </a:fld>
             <a:endParaRPr lang="en-US" dirty="0">
               <a:latin typeface="Arial" panose="020B0604020202020204" pitchFamily="34" charset="0"/>
@@ -2690,11 +2555,6 @@
         </p:txBody>
       </p:sp>
     </p:spTree>
-    <p:extLst>
-      <p:ext uri="{BB962C8B-B14F-4D97-AF65-F5344CB8AC3E}">
-        <p14:creationId xmlns:p14="http://schemas.microsoft.com/office/powerpoint/2010/main" val="1267498931"/>
-      </p:ext>
-    </p:extLst>
   </p:cSld>
   <p:clrMapOvr>
     <a:masterClrMapping/>
@@ -2721,13 +2581,7 @@
       </p:grpSpPr>
       <p:sp>
         <p:nvSpPr>
-          <p:cNvPr id="2" name="Title 1">
-            <a:extLst>
-              <a:ext uri="{FF2B5EF4-FFF2-40B4-BE49-F238E27FC236}">
-                <a16:creationId xmlns:a16="http://schemas.microsoft.com/office/drawing/2014/main" id="{9C713351-6C10-CB93-85B2-6802D6B78325}"/>
-              </a:ext>
-            </a:extLst>
-          </p:cNvPr>
+          <p:cNvPr id="2" name="Title 1"/>
           <p:cNvSpPr>
             <a:spLocks noGrp="1"/>
           </p:cNvSpPr>
@@ -2744,18 +2598,13 @@
               <a:rPr lang="en-US"/>
               <a:t>Click to edit Master title style</a:t>
             </a:r>
-          </a:p>
-        </p:txBody>
-      </p:sp>
-      <p:sp>
-        <p:nvSpPr>
-          <p:cNvPr id="3" name="Content Placeholder 2">
-            <a:extLst>
-              <a:ext uri="{FF2B5EF4-FFF2-40B4-BE49-F238E27FC236}">
-                <a16:creationId xmlns:a16="http://schemas.microsoft.com/office/drawing/2014/main" id="{C04906EE-8E3B-97D3-9E15-345B3D4353D8}"/>
-              </a:ext>
-            </a:extLst>
-          </p:cNvPr>
+            <a:endParaRPr lang="en-US"/>
+          </a:p>
+        </p:txBody>
+      </p:sp>
+      <p:sp>
+        <p:nvSpPr>
+          <p:cNvPr id="3" name="Content Placeholder 2"/>
           <p:cNvSpPr>
             <a:spLocks noGrp="1"/>
           </p:cNvSpPr>
@@ -2773,6 +2622,7 @@
               <a:rPr lang="en-US"/>
               <a:t>Click to edit Master text styles</a:t>
             </a:r>
+            <a:endParaRPr lang="en-US"/>
           </a:p>
           <a:p>
             <a:pPr lvl="1"/>
@@ -2780,6 +2630,7 @@
               <a:rPr lang="en-US"/>
               <a:t>Second level</a:t>
             </a:r>
+            <a:endParaRPr lang="en-US"/>
           </a:p>
           <a:p>
             <a:pPr lvl="2"/>
@@ -2787,6 +2638,7 @@
               <a:rPr lang="en-US"/>
               <a:t>Third level</a:t>
             </a:r>
+            <a:endParaRPr lang="en-US"/>
           </a:p>
           <a:p>
             <a:pPr lvl="3"/>
@@ -2794,6 +2646,7 @@
               <a:rPr lang="en-US"/>
               <a:t>Fourth level</a:t>
             </a:r>
+            <a:endParaRPr lang="en-US"/>
           </a:p>
           <a:p>
             <a:pPr lvl="4"/>
@@ -2801,18 +2654,13 @@
               <a:rPr lang="en-US"/>
               <a:t>Fifth level</a:t>
             </a:r>
-          </a:p>
-        </p:txBody>
-      </p:sp>
-      <p:sp>
-        <p:nvSpPr>
-          <p:cNvPr id="4" name="Date Placeholder 3">
-            <a:extLst>
-              <a:ext uri="{FF2B5EF4-FFF2-40B4-BE49-F238E27FC236}">
-                <a16:creationId xmlns:a16="http://schemas.microsoft.com/office/drawing/2014/main" id="{60B1DBA8-97D9-796E-43EF-08320752E7AC}"/>
-              </a:ext>
-            </a:extLst>
-          </p:cNvPr>
+            <a:endParaRPr lang="en-US"/>
+          </a:p>
+        </p:txBody>
+      </p:sp>
+      <p:sp>
+        <p:nvSpPr>
+          <p:cNvPr id="4" name="Date Placeholder 3"/>
           <p:cNvSpPr>
             <a:spLocks noGrp="1"/>
           </p:cNvSpPr>
@@ -2827,7 +2675,6 @@
           <a:p>
             <a:fld id="{E965B5F8-2D56-4E8E-8AA3-31DB237BD4B3}" type="datetimeFigureOut">
               <a:rPr lang="en-US" smtClean="0"/>
-              <a:t>3/24/2024</a:t>
             </a:fld>
             <a:endParaRPr lang="en-US"/>
           </a:p>
@@ -2835,13 +2682,7 @@
       </p:sp>
       <p:sp>
         <p:nvSpPr>
-          <p:cNvPr id="5" name="Footer Placeholder 4">
-            <a:extLst>
-              <a:ext uri="{FF2B5EF4-FFF2-40B4-BE49-F238E27FC236}">
-                <a16:creationId xmlns:a16="http://schemas.microsoft.com/office/drawing/2014/main" id="{CD94A207-986F-47E0-DC3E-1CD4C99D7BA8}"/>
-              </a:ext>
-            </a:extLst>
-          </p:cNvPr>
+          <p:cNvPr id="5" name="Footer Placeholder 4"/>
           <p:cNvSpPr>
             <a:spLocks noGrp="1"/>
           </p:cNvSpPr>
@@ -2860,13 +2701,7 @@
       </p:sp>
       <p:sp>
         <p:nvSpPr>
-          <p:cNvPr id="6" name="Slide Number Placeholder 5">
-            <a:extLst>
-              <a:ext uri="{FF2B5EF4-FFF2-40B4-BE49-F238E27FC236}">
-                <a16:creationId xmlns:a16="http://schemas.microsoft.com/office/drawing/2014/main" id="{968630F2-E1D4-992B-C79C-215F4734422F}"/>
-              </a:ext>
-            </a:extLst>
-          </p:cNvPr>
+          <p:cNvPr id="6" name="Slide Number Placeholder 5"/>
           <p:cNvSpPr>
             <a:spLocks noGrp="1"/>
           </p:cNvSpPr>
@@ -2881,18 +2716,12 @@
           <a:p>
             <a:fld id="{7BDE8A2B-3E39-4986-99F3-7A821D1A3D7B}" type="slidenum">
               <a:rPr lang="en-US" smtClean="0"/>
-              <a:t>‹#›</a:t>
             </a:fld>
             <a:endParaRPr lang="en-US"/>
           </a:p>
         </p:txBody>
       </p:sp>
     </p:spTree>
-    <p:extLst>
-      <p:ext uri="{BB962C8B-B14F-4D97-AF65-F5344CB8AC3E}">
-        <p14:creationId xmlns:p14="http://schemas.microsoft.com/office/powerpoint/2010/main" val="2214980702"/>
-      </p:ext>
-    </p:extLst>
   </p:cSld>
   <p:clrMapOvr>
     <a:masterClrMapping/>
@@ -2945,6 +2774,7 @@
               <a:rPr lang="en-US"/>
               <a:t>Click to edit Master title style</a:t>
             </a:r>
+            <a:endParaRPr lang="en-US"/>
           </a:p>
         </p:txBody>
       </p:sp>
@@ -3102,6 +2932,7 @@
               <a:rPr lang="en-US"/>
               <a:t>Click to edit Master text styles</a:t>
             </a:r>
+            <a:endParaRPr lang="en-US"/>
           </a:p>
         </p:txBody>
       </p:sp>
@@ -3125,10 +2956,6 @@
             </a:pPr>
             <a:fld id="{B42C9122-BF34-435C-A61B-D2201D289E11}" type="datetimeFigureOut">
               <a:rPr lang="en-US" smtClean="0"/>
-              <a:pPr>
-                <a:defRPr/>
-              </a:pPr>
-              <a:t>3/24/2024</a:t>
             </a:fld>
             <a:endParaRPr lang="en-US"/>
           </a:p>
@@ -3176,7 +3003,6 @@
             </a:pPr>
             <a:fld id="{9A0DB2DC-4C9A-4742-B13C-FB6460FD3503}" type="slidenum">
               <a:rPr lang="en-US" dirty="0"/>
-              <a:t>‹#›</a:t>
             </a:fld>
             <a:endParaRPr lang="en-US" dirty="0">
               <a:latin typeface="Arial" panose="020B0604020202020204" pitchFamily="34" charset="0"/>
@@ -3185,11 +3011,6 @@
         </p:txBody>
       </p:sp>
     </p:spTree>
-    <p:extLst>
-      <p:ext uri="{BB962C8B-B14F-4D97-AF65-F5344CB8AC3E}">
-        <p14:creationId xmlns:p14="http://schemas.microsoft.com/office/powerpoint/2010/main" val="727624005"/>
-      </p:ext>
-    </p:extLst>
   </p:cSld>
   <p:clrMapOvr>
     <a:masterClrMapping/>
@@ -3233,6 +3054,7 @@
               <a:rPr lang="en-US"/>
               <a:t>Click to edit Master title style</a:t>
             </a:r>
+            <a:endParaRPr lang="en-US"/>
           </a:p>
         </p:txBody>
       </p:sp>
@@ -3256,6 +3078,7 @@
               <a:rPr lang="en-US"/>
               <a:t>Click to edit Master text styles</a:t>
             </a:r>
+            <a:endParaRPr lang="en-US"/>
           </a:p>
           <a:p>
             <a:pPr lvl="1"/>
@@ -3263,6 +3086,7 @@
               <a:rPr lang="en-US"/>
               <a:t>Second level</a:t>
             </a:r>
+            <a:endParaRPr lang="en-US"/>
           </a:p>
           <a:p>
             <a:pPr lvl="2"/>
@@ -3270,6 +3094,7 @@
               <a:rPr lang="en-US"/>
               <a:t>Third level</a:t>
             </a:r>
+            <a:endParaRPr lang="en-US"/>
           </a:p>
           <a:p>
             <a:pPr lvl="3"/>
@@ -3277,6 +3102,7 @@
               <a:rPr lang="en-US"/>
               <a:t>Fourth level</a:t>
             </a:r>
+            <a:endParaRPr lang="en-US"/>
           </a:p>
           <a:p>
             <a:pPr lvl="4"/>
@@ -3284,6 +3110,7 @@
               <a:rPr lang="en-US"/>
               <a:t>Fifth level</a:t>
             </a:r>
+            <a:endParaRPr lang="en-US"/>
           </a:p>
         </p:txBody>
       </p:sp>
@@ -3307,10 +3134,6 @@
             </a:pPr>
             <a:fld id="{B42C9122-BF34-435C-A61B-D2201D289E11}" type="datetimeFigureOut">
               <a:rPr lang="en-US" smtClean="0"/>
-              <a:pPr>
-                <a:defRPr/>
-              </a:pPr>
-              <a:t>3/24/2024</a:t>
             </a:fld>
             <a:endParaRPr lang="en-US"/>
           </a:p>
@@ -3358,7 +3181,6 @@
             </a:pPr>
             <a:fld id="{9A0DB2DC-4C9A-4742-B13C-FB6460FD3503}" type="slidenum">
               <a:rPr lang="en-US" dirty="0"/>
-              <a:t>‹#›</a:t>
             </a:fld>
             <a:endParaRPr lang="en-US" dirty="0">
               <a:latin typeface="Arial" panose="020B0604020202020204" pitchFamily="34" charset="0"/>
@@ -3367,11 +3189,6 @@
         </p:txBody>
       </p:sp>
     </p:spTree>
-    <p:extLst>
-      <p:ext uri="{BB962C8B-B14F-4D97-AF65-F5344CB8AC3E}">
-        <p14:creationId xmlns:p14="http://schemas.microsoft.com/office/powerpoint/2010/main" val="3461548765"/>
-      </p:ext>
-    </p:extLst>
   </p:cSld>
   <p:clrMapOvr>
     <a:masterClrMapping/>
@@ -3420,6 +3237,7 @@
               <a:rPr lang="en-US"/>
               <a:t>Click to edit Master title style</a:t>
             </a:r>
+            <a:endParaRPr lang="en-US"/>
           </a:p>
         </p:txBody>
       </p:sp>
@@ -3448,6 +3266,7 @@
               <a:rPr lang="en-US"/>
               <a:t>Click to edit Master text styles</a:t>
             </a:r>
+            <a:endParaRPr lang="en-US"/>
           </a:p>
           <a:p>
             <a:pPr lvl="1"/>
@@ -3455,6 +3274,7 @@
               <a:rPr lang="en-US"/>
               <a:t>Second level</a:t>
             </a:r>
+            <a:endParaRPr lang="en-US"/>
           </a:p>
           <a:p>
             <a:pPr lvl="2"/>
@@ -3462,6 +3282,7 @@
               <a:rPr lang="en-US"/>
               <a:t>Third level</a:t>
             </a:r>
+            <a:endParaRPr lang="en-US"/>
           </a:p>
           <a:p>
             <a:pPr lvl="3"/>
@@ -3469,6 +3290,7 @@
               <a:rPr lang="en-US"/>
               <a:t>Fourth level</a:t>
             </a:r>
+            <a:endParaRPr lang="en-US"/>
           </a:p>
           <a:p>
             <a:pPr lvl="4"/>
@@ -3476,6 +3298,7 @@
               <a:rPr lang="en-US"/>
               <a:t>Fifth level</a:t>
             </a:r>
+            <a:endParaRPr lang="en-US"/>
           </a:p>
         </p:txBody>
       </p:sp>
@@ -3499,10 +3322,6 @@
             </a:pPr>
             <a:fld id="{B42C9122-BF34-435C-A61B-D2201D289E11}" type="datetimeFigureOut">
               <a:rPr lang="en-US" smtClean="0"/>
-              <a:pPr>
-                <a:defRPr/>
-              </a:pPr>
-              <a:t>3/24/2024</a:t>
             </a:fld>
             <a:endParaRPr lang="en-US"/>
           </a:p>
@@ -3550,7 +3369,6 @@
             </a:pPr>
             <a:fld id="{9A0DB2DC-4C9A-4742-B13C-FB6460FD3503}" type="slidenum">
               <a:rPr lang="en-US" dirty="0"/>
-              <a:t>‹#›</a:t>
             </a:fld>
             <a:endParaRPr lang="en-US" dirty="0">
               <a:latin typeface="Arial" panose="020B0604020202020204" pitchFamily="34" charset="0"/>
@@ -3559,11 +3377,6 @@
         </p:txBody>
       </p:sp>
     </p:spTree>
-    <p:extLst>
-      <p:ext uri="{BB962C8B-B14F-4D97-AF65-F5344CB8AC3E}">
-        <p14:creationId xmlns:p14="http://schemas.microsoft.com/office/powerpoint/2010/main" val="3447253088"/>
-      </p:ext>
-    </p:extLst>
   </p:cSld>
   <p:clrMapOvr>
     <a:masterClrMapping/>
@@ -3612,6 +3425,7 @@
               <a:rPr lang="en-US"/>
               <a:t>Click to edit Master title style</a:t>
             </a:r>
+            <a:endParaRPr lang="en-US"/>
           </a:p>
         </p:txBody>
       </p:sp>
@@ -3690,10 +3504,6 @@
             </a:pPr>
             <a:fld id="{7C4DD920-A025-458A-B9E0-08028F96DEC1}" type="datetime1">
               <a:rPr lang="en-US" sz="900" smtClean="0"/>
-              <a:pPr>
-                <a:defRPr/>
-              </a:pPr>
-              <a:t>3/24/2024</a:t>
             </a:fld>
             <a:endParaRPr lang="en-US" sz="900"/>
           </a:p>
@@ -3721,6 +3531,7 @@
               <a:rPr lang="en-US" sz="900"/>
               <a:t>Black Box Testing</a:t>
             </a:r>
+            <a:endParaRPr lang="en-US" sz="900"/>
           </a:p>
         </p:txBody>
       </p:sp>
@@ -3762,10 +3573,6 @@
                 </a:solidFill>
                 <a:latin typeface="+mn-lt"/>
               </a:rPr>
-              <a:pPr>
-                <a:defRPr/>
-              </a:pPr>
-              <a:t>‹#›</a:t>
             </a:fld>
             <a:endParaRPr lang="en-US" altLang="en-US" sz="900">
               <a:solidFill>
@@ -3779,11 +3586,6 @@
         </p:txBody>
       </p:sp>
     </p:spTree>
-    <p:extLst>
-      <p:ext uri="{BB962C8B-B14F-4D97-AF65-F5344CB8AC3E}">
-        <p14:creationId xmlns:p14="http://schemas.microsoft.com/office/powerpoint/2010/main" val="1267439299"/>
-      </p:ext>
-    </p:extLst>
   </p:cSld>
   <p:clrMapOvr>
     <a:masterClrMapping/>
@@ -3810,13 +3612,7 @@
       </p:grpSpPr>
       <p:sp>
         <p:nvSpPr>
-          <p:cNvPr id="2" name="Title 1">
-            <a:extLst>
-              <a:ext uri="{FF2B5EF4-FFF2-40B4-BE49-F238E27FC236}">
-                <a16:creationId xmlns:a16="http://schemas.microsoft.com/office/drawing/2014/main" id="{476F2403-0E8F-A657-031F-1A5022DDBB94}"/>
-              </a:ext>
-            </a:extLst>
-          </p:cNvPr>
+          <p:cNvPr id="2" name="Title 1"/>
           <p:cNvSpPr>
             <a:spLocks noGrp="1"/>
           </p:cNvSpPr>
@@ -3842,18 +3638,13 @@
               <a:rPr lang="en-US"/>
               <a:t>Click to edit Master title style</a:t>
             </a:r>
-          </a:p>
-        </p:txBody>
-      </p:sp>
-      <p:sp>
-        <p:nvSpPr>
-          <p:cNvPr id="3" name="Text Placeholder 2">
-            <a:extLst>
-              <a:ext uri="{FF2B5EF4-FFF2-40B4-BE49-F238E27FC236}">
-                <a16:creationId xmlns:a16="http://schemas.microsoft.com/office/drawing/2014/main" id="{46672535-DE74-F254-031E-D5007985017C}"/>
-              </a:ext>
-            </a:extLst>
-          </p:cNvPr>
+            <a:endParaRPr lang="en-US"/>
+          </a:p>
+        </p:txBody>
+      </p:sp>
+      <p:sp>
+        <p:nvSpPr>
+          <p:cNvPr id="3" name="Text Placeholder 2"/>
           <p:cNvSpPr>
             <a:spLocks noGrp="1"/>
           </p:cNvSpPr>
@@ -3967,18 +3758,13 @@
               <a:rPr lang="en-US"/>
               <a:t>Click to edit Master text styles</a:t>
             </a:r>
-          </a:p>
-        </p:txBody>
-      </p:sp>
-      <p:sp>
-        <p:nvSpPr>
-          <p:cNvPr id="4" name="Date Placeholder 3">
-            <a:extLst>
-              <a:ext uri="{FF2B5EF4-FFF2-40B4-BE49-F238E27FC236}">
-                <a16:creationId xmlns:a16="http://schemas.microsoft.com/office/drawing/2014/main" id="{034366CB-672C-32AF-F57C-762454C2A237}"/>
-              </a:ext>
-            </a:extLst>
-          </p:cNvPr>
+            <a:endParaRPr lang="en-US"/>
+          </a:p>
+        </p:txBody>
+      </p:sp>
+      <p:sp>
+        <p:nvSpPr>
+          <p:cNvPr id="4" name="Date Placeholder 3"/>
           <p:cNvSpPr>
             <a:spLocks noGrp="1"/>
           </p:cNvSpPr>
@@ -3993,7 +3779,6 @@
           <a:p>
             <a:fld id="{E965B5F8-2D56-4E8E-8AA3-31DB237BD4B3}" type="datetimeFigureOut">
               <a:rPr lang="en-US" smtClean="0"/>
-              <a:t>3/24/2024</a:t>
             </a:fld>
             <a:endParaRPr lang="en-US"/>
           </a:p>
@@ -4001,13 +3786,7 @@
       </p:sp>
       <p:sp>
         <p:nvSpPr>
-          <p:cNvPr id="5" name="Footer Placeholder 4">
-            <a:extLst>
-              <a:ext uri="{FF2B5EF4-FFF2-40B4-BE49-F238E27FC236}">
-                <a16:creationId xmlns:a16="http://schemas.microsoft.com/office/drawing/2014/main" id="{DC53FE65-09A9-2EE0-1D07-C3548A34055E}"/>
-              </a:ext>
-            </a:extLst>
-          </p:cNvPr>
+          <p:cNvPr id="5" name="Footer Placeholder 4"/>
           <p:cNvSpPr>
             <a:spLocks noGrp="1"/>
           </p:cNvSpPr>
@@ -4026,13 +3805,7 @@
       </p:sp>
       <p:sp>
         <p:nvSpPr>
-          <p:cNvPr id="6" name="Slide Number Placeholder 5">
-            <a:extLst>
-              <a:ext uri="{FF2B5EF4-FFF2-40B4-BE49-F238E27FC236}">
-                <a16:creationId xmlns:a16="http://schemas.microsoft.com/office/drawing/2014/main" id="{7BDC9EA2-9D12-211F-27BC-09D6D27EFEE7}"/>
-              </a:ext>
-            </a:extLst>
-          </p:cNvPr>
+          <p:cNvPr id="6" name="Slide Number Placeholder 5"/>
           <p:cNvSpPr>
             <a:spLocks noGrp="1"/>
           </p:cNvSpPr>
@@ -4047,18 +3820,12 @@
           <a:p>
             <a:fld id="{7BDE8A2B-3E39-4986-99F3-7A821D1A3D7B}" type="slidenum">
               <a:rPr lang="en-US" smtClean="0"/>
-              <a:t>‹#›</a:t>
             </a:fld>
             <a:endParaRPr lang="en-US"/>
           </a:p>
         </p:txBody>
       </p:sp>
     </p:spTree>
-    <p:extLst>
-      <p:ext uri="{BB962C8B-B14F-4D97-AF65-F5344CB8AC3E}">
-        <p14:creationId xmlns:p14="http://schemas.microsoft.com/office/powerpoint/2010/main" val="471380038"/>
-      </p:ext>
-    </p:extLst>
   </p:cSld>
   <p:clrMapOvr>
     <a:masterClrMapping/>
@@ -4085,13 +3852,7 @@
       </p:grpSpPr>
       <p:sp>
         <p:nvSpPr>
-          <p:cNvPr id="2" name="Title 1">
-            <a:extLst>
-              <a:ext uri="{FF2B5EF4-FFF2-40B4-BE49-F238E27FC236}">
-                <a16:creationId xmlns:a16="http://schemas.microsoft.com/office/drawing/2014/main" id="{14762114-DDF2-A3EA-FA8E-AB19EAF909DA}"/>
-              </a:ext>
-            </a:extLst>
-          </p:cNvPr>
+          <p:cNvPr id="2" name="Title 1"/>
           <p:cNvSpPr>
             <a:spLocks noGrp="1"/>
           </p:cNvSpPr>
@@ -4108,18 +3869,13 @@
               <a:rPr lang="en-US"/>
               <a:t>Click to edit Master title style</a:t>
             </a:r>
-          </a:p>
-        </p:txBody>
-      </p:sp>
-      <p:sp>
-        <p:nvSpPr>
-          <p:cNvPr id="3" name="Content Placeholder 2">
-            <a:extLst>
-              <a:ext uri="{FF2B5EF4-FFF2-40B4-BE49-F238E27FC236}">
-                <a16:creationId xmlns:a16="http://schemas.microsoft.com/office/drawing/2014/main" id="{3EBC3667-6EE5-B5BF-9B1D-431EC3825A7D}"/>
-              </a:ext>
-            </a:extLst>
-          </p:cNvPr>
+            <a:endParaRPr lang="en-US"/>
+          </a:p>
+        </p:txBody>
+      </p:sp>
+      <p:sp>
+        <p:nvSpPr>
+          <p:cNvPr id="3" name="Content Placeholder 2"/>
           <p:cNvSpPr>
             <a:spLocks noGrp="1"/>
           </p:cNvSpPr>
@@ -4142,6 +3898,7 @@
               <a:rPr lang="en-US"/>
               <a:t>Click to edit Master text styles</a:t>
             </a:r>
+            <a:endParaRPr lang="en-US"/>
           </a:p>
           <a:p>
             <a:pPr lvl="1"/>
@@ -4149,6 +3906,7 @@
               <a:rPr lang="en-US"/>
               <a:t>Second level</a:t>
             </a:r>
+            <a:endParaRPr lang="en-US"/>
           </a:p>
           <a:p>
             <a:pPr lvl="2"/>
@@ -4156,6 +3914,7 @@
               <a:rPr lang="en-US"/>
               <a:t>Third level</a:t>
             </a:r>
+            <a:endParaRPr lang="en-US"/>
           </a:p>
           <a:p>
             <a:pPr lvl="3"/>
@@ -4163,6 +3922,7 @@
               <a:rPr lang="en-US"/>
               <a:t>Fourth level</a:t>
             </a:r>
+            <a:endParaRPr lang="en-US"/>
           </a:p>
           <a:p>
             <a:pPr lvl="4"/>
@@ -4170,18 +3930,13 @@
               <a:rPr lang="en-US"/>
               <a:t>Fifth level</a:t>
             </a:r>
-          </a:p>
-        </p:txBody>
-      </p:sp>
-      <p:sp>
-        <p:nvSpPr>
-          <p:cNvPr id="4" name="Content Placeholder 3">
-            <a:extLst>
-              <a:ext uri="{FF2B5EF4-FFF2-40B4-BE49-F238E27FC236}">
-                <a16:creationId xmlns:a16="http://schemas.microsoft.com/office/drawing/2014/main" id="{826A7FE9-ECDE-607C-62EC-D8639E862945}"/>
-              </a:ext>
-            </a:extLst>
-          </p:cNvPr>
+            <a:endParaRPr lang="en-US"/>
+          </a:p>
+        </p:txBody>
+      </p:sp>
+      <p:sp>
+        <p:nvSpPr>
+          <p:cNvPr id="4" name="Content Placeholder 3"/>
           <p:cNvSpPr>
             <a:spLocks noGrp="1"/>
           </p:cNvSpPr>
@@ -4204,6 +3959,7 @@
               <a:rPr lang="en-US"/>
               <a:t>Click to edit Master text styles</a:t>
             </a:r>
+            <a:endParaRPr lang="en-US"/>
           </a:p>
           <a:p>
             <a:pPr lvl="1"/>
@@ -4211,6 +3967,7 @@
               <a:rPr lang="en-US"/>
               <a:t>Second level</a:t>
             </a:r>
+            <a:endParaRPr lang="en-US"/>
           </a:p>
           <a:p>
             <a:pPr lvl="2"/>
@@ -4218,6 +3975,7 @@
               <a:rPr lang="en-US"/>
               <a:t>Third level</a:t>
             </a:r>
+            <a:endParaRPr lang="en-US"/>
           </a:p>
           <a:p>
             <a:pPr lvl="3"/>
@@ -4225,6 +3983,7 @@
               <a:rPr lang="en-US"/>
               <a:t>Fourth level</a:t>
             </a:r>
+            <a:endParaRPr lang="en-US"/>
           </a:p>
           <a:p>
             <a:pPr lvl="4"/>
@@ -4232,18 +3991,13 @@
               <a:rPr lang="en-US"/>
               <a:t>Fifth level</a:t>
             </a:r>
-          </a:p>
-        </p:txBody>
-      </p:sp>
-      <p:sp>
-        <p:nvSpPr>
-          <p:cNvPr id="5" name="Date Placeholder 4">
-            <a:extLst>
-              <a:ext uri="{FF2B5EF4-FFF2-40B4-BE49-F238E27FC236}">
-                <a16:creationId xmlns:a16="http://schemas.microsoft.com/office/drawing/2014/main" id="{5FE33F76-C661-E171-FFB9-D3C200172947}"/>
-              </a:ext>
-            </a:extLst>
-          </p:cNvPr>
+            <a:endParaRPr lang="en-US"/>
+          </a:p>
+        </p:txBody>
+      </p:sp>
+      <p:sp>
+        <p:nvSpPr>
+          <p:cNvPr id="5" name="Date Placeholder 4"/>
           <p:cNvSpPr>
             <a:spLocks noGrp="1"/>
           </p:cNvSpPr>
@@ -4258,7 +4012,6 @@
           <a:p>
             <a:fld id="{E965B5F8-2D56-4E8E-8AA3-31DB237BD4B3}" type="datetimeFigureOut">
               <a:rPr lang="en-US" smtClean="0"/>
-              <a:t>3/24/2024</a:t>
             </a:fld>
             <a:endParaRPr lang="en-US"/>
           </a:p>
@@ -4266,13 +4019,7 @@
       </p:sp>
       <p:sp>
         <p:nvSpPr>
-          <p:cNvPr id="6" name="Footer Placeholder 5">
-            <a:extLst>
-              <a:ext uri="{FF2B5EF4-FFF2-40B4-BE49-F238E27FC236}">
-                <a16:creationId xmlns:a16="http://schemas.microsoft.com/office/drawing/2014/main" id="{9ADA83AA-3396-7D56-9E86-D92884F87C85}"/>
-              </a:ext>
-            </a:extLst>
-          </p:cNvPr>
+          <p:cNvPr id="6" name="Footer Placeholder 5"/>
           <p:cNvSpPr>
             <a:spLocks noGrp="1"/>
           </p:cNvSpPr>
@@ -4291,13 +4038,7 @@
       </p:sp>
       <p:sp>
         <p:nvSpPr>
-          <p:cNvPr id="7" name="Slide Number Placeholder 6">
-            <a:extLst>
-              <a:ext uri="{FF2B5EF4-FFF2-40B4-BE49-F238E27FC236}">
-                <a16:creationId xmlns:a16="http://schemas.microsoft.com/office/drawing/2014/main" id="{3E9117B8-F09C-ED1F-FF2C-FF4500AAEB89}"/>
-              </a:ext>
-            </a:extLst>
-          </p:cNvPr>
+          <p:cNvPr id="7" name="Slide Number Placeholder 6"/>
           <p:cNvSpPr>
             <a:spLocks noGrp="1"/>
           </p:cNvSpPr>
@@ -4312,18 +4053,12 @@
           <a:p>
             <a:fld id="{7BDE8A2B-3E39-4986-99F3-7A821D1A3D7B}" type="slidenum">
               <a:rPr lang="en-US" smtClean="0"/>
-              <a:t>‹#›</a:t>
             </a:fld>
             <a:endParaRPr lang="en-US"/>
           </a:p>
         </p:txBody>
       </p:sp>
     </p:spTree>
-    <p:extLst>
-      <p:ext uri="{BB962C8B-B14F-4D97-AF65-F5344CB8AC3E}">
-        <p14:creationId xmlns:p14="http://schemas.microsoft.com/office/powerpoint/2010/main" val="645003570"/>
-      </p:ext>
-    </p:extLst>
   </p:cSld>
   <p:clrMapOvr>
     <a:masterClrMapping/>
@@ -4350,13 +4085,7 @@
       </p:grpSpPr>
       <p:sp>
         <p:nvSpPr>
-          <p:cNvPr id="2" name="Title 1">
-            <a:extLst>
-              <a:ext uri="{FF2B5EF4-FFF2-40B4-BE49-F238E27FC236}">
-                <a16:creationId xmlns:a16="http://schemas.microsoft.com/office/drawing/2014/main" id="{12959A9E-4906-027D-A307-5CBF2DE6989A}"/>
-              </a:ext>
-            </a:extLst>
-          </p:cNvPr>
+          <p:cNvPr id="2" name="Title 1"/>
           <p:cNvSpPr>
             <a:spLocks noGrp="1"/>
           </p:cNvSpPr>
@@ -4378,18 +4107,13 @@
               <a:rPr lang="en-US"/>
               <a:t>Click to edit Master title style</a:t>
             </a:r>
-          </a:p>
-        </p:txBody>
-      </p:sp>
-      <p:sp>
-        <p:nvSpPr>
-          <p:cNvPr id="3" name="Text Placeholder 2">
-            <a:extLst>
-              <a:ext uri="{FF2B5EF4-FFF2-40B4-BE49-F238E27FC236}">
-                <a16:creationId xmlns:a16="http://schemas.microsoft.com/office/drawing/2014/main" id="{26DEB056-A66F-98A7-D076-DC91BF0421A6}"/>
-              </a:ext>
-            </a:extLst>
-          </p:cNvPr>
+            <a:endParaRPr lang="en-US"/>
+          </a:p>
+        </p:txBody>
+      </p:sp>
+      <p:sp>
+        <p:nvSpPr>
+          <p:cNvPr id="3" name="Text Placeholder 2"/>
           <p:cNvSpPr>
             <a:spLocks noGrp="1"/>
           </p:cNvSpPr>
@@ -4449,18 +4173,13 @@
               <a:rPr lang="en-US"/>
               <a:t>Click to edit Master text styles</a:t>
             </a:r>
-          </a:p>
-        </p:txBody>
-      </p:sp>
-      <p:sp>
-        <p:nvSpPr>
-          <p:cNvPr id="4" name="Content Placeholder 3">
-            <a:extLst>
-              <a:ext uri="{FF2B5EF4-FFF2-40B4-BE49-F238E27FC236}">
-                <a16:creationId xmlns:a16="http://schemas.microsoft.com/office/drawing/2014/main" id="{768ED0DC-BC28-AFE9-113A-CE9DABECC133}"/>
-              </a:ext>
-            </a:extLst>
-          </p:cNvPr>
+            <a:endParaRPr lang="en-US"/>
+          </a:p>
+        </p:txBody>
+      </p:sp>
+      <p:sp>
+        <p:nvSpPr>
+          <p:cNvPr id="4" name="Content Placeholder 3"/>
           <p:cNvSpPr>
             <a:spLocks noGrp="1"/>
           </p:cNvSpPr>
@@ -4483,6 +4202,7 @@
               <a:rPr lang="en-US"/>
               <a:t>Click to edit Master text styles</a:t>
             </a:r>
+            <a:endParaRPr lang="en-US"/>
           </a:p>
           <a:p>
             <a:pPr lvl="1"/>
@@ -4490,6 +4210,7 @@
               <a:rPr lang="en-US"/>
               <a:t>Second level</a:t>
             </a:r>
+            <a:endParaRPr lang="en-US"/>
           </a:p>
           <a:p>
             <a:pPr lvl="2"/>
@@ -4497,6 +4218,7 @@
               <a:rPr lang="en-US"/>
               <a:t>Third level</a:t>
             </a:r>
+            <a:endParaRPr lang="en-US"/>
           </a:p>
           <a:p>
             <a:pPr lvl="3"/>
@@ -4504,6 +4226,7 @@
               <a:rPr lang="en-US"/>
               <a:t>Fourth level</a:t>
             </a:r>
+            <a:endParaRPr lang="en-US"/>
           </a:p>
           <a:p>
             <a:pPr lvl="4"/>
@@ -4511,18 +4234,13 @@
               <a:rPr lang="en-US"/>
               <a:t>Fifth level</a:t>
             </a:r>
-          </a:p>
-        </p:txBody>
-      </p:sp>
-      <p:sp>
-        <p:nvSpPr>
-          <p:cNvPr id="5" name="Text Placeholder 4">
-            <a:extLst>
-              <a:ext uri="{FF2B5EF4-FFF2-40B4-BE49-F238E27FC236}">
-                <a16:creationId xmlns:a16="http://schemas.microsoft.com/office/drawing/2014/main" id="{2F67B389-014A-4F96-0D85-500E7768917C}"/>
-              </a:ext>
-            </a:extLst>
-          </p:cNvPr>
+            <a:endParaRPr lang="en-US"/>
+          </a:p>
+        </p:txBody>
+      </p:sp>
+      <p:sp>
+        <p:nvSpPr>
+          <p:cNvPr id="5" name="Text Placeholder 4"/>
           <p:cNvSpPr>
             <a:spLocks noGrp="1"/>
           </p:cNvSpPr>
@@ -4582,18 +4300,13 @@
               <a:rPr lang="en-US"/>
               <a:t>Click to edit Master text styles</a:t>
             </a:r>
-          </a:p>
-        </p:txBody>
-      </p:sp>
-      <p:sp>
-        <p:nvSpPr>
-          <p:cNvPr id="6" name="Content Placeholder 5">
-            <a:extLst>
-              <a:ext uri="{FF2B5EF4-FFF2-40B4-BE49-F238E27FC236}">
-                <a16:creationId xmlns:a16="http://schemas.microsoft.com/office/drawing/2014/main" id="{5065BCF4-AFFC-27AC-5185-30CFE0888903}"/>
-              </a:ext>
-            </a:extLst>
-          </p:cNvPr>
+            <a:endParaRPr lang="en-US"/>
+          </a:p>
+        </p:txBody>
+      </p:sp>
+      <p:sp>
+        <p:nvSpPr>
+          <p:cNvPr id="6" name="Content Placeholder 5"/>
           <p:cNvSpPr>
             <a:spLocks noGrp="1"/>
           </p:cNvSpPr>
@@ -4616,6 +4329,7 @@
               <a:rPr lang="en-US"/>
               <a:t>Click to edit Master text styles</a:t>
             </a:r>
+            <a:endParaRPr lang="en-US"/>
           </a:p>
           <a:p>
             <a:pPr lvl="1"/>
@@ -4623,6 +4337,7 @@
               <a:rPr lang="en-US"/>
               <a:t>Second level</a:t>
             </a:r>
+            <a:endParaRPr lang="en-US"/>
           </a:p>
           <a:p>
             <a:pPr lvl="2"/>
@@ -4630,6 +4345,7 @@
               <a:rPr lang="en-US"/>
               <a:t>Third level</a:t>
             </a:r>
+            <a:endParaRPr lang="en-US"/>
           </a:p>
           <a:p>
             <a:pPr lvl="3"/>
@@ -4637,6 +4353,7 @@
               <a:rPr lang="en-US"/>
               <a:t>Fourth level</a:t>
             </a:r>
+            <a:endParaRPr lang="en-US"/>
           </a:p>
           <a:p>
             <a:pPr lvl="4"/>
@@ -4644,18 +4361,13 @@
               <a:rPr lang="en-US"/>
               <a:t>Fifth level</a:t>
             </a:r>
-          </a:p>
-        </p:txBody>
-      </p:sp>
-      <p:sp>
-        <p:nvSpPr>
-          <p:cNvPr id="7" name="Date Placeholder 6">
-            <a:extLst>
-              <a:ext uri="{FF2B5EF4-FFF2-40B4-BE49-F238E27FC236}">
-                <a16:creationId xmlns:a16="http://schemas.microsoft.com/office/drawing/2014/main" id="{05AF40BA-FB83-1C76-9155-24DAA728A19D}"/>
-              </a:ext>
-            </a:extLst>
-          </p:cNvPr>
+            <a:endParaRPr lang="en-US"/>
+          </a:p>
+        </p:txBody>
+      </p:sp>
+      <p:sp>
+        <p:nvSpPr>
+          <p:cNvPr id="7" name="Date Placeholder 6"/>
           <p:cNvSpPr>
             <a:spLocks noGrp="1"/>
           </p:cNvSpPr>
@@ -4670,7 +4382,6 @@
           <a:p>
             <a:fld id="{E965B5F8-2D56-4E8E-8AA3-31DB237BD4B3}" type="datetimeFigureOut">
               <a:rPr lang="en-US" smtClean="0"/>
-              <a:t>3/24/2024</a:t>
             </a:fld>
             <a:endParaRPr lang="en-US"/>
           </a:p>
@@ -4678,13 +4389,7 @@
       </p:sp>
       <p:sp>
         <p:nvSpPr>
-          <p:cNvPr id="8" name="Footer Placeholder 7">
-            <a:extLst>
-              <a:ext uri="{FF2B5EF4-FFF2-40B4-BE49-F238E27FC236}">
-                <a16:creationId xmlns:a16="http://schemas.microsoft.com/office/drawing/2014/main" id="{2B67DB43-433F-8F03-2420-67F8444EC98F}"/>
-              </a:ext>
-            </a:extLst>
-          </p:cNvPr>
+          <p:cNvPr id="8" name="Footer Placeholder 7"/>
           <p:cNvSpPr>
             <a:spLocks noGrp="1"/>
           </p:cNvSpPr>
@@ -4703,13 +4408,7 @@
       </p:sp>
       <p:sp>
         <p:nvSpPr>
-          <p:cNvPr id="9" name="Slide Number Placeholder 8">
-            <a:extLst>
-              <a:ext uri="{FF2B5EF4-FFF2-40B4-BE49-F238E27FC236}">
-                <a16:creationId xmlns:a16="http://schemas.microsoft.com/office/drawing/2014/main" id="{92A86472-2211-9266-8DEA-C8839A97EBFE}"/>
-              </a:ext>
-            </a:extLst>
-          </p:cNvPr>
+          <p:cNvPr id="9" name="Slide Number Placeholder 8"/>
           <p:cNvSpPr>
             <a:spLocks noGrp="1"/>
           </p:cNvSpPr>
@@ -4724,18 +4423,12 @@
           <a:p>
             <a:fld id="{7BDE8A2B-3E39-4986-99F3-7A821D1A3D7B}" type="slidenum">
               <a:rPr lang="en-US" smtClean="0"/>
-              <a:t>‹#›</a:t>
             </a:fld>
             <a:endParaRPr lang="en-US"/>
           </a:p>
         </p:txBody>
       </p:sp>
     </p:spTree>
-    <p:extLst>
-      <p:ext uri="{BB962C8B-B14F-4D97-AF65-F5344CB8AC3E}">
-        <p14:creationId xmlns:p14="http://schemas.microsoft.com/office/powerpoint/2010/main" val="985954861"/>
-      </p:ext>
-    </p:extLst>
   </p:cSld>
   <p:clrMapOvr>
     <a:masterClrMapping/>
@@ -4762,13 +4455,7 @@
       </p:grpSpPr>
       <p:sp>
         <p:nvSpPr>
-          <p:cNvPr id="2" name="Title 1">
-            <a:extLst>
-              <a:ext uri="{FF2B5EF4-FFF2-40B4-BE49-F238E27FC236}">
-                <a16:creationId xmlns:a16="http://schemas.microsoft.com/office/drawing/2014/main" id="{04EBCAB9-7CC6-C165-F8D3-A51D91D824B8}"/>
-              </a:ext>
-            </a:extLst>
-          </p:cNvPr>
+          <p:cNvPr id="2" name="Title 1"/>
           <p:cNvSpPr>
             <a:spLocks noGrp="1"/>
           </p:cNvSpPr>
@@ -4785,18 +4472,13 @@
               <a:rPr lang="en-US"/>
               <a:t>Click to edit Master title style</a:t>
             </a:r>
-          </a:p>
-        </p:txBody>
-      </p:sp>
-      <p:sp>
-        <p:nvSpPr>
-          <p:cNvPr id="3" name="Date Placeholder 2">
-            <a:extLst>
-              <a:ext uri="{FF2B5EF4-FFF2-40B4-BE49-F238E27FC236}">
-                <a16:creationId xmlns:a16="http://schemas.microsoft.com/office/drawing/2014/main" id="{342FD50E-B787-3915-3A78-77D32AB93508}"/>
-              </a:ext>
-            </a:extLst>
-          </p:cNvPr>
+            <a:endParaRPr lang="en-US"/>
+          </a:p>
+        </p:txBody>
+      </p:sp>
+      <p:sp>
+        <p:nvSpPr>
+          <p:cNvPr id="3" name="Date Placeholder 2"/>
           <p:cNvSpPr>
             <a:spLocks noGrp="1"/>
           </p:cNvSpPr>
@@ -4811,7 +4493,6 @@
           <a:p>
             <a:fld id="{E965B5F8-2D56-4E8E-8AA3-31DB237BD4B3}" type="datetimeFigureOut">
               <a:rPr lang="en-US" smtClean="0"/>
-              <a:t>3/24/2024</a:t>
             </a:fld>
             <a:endParaRPr lang="en-US"/>
           </a:p>
@@ -4819,13 +4500,7 @@
       </p:sp>
       <p:sp>
         <p:nvSpPr>
-          <p:cNvPr id="4" name="Footer Placeholder 3">
-            <a:extLst>
-              <a:ext uri="{FF2B5EF4-FFF2-40B4-BE49-F238E27FC236}">
-                <a16:creationId xmlns:a16="http://schemas.microsoft.com/office/drawing/2014/main" id="{34D30600-06B8-639B-1C6B-E125F6562C64}"/>
-              </a:ext>
-            </a:extLst>
-          </p:cNvPr>
+          <p:cNvPr id="4" name="Footer Placeholder 3"/>
           <p:cNvSpPr>
             <a:spLocks noGrp="1"/>
           </p:cNvSpPr>
@@ -4844,13 +4519,7 @@
       </p:sp>
       <p:sp>
         <p:nvSpPr>
-          <p:cNvPr id="5" name="Slide Number Placeholder 4">
-            <a:extLst>
-              <a:ext uri="{FF2B5EF4-FFF2-40B4-BE49-F238E27FC236}">
-                <a16:creationId xmlns:a16="http://schemas.microsoft.com/office/drawing/2014/main" id="{A09860E0-4C93-0EF6-0337-EFD4A33258A0}"/>
-              </a:ext>
-            </a:extLst>
-          </p:cNvPr>
+          <p:cNvPr id="5" name="Slide Number Placeholder 4"/>
           <p:cNvSpPr>
             <a:spLocks noGrp="1"/>
           </p:cNvSpPr>
@@ -4865,18 +4534,12 @@
           <a:p>
             <a:fld id="{7BDE8A2B-3E39-4986-99F3-7A821D1A3D7B}" type="slidenum">
               <a:rPr lang="en-US" smtClean="0"/>
-              <a:t>‹#›</a:t>
             </a:fld>
             <a:endParaRPr lang="en-US"/>
           </a:p>
         </p:txBody>
       </p:sp>
     </p:spTree>
-    <p:extLst>
-      <p:ext uri="{BB962C8B-B14F-4D97-AF65-F5344CB8AC3E}">
-        <p14:creationId xmlns:p14="http://schemas.microsoft.com/office/powerpoint/2010/main" val="2005339114"/>
-      </p:ext>
-    </p:extLst>
   </p:cSld>
   <p:clrMapOvr>
     <a:masterClrMapping/>
@@ -4903,13 +4566,7 @@
       </p:grpSpPr>
       <p:sp>
         <p:nvSpPr>
-          <p:cNvPr id="2" name="Date Placeholder 1">
-            <a:extLst>
-              <a:ext uri="{FF2B5EF4-FFF2-40B4-BE49-F238E27FC236}">
-                <a16:creationId xmlns:a16="http://schemas.microsoft.com/office/drawing/2014/main" id="{4CB6067B-CEB4-1605-70A0-68A61A4F2468}"/>
-              </a:ext>
-            </a:extLst>
-          </p:cNvPr>
+          <p:cNvPr id="2" name="Date Placeholder 1"/>
           <p:cNvSpPr>
             <a:spLocks noGrp="1"/>
           </p:cNvSpPr>
@@ -4924,7 +4581,6 @@
           <a:p>
             <a:fld id="{E965B5F8-2D56-4E8E-8AA3-31DB237BD4B3}" type="datetimeFigureOut">
               <a:rPr lang="en-US" smtClean="0"/>
-              <a:t>3/24/2024</a:t>
             </a:fld>
             <a:endParaRPr lang="en-US"/>
           </a:p>
@@ -4932,13 +4588,7 @@
       </p:sp>
       <p:sp>
         <p:nvSpPr>
-          <p:cNvPr id="3" name="Footer Placeholder 2">
-            <a:extLst>
-              <a:ext uri="{FF2B5EF4-FFF2-40B4-BE49-F238E27FC236}">
-                <a16:creationId xmlns:a16="http://schemas.microsoft.com/office/drawing/2014/main" id="{E1532FCC-F31D-A712-C093-EDE71988F1FB}"/>
-              </a:ext>
-            </a:extLst>
-          </p:cNvPr>
+          <p:cNvPr id="3" name="Footer Placeholder 2"/>
           <p:cNvSpPr>
             <a:spLocks noGrp="1"/>
           </p:cNvSpPr>
@@ -4957,13 +4607,7 @@
       </p:sp>
       <p:sp>
         <p:nvSpPr>
-          <p:cNvPr id="4" name="Slide Number Placeholder 3">
-            <a:extLst>
-              <a:ext uri="{FF2B5EF4-FFF2-40B4-BE49-F238E27FC236}">
-                <a16:creationId xmlns:a16="http://schemas.microsoft.com/office/drawing/2014/main" id="{829A4D86-8345-5910-A12E-170FACBE26B3}"/>
-              </a:ext>
-            </a:extLst>
-          </p:cNvPr>
+          <p:cNvPr id="4" name="Slide Number Placeholder 3"/>
           <p:cNvSpPr>
             <a:spLocks noGrp="1"/>
           </p:cNvSpPr>
@@ -4978,18 +4622,12 @@
           <a:p>
             <a:fld id="{7BDE8A2B-3E39-4986-99F3-7A821D1A3D7B}" type="slidenum">
               <a:rPr lang="en-US" smtClean="0"/>
-              <a:t>‹#›</a:t>
             </a:fld>
             <a:endParaRPr lang="en-US"/>
           </a:p>
         </p:txBody>
       </p:sp>
     </p:spTree>
-    <p:extLst>
-      <p:ext uri="{BB962C8B-B14F-4D97-AF65-F5344CB8AC3E}">
-        <p14:creationId xmlns:p14="http://schemas.microsoft.com/office/powerpoint/2010/main" val="2602087231"/>
-      </p:ext>
-    </p:extLst>
   </p:cSld>
   <p:clrMapOvr>
     <a:masterClrMapping/>
@@ -5016,13 +4654,7 @@
       </p:grpSpPr>
       <p:sp>
         <p:nvSpPr>
-          <p:cNvPr id="2" name="Title 1">
-            <a:extLst>
-              <a:ext uri="{FF2B5EF4-FFF2-40B4-BE49-F238E27FC236}">
-                <a16:creationId xmlns:a16="http://schemas.microsoft.com/office/drawing/2014/main" id="{8861689B-8578-C633-FF87-1FE2304FC261}"/>
-              </a:ext>
-            </a:extLst>
-          </p:cNvPr>
+          <p:cNvPr id="2" name="Title 1"/>
           <p:cNvSpPr>
             <a:spLocks noGrp="1"/>
           </p:cNvSpPr>
@@ -5048,18 +4680,13 @@
               <a:rPr lang="en-US"/>
               <a:t>Click to edit Master title style</a:t>
             </a:r>
-          </a:p>
-        </p:txBody>
-      </p:sp>
-      <p:sp>
-        <p:nvSpPr>
-          <p:cNvPr id="3" name="Content Placeholder 2">
-            <a:extLst>
-              <a:ext uri="{FF2B5EF4-FFF2-40B4-BE49-F238E27FC236}">
-                <a16:creationId xmlns:a16="http://schemas.microsoft.com/office/drawing/2014/main" id="{9DD4A3BF-8565-0491-EDF8-1118124D3389}"/>
-              </a:ext>
-            </a:extLst>
-          </p:cNvPr>
+            <a:endParaRPr lang="en-US"/>
+          </a:p>
+        </p:txBody>
+      </p:sp>
+      <p:sp>
+        <p:nvSpPr>
+          <p:cNvPr id="3" name="Content Placeholder 2"/>
           <p:cNvSpPr>
             <a:spLocks noGrp="1"/>
           </p:cNvSpPr>
@@ -5110,6 +4737,7 @@
               <a:rPr lang="en-US"/>
               <a:t>Click to edit Master text styles</a:t>
             </a:r>
+            <a:endParaRPr lang="en-US"/>
           </a:p>
           <a:p>
             <a:pPr lvl="1"/>
@@ -5117,6 +4745,7 @@
               <a:rPr lang="en-US"/>
               <a:t>Second level</a:t>
             </a:r>
+            <a:endParaRPr lang="en-US"/>
           </a:p>
           <a:p>
             <a:pPr lvl="2"/>
@@ -5124,6 +4753,7 @@
               <a:rPr lang="en-US"/>
               <a:t>Third level</a:t>
             </a:r>
+            <a:endParaRPr lang="en-US"/>
           </a:p>
           <a:p>
             <a:pPr lvl="3"/>
@@ -5131,6 +4761,7 @@
               <a:rPr lang="en-US"/>
               <a:t>Fourth level</a:t>
             </a:r>
+            <a:endParaRPr lang="en-US"/>
           </a:p>
           <a:p>
             <a:pPr lvl="4"/>
@@ -5138,18 +4769,13 @@
               <a:rPr lang="en-US"/>
               <a:t>Fifth level</a:t>
             </a:r>
-          </a:p>
-        </p:txBody>
-      </p:sp>
-      <p:sp>
-        <p:nvSpPr>
-          <p:cNvPr id="4" name="Text Placeholder 3">
-            <a:extLst>
-              <a:ext uri="{FF2B5EF4-FFF2-40B4-BE49-F238E27FC236}">
-                <a16:creationId xmlns:a16="http://schemas.microsoft.com/office/drawing/2014/main" id="{63FEBB0C-BC86-DC2C-E846-F382FC34531C}"/>
-              </a:ext>
-            </a:extLst>
-          </p:cNvPr>
+            <a:endParaRPr lang="en-US"/>
+          </a:p>
+        </p:txBody>
+      </p:sp>
+      <p:sp>
+        <p:nvSpPr>
+          <p:cNvPr id="4" name="Text Placeholder 3"/>
           <p:cNvSpPr>
             <a:spLocks noGrp="1"/>
           </p:cNvSpPr>
@@ -5209,18 +4835,13 @@
               <a:rPr lang="en-US"/>
               <a:t>Click to edit Master text styles</a:t>
             </a:r>
-          </a:p>
-        </p:txBody>
-      </p:sp>
-      <p:sp>
-        <p:nvSpPr>
-          <p:cNvPr id="5" name="Date Placeholder 4">
-            <a:extLst>
-              <a:ext uri="{FF2B5EF4-FFF2-40B4-BE49-F238E27FC236}">
-                <a16:creationId xmlns:a16="http://schemas.microsoft.com/office/drawing/2014/main" id="{0B72EE4A-E6BE-8E00-80F0-121669F55D2E}"/>
-              </a:ext>
-            </a:extLst>
-          </p:cNvPr>
+            <a:endParaRPr lang="en-US"/>
+          </a:p>
+        </p:txBody>
+      </p:sp>
+      <p:sp>
+        <p:nvSpPr>
+          <p:cNvPr id="5" name="Date Placeholder 4"/>
           <p:cNvSpPr>
             <a:spLocks noGrp="1"/>
           </p:cNvSpPr>
@@ -5235,7 +4856,6 @@
           <a:p>
             <a:fld id="{E965B5F8-2D56-4E8E-8AA3-31DB237BD4B3}" type="datetimeFigureOut">
               <a:rPr lang="en-US" smtClean="0"/>
-              <a:t>3/24/2024</a:t>
             </a:fld>
             <a:endParaRPr lang="en-US"/>
           </a:p>
@@ -5243,13 +4863,7 @@
       </p:sp>
       <p:sp>
         <p:nvSpPr>
-          <p:cNvPr id="6" name="Footer Placeholder 5">
-            <a:extLst>
-              <a:ext uri="{FF2B5EF4-FFF2-40B4-BE49-F238E27FC236}">
-                <a16:creationId xmlns:a16="http://schemas.microsoft.com/office/drawing/2014/main" id="{753DD4BB-E5C8-08CC-CEAD-6B13CBB2708D}"/>
-              </a:ext>
-            </a:extLst>
-          </p:cNvPr>
+          <p:cNvPr id="6" name="Footer Placeholder 5"/>
           <p:cNvSpPr>
             <a:spLocks noGrp="1"/>
           </p:cNvSpPr>
@@ -5268,13 +4882,7 @@
       </p:sp>
       <p:sp>
         <p:nvSpPr>
-          <p:cNvPr id="7" name="Slide Number Placeholder 6">
-            <a:extLst>
-              <a:ext uri="{FF2B5EF4-FFF2-40B4-BE49-F238E27FC236}">
-                <a16:creationId xmlns:a16="http://schemas.microsoft.com/office/drawing/2014/main" id="{3B12D968-3630-1602-1DB9-8908632BDB2C}"/>
-              </a:ext>
-            </a:extLst>
-          </p:cNvPr>
+          <p:cNvPr id="7" name="Slide Number Placeholder 6"/>
           <p:cNvSpPr>
             <a:spLocks noGrp="1"/>
           </p:cNvSpPr>
@@ -5289,18 +4897,12 @@
           <a:p>
             <a:fld id="{7BDE8A2B-3E39-4986-99F3-7A821D1A3D7B}" type="slidenum">
               <a:rPr lang="en-US" smtClean="0"/>
-              <a:t>‹#›</a:t>
             </a:fld>
             <a:endParaRPr lang="en-US"/>
           </a:p>
         </p:txBody>
       </p:sp>
     </p:spTree>
-    <p:extLst>
-      <p:ext uri="{BB962C8B-B14F-4D97-AF65-F5344CB8AC3E}">
-        <p14:creationId xmlns:p14="http://schemas.microsoft.com/office/powerpoint/2010/main" val="2596412840"/>
-      </p:ext>
-    </p:extLst>
   </p:cSld>
   <p:clrMapOvr>
     <a:masterClrMapping/>
@@ -5327,13 +4929,7 @@
       </p:grpSpPr>
       <p:sp>
         <p:nvSpPr>
-          <p:cNvPr id="2" name="Title 1">
-            <a:extLst>
-              <a:ext uri="{FF2B5EF4-FFF2-40B4-BE49-F238E27FC236}">
-                <a16:creationId xmlns:a16="http://schemas.microsoft.com/office/drawing/2014/main" id="{DEA2C437-515B-064E-C5CA-FC66BC87F223}"/>
-              </a:ext>
-            </a:extLst>
-          </p:cNvPr>
+          <p:cNvPr id="2" name="Title 1"/>
           <p:cNvSpPr>
             <a:spLocks noGrp="1"/>
           </p:cNvSpPr>
@@ -5359,18 +4955,13 @@
               <a:rPr lang="en-US"/>
               <a:t>Click to edit Master title style</a:t>
             </a:r>
-          </a:p>
-        </p:txBody>
-      </p:sp>
-      <p:sp>
-        <p:nvSpPr>
-          <p:cNvPr id="3" name="Picture Placeholder 2">
-            <a:extLst>
-              <a:ext uri="{FF2B5EF4-FFF2-40B4-BE49-F238E27FC236}">
-                <a16:creationId xmlns:a16="http://schemas.microsoft.com/office/drawing/2014/main" id="{618D1C32-6B0B-42C4-C31C-BD1C3E69E140}"/>
-              </a:ext>
-            </a:extLst>
-          </p:cNvPr>
+            <a:endParaRPr lang="en-US"/>
+          </a:p>
+        </p:txBody>
+      </p:sp>
+      <p:sp>
+        <p:nvSpPr>
+          <p:cNvPr id="3" name="Picture Placeholder 2"/>
           <p:cNvSpPr>
             <a:spLocks noGrp="1"/>
           </p:cNvSpPr>
@@ -5431,13 +5022,7 @@
       </p:sp>
       <p:sp>
         <p:nvSpPr>
-          <p:cNvPr id="4" name="Text Placeholder 3">
-            <a:extLst>
-              <a:ext uri="{FF2B5EF4-FFF2-40B4-BE49-F238E27FC236}">
-                <a16:creationId xmlns:a16="http://schemas.microsoft.com/office/drawing/2014/main" id="{C3D7DB69-A423-E42C-0346-99D75EEFFE4C}"/>
-              </a:ext>
-            </a:extLst>
-          </p:cNvPr>
+          <p:cNvPr id="4" name="Text Placeholder 3"/>
           <p:cNvSpPr>
             <a:spLocks noGrp="1"/>
           </p:cNvSpPr>
@@ -5497,18 +5082,13 @@
               <a:rPr lang="en-US"/>
               <a:t>Click to edit Master text styles</a:t>
             </a:r>
-          </a:p>
-        </p:txBody>
-      </p:sp>
-      <p:sp>
-        <p:nvSpPr>
-          <p:cNvPr id="5" name="Date Placeholder 4">
-            <a:extLst>
-              <a:ext uri="{FF2B5EF4-FFF2-40B4-BE49-F238E27FC236}">
-                <a16:creationId xmlns:a16="http://schemas.microsoft.com/office/drawing/2014/main" id="{E9297964-DDE0-E6D7-3BA0-ABC3487F3039}"/>
-              </a:ext>
-            </a:extLst>
-          </p:cNvPr>
+            <a:endParaRPr lang="en-US"/>
+          </a:p>
+        </p:txBody>
+      </p:sp>
+      <p:sp>
+        <p:nvSpPr>
+          <p:cNvPr id="5" name="Date Placeholder 4"/>
           <p:cNvSpPr>
             <a:spLocks noGrp="1"/>
           </p:cNvSpPr>
@@ -5523,7 +5103,6 @@
           <a:p>
             <a:fld id="{E965B5F8-2D56-4E8E-8AA3-31DB237BD4B3}" type="datetimeFigureOut">
               <a:rPr lang="en-US" smtClean="0"/>
-              <a:t>3/24/2024</a:t>
             </a:fld>
             <a:endParaRPr lang="en-US"/>
           </a:p>
@@ -5531,13 +5110,7 @@
       </p:sp>
       <p:sp>
         <p:nvSpPr>
-          <p:cNvPr id="6" name="Footer Placeholder 5">
-            <a:extLst>
-              <a:ext uri="{FF2B5EF4-FFF2-40B4-BE49-F238E27FC236}">
-                <a16:creationId xmlns:a16="http://schemas.microsoft.com/office/drawing/2014/main" id="{7AA83A7A-AE33-E97A-2893-2E03850AD03C}"/>
-              </a:ext>
-            </a:extLst>
-          </p:cNvPr>
+          <p:cNvPr id="6" name="Footer Placeholder 5"/>
           <p:cNvSpPr>
             <a:spLocks noGrp="1"/>
           </p:cNvSpPr>
@@ -5556,13 +5129,7 @@
       </p:sp>
       <p:sp>
         <p:nvSpPr>
-          <p:cNvPr id="7" name="Slide Number Placeholder 6">
-            <a:extLst>
-              <a:ext uri="{FF2B5EF4-FFF2-40B4-BE49-F238E27FC236}">
-                <a16:creationId xmlns:a16="http://schemas.microsoft.com/office/drawing/2014/main" id="{3686432B-4747-DEED-0024-A77992304A56}"/>
-              </a:ext>
-            </a:extLst>
-          </p:cNvPr>
+          <p:cNvPr id="7" name="Slide Number Placeholder 6"/>
           <p:cNvSpPr>
             <a:spLocks noGrp="1"/>
           </p:cNvSpPr>
@@ -5577,18 +5144,12 @@
           <a:p>
             <a:fld id="{7BDE8A2B-3E39-4986-99F3-7A821D1A3D7B}" type="slidenum">
               <a:rPr lang="en-US" smtClean="0"/>
-              <a:t>‹#›</a:t>
             </a:fld>
             <a:endParaRPr lang="en-US"/>
           </a:p>
         </p:txBody>
       </p:sp>
     </p:spTree>
-    <p:extLst>
-      <p:ext uri="{BB962C8B-B14F-4D97-AF65-F5344CB8AC3E}">
-        <p14:creationId xmlns:p14="http://schemas.microsoft.com/office/powerpoint/2010/main" val="3323084350"/>
-      </p:ext>
-    </p:extLst>
   </p:cSld>
   <p:clrMapOvr>
     <a:masterClrMapping/>
@@ -5620,13 +5181,7 @@
       </p:grpSpPr>
       <p:sp>
         <p:nvSpPr>
-          <p:cNvPr id="2" name="Title Placeholder 1">
-            <a:extLst>
-              <a:ext uri="{FF2B5EF4-FFF2-40B4-BE49-F238E27FC236}">
-                <a16:creationId xmlns:a16="http://schemas.microsoft.com/office/drawing/2014/main" id="{27D74A39-A0C4-B7AE-07CA-9F1E33D6415E}"/>
-              </a:ext>
-            </a:extLst>
-          </p:cNvPr>
+          <p:cNvPr id="2" name="Title Placeholder 1"/>
           <p:cNvSpPr>
             <a:spLocks noGrp="1"/>
           </p:cNvSpPr>
@@ -5653,18 +5208,13 @@
               <a:rPr lang="en-US"/>
               <a:t>Click to edit Master title style</a:t>
             </a:r>
-          </a:p>
-        </p:txBody>
-      </p:sp>
-      <p:sp>
-        <p:nvSpPr>
-          <p:cNvPr id="3" name="Text Placeholder 2">
-            <a:extLst>
-              <a:ext uri="{FF2B5EF4-FFF2-40B4-BE49-F238E27FC236}">
-                <a16:creationId xmlns:a16="http://schemas.microsoft.com/office/drawing/2014/main" id="{BC060B9D-2F95-C6D9-F9A0-15FC232D532B}"/>
-              </a:ext>
-            </a:extLst>
-          </p:cNvPr>
+            <a:endParaRPr lang="en-US"/>
+          </a:p>
+        </p:txBody>
+      </p:sp>
+      <p:sp>
+        <p:nvSpPr>
+          <p:cNvPr id="3" name="Text Placeholder 2"/>
           <p:cNvSpPr>
             <a:spLocks noGrp="1"/>
           </p:cNvSpPr>
@@ -5692,6 +5242,7 @@
               <a:rPr lang="en-US"/>
               <a:t>Click to edit Master text styles</a:t>
             </a:r>
+            <a:endParaRPr lang="en-US"/>
           </a:p>
           <a:p>
             <a:pPr lvl="1"/>
@@ -5699,6 +5250,7 @@
               <a:rPr lang="en-US"/>
               <a:t>Second level</a:t>
             </a:r>
+            <a:endParaRPr lang="en-US"/>
           </a:p>
           <a:p>
             <a:pPr lvl="2"/>
@@ -5706,6 +5258,7 @@
               <a:rPr lang="en-US"/>
               <a:t>Third level</a:t>
             </a:r>
+            <a:endParaRPr lang="en-US"/>
           </a:p>
           <a:p>
             <a:pPr lvl="3"/>
@@ -5713,6 +5266,7 @@
               <a:rPr lang="en-US"/>
               <a:t>Fourth level</a:t>
             </a:r>
+            <a:endParaRPr lang="en-US"/>
           </a:p>
           <a:p>
             <a:pPr lvl="4"/>
@@ -5720,18 +5274,13 @@
               <a:rPr lang="en-US"/>
               <a:t>Fifth level</a:t>
             </a:r>
-          </a:p>
-        </p:txBody>
-      </p:sp>
-      <p:sp>
-        <p:nvSpPr>
-          <p:cNvPr id="4" name="Date Placeholder 3">
-            <a:extLst>
-              <a:ext uri="{FF2B5EF4-FFF2-40B4-BE49-F238E27FC236}">
-                <a16:creationId xmlns:a16="http://schemas.microsoft.com/office/drawing/2014/main" id="{2F4310D6-C2FB-8762-4D0C-59BAB54CC9EA}"/>
-              </a:ext>
-            </a:extLst>
-          </p:cNvPr>
+            <a:endParaRPr lang="en-US"/>
+          </a:p>
+        </p:txBody>
+      </p:sp>
+      <p:sp>
+        <p:nvSpPr>
+          <p:cNvPr id="4" name="Date Placeholder 3"/>
           <p:cNvSpPr>
             <a:spLocks noGrp="1"/>
           </p:cNvSpPr>
@@ -5764,7 +5313,6 @@
           <a:p>
             <a:fld id="{E965B5F8-2D56-4E8E-8AA3-31DB237BD4B3}" type="datetimeFigureOut">
               <a:rPr lang="en-US" smtClean="0"/>
-              <a:t>3/24/2024</a:t>
             </a:fld>
             <a:endParaRPr lang="en-US"/>
           </a:p>
@@ -5772,13 +5320,7 @@
       </p:sp>
       <p:sp>
         <p:nvSpPr>
-          <p:cNvPr id="5" name="Footer Placeholder 4">
-            <a:extLst>
-              <a:ext uri="{FF2B5EF4-FFF2-40B4-BE49-F238E27FC236}">
-                <a16:creationId xmlns:a16="http://schemas.microsoft.com/office/drawing/2014/main" id="{428FA41A-C9E7-D44B-5690-C764CB826363}"/>
-              </a:ext>
-            </a:extLst>
-          </p:cNvPr>
+          <p:cNvPr id="5" name="Footer Placeholder 4"/>
           <p:cNvSpPr>
             <a:spLocks noGrp="1"/>
           </p:cNvSpPr>
@@ -5815,13 +5357,7 @@
       </p:sp>
       <p:sp>
         <p:nvSpPr>
-          <p:cNvPr id="6" name="Slide Number Placeholder 5">
-            <a:extLst>
-              <a:ext uri="{FF2B5EF4-FFF2-40B4-BE49-F238E27FC236}">
-                <a16:creationId xmlns:a16="http://schemas.microsoft.com/office/drawing/2014/main" id="{242EF909-DA50-13A5-5F18-F8599A14E188}"/>
-              </a:ext>
-            </a:extLst>
-          </p:cNvPr>
+          <p:cNvPr id="6" name="Slide Number Placeholder 5"/>
           <p:cNvSpPr>
             <a:spLocks noGrp="1"/>
           </p:cNvSpPr>
@@ -5854,18 +5390,12 @@
           <a:p>
             <a:fld id="{7BDE8A2B-3E39-4986-99F3-7A821D1A3D7B}" type="slidenum">
               <a:rPr lang="en-US" smtClean="0"/>
-              <a:t>‹#›</a:t>
             </a:fld>
             <a:endParaRPr lang="en-US"/>
           </a:p>
         </p:txBody>
       </p:sp>
     </p:spTree>
-    <p:extLst>
-      <p:ext uri="{BB962C8B-B14F-4D97-AF65-F5344CB8AC3E}">
-        <p14:creationId xmlns:p14="http://schemas.microsoft.com/office/powerpoint/2010/main" val="3982134986"/>
-      </p:ext>
-    </p:extLst>
   </p:cSld>
   <p:clrMap bg1="lt1" tx1="dk1" bg2="lt2" tx2="dk2" accent1="accent1" accent2="accent2" accent3="accent3" accent4="accent4" accent5="accent5" accent6="accent6" hlink="hlink" folHlink="folHlink"/>
   <p:sldLayoutIdLst>
@@ -6218,6 +5748,7 @@
               <a:rPr dirty="0"/>
               <a:t>Click to edit Master title style</a:t>
             </a:r>
+            <a:endParaRPr dirty="0"/>
           </a:p>
         </p:txBody>
       </p:sp>
@@ -6253,6 +5784,7 @@
               <a:rPr dirty="0"/>
               <a:t>Click to edit Master text styles</a:t>
             </a:r>
+            <a:endParaRPr dirty="0"/>
           </a:p>
           <a:p>
             <a:pPr lvl="1"/>
@@ -6260,6 +5792,7 @@
               <a:rPr dirty="0"/>
               <a:t>Second level</a:t>
             </a:r>
+            <a:endParaRPr dirty="0"/>
           </a:p>
           <a:p>
             <a:pPr lvl="2"/>
@@ -6267,6 +5800,7 @@
               <a:rPr dirty="0"/>
               <a:t>Third level</a:t>
             </a:r>
+            <a:endParaRPr dirty="0"/>
           </a:p>
           <a:p>
             <a:pPr lvl="3"/>
@@ -6274,6 +5808,7 @@
               <a:rPr dirty="0"/>
               <a:t>Fourth level</a:t>
             </a:r>
+            <a:endParaRPr dirty="0"/>
           </a:p>
           <a:p>
             <a:pPr lvl="4"/>
@@ -6281,6 +5816,7 @@
               <a:rPr dirty="0"/>
               <a:t>Fifth level</a:t>
             </a:r>
+            <a:endParaRPr dirty="0"/>
           </a:p>
         </p:txBody>
       </p:sp>
@@ -6330,10 +5866,6 @@
             </a:pPr>
             <a:fld id="{B42C9122-BF34-435C-A61B-D2201D289E11}" type="datetimeFigureOut">
               <a:rPr lang="en-US" smtClean="0"/>
-              <a:pPr>
-                <a:defRPr/>
-              </a:pPr>
-              <a:t>3/24/2024</a:t>
             </a:fld>
             <a:endParaRPr lang="en-US"/>
           </a:p>
@@ -6424,7 +5956,6 @@
             </a:pPr>
             <a:fld id="{9A0DB2DC-4C9A-4742-B13C-FB6460FD3503}" type="slidenum">
               <a:rPr lang="en-US" dirty="0"/>
-              <a:t>‹#›</a:t>
             </a:fld>
             <a:endParaRPr lang="en-US" dirty="0">
               <a:latin typeface="Arial" panose="020B0604020202020204" pitchFamily="34" charset="0"/>
@@ -6433,11 +5964,6 @@
         </p:txBody>
       </p:sp>
     </p:spTree>
-    <p:extLst>
-      <p:ext uri="{BB962C8B-B14F-4D97-AF65-F5344CB8AC3E}">
-        <p14:creationId xmlns:p14="http://schemas.microsoft.com/office/powerpoint/2010/main" val="2023310160"/>
-      </p:ext>
-    </p:extLst>
   </p:cSld>
   <p:clrMap bg1="lt1" tx1="dk1" bg2="lt2" tx2="dk2" accent1="accent1" accent2="accent2" accent3="accent3" accent4="accent4" accent5="accent5" accent6="accent6" hlink="hlink" folHlink="folHlink"/>
   <p:sldLayoutIdLst>
@@ -6856,13 +6382,7 @@
       </p:grpSpPr>
       <p:sp>
         <p:nvSpPr>
-          <p:cNvPr id="2" name="Title 1">
-            <a:extLst>
-              <a:ext uri="{FF2B5EF4-FFF2-40B4-BE49-F238E27FC236}">
-                <a16:creationId xmlns:a16="http://schemas.microsoft.com/office/drawing/2014/main" id="{050DFD4B-C43C-424C-2158-E27F9B9646F8}"/>
-              </a:ext>
-            </a:extLst>
-          </p:cNvPr>
+          <p:cNvPr id="2" name="Title 1"/>
           <p:cNvSpPr>
             <a:spLocks noGrp="1"/>
           </p:cNvSpPr>
@@ -6880,24 +6400,19 @@
               <a:t>Black Box Testing</a:t>
             </a:r>
             <a:br>
-              <a:rPr lang="en-US" dirty="0"/>
+              <a:rPr lang="en-US" b="1" dirty="0"/>
             </a:br>
             <a:r>
               <a:rPr lang="en-US" b="1" dirty="0"/>
               <a:t>State Transition Testing</a:t>
             </a:r>
-          </a:p>
-        </p:txBody>
-      </p:sp>
-      <p:sp>
-        <p:nvSpPr>
-          <p:cNvPr id="3" name="Subtitle 2">
-            <a:extLst>
-              <a:ext uri="{FF2B5EF4-FFF2-40B4-BE49-F238E27FC236}">
-                <a16:creationId xmlns:a16="http://schemas.microsoft.com/office/drawing/2014/main" id="{97CC0785-3815-7419-C959-ECCDA4AF95A2}"/>
-              </a:ext>
-            </a:extLst>
-          </p:cNvPr>
+            <a:endParaRPr lang="en-US" b="1" dirty="0"/>
+          </a:p>
+        </p:txBody>
+      </p:sp>
+      <p:sp>
+        <p:nvSpPr>
+          <p:cNvPr id="3" name="Subtitle 2"/>
           <p:cNvSpPr>
             <a:spLocks noGrp="1"/>
           </p:cNvSpPr>
@@ -6915,11 +6430,6 @@
         </p:txBody>
       </p:sp>
     </p:spTree>
-    <p:extLst>
-      <p:ext uri="{BB962C8B-B14F-4D97-AF65-F5344CB8AC3E}">
-        <p14:creationId xmlns:p14="http://schemas.microsoft.com/office/powerpoint/2010/main" val="3827140306"/>
-      </p:ext>
-    </p:extLst>
   </p:cSld>
   <p:clrMapOvr>
     <a:masterClrMapping/>
@@ -6946,7 +6456,7 @@
       </p:grpSpPr>
       <p:sp>
         <p:nvSpPr>
-          <p:cNvPr id="20482" name="Title 1"/>
+          <p:cNvPr id="2" name="Title 1"/>
           <p:cNvSpPr>
             <a:spLocks noGrp="1"/>
           </p:cNvSpPr>
@@ -6956,19 +6466,21 @@
         </p:nvSpPr>
         <p:spPr/>
         <p:txBody>
-          <a:bodyPr vert="horz" wrap="square" lIns="91440" tIns="45720" rIns="91440" bIns="45720" anchor="ctr" anchorCtr="0"/>
-          <a:lstStyle/>
-          <a:p>
-            <a:r>
-              <a:rPr b="1" dirty="0"/>
-              <a:t>State Transition Testing</a:t>
-            </a:r>
-          </a:p>
-        </p:txBody>
-      </p:sp>
-      <p:sp>
-        <p:nvSpPr>
-          <p:cNvPr id="20483" name="Content Placeholder 2"/>
+          <a:bodyPr/>
+          <a:lstStyle/>
+          <a:p>
+            <a:pPr algn="ctr"/>
+            <a:r>
+              <a:rPr lang="en-US" b="1" dirty="0"/>
+              <a:t>Finite State Machine (FSM)</a:t>
+            </a:r>
+            <a:endParaRPr lang="en-US" b="1" dirty="0"/>
+          </a:p>
+        </p:txBody>
+      </p:sp>
+      <p:sp>
+        <p:nvSpPr>
+          <p:cNvPr id="3" name="Content Placeholder 2"/>
           <p:cNvSpPr>
             <a:spLocks noGrp="1"/>
           </p:cNvSpPr>
@@ -6978,64 +6490,65 @@
         </p:nvSpPr>
         <p:spPr>
           <a:xfrm>
-            <a:off x="1981199" y="1600200"/>
-            <a:ext cx="9051985" cy="5059392"/>
+            <a:off x="1990725" y="1825625"/>
+            <a:ext cx="9363075" cy="4351338"/>
           </a:xfrm>
         </p:spPr>
         <p:txBody>
-          <a:bodyPr vert="horz" wrap="square" lIns="91440" tIns="45720" rIns="91440" bIns="45720" anchor="t" anchorCtr="0"/>
-          <a:lstStyle/>
-          <a:p>
-            <a:pPr algn="just">
-              <a:buFont typeface="Wingdings" panose="05000000000000000000" pitchFamily="2" charset="2"/>
-              <a:buChar char="ü"/>
-            </a:pPr>
-            <a:r>
-              <a:rPr sz="2400" dirty="0"/>
-              <a:t>State transition testing is used where some aspect of the system can be described in what is called a '</a:t>
-            </a:r>
-            <a:r>
-              <a:rPr sz="2400" i="1" dirty="0">
+          <a:bodyPr/>
+          <a:lstStyle/>
+          <a:p>
+            <a:r>
+              <a:rPr lang="en-US" sz="2400" dirty="0"/>
+              <a:t>An FSM is a behavioral model whose outcome depends upon both previous and current inputs. </a:t>
+            </a:r>
+            <a:endParaRPr lang="en-US" sz="2400" dirty="0"/>
+          </a:p>
+          <a:p>
+            <a:r>
+              <a:rPr lang="en-US" sz="2400" dirty="0"/>
+              <a:t>FSM models can be prepared for software structure or software behavior. </a:t>
+            </a:r>
+            <a:endParaRPr lang="en-US" sz="2400" dirty="0"/>
+          </a:p>
+          <a:p>
+            <a:r>
+              <a:rPr lang="en-US" sz="2400" dirty="0"/>
+              <a:t>It can be used as a tool for functional testing. </a:t>
+            </a:r>
+            <a:endParaRPr lang="en-US" sz="2400" dirty="0"/>
+          </a:p>
+          <a:p>
+            <a:r>
+              <a:rPr lang="en-US" sz="2400" dirty="0"/>
+              <a:t>Many testers prefer to use FSM model as a guide to design functional tests.</a:t>
+            </a:r>
+            <a:endParaRPr lang="en-US" sz="2400" dirty="0"/>
+          </a:p>
+          <a:p>
+            <a:r>
+              <a:rPr lang="en-US" sz="2400" dirty="0"/>
+              <a:t>A finite state system is often shown as a </a:t>
+            </a:r>
+            <a:r>
+              <a:rPr lang="en-US" sz="2400" dirty="0">
                 <a:solidFill>
-                  <a:schemeClr val="tx2">
-                    <a:lumMod val="60000"/>
-                    <a:lumOff val="40000"/>
-                  </a:schemeClr>
+                  <a:srgbClr val="FF0000"/>
                 </a:solidFill>
               </a:rPr>
-              <a:t>finite state machine</a:t>
-            </a:r>
-            <a:r>
-              <a:rPr sz="2400" dirty="0"/>
-              <a:t>'. </a:t>
-            </a:r>
+              <a:t>state diagram</a:t>
+            </a:r>
+            <a:endParaRPr lang="en-US" sz="2400" dirty="0">
+              <a:solidFill>
+                <a:srgbClr val="FF0000"/>
+              </a:solidFill>
+            </a:endParaRPr>
+          </a:p>
+          <a:p>
+            <a:pPr marL="0" indent="0">
+              <a:buNone/>
+            </a:pPr>
             <a:endParaRPr lang="en-US" sz="2400" dirty="0"/>
-          </a:p>
-          <a:p>
-            <a:pPr lvl="1" algn="just">
-              <a:buFont typeface="Wingdings" panose="05000000000000000000" pitchFamily="2" charset="2"/>
-              <a:buChar char="ü"/>
-            </a:pPr>
-            <a:r>
-              <a:rPr sz="2000" dirty="0"/>
-              <a:t>This simply means that the system can be in a (finite) number of different states, and the transitions from one state to another are determined by the rules of the </a:t>
-            </a:r>
-            <a:r>
-              <a:rPr sz="2000" dirty="0">
-                <a:solidFill>
-                  <a:schemeClr val="tx2">
-                    <a:lumMod val="60000"/>
-                    <a:lumOff val="40000"/>
-                  </a:schemeClr>
-                </a:solidFill>
-              </a:rPr>
-              <a:t>'machine</a:t>
-            </a:r>
-            <a:r>
-              <a:rPr sz="2000" dirty="0"/>
-              <a:t>'. </a:t>
-            </a:r>
-            <a:endParaRPr lang="en-US" sz="2000" dirty="0"/>
           </a:p>
         </p:txBody>
       </p:sp>
@@ -7066,13 +6579,7 @@
       </p:grpSpPr>
       <p:sp>
         <p:nvSpPr>
-          <p:cNvPr id="2" name="Title 1">
-            <a:extLst>
-              <a:ext uri="{FF2B5EF4-FFF2-40B4-BE49-F238E27FC236}">
-                <a16:creationId xmlns:a16="http://schemas.microsoft.com/office/drawing/2014/main" id="{7C0713E1-D62C-6D40-CA5B-BCDB0E8E78E9}"/>
-              </a:ext>
-            </a:extLst>
-          </p:cNvPr>
+          <p:cNvPr id="20482" name="Title 1"/>
           <p:cNvSpPr>
             <a:spLocks noGrp="1"/>
           </p:cNvSpPr>
@@ -7082,26 +6589,20 @@
         </p:nvSpPr>
         <p:spPr/>
         <p:txBody>
-          <a:bodyPr/>
-          <a:lstStyle/>
-          <a:p>
-            <a:pPr algn="ctr"/>
-            <a:r>
-              <a:rPr lang="en-US" b="1" dirty="0"/>
-              <a:t>Finite State Machine (FSM)</a:t>
-            </a:r>
-          </a:p>
-        </p:txBody>
-      </p:sp>
-      <p:sp>
-        <p:nvSpPr>
-          <p:cNvPr id="3" name="Content Placeholder 2">
-            <a:extLst>
-              <a:ext uri="{FF2B5EF4-FFF2-40B4-BE49-F238E27FC236}">
-                <a16:creationId xmlns:a16="http://schemas.microsoft.com/office/drawing/2014/main" id="{336FF8AB-DB4D-87C7-19CB-BC0AD4150F03}"/>
-              </a:ext>
-            </a:extLst>
-          </p:cNvPr>
+          <a:bodyPr vert="horz" wrap="square" lIns="91440" tIns="45720" rIns="91440" bIns="45720" anchor="ctr" anchorCtr="0"/>
+          <a:lstStyle/>
+          <a:p>
+            <a:r>
+              <a:rPr b="1" dirty="0"/>
+              <a:t>State Transition Testing</a:t>
+            </a:r>
+            <a:endParaRPr b="1" dirty="0"/>
+          </a:p>
+        </p:txBody>
+      </p:sp>
+      <p:sp>
+        <p:nvSpPr>
+          <p:cNvPr id="20483" name="Content Placeholder 2"/>
           <p:cNvSpPr>
             <a:spLocks noGrp="1"/>
           </p:cNvSpPr>
@@ -7111,65 +6612,68 @@
         </p:nvSpPr>
         <p:spPr>
           <a:xfrm>
-            <a:off x="1990725" y="1825625"/>
-            <a:ext cx="9363075" cy="4351338"/>
+            <a:off x="1981199" y="1600200"/>
+            <a:ext cx="9051985" cy="5059392"/>
           </a:xfrm>
         </p:spPr>
         <p:txBody>
-          <a:bodyPr/>
-          <a:lstStyle/>
-          <a:p>
-            <a:r>
-              <a:rPr lang="en-US" sz="2400" dirty="0"/>
-              <a:t>An FSM is a behavioral model whose outcome depends upon both previous and current inputs. </a:t>
-            </a:r>
-          </a:p>
-          <a:p>
-            <a:r>
-              <a:rPr lang="en-US" sz="2400" dirty="0"/>
-              <a:t>FSM models can be prepared for software structure or software behavior. </a:t>
-            </a:r>
-          </a:p>
-          <a:p>
-            <a:r>
-              <a:rPr lang="en-US" sz="2400" dirty="0"/>
-              <a:t>It can be used as a tool for functional testing. </a:t>
-            </a:r>
-          </a:p>
-          <a:p>
-            <a:r>
-              <a:rPr lang="en-US" sz="2400" dirty="0"/>
-              <a:t>Many testers prefer to use FSM model as a guide to design functional tests.</a:t>
-            </a:r>
-          </a:p>
-          <a:p>
-            <a:r>
-              <a:rPr lang="en-US" sz="2400" dirty="0"/>
-              <a:t>A finite state system is often shown as a </a:t>
-            </a:r>
-            <a:r>
-              <a:rPr lang="en-US" sz="2400" dirty="0">
+          <a:bodyPr vert="horz" wrap="square" lIns="91440" tIns="45720" rIns="91440" bIns="45720" anchor="t" anchorCtr="0"/>
+          <a:lstStyle/>
+          <a:p>
+            <a:pPr algn="just">
+              <a:buFont typeface="Wingdings" panose="05000000000000000000" pitchFamily="2" charset="2"/>
+              <a:buChar char="ü"/>
+            </a:pPr>
+            <a:r>
+              <a:rPr sz="2400" dirty="0"/>
+              <a:t>State transition testing is used where some aspect of the system can be described in what is called a '</a:t>
+            </a:r>
+            <a:r>
+              <a:rPr sz="2400" i="1" dirty="0">
                 <a:solidFill>
-                  <a:srgbClr val="FF0000"/>
+                  <a:schemeClr val="tx2">
+                    <a:lumMod val="60000"/>
+                    <a:lumOff val="40000"/>
+                  </a:schemeClr>
                 </a:solidFill>
               </a:rPr>
-              <a:t>state diagram</a:t>
-            </a:r>
-          </a:p>
-          <a:p>
-            <a:pPr marL="0" indent="0">
-              <a:buNone/>
+              <a:t>finite state machine</a:t>
+            </a:r>
+            <a:r>
+              <a:rPr sz="2400" dirty="0"/>
+              <a:t>'. </a:t>
+            </a:r>
+            <a:endParaRPr lang="en-US" sz="2400" dirty="0"/>
+          </a:p>
+          <a:p>
+            <a:pPr lvl="1" algn="just">
+              <a:buFont typeface="Wingdings" panose="05000000000000000000" pitchFamily="2" charset="2"/>
+              <a:buChar char="ü"/>
             </a:pPr>
-            <a:endParaRPr lang="en-US" sz="2400" dirty="0"/>
+            <a:r>
+              <a:rPr sz="2000" dirty="0"/>
+              <a:t>This simply means that the system can be in a (finite) number of different states, and the transitions from one state to another are determined by the rules of the </a:t>
+            </a:r>
+            <a:r>
+              <a:rPr sz="2000" dirty="0">
+                <a:solidFill>
+                  <a:schemeClr val="tx2">
+                    <a:lumMod val="60000"/>
+                    <a:lumOff val="40000"/>
+                  </a:schemeClr>
+                </a:solidFill>
+              </a:rPr>
+              <a:t>'machine</a:t>
+            </a:r>
+            <a:r>
+              <a:rPr sz="2000" dirty="0"/>
+              <a:t>'. </a:t>
+            </a:r>
+            <a:endParaRPr lang="en-US" sz="2000" dirty="0"/>
           </a:p>
         </p:txBody>
       </p:sp>
     </p:spTree>
-    <p:extLst>
-      <p:ext uri="{BB962C8B-B14F-4D97-AF65-F5344CB8AC3E}">
-        <p14:creationId xmlns:p14="http://schemas.microsoft.com/office/powerpoint/2010/main" val="1045878739"/>
-      </p:ext>
-    </p:extLst>
   </p:cSld>
   <p:clrMapOvr>
     <a:masterClrMapping/>
@@ -7213,6 +6717,7 @@
               <a:rPr b="1" dirty="0"/>
               <a:t>State Transition Testing</a:t>
             </a:r>
+            <a:endParaRPr b="1" dirty="0"/>
           </a:p>
         </p:txBody>
       </p:sp>
@@ -7255,6 +6760,7 @@
               <a:rPr sz="2400" dirty="0"/>
               <a:t> basic parts:</a:t>
             </a:r>
+            <a:endParaRPr sz="2400" dirty="0"/>
           </a:p>
           <a:p>
             <a:pPr algn="just">
@@ -7283,6 +6789,7 @@
               <a:rPr sz="2400" dirty="0"/>
               <a:t> that the software may occupy (open/closed or funded/insufficient funds);</a:t>
             </a:r>
+            <a:endParaRPr sz="2400" dirty="0"/>
           </a:p>
           <a:p>
             <a:pPr algn="just">
@@ -7305,6 +6812,7 @@
               <a:rPr sz="2400" dirty="0"/>
               <a:t> from one state to another (not all transitions are allowed);</a:t>
             </a:r>
+            <a:endParaRPr sz="2400" dirty="0"/>
           </a:p>
           <a:p>
             <a:pPr algn="just">
@@ -7327,6 +6835,7 @@
               <a:rPr sz="2400" dirty="0"/>
               <a:t>a transition (closing a file or withdrawing money);</a:t>
             </a:r>
+            <a:endParaRPr sz="2400" dirty="0"/>
           </a:p>
           <a:p>
             <a:pPr algn="just">
@@ -7349,6 +6858,7 @@
               <a:rPr sz="2400" dirty="0"/>
               <a:t>from a transition (an error message or being given your cash).</a:t>
             </a:r>
+            <a:endParaRPr sz="2400" dirty="0"/>
           </a:p>
         </p:txBody>
       </p:sp>
@@ -7400,6 +6910,7 @@
               <a:rPr b="1" dirty="0"/>
               <a:t>State Transition Testing</a:t>
             </a:r>
+            <a:endParaRPr b="1" dirty="0"/>
           </a:p>
         </p:txBody>
       </p:sp>
@@ -7414,7 +6925,7 @@
           </p:nvPr>
         </p:nvPicPr>
         <p:blipFill>
-          <a:blip r:embed="rId2"/>
+          <a:blip r:embed="rId1"/>
           <a:srcRect/>
           <a:stretch>
             <a:fillRect/>
@@ -7469,25 +6980,25 @@
               </a:rPr>
               <a:t>State Diagram for PIN Entry</a:t>
             </a:r>
-          </a:p>
-        </p:txBody>
-      </p:sp>
-      <p:sp>
-        <p:nvSpPr>
-          <p:cNvPr id="3" name="TextBox 2">
-            <a:extLst>
-              <a:ext uri="{FF2B5EF4-FFF2-40B4-BE49-F238E27FC236}">
-                <a16:creationId xmlns:a16="http://schemas.microsoft.com/office/drawing/2014/main" id="{DE0034B0-3CE2-6FA5-1301-E321896FD9F0}"/>
-              </a:ext>
-            </a:extLst>
-          </p:cNvPr>
+            <a:endParaRPr b="1" dirty="0">
+              <a:solidFill>
+                <a:prstClr val="black"/>
+              </a:solidFill>
+              <a:latin typeface="Arial" panose="020B0604020202020204" pitchFamily="34" charset="0"/>
+            </a:endParaRPr>
+          </a:p>
+        </p:txBody>
+      </p:sp>
+      <p:sp>
+        <p:nvSpPr>
+          <p:cNvPr id="3" name="TextBox 2"/>
           <p:cNvSpPr txBox="1"/>
           <p:nvPr/>
         </p:nvSpPr>
         <p:spPr>
           <a:xfrm>
             <a:off x="2390774" y="1295311"/>
-            <a:ext cx="8220075" cy="1200329"/>
+            <a:ext cx="8220075" cy="1198880"/>
           </a:xfrm>
           <a:prstGeom prst="rect">
             <a:avLst/>
@@ -7501,36 +7012,10 @@
           <a:lstStyle/>
           <a:p>
             <a:r>
-              <a:rPr lang="en-US" sz="2400" dirty="0">
-                <a:solidFill>
-                  <a:srgbClr val="000000"/>
-                </a:solidFill>
-                <a:effectLst/>
-                <a:latin typeface="BaskervilleBE"/>
-              </a:rPr>
-              <a:t>States are represented by </a:t>
-            </a:r>
-            <a:r>
-              <a:rPr lang="en-US" sz="2400" i="1" dirty="0">
-                <a:solidFill>
-                  <a:srgbClr val="000000"/>
-                </a:solidFill>
-                <a:effectLst/>
-                <a:latin typeface="BaskervilleBE-Italic"/>
-              </a:rPr>
-              <a:t>nodes</a:t>
-            </a:r>
-            <a:r>
-              <a:rPr lang="en-US" sz="2400" dirty="0">
-                <a:solidFill>
-                  <a:srgbClr val="000000"/>
-                </a:solidFill>
-                <a:effectLst/>
-                <a:latin typeface="BaskervilleBE"/>
-              </a:rPr>
-              <a:t>. Now with the help of nodes and transition links between the nodes, a state transition diagram or state graph is prepared. </a:t>
-            </a:r>
-            <a:endParaRPr lang="en-US" sz="2400" dirty="0"/>
+              <a:rPr sz="2400" dirty="0"/>
+              <a:t>States are represented by nodes. Now with the help of nodes and transition links between the nodes, a state transition diagram or state graph is prepared. </a:t>
+            </a:r>
+            <a:endParaRPr sz="2400" dirty="0"/>
           </a:p>
         </p:txBody>
       </p:sp>
@@ -7578,6 +7063,7 @@
               <a:rPr b="1" dirty="0"/>
               <a:t>State Transition Testing</a:t>
             </a:r>
+            <a:endParaRPr b="1" dirty="0"/>
           </a:p>
         </p:txBody>
       </p:sp>
@@ -7623,6 +7109,12 @@
               </a:rPr>
               <a:t>State table for the PIN example</a:t>
             </a:r>
+            <a:endParaRPr b="1" dirty="0">
+              <a:solidFill>
+                <a:prstClr val="black"/>
+              </a:solidFill>
+              <a:latin typeface="Arial" panose="020B0604020202020204" pitchFamily="34" charset="0"/>
+            </a:endParaRPr>
           </a:p>
         </p:txBody>
       </p:sp>
@@ -7637,7 +7129,7 @@
           </p:nvPr>
         </p:nvPicPr>
         <p:blipFill>
-          <a:blip r:embed="rId2"/>
+          <a:blip r:embed="rId1"/>
           <a:srcRect/>
           <a:stretch>
             <a:fillRect/>
@@ -7652,20 +7144,14 @@
       </p:pic>
       <p:sp>
         <p:nvSpPr>
-          <p:cNvPr id="3" name="TextBox 2">
-            <a:extLst>
-              <a:ext uri="{FF2B5EF4-FFF2-40B4-BE49-F238E27FC236}">
-                <a16:creationId xmlns:a16="http://schemas.microsoft.com/office/drawing/2014/main" id="{83B0858E-BF31-16CE-D495-50BF95C1BEF3}"/>
-              </a:ext>
-            </a:extLst>
-          </p:cNvPr>
+          <p:cNvPr id="3" name="TextBox 2"/>
           <p:cNvSpPr txBox="1"/>
           <p:nvPr/>
         </p:nvSpPr>
         <p:spPr>
           <a:xfrm>
-            <a:off x="2305050" y="1162774"/>
-            <a:ext cx="8924926" cy="1631216"/>
+            <a:off x="1968500" y="1162685"/>
+            <a:ext cx="9261475" cy="1630045"/>
           </a:xfrm>
           <a:prstGeom prst="rect">
             <a:avLst/>
@@ -7678,68 +7164,55 @@
           </a:bodyPr>
           <a:lstStyle/>
           <a:p>
-            <a:r>
-              <a:rPr lang="en-US" sz="2000" dirty="0">
-                <a:solidFill>
-                  <a:srgbClr val="000000"/>
-                </a:solidFill>
-                <a:effectLst/>
-                <a:latin typeface="BaskervilleBE"/>
-              </a:rPr>
+            <a:pPr algn="l">
+              <a:buClrTx/>
+              <a:buSzTx/>
+              <a:buFontTx/>
+            </a:pPr>
+            <a:r>
+              <a:rPr sz="2000" dirty="0"/>
               <a:t>The following conventions are used for the state table : </a:t>
             </a:r>
-            <a:endParaRPr lang="en-US" sz="2000" dirty="0"/>
-          </a:p>
-          <a:p>
-            <a:pPr marL="914400" lvl="1" indent="-457200">
-              <a:buFont typeface="+mj-lt"/>
+            <a:endParaRPr sz="2000" dirty="0"/>
+          </a:p>
+          <a:p>
+            <a:pPr lvl="1" indent="-457200" algn="l">
+              <a:buClrTx/>
+              <a:buSzTx/>
+              <a:buFontTx/>
               <a:buAutoNum type="arabicPeriod"/>
             </a:pPr>
             <a:r>
-              <a:rPr lang="en-US" sz="2000" dirty="0">
-                <a:solidFill>
-                  <a:srgbClr val="000000"/>
-                </a:solidFill>
-                <a:effectLst/>
-                <a:latin typeface="BaskervilleBE"/>
-              </a:rPr>
+              <a:rPr sz="2000" dirty="0"/>
               <a:t>Each row of the table corresponds to a state. </a:t>
             </a:r>
-            <a:endParaRPr lang="en-US" sz="2000" dirty="0"/>
-          </a:p>
-          <a:p>
-            <a:pPr marL="914400" lvl="1" indent="-457200">
-              <a:buFont typeface="+mj-lt"/>
+            <a:endParaRPr sz="2000" dirty="0"/>
+          </a:p>
+          <a:p>
+            <a:pPr lvl="1" indent="-457200" algn="l">
+              <a:buClrTx/>
+              <a:buSzTx/>
+              <a:buFontTx/>
               <a:buAutoNum type="arabicPeriod"/>
             </a:pPr>
             <a:r>
-              <a:rPr lang="en-US" sz="2000" dirty="0">
-                <a:solidFill>
-                  <a:srgbClr val="000000"/>
-                </a:solidFill>
-                <a:effectLst/>
-                <a:latin typeface="BaskervilleBE"/>
-              </a:rPr>
+              <a:rPr sz="2000" dirty="0"/>
               <a:t>Each column corresponds to an input condition. </a:t>
             </a:r>
-            <a:endParaRPr lang="en-US" sz="2000" dirty="0"/>
-          </a:p>
-          <a:p>
-            <a:pPr marL="914400" lvl="1" indent="-457200">
-              <a:buFont typeface="+mj-lt"/>
+            <a:endParaRPr sz="2000" dirty="0"/>
+          </a:p>
+          <a:p>
+            <a:pPr lvl="1" indent="-457200" algn="l">
+              <a:buClrTx/>
+              <a:buSzTx/>
+              <a:buFontTx/>
               <a:buAutoNum type="arabicPeriod"/>
             </a:pPr>
             <a:r>
-              <a:rPr lang="en-US" sz="2000" dirty="0">
-                <a:solidFill>
-                  <a:srgbClr val="000000"/>
-                </a:solidFill>
-                <a:effectLst/>
-                <a:latin typeface="BaskervilleBE"/>
-              </a:rPr>
+              <a:rPr sz="2000" dirty="0"/>
               <a:t>The box at the intersection of a row and a column specifies the next state (transition) and the output, if any.</a:t>
             </a:r>
-            <a:endParaRPr lang="en-US" sz="2000" dirty="0"/>
+            <a:endParaRPr sz="2000" dirty="0"/>
           </a:p>
         </p:txBody>
       </p:sp>
@@ -7770,13 +7243,7 @@
       </p:grpSpPr>
       <p:sp>
         <p:nvSpPr>
-          <p:cNvPr id="2" name="Title 1">
-            <a:extLst>
-              <a:ext uri="{FF2B5EF4-FFF2-40B4-BE49-F238E27FC236}">
-                <a16:creationId xmlns:a16="http://schemas.microsoft.com/office/drawing/2014/main" id="{5BD02A7E-CCC4-EEC1-8022-5BA6BB028547}"/>
-              </a:ext>
-            </a:extLst>
-          </p:cNvPr>
+          <p:cNvPr id="2" name="Title 1"/>
           <p:cNvSpPr>
             <a:spLocks noGrp="1"/>
           </p:cNvSpPr>
@@ -7793,18 +7260,13 @@
               <a:rPr lang="en-US" dirty="0"/>
               <a:t>Example 2: Class Activity </a:t>
             </a:r>
-          </a:p>
-        </p:txBody>
-      </p:sp>
-      <p:sp>
-        <p:nvSpPr>
-          <p:cNvPr id="3" name="Content Placeholder 2">
-            <a:extLst>
-              <a:ext uri="{FF2B5EF4-FFF2-40B4-BE49-F238E27FC236}">
-                <a16:creationId xmlns:a16="http://schemas.microsoft.com/office/drawing/2014/main" id="{8579194D-E71C-4204-F0E7-4D76AACC2282}"/>
-              </a:ext>
-            </a:extLst>
-          </p:cNvPr>
+            <a:endParaRPr lang="en-US" dirty="0"/>
+          </a:p>
+        </p:txBody>
+      </p:sp>
+      <p:sp>
+        <p:nvSpPr>
+          <p:cNvPr id="3" name="Content Placeholder 2"/>
           <p:cNvSpPr>
             <a:spLocks noGrp="1"/>
           </p:cNvSpPr>
@@ -7822,11 +7284,6 @@
         </p:txBody>
       </p:sp>
     </p:spTree>
-    <p:extLst>
-      <p:ext uri="{BB962C8B-B14F-4D97-AF65-F5344CB8AC3E}">
-        <p14:creationId xmlns:p14="http://schemas.microsoft.com/office/powerpoint/2010/main" val="688636151"/>
-      </p:ext>
-    </p:extLst>
   </p:cSld>
   <p:clrMapOvr>
     <a:masterClrMapping/>
@@ -7853,13 +7310,7 @@
       </p:grpSpPr>
       <p:sp>
         <p:nvSpPr>
-          <p:cNvPr id="2" name="Title 1">
-            <a:extLst>
-              <a:ext uri="{FF2B5EF4-FFF2-40B4-BE49-F238E27FC236}">
-                <a16:creationId xmlns:a16="http://schemas.microsoft.com/office/drawing/2014/main" id="{973BBE60-D8AD-1FFD-4C34-957001A5FF6B}"/>
-              </a:ext>
-            </a:extLst>
-          </p:cNvPr>
+          <p:cNvPr id="2" name="Title 1"/>
           <p:cNvSpPr>
             <a:spLocks noGrp="1"/>
           </p:cNvSpPr>
@@ -7876,18 +7327,13 @@
               <a:rPr lang="en-US" b="1" dirty="0"/>
               <a:t>Example 3: Homework</a:t>
             </a:r>
-          </a:p>
-        </p:txBody>
-      </p:sp>
-      <p:sp>
-        <p:nvSpPr>
-          <p:cNvPr id="3" name="Content Placeholder 2">
-            <a:extLst>
-              <a:ext uri="{FF2B5EF4-FFF2-40B4-BE49-F238E27FC236}">
-                <a16:creationId xmlns:a16="http://schemas.microsoft.com/office/drawing/2014/main" id="{B904DB7A-7591-020D-86DF-F283E26B5FAA}"/>
-              </a:ext>
-            </a:extLst>
-          </p:cNvPr>
+            <a:endParaRPr lang="en-US" b="1" dirty="0"/>
+          </a:p>
+        </p:txBody>
+      </p:sp>
+      <p:sp>
+        <p:nvSpPr>
+          <p:cNvPr id="3" name="Content Placeholder 2"/>
           <p:cNvSpPr>
             <a:spLocks noGrp="1"/>
           </p:cNvSpPr>
@@ -7909,6 +7355,7 @@
               <a:rPr lang="en-US" sz="2000" dirty="0"/>
               <a:t>Consider a system having an FSM for a stack having the following states and transitions:</a:t>
             </a:r>
+            <a:endParaRPr lang="en-US" sz="2000" dirty="0"/>
           </a:p>
           <a:p>
             <a:pPr marL="0" indent="0">
@@ -7918,6 +7365,7 @@
               <a:rPr lang="en-US" sz="2000" dirty="0"/>
               <a:t>States </a:t>
             </a:r>
+            <a:endParaRPr lang="en-US" sz="2000" dirty="0"/>
           </a:p>
           <a:p>
             <a:pPr lvl="1"/>
@@ -7925,6 +7373,7 @@
               <a:rPr lang="en-US" sz="2000" dirty="0"/>
               <a:t>Initial: Before creation </a:t>
             </a:r>
+            <a:endParaRPr lang="en-US" sz="2000" dirty="0"/>
           </a:p>
           <a:p>
             <a:pPr lvl="1"/>
@@ -7932,6 +7381,7 @@
               <a:rPr lang="en-US" sz="2000" dirty="0"/>
               <a:t>Empty: Number of elements = 0 </a:t>
             </a:r>
+            <a:endParaRPr lang="en-US" sz="2000" dirty="0"/>
           </a:p>
           <a:p>
             <a:pPr lvl="1"/>
@@ -7939,6 +7389,7 @@
               <a:rPr lang="en-US" sz="2000" dirty="0"/>
               <a:t>Holding: Number of elements &gt; 0, but less than the maximum capacity </a:t>
             </a:r>
+            <a:endParaRPr lang="en-US" sz="2000" dirty="0"/>
           </a:p>
           <a:p>
             <a:pPr lvl="1"/>
@@ -7946,6 +7397,7 @@
               <a:rPr lang="en-US" sz="2000" dirty="0"/>
               <a:t>Full: Number elements = maximum </a:t>
             </a:r>
+            <a:endParaRPr lang="en-US" sz="2000" dirty="0"/>
           </a:p>
           <a:p>
             <a:pPr lvl="1"/>
@@ -7953,6 +7405,7 @@
               <a:rPr lang="en-US" sz="2000" dirty="0"/>
               <a:t>Final: After destruction</a:t>
             </a:r>
+            <a:endParaRPr lang="en-US" sz="2000" dirty="0"/>
           </a:p>
           <a:p>
             <a:pPr marL="0" indent="0">
@@ -7962,6 +7415,7 @@
               <a:rPr lang="en-US" sz="2000" dirty="0"/>
               <a:t>Transitions </a:t>
             </a:r>
+            <a:endParaRPr lang="en-US" sz="2000" dirty="0"/>
           </a:p>
           <a:p>
             <a:pPr lvl="1"/>
@@ -7969,6 +7423,7 @@
               <a:rPr lang="en-US" sz="2000" dirty="0"/>
               <a:t>Initial to Empty: Create </a:t>
             </a:r>
+            <a:endParaRPr lang="en-US" sz="2000" dirty="0"/>
           </a:p>
           <a:p>
             <a:pPr lvl="1"/>
@@ -7976,6 +7431,7 @@
               <a:rPr lang="en-US" sz="2000" dirty="0"/>
               <a:t>Empty to Holding, Empty to Full, Holding to Holding, Holding to Full: Add </a:t>
             </a:r>
+            <a:endParaRPr lang="en-US" sz="2000" dirty="0"/>
           </a:p>
           <a:p>
             <a:pPr lvl="1"/>
@@ -7983,6 +7439,7 @@
               <a:rPr lang="en-US" sz="2000" dirty="0"/>
               <a:t>Empty to Final, Full to Final, Holding to Final: Destroy </a:t>
             </a:r>
+            <a:endParaRPr lang="en-US" sz="2000" dirty="0"/>
           </a:p>
           <a:p>
             <a:pPr lvl="1"/>
@@ -7990,6 +7447,7 @@
               <a:rPr lang="en-US" sz="2000" dirty="0"/>
               <a:t>Holding to Empty, Full to Holding, Full to Empty: Delete </a:t>
             </a:r>
+            <a:endParaRPr lang="en-US" sz="2000" dirty="0"/>
           </a:p>
           <a:p>
             <a:pPr lvl="1"/>
@@ -7997,15 +7455,11 @@
               <a:rPr lang="en-US" sz="2000" dirty="0"/>
               <a:t>Design test cases for this FSM using state table-based testing.</a:t>
             </a:r>
+            <a:endParaRPr lang="en-US" sz="2000" dirty="0"/>
           </a:p>
         </p:txBody>
       </p:sp>
     </p:spTree>
-    <p:extLst>
-      <p:ext uri="{BB962C8B-B14F-4D97-AF65-F5344CB8AC3E}">
-        <p14:creationId xmlns:p14="http://schemas.microsoft.com/office/powerpoint/2010/main" val="2876498304"/>
-      </p:ext>
-    </p:extLst>
   </p:cSld>
   <p:clrMapOvr>
     <a:masterClrMapping/>
@@ -8056,7 +7510,7 @@
     </a:clrScheme>
     <a:fontScheme name="Office">
       <a:majorFont>
-        <a:latin typeface="Calibri Light" panose="020F0302020204030204"/>
+        <a:latin typeface="Calibri Light"/>
         <a:ea typeface=""/>
         <a:cs typeface=""/>
         <a:font script="Jpan" typeface="游ゴシック Light"/>
@@ -8089,26 +7543,9 @@
         <a:font script="Viet" typeface="Times New Roman"/>
         <a:font script="Uigh" typeface="Microsoft Uighur"/>
         <a:font script="Geor" typeface="Sylfaen"/>
-        <a:font script="Armn" typeface="Arial"/>
-        <a:font script="Bugi" typeface="Leelawadee UI"/>
-        <a:font script="Bopo" typeface="Microsoft JhengHei"/>
-        <a:font script="Java" typeface="Javanese Text"/>
-        <a:font script="Lisu" typeface="Segoe UI"/>
-        <a:font script="Mymr" typeface="Myanmar Text"/>
-        <a:font script="Nkoo" typeface="Ebrima"/>
-        <a:font script="Olck" typeface="Nirmala UI"/>
-        <a:font script="Osma" typeface="Ebrima"/>
-        <a:font script="Phag" typeface="Phagspa"/>
-        <a:font script="Syrn" typeface="Estrangelo Edessa"/>
-        <a:font script="Syrj" typeface="Estrangelo Edessa"/>
-        <a:font script="Syre" typeface="Estrangelo Edessa"/>
-        <a:font script="Sora" typeface="Nirmala UI"/>
-        <a:font script="Tale" typeface="Microsoft Tai Le"/>
-        <a:font script="Talu" typeface="Microsoft New Tai Lue"/>
-        <a:font script="Tfng" typeface="Ebrima"/>
       </a:majorFont>
       <a:minorFont>
-        <a:latin typeface="Calibri" panose="020F0502020204030204"/>
+        <a:latin typeface="Calibri"/>
         <a:ea typeface=""/>
         <a:cs typeface=""/>
         <a:font script="Jpan" typeface="游ゴシック"/>
@@ -8141,23 +7578,6 @@
         <a:font script="Viet" typeface="Arial"/>
         <a:font script="Uigh" typeface="Microsoft Uighur"/>
         <a:font script="Geor" typeface="Sylfaen"/>
-        <a:font script="Armn" typeface="Arial"/>
-        <a:font script="Bugi" typeface="Leelawadee UI"/>
-        <a:font script="Bopo" typeface="Microsoft JhengHei"/>
-        <a:font script="Java" typeface="Javanese Text"/>
-        <a:font script="Lisu" typeface="Segoe UI"/>
-        <a:font script="Mymr" typeface="Myanmar Text"/>
-        <a:font script="Nkoo" typeface="Ebrima"/>
-        <a:font script="Olck" typeface="Nirmala UI"/>
-        <a:font script="Osma" typeface="Ebrima"/>
-        <a:font script="Phag" typeface="Phagspa"/>
-        <a:font script="Syrn" typeface="Estrangelo Edessa"/>
-        <a:font script="Syrj" typeface="Estrangelo Edessa"/>
-        <a:font script="Syre" typeface="Estrangelo Edessa"/>
-        <a:font script="Sora" typeface="Nirmala UI"/>
-        <a:font script="Tale" typeface="Microsoft Tai Le"/>
-        <a:font script="Talu" typeface="Microsoft New Tai Lue"/>
-        <a:font script="Tfng" typeface="Ebrima"/>
       </a:minorFont>
     </a:fontScheme>
     <a:fmtScheme name="Office">
@@ -8298,8 +7718,6 @@
       </a:bgFillStyleLst>
     </a:fmtScheme>
   </a:themeElements>
-  <a:objectDefaults/>
-  <a:extraClrSchemeLst/>
   <a:extLst>
     <a:ext uri="{05A4C25C-085E-4340-85A3-A5531E510DB2}">
       <thm15:themeFamily xmlns:thm15="http://schemas.microsoft.com/office/thememl/2012/main" name="Office Theme" id="{62F939B6-93AF-4DB8-9C6B-D6C7DFDC589F}" vid="{4A3C46E8-61CC-4603-A589-7422A47A8E4A}"/>
@@ -8586,8 +8004,6 @@
       </a:bgFillStyleLst>
     </a:fmtScheme>
   </a:themeElements>
-  <a:objectDefaults/>
-  <a:extraClrSchemeLst/>
   <a:extLst>
     <a:ext uri="{05A4C25C-085E-4340-85A3-A5531E510DB2}">
       <thm15:themeFamily xmlns:thm15="http://schemas.microsoft.com/office/thememl/2012/main" name="Office Theme" id="{62F939B6-93AF-4DB8-9C6B-D6C7DFDC589F}" vid="{4A3C46E8-61CC-4603-A589-7422A47A8E4A}"/>
